--- a/非受控文档/过程文档/UML基础2/UML基础2.pptx
+++ b/非受控文档/过程文档/UML基础2/UML基础2.pptx
@@ -5,65 +5,67 @@
     <p:sldMasterId id="2147483648" r:id="rId1"/>
   </p:sldMasterIdLst>
   <p:notesMasterIdLst>
-    <p:notesMasterId r:id="rId59"/>
+    <p:notesMasterId r:id="rId60"/>
   </p:notesMasterIdLst>
   <p:sldIdLst>
-    <p:sldId id="387" r:id="rId3"/>
-    <p:sldId id="257" r:id="rId4"/>
-    <p:sldId id="258" r:id="rId5"/>
-    <p:sldId id="280" r:id="rId6"/>
-    <p:sldId id="389" r:id="rId7"/>
-    <p:sldId id="390" r:id="rId8"/>
-    <p:sldId id="407" r:id="rId9"/>
-    <p:sldId id="406" r:id="rId10"/>
-    <p:sldId id="408" r:id="rId11"/>
-    <p:sldId id="409" r:id="rId12"/>
-    <p:sldId id="410" r:id="rId13"/>
-    <p:sldId id="411" r:id="rId14"/>
-    <p:sldId id="412" r:id="rId15"/>
-    <p:sldId id="414" r:id="rId16"/>
-    <p:sldId id="426" r:id="rId17"/>
-    <p:sldId id="415" r:id="rId18"/>
-    <p:sldId id="417" r:id="rId19"/>
-    <p:sldId id="418" r:id="rId20"/>
-    <p:sldId id="419" r:id="rId21"/>
-    <p:sldId id="298" r:id="rId22"/>
-    <p:sldId id="282" r:id="rId23"/>
-    <p:sldId id="391" r:id="rId24"/>
-    <p:sldId id="394" r:id="rId25"/>
-    <p:sldId id="428" r:id="rId26"/>
-    <p:sldId id="429" r:id="rId27"/>
-    <p:sldId id="430" r:id="rId28"/>
-    <p:sldId id="427" r:id="rId29"/>
-    <p:sldId id="397" r:id="rId30"/>
-    <p:sldId id="398" r:id="rId31"/>
-    <p:sldId id="399" r:id="rId32"/>
-    <p:sldId id="400" r:id="rId33"/>
-    <p:sldId id="431" r:id="rId34"/>
-    <p:sldId id="432" r:id="rId35"/>
-    <p:sldId id="433" r:id="rId36"/>
-    <p:sldId id="434" r:id="rId37"/>
-    <p:sldId id="435" r:id="rId38"/>
-    <p:sldId id="436" r:id="rId39"/>
-    <p:sldId id="437" r:id="rId40"/>
-    <p:sldId id="438" r:id="rId41"/>
-    <p:sldId id="299" r:id="rId42"/>
-    <p:sldId id="294" r:id="rId43"/>
-    <p:sldId id="295" r:id="rId44"/>
-    <p:sldId id="296" r:id="rId45"/>
-    <p:sldId id="259" r:id="rId46"/>
-    <p:sldId id="302" r:id="rId47"/>
-    <p:sldId id="401" r:id="rId48"/>
-    <p:sldId id="402" r:id="rId49"/>
-    <p:sldId id="403" r:id="rId50"/>
-    <p:sldId id="404" r:id="rId51"/>
-    <p:sldId id="405" r:id="rId52"/>
-    <p:sldId id="339" r:id="rId53"/>
-    <p:sldId id="343" r:id="rId54"/>
-    <p:sldId id="370" r:id="rId55"/>
+    <p:sldId id="387" r:id="rId2"/>
+    <p:sldId id="257" r:id="rId3"/>
+    <p:sldId id="258" r:id="rId4"/>
+    <p:sldId id="280" r:id="rId5"/>
+    <p:sldId id="389" r:id="rId6"/>
+    <p:sldId id="390" r:id="rId7"/>
+    <p:sldId id="407" r:id="rId8"/>
+    <p:sldId id="406" r:id="rId9"/>
+    <p:sldId id="408" r:id="rId10"/>
+    <p:sldId id="409" r:id="rId11"/>
+    <p:sldId id="410" r:id="rId12"/>
+    <p:sldId id="411" r:id="rId13"/>
+    <p:sldId id="412" r:id="rId14"/>
+    <p:sldId id="414" r:id="rId15"/>
+    <p:sldId id="426" r:id="rId16"/>
+    <p:sldId id="415" r:id="rId17"/>
+    <p:sldId id="417" r:id="rId18"/>
+    <p:sldId id="418" r:id="rId19"/>
+    <p:sldId id="419" r:id="rId20"/>
+    <p:sldId id="298" r:id="rId21"/>
+    <p:sldId id="282" r:id="rId22"/>
+    <p:sldId id="391" r:id="rId23"/>
+    <p:sldId id="394" r:id="rId24"/>
+    <p:sldId id="428" r:id="rId25"/>
+    <p:sldId id="429" r:id="rId26"/>
+    <p:sldId id="430" r:id="rId27"/>
+    <p:sldId id="427" r:id="rId28"/>
+    <p:sldId id="397" r:id="rId29"/>
+    <p:sldId id="398" r:id="rId30"/>
+    <p:sldId id="399" r:id="rId31"/>
+    <p:sldId id="400" r:id="rId32"/>
+    <p:sldId id="431" r:id="rId33"/>
+    <p:sldId id="432" r:id="rId34"/>
+    <p:sldId id="433" r:id="rId35"/>
+    <p:sldId id="434" r:id="rId36"/>
+    <p:sldId id="435" r:id="rId37"/>
+    <p:sldId id="436" r:id="rId38"/>
+    <p:sldId id="437" r:id="rId39"/>
+    <p:sldId id="438" r:id="rId40"/>
+    <p:sldId id="299" r:id="rId41"/>
+    <p:sldId id="294" r:id="rId42"/>
+    <p:sldId id="295" r:id="rId43"/>
+    <p:sldId id="296" r:id="rId44"/>
+    <p:sldId id="259" r:id="rId45"/>
+    <p:sldId id="302" r:id="rId46"/>
+    <p:sldId id="401" r:id="rId47"/>
+    <p:sldId id="402" r:id="rId48"/>
+    <p:sldId id="403" r:id="rId49"/>
+    <p:sldId id="404" r:id="rId50"/>
+    <p:sldId id="405" r:id="rId51"/>
+    <p:sldId id="439" r:id="rId52"/>
+    <p:sldId id="441" r:id="rId53"/>
+    <p:sldId id="339" r:id="rId54"/>
+    <p:sldId id="343" r:id="rId55"/>
     <p:sldId id="368" r:id="rId56"/>
-    <p:sldId id="369" r:id="rId57"/>
-    <p:sldId id="279" r:id="rId58"/>
+    <p:sldId id="440" r:id="rId57"/>
+    <p:sldId id="369" r:id="rId58"/>
+    <p:sldId id="279" r:id="rId59"/>
   </p:sldIdLst>
   <p:sldSz cx="12192000" cy="6858000"/>
   <p:notesSz cx="6858000" cy="9144000"/>
@@ -162,6 +164,22 @@
       </a:defRPr>
     </a:lvl9pPr>
   </p:defaultTextStyle>
+  <p:extLst>
+    <p:ext uri="{EFAFB233-063F-42B5-8137-9DF3F51BA10A}">
+      <p15:sldGuideLst xmlns:p15="http://schemas.microsoft.com/office/powerpoint/2012/main">
+        <p15:guide id="1" orient="horz" pos="2160">
+          <p15:clr>
+            <a:srgbClr val="A4A3A4"/>
+          </p15:clr>
+        </p15:guide>
+        <p15:guide id="2" pos="3840">
+          <p15:clr>
+            <a:srgbClr val="A4A3A4"/>
+          </p15:clr>
+        </p15:guide>
+      </p15:sldGuideLst>
+    </p:ext>
+  </p:extLst>
 </p:presentation>
 </file>
 
@@ -247,6 +265,7 @@
           <a:p>
             <a:fld id="{959EEDEB-74DD-4590-ADB0-3BDFBC7AA6C1}" type="datetimeFigureOut">
               <a:rPr lang="zh-CN" altLang="en-US" smtClean="0"/>
+              <a:t>2018/11/4</a:t>
             </a:fld>
             <a:endParaRPr lang="zh-CN" altLang="en-US"/>
           </a:p>
@@ -313,7 +332,6 @@
               <a:rPr lang="zh-CN" altLang="en-US"/>
               <a:t>单击此处编辑母版文本样式</a:t>
             </a:r>
-            <a:endParaRPr lang="zh-CN" altLang="en-US"/>
           </a:p>
           <a:p>
             <a:pPr lvl="1"/>
@@ -321,7 +339,6 @@
               <a:rPr lang="zh-CN" altLang="en-US"/>
               <a:t>第二级</a:t>
             </a:r>
-            <a:endParaRPr lang="zh-CN" altLang="en-US"/>
           </a:p>
           <a:p>
             <a:pPr lvl="2"/>
@@ -329,7 +346,6 @@
               <a:rPr lang="zh-CN" altLang="en-US"/>
               <a:t>第三级</a:t>
             </a:r>
-            <a:endParaRPr lang="zh-CN" altLang="en-US"/>
           </a:p>
           <a:p>
             <a:pPr lvl="3"/>
@@ -337,7 +353,6 @@
               <a:rPr lang="zh-CN" altLang="en-US"/>
               <a:t>第四级</a:t>
             </a:r>
-            <a:endParaRPr lang="zh-CN" altLang="en-US"/>
           </a:p>
           <a:p>
             <a:pPr lvl="4"/>
@@ -345,7 +360,6 @@
               <a:rPr lang="zh-CN" altLang="en-US"/>
               <a:t>第五级</a:t>
             </a:r>
-            <a:endParaRPr lang="zh-CN" altLang="en-US"/>
           </a:p>
         </p:txBody>
       </p:sp>
@@ -409,6 +423,7 @@
           <a:p>
             <a:fld id="{195043DD-9C8A-432D-8FD9-15B0804A3EB1}" type="slidenum">
               <a:rPr lang="zh-CN" altLang="en-US" smtClean="0"/>
+              <a:t>‹#›</a:t>
             </a:fld>
             <a:endParaRPr lang="zh-CN" altLang="en-US"/>
           </a:p>
@@ -557,7 +572,6 @@
               <a:rPr lang="zh-CN" altLang="en-US"/>
               <a:t>单击此处编辑母版标题样式</a:t>
             </a:r>
-            <a:endParaRPr lang="zh-CN" altLang="en-US"/>
           </a:p>
         </p:txBody>
       </p:sp>
@@ -622,7 +636,6 @@
               <a:rPr lang="zh-CN" altLang="en-US"/>
               <a:t>单击此处编辑母版副标题样式</a:t>
             </a:r>
-            <a:endParaRPr lang="zh-CN" altLang="en-US"/>
           </a:p>
         </p:txBody>
       </p:sp>
@@ -643,6 +656,7 @@
           <a:p>
             <a:fld id="{698485DF-3FAB-45E9-A642-7745AB3E3AFD}" type="datetimeFigureOut">
               <a:rPr lang="zh-CN" altLang="en-US" smtClean="0"/>
+              <a:t>2018/11/4</a:t>
             </a:fld>
             <a:endParaRPr lang="zh-CN" altLang="en-US"/>
           </a:p>
@@ -684,6 +698,7 @@
           <a:p>
             <a:fld id="{9C0BAE56-5081-45C8-9882-C35F39B69EBE}" type="slidenum">
               <a:rPr lang="zh-CN" altLang="en-US" smtClean="0"/>
+              <a:t>‹#›</a:t>
             </a:fld>
             <a:endParaRPr lang="zh-CN" altLang="en-US"/>
           </a:p>
@@ -733,7 +748,6 @@
               <a:rPr lang="zh-CN" altLang="en-US"/>
               <a:t>单击此处编辑母版标题样式</a:t>
             </a:r>
-            <a:endParaRPr lang="zh-CN" altLang="en-US"/>
           </a:p>
         </p:txBody>
       </p:sp>
@@ -757,7 +771,6 @@
               <a:rPr lang="zh-CN" altLang="en-US"/>
               <a:t>单击此处编辑母版文本样式</a:t>
             </a:r>
-            <a:endParaRPr lang="zh-CN" altLang="en-US"/>
           </a:p>
           <a:p>
             <a:pPr lvl="1"/>
@@ -765,7 +778,6 @@
               <a:rPr lang="zh-CN" altLang="en-US"/>
               <a:t>第二级</a:t>
             </a:r>
-            <a:endParaRPr lang="zh-CN" altLang="en-US"/>
           </a:p>
           <a:p>
             <a:pPr lvl="2"/>
@@ -773,7 +785,6 @@
               <a:rPr lang="zh-CN" altLang="en-US"/>
               <a:t>第三级</a:t>
             </a:r>
-            <a:endParaRPr lang="zh-CN" altLang="en-US"/>
           </a:p>
           <a:p>
             <a:pPr lvl="3"/>
@@ -781,7 +792,6 @@
               <a:rPr lang="zh-CN" altLang="en-US"/>
               <a:t>第四级</a:t>
             </a:r>
-            <a:endParaRPr lang="zh-CN" altLang="en-US"/>
           </a:p>
           <a:p>
             <a:pPr lvl="4"/>
@@ -789,7 +799,6 @@
               <a:rPr lang="zh-CN" altLang="en-US"/>
               <a:t>第五级</a:t>
             </a:r>
-            <a:endParaRPr lang="zh-CN" altLang="en-US"/>
           </a:p>
         </p:txBody>
       </p:sp>
@@ -810,6 +819,7 @@
           <a:p>
             <a:fld id="{698485DF-3FAB-45E9-A642-7745AB3E3AFD}" type="datetimeFigureOut">
               <a:rPr lang="zh-CN" altLang="en-US" smtClean="0"/>
+              <a:t>2018/11/4</a:t>
             </a:fld>
             <a:endParaRPr lang="zh-CN" altLang="en-US"/>
           </a:p>
@@ -851,6 +861,7 @@
           <a:p>
             <a:fld id="{9C0BAE56-5081-45C8-9882-C35F39B69EBE}" type="slidenum">
               <a:rPr lang="zh-CN" altLang="en-US" smtClean="0"/>
+              <a:t>‹#›</a:t>
             </a:fld>
             <a:endParaRPr lang="zh-CN" altLang="en-US"/>
           </a:p>
@@ -905,7 +916,6 @@
               <a:rPr lang="zh-CN" altLang="en-US"/>
               <a:t>单击此处编辑母版标题样式</a:t>
             </a:r>
-            <a:endParaRPr lang="zh-CN" altLang="en-US"/>
           </a:p>
         </p:txBody>
       </p:sp>
@@ -934,7 +944,6 @@
               <a:rPr lang="zh-CN" altLang="en-US"/>
               <a:t>单击此处编辑母版文本样式</a:t>
             </a:r>
-            <a:endParaRPr lang="zh-CN" altLang="en-US"/>
           </a:p>
           <a:p>
             <a:pPr lvl="1"/>
@@ -942,7 +951,6 @@
               <a:rPr lang="zh-CN" altLang="en-US"/>
               <a:t>第二级</a:t>
             </a:r>
-            <a:endParaRPr lang="zh-CN" altLang="en-US"/>
           </a:p>
           <a:p>
             <a:pPr lvl="2"/>
@@ -950,7 +958,6 @@
               <a:rPr lang="zh-CN" altLang="en-US"/>
               <a:t>第三级</a:t>
             </a:r>
-            <a:endParaRPr lang="zh-CN" altLang="en-US"/>
           </a:p>
           <a:p>
             <a:pPr lvl="3"/>
@@ -958,7 +965,6 @@
               <a:rPr lang="zh-CN" altLang="en-US"/>
               <a:t>第四级</a:t>
             </a:r>
-            <a:endParaRPr lang="zh-CN" altLang="en-US"/>
           </a:p>
           <a:p>
             <a:pPr lvl="4"/>
@@ -966,7 +972,6 @@
               <a:rPr lang="zh-CN" altLang="en-US"/>
               <a:t>第五级</a:t>
             </a:r>
-            <a:endParaRPr lang="zh-CN" altLang="en-US"/>
           </a:p>
         </p:txBody>
       </p:sp>
@@ -987,6 +992,7 @@
           <a:p>
             <a:fld id="{698485DF-3FAB-45E9-A642-7745AB3E3AFD}" type="datetimeFigureOut">
               <a:rPr lang="zh-CN" altLang="en-US" smtClean="0"/>
+              <a:t>2018/11/4</a:t>
             </a:fld>
             <a:endParaRPr lang="zh-CN" altLang="en-US"/>
           </a:p>
@@ -1028,6 +1034,7 @@
           <a:p>
             <a:fld id="{9C0BAE56-5081-45C8-9882-C35F39B69EBE}" type="slidenum">
               <a:rPr lang="zh-CN" altLang="en-US" smtClean="0"/>
+              <a:t>‹#›</a:t>
             </a:fld>
             <a:endParaRPr lang="zh-CN" altLang="en-US"/>
           </a:p>
@@ -1077,7 +1084,6 @@
               <a:rPr lang="zh-CN" altLang="en-US"/>
               <a:t>单击此处编辑母版标题样式</a:t>
             </a:r>
-            <a:endParaRPr lang="zh-CN" altLang="en-US"/>
           </a:p>
         </p:txBody>
       </p:sp>
@@ -1098,6 +1104,7 @@
           <a:p>
             <a:fld id="{698485DF-3FAB-45E9-A642-7745AB3E3AFD}" type="datetimeFigureOut">
               <a:rPr lang="zh-CN" altLang="en-US" smtClean="0"/>
+              <a:t>2018/11/4</a:t>
             </a:fld>
             <a:endParaRPr lang="zh-CN" altLang="en-US"/>
           </a:p>
@@ -1139,6 +1146,7 @@
           <a:p>
             <a:fld id="{9C0BAE56-5081-45C8-9882-C35F39B69EBE}" type="slidenum">
               <a:rPr lang="zh-CN" altLang="en-US" smtClean="0"/>
+              <a:t>‹#›</a:t>
             </a:fld>
             <a:endParaRPr lang="zh-CN" altLang="en-US"/>
           </a:p>
@@ -1279,17 +1287,6 @@
               </a:rPr>
               <a:t>www.1ppt.com/hangye/ </a:t>
             </a:r>
-            <a:endParaRPr kumimoji="0" lang="en-US" altLang="zh-CN" sz="100" b="0" i="0" u="none" strike="noStrike" kern="0" cap="none" spc="0" normalizeH="0" baseline="0" noProof="0" dirty="0">
-              <a:ln>
-                <a:noFill/>
-              </a:ln>
-              <a:solidFill>
-                <a:prstClr val="white"/>
-              </a:solidFill>
-              <a:effectLst/>
-              <a:uLnTx/>
-              <a:uFillTx/>
-            </a:endParaRPr>
           </a:p>
           <a:p>
             <a:pPr marL="0" marR="0" lvl="0" indent="0" defTabSz="914400" eaLnBrk="1" fontAlgn="auto" latinLnBrk="0" hangingPunct="1">
@@ -1392,17 +1389,6 @@
               </a:rPr>
               <a:t>www.1ppt.com/sucai/</a:t>
             </a:r>
-            <a:endParaRPr kumimoji="0" lang="en-US" altLang="zh-CN" sz="100" b="0" i="0" u="none" strike="noStrike" kern="0" cap="none" spc="0" normalizeH="0" baseline="0" noProof="0" dirty="0">
-              <a:ln>
-                <a:noFill/>
-              </a:ln>
-              <a:solidFill>
-                <a:prstClr val="white"/>
-              </a:solidFill>
-              <a:effectLst/>
-              <a:uLnTx/>
-              <a:uFillTx/>
-            </a:endParaRPr>
           </a:p>
           <a:p>
             <a:pPr marL="0" marR="0" lvl="0" indent="0" defTabSz="914400" eaLnBrk="1" fontAlgn="auto" latinLnBrk="0" hangingPunct="1">
@@ -1491,17 +1477,6 @@
               </a:rPr>
               <a:t>www.1ppt.com/tubiao/      </a:t>
             </a:r>
-            <a:endParaRPr kumimoji="0" lang="en-US" altLang="zh-CN" sz="100" b="0" i="0" u="none" strike="noStrike" kern="0" cap="none" spc="0" normalizeH="0" baseline="0" noProof="0" dirty="0">
-              <a:ln>
-                <a:noFill/>
-              </a:ln>
-              <a:solidFill>
-                <a:prstClr val="white"/>
-              </a:solidFill>
-              <a:effectLst/>
-              <a:uLnTx/>
-              <a:uFillTx/>
-            </a:endParaRPr>
           </a:p>
           <a:p>
             <a:pPr marL="0" marR="0" lvl="0" indent="0" defTabSz="914400" eaLnBrk="1" fontAlgn="auto" latinLnBrk="0" hangingPunct="1">
@@ -1604,17 +1579,6 @@
               </a:rPr>
               <a:t>www.1ppt.com/powerpoint/      </a:t>
             </a:r>
-            <a:endParaRPr kumimoji="0" lang="en-US" altLang="zh-CN" sz="100" b="0" i="0" u="none" strike="noStrike" kern="0" cap="none" spc="0" normalizeH="0" baseline="0" noProof="0" dirty="0">
-              <a:ln>
-                <a:noFill/>
-              </a:ln>
-              <a:solidFill>
-                <a:prstClr val="white"/>
-              </a:solidFill>
-              <a:effectLst/>
-              <a:uLnTx/>
-              <a:uFillTx/>
-            </a:endParaRPr>
           </a:p>
           <a:p>
             <a:pPr marL="0" marR="0" lvl="0" indent="0" defTabSz="914400" eaLnBrk="1" fontAlgn="auto" latinLnBrk="0" hangingPunct="1">
@@ -1703,17 +1667,6 @@
               </a:rPr>
               <a:t>www.1ppt.com/excel/  </a:t>
             </a:r>
-            <a:endParaRPr kumimoji="0" lang="en-US" altLang="zh-CN" sz="100" b="0" i="0" u="none" strike="noStrike" kern="0" cap="none" spc="0" normalizeH="0" baseline="0" noProof="0" dirty="0">
-              <a:ln>
-                <a:noFill/>
-              </a:ln>
-              <a:solidFill>
-                <a:prstClr val="white"/>
-              </a:solidFill>
-              <a:effectLst/>
-              <a:uLnTx/>
-              <a:uFillTx/>
-            </a:endParaRPr>
           </a:p>
           <a:p>
             <a:pPr marL="0" marR="0" lvl="0" indent="0" defTabSz="914400" eaLnBrk="1" fontAlgn="auto" latinLnBrk="0" hangingPunct="1">
@@ -1788,17 +1741,6 @@
               </a:rPr>
               <a:t>www.1ppt.com/kejian/ </a:t>
             </a:r>
-            <a:endParaRPr kumimoji="0" lang="en-US" altLang="zh-CN" sz="100" b="0" i="0" u="none" strike="noStrike" kern="0" cap="none" spc="0" normalizeH="0" baseline="0" noProof="0" dirty="0">
-              <a:ln>
-                <a:noFill/>
-              </a:ln>
-              <a:solidFill>
-                <a:prstClr val="white"/>
-              </a:solidFill>
-              <a:effectLst/>
-              <a:uLnTx/>
-              <a:uFillTx/>
-            </a:endParaRPr>
           </a:p>
           <a:p>
             <a:pPr marL="0" marR="0" lvl="0" indent="0" defTabSz="914400" eaLnBrk="1" fontAlgn="auto" latinLnBrk="0" hangingPunct="1">
@@ -1873,17 +1815,6 @@
               </a:rPr>
               <a:t>www.1ppt.com/shiti/  </a:t>
             </a:r>
-            <a:endParaRPr kumimoji="0" lang="en-US" altLang="zh-CN" sz="100" b="0" i="0" u="none" strike="noStrike" kern="0" cap="none" spc="0" normalizeH="0" baseline="0" noProof="0" dirty="0">
-              <a:ln>
-                <a:noFill/>
-              </a:ln>
-              <a:solidFill>
-                <a:prstClr val="white"/>
-              </a:solidFill>
-              <a:effectLst/>
-              <a:uLnTx/>
-              <a:uFillTx/>
-            </a:endParaRPr>
           </a:p>
           <a:p>
             <a:pPr marL="0" marR="0" lvl="0" indent="0" defTabSz="914400" eaLnBrk="1" fontAlgn="auto" latinLnBrk="0" hangingPunct="1">
@@ -1930,17 +1861,6 @@
               </a:rPr>
               <a:t>www.1ppt.com/jiaoan/        </a:t>
             </a:r>
-            <a:endParaRPr kumimoji="0" lang="en-US" altLang="zh-CN" sz="100" b="0" i="0" u="none" strike="noStrike" kern="0" cap="none" spc="0" normalizeH="0" baseline="0" noProof="0" dirty="0">
-              <a:ln>
-                <a:noFill/>
-              </a:ln>
-              <a:solidFill>
-                <a:prstClr val="white"/>
-              </a:solidFill>
-              <a:effectLst/>
-              <a:uLnTx/>
-              <a:uFillTx/>
-            </a:endParaRPr>
           </a:p>
           <a:p>
             <a:pPr marL="0" marR="0" lvl="0" indent="0" defTabSz="914400" eaLnBrk="1" fontAlgn="auto" latinLnBrk="0" hangingPunct="1">
@@ -1987,17 +1907,6 @@
               </a:rPr>
               <a:t>www.1ppt.com/ziti/</a:t>
             </a:r>
-            <a:endParaRPr kumimoji="0" lang="en-US" altLang="zh-CN" sz="100" b="0" i="0" u="none" strike="noStrike" kern="0" cap="none" spc="0" normalizeH="0" baseline="0" noProof="0" dirty="0">
-              <a:ln>
-                <a:noFill/>
-              </a:ln>
-              <a:solidFill>
-                <a:prstClr val="white"/>
-              </a:solidFill>
-              <a:effectLst/>
-              <a:uLnTx/>
-              <a:uFillTx/>
-            </a:endParaRPr>
           </a:p>
           <a:p>
             <a:pPr marL="0" marR="0" lvl="0" indent="0" defTabSz="914400" eaLnBrk="1" fontAlgn="auto" latinLnBrk="0" hangingPunct="1">
@@ -2088,7 +1997,6 @@
               <a:rPr lang="zh-CN" altLang="en-US"/>
               <a:t>单击此处编辑母版标题样式</a:t>
             </a:r>
-            <a:endParaRPr lang="zh-CN" altLang="en-US"/>
           </a:p>
         </p:txBody>
       </p:sp>
@@ -2112,7 +2020,6 @@
               <a:rPr lang="zh-CN" altLang="en-US"/>
               <a:t>单击此处编辑母版文本样式</a:t>
             </a:r>
-            <a:endParaRPr lang="zh-CN" altLang="en-US"/>
           </a:p>
           <a:p>
             <a:pPr lvl="1"/>
@@ -2120,7 +2027,6 @@
               <a:rPr lang="zh-CN" altLang="en-US"/>
               <a:t>第二级</a:t>
             </a:r>
-            <a:endParaRPr lang="zh-CN" altLang="en-US"/>
           </a:p>
           <a:p>
             <a:pPr lvl="2"/>
@@ -2128,7 +2034,6 @@
               <a:rPr lang="zh-CN" altLang="en-US"/>
               <a:t>第三级</a:t>
             </a:r>
-            <a:endParaRPr lang="zh-CN" altLang="en-US"/>
           </a:p>
           <a:p>
             <a:pPr lvl="3"/>
@@ -2136,7 +2041,6 @@
               <a:rPr lang="zh-CN" altLang="en-US"/>
               <a:t>第四级</a:t>
             </a:r>
-            <a:endParaRPr lang="zh-CN" altLang="en-US"/>
           </a:p>
           <a:p>
             <a:pPr lvl="4"/>
@@ -2144,7 +2048,6 @@
               <a:rPr lang="zh-CN" altLang="en-US"/>
               <a:t>第五级</a:t>
             </a:r>
-            <a:endParaRPr lang="zh-CN" altLang="en-US"/>
           </a:p>
         </p:txBody>
       </p:sp>
@@ -2165,6 +2068,7 @@
           <a:p>
             <a:fld id="{698485DF-3FAB-45E9-A642-7745AB3E3AFD}" type="datetimeFigureOut">
               <a:rPr lang="zh-CN" altLang="en-US" smtClean="0"/>
+              <a:t>2018/11/4</a:t>
             </a:fld>
             <a:endParaRPr lang="zh-CN" altLang="en-US"/>
           </a:p>
@@ -2206,6 +2110,7 @@
           <a:p>
             <a:fld id="{9C0BAE56-5081-45C8-9882-C35F39B69EBE}" type="slidenum">
               <a:rPr lang="zh-CN" altLang="en-US" smtClean="0"/>
+              <a:t>‹#›</a:t>
             </a:fld>
             <a:endParaRPr lang="zh-CN" altLang="en-US"/>
           </a:p>
@@ -2264,7 +2169,6 @@
               <a:rPr lang="zh-CN" altLang="en-US"/>
               <a:t>单击此处编辑母版标题样式</a:t>
             </a:r>
-            <a:endParaRPr lang="zh-CN" altLang="en-US"/>
           </a:p>
         </p:txBody>
       </p:sp>
@@ -2384,7 +2288,6 @@
               <a:rPr lang="zh-CN" altLang="en-US"/>
               <a:t>单击此处编辑母版文本样式</a:t>
             </a:r>
-            <a:endParaRPr lang="zh-CN" altLang="en-US"/>
           </a:p>
         </p:txBody>
       </p:sp>
@@ -2405,6 +2308,7 @@
           <a:p>
             <a:fld id="{698485DF-3FAB-45E9-A642-7745AB3E3AFD}" type="datetimeFigureOut">
               <a:rPr lang="zh-CN" altLang="en-US" smtClean="0"/>
+              <a:t>2018/11/4</a:t>
             </a:fld>
             <a:endParaRPr lang="zh-CN" altLang="en-US"/>
           </a:p>
@@ -2446,6 +2350,7 @@
           <a:p>
             <a:fld id="{9C0BAE56-5081-45C8-9882-C35F39B69EBE}" type="slidenum">
               <a:rPr lang="zh-CN" altLang="en-US" smtClean="0"/>
+              <a:t>‹#›</a:t>
             </a:fld>
             <a:endParaRPr lang="zh-CN" altLang="en-US"/>
           </a:p>
@@ -2495,7 +2400,6 @@
               <a:rPr lang="zh-CN" altLang="en-US"/>
               <a:t>单击此处编辑母版标题样式</a:t>
             </a:r>
-            <a:endParaRPr lang="zh-CN" altLang="en-US"/>
           </a:p>
         </p:txBody>
       </p:sp>
@@ -2524,7 +2428,6 @@
               <a:rPr lang="zh-CN" altLang="en-US"/>
               <a:t>单击此处编辑母版文本样式</a:t>
             </a:r>
-            <a:endParaRPr lang="zh-CN" altLang="en-US"/>
           </a:p>
           <a:p>
             <a:pPr lvl="1"/>
@@ -2532,7 +2435,6 @@
               <a:rPr lang="zh-CN" altLang="en-US"/>
               <a:t>第二级</a:t>
             </a:r>
-            <a:endParaRPr lang="zh-CN" altLang="en-US"/>
           </a:p>
           <a:p>
             <a:pPr lvl="2"/>
@@ -2540,7 +2442,6 @@
               <a:rPr lang="zh-CN" altLang="en-US"/>
               <a:t>第三级</a:t>
             </a:r>
-            <a:endParaRPr lang="zh-CN" altLang="en-US"/>
           </a:p>
           <a:p>
             <a:pPr lvl="3"/>
@@ -2548,7 +2449,6 @@
               <a:rPr lang="zh-CN" altLang="en-US"/>
               <a:t>第四级</a:t>
             </a:r>
-            <a:endParaRPr lang="zh-CN" altLang="en-US"/>
           </a:p>
           <a:p>
             <a:pPr lvl="4"/>
@@ -2556,7 +2456,6 @@
               <a:rPr lang="zh-CN" altLang="en-US"/>
               <a:t>第五级</a:t>
             </a:r>
-            <a:endParaRPr lang="zh-CN" altLang="en-US"/>
           </a:p>
         </p:txBody>
       </p:sp>
@@ -2585,7 +2484,6 @@
               <a:rPr lang="zh-CN" altLang="en-US"/>
               <a:t>单击此处编辑母版文本样式</a:t>
             </a:r>
-            <a:endParaRPr lang="zh-CN" altLang="en-US"/>
           </a:p>
           <a:p>
             <a:pPr lvl="1"/>
@@ -2593,7 +2491,6 @@
               <a:rPr lang="zh-CN" altLang="en-US"/>
               <a:t>第二级</a:t>
             </a:r>
-            <a:endParaRPr lang="zh-CN" altLang="en-US"/>
           </a:p>
           <a:p>
             <a:pPr lvl="2"/>
@@ -2601,7 +2498,6 @@
               <a:rPr lang="zh-CN" altLang="en-US"/>
               <a:t>第三级</a:t>
             </a:r>
-            <a:endParaRPr lang="zh-CN" altLang="en-US"/>
           </a:p>
           <a:p>
             <a:pPr lvl="3"/>
@@ -2609,7 +2505,6 @@
               <a:rPr lang="zh-CN" altLang="en-US"/>
               <a:t>第四级</a:t>
             </a:r>
-            <a:endParaRPr lang="zh-CN" altLang="en-US"/>
           </a:p>
           <a:p>
             <a:pPr lvl="4"/>
@@ -2617,7 +2512,6 @@
               <a:rPr lang="zh-CN" altLang="en-US"/>
               <a:t>第五级</a:t>
             </a:r>
-            <a:endParaRPr lang="zh-CN" altLang="en-US"/>
           </a:p>
         </p:txBody>
       </p:sp>
@@ -2638,6 +2532,7 @@
           <a:p>
             <a:fld id="{698485DF-3FAB-45E9-A642-7745AB3E3AFD}" type="datetimeFigureOut">
               <a:rPr lang="zh-CN" altLang="en-US" smtClean="0"/>
+              <a:t>2018/11/4</a:t>
             </a:fld>
             <a:endParaRPr lang="zh-CN" altLang="en-US"/>
           </a:p>
@@ -2679,6 +2574,7 @@
           <a:p>
             <a:fld id="{9C0BAE56-5081-45C8-9882-C35F39B69EBE}" type="slidenum">
               <a:rPr lang="zh-CN" altLang="en-US" smtClean="0"/>
+              <a:t>‹#›</a:t>
             </a:fld>
             <a:endParaRPr lang="zh-CN" altLang="en-US"/>
           </a:p>
@@ -2733,7 +2629,6 @@
               <a:rPr lang="zh-CN" altLang="en-US"/>
               <a:t>单击此处编辑母版标题样式</a:t>
             </a:r>
-            <a:endParaRPr lang="zh-CN" altLang="en-US"/>
           </a:p>
         </p:txBody>
       </p:sp>
@@ -2799,7 +2694,6 @@
               <a:rPr lang="zh-CN" altLang="en-US"/>
               <a:t>单击此处编辑母版文本样式</a:t>
             </a:r>
-            <a:endParaRPr lang="zh-CN" altLang="en-US"/>
           </a:p>
         </p:txBody>
       </p:sp>
@@ -2828,7 +2722,6 @@
               <a:rPr lang="zh-CN" altLang="en-US"/>
               <a:t>单击此处编辑母版文本样式</a:t>
             </a:r>
-            <a:endParaRPr lang="zh-CN" altLang="en-US"/>
           </a:p>
           <a:p>
             <a:pPr lvl="1"/>
@@ -2836,7 +2729,6 @@
               <a:rPr lang="zh-CN" altLang="en-US"/>
               <a:t>第二级</a:t>
             </a:r>
-            <a:endParaRPr lang="zh-CN" altLang="en-US"/>
           </a:p>
           <a:p>
             <a:pPr lvl="2"/>
@@ -2844,7 +2736,6 @@
               <a:rPr lang="zh-CN" altLang="en-US"/>
               <a:t>第三级</a:t>
             </a:r>
-            <a:endParaRPr lang="zh-CN" altLang="en-US"/>
           </a:p>
           <a:p>
             <a:pPr lvl="3"/>
@@ -2852,7 +2743,6 @@
               <a:rPr lang="zh-CN" altLang="en-US"/>
               <a:t>第四级</a:t>
             </a:r>
-            <a:endParaRPr lang="zh-CN" altLang="en-US"/>
           </a:p>
           <a:p>
             <a:pPr lvl="4"/>
@@ -2860,7 +2750,6 @@
               <a:rPr lang="zh-CN" altLang="en-US"/>
               <a:t>第五级</a:t>
             </a:r>
-            <a:endParaRPr lang="zh-CN" altLang="en-US"/>
           </a:p>
         </p:txBody>
       </p:sp>
@@ -2926,7 +2815,6 @@
               <a:rPr lang="zh-CN" altLang="en-US"/>
               <a:t>单击此处编辑母版文本样式</a:t>
             </a:r>
-            <a:endParaRPr lang="zh-CN" altLang="en-US"/>
           </a:p>
         </p:txBody>
       </p:sp>
@@ -2955,7 +2843,6 @@
               <a:rPr lang="zh-CN" altLang="en-US"/>
               <a:t>单击此处编辑母版文本样式</a:t>
             </a:r>
-            <a:endParaRPr lang="zh-CN" altLang="en-US"/>
           </a:p>
           <a:p>
             <a:pPr lvl="1"/>
@@ -2963,7 +2850,6 @@
               <a:rPr lang="zh-CN" altLang="en-US"/>
               <a:t>第二级</a:t>
             </a:r>
-            <a:endParaRPr lang="zh-CN" altLang="en-US"/>
           </a:p>
           <a:p>
             <a:pPr lvl="2"/>
@@ -2971,7 +2857,6 @@
               <a:rPr lang="zh-CN" altLang="en-US"/>
               <a:t>第三级</a:t>
             </a:r>
-            <a:endParaRPr lang="zh-CN" altLang="en-US"/>
           </a:p>
           <a:p>
             <a:pPr lvl="3"/>
@@ -2979,7 +2864,6 @@
               <a:rPr lang="zh-CN" altLang="en-US"/>
               <a:t>第四级</a:t>
             </a:r>
-            <a:endParaRPr lang="zh-CN" altLang="en-US"/>
           </a:p>
           <a:p>
             <a:pPr lvl="4"/>
@@ -2987,7 +2871,6 @@
               <a:rPr lang="zh-CN" altLang="en-US"/>
               <a:t>第五级</a:t>
             </a:r>
-            <a:endParaRPr lang="zh-CN" altLang="en-US"/>
           </a:p>
         </p:txBody>
       </p:sp>
@@ -3008,6 +2891,7 @@
           <a:p>
             <a:fld id="{698485DF-3FAB-45E9-A642-7745AB3E3AFD}" type="datetimeFigureOut">
               <a:rPr lang="zh-CN" altLang="en-US" smtClean="0"/>
+              <a:t>2018/11/4</a:t>
             </a:fld>
             <a:endParaRPr lang="zh-CN" altLang="en-US"/>
           </a:p>
@@ -3049,6 +2933,7 @@
           <a:p>
             <a:fld id="{9C0BAE56-5081-45C8-9882-C35F39B69EBE}" type="slidenum">
               <a:rPr lang="zh-CN" altLang="en-US" smtClean="0"/>
+              <a:t>‹#›</a:t>
             </a:fld>
             <a:endParaRPr lang="zh-CN" altLang="en-US"/>
           </a:p>
@@ -3098,7 +2983,6 @@
               <a:rPr lang="zh-CN" altLang="en-US"/>
               <a:t>单击此处编辑母版标题样式</a:t>
             </a:r>
-            <a:endParaRPr lang="zh-CN" altLang="en-US"/>
           </a:p>
         </p:txBody>
       </p:sp>
@@ -3119,6 +3003,7 @@
           <a:p>
             <a:fld id="{698485DF-3FAB-45E9-A642-7745AB3E3AFD}" type="datetimeFigureOut">
               <a:rPr lang="zh-CN" altLang="en-US" smtClean="0"/>
+              <a:t>2018/11/4</a:t>
             </a:fld>
             <a:endParaRPr lang="zh-CN" altLang="en-US"/>
           </a:p>
@@ -3160,6 +3045,7 @@
           <a:p>
             <a:fld id="{9C0BAE56-5081-45C8-9882-C35F39B69EBE}" type="slidenum">
               <a:rPr lang="zh-CN" altLang="en-US" smtClean="0"/>
+              <a:t>‹#›</a:t>
             </a:fld>
             <a:endParaRPr lang="zh-CN" altLang="en-US"/>
           </a:p>
@@ -3207,6 +3093,7 @@
           <a:p>
             <a:fld id="{698485DF-3FAB-45E9-A642-7745AB3E3AFD}" type="datetimeFigureOut">
               <a:rPr lang="zh-CN" altLang="en-US" smtClean="0"/>
+              <a:t>2018/11/4</a:t>
             </a:fld>
             <a:endParaRPr lang="zh-CN" altLang="en-US"/>
           </a:p>
@@ -3248,6 +3135,7 @@
           <a:p>
             <a:fld id="{9C0BAE56-5081-45C8-9882-C35F39B69EBE}" type="slidenum">
               <a:rPr lang="zh-CN" altLang="en-US" smtClean="0"/>
+              <a:t>‹#›</a:t>
             </a:fld>
             <a:endParaRPr lang="zh-CN" altLang="en-US"/>
           </a:p>
@@ -3306,7 +3194,6 @@
               <a:rPr lang="zh-CN" altLang="en-US"/>
               <a:t>单击此处编辑母版标题样式</a:t>
             </a:r>
-            <a:endParaRPr lang="zh-CN" altLang="en-US"/>
           </a:p>
         </p:txBody>
       </p:sp>
@@ -3363,7 +3250,6 @@
               <a:rPr lang="zh-CN" altLang="en-US"/>
               <a:t>单击此处编辑母版文本样式</a:t>
             </a:r>
-            <a:endParaRPr lang="zh-CN" altLang="en-US"/>
           </a:p>
           <a:p>
             <a:pPr lvl="1"/>
@@ -3371,7 +3257,6 @@
               <a:rPr lang="zh-CN" altLang="en-US"/>
               <a:t>第二级</a:t>
             </a:r>
-            <a:endParaRPr lang="zh-CN" altLang="en-US"/>
           </a:p>
           <a:p>
             <a:pPr lvl="2"/>
@@ -3379,7 +3264,6 @@
               <a:rPr lang="zh-CN" altLang="en-US"/>
               <a:t>第三级</a:t>
             </a:r>
-            <a:endParaRPr lang="zh-CN" altLang="en-US"/>
           </a:p>
           <a:p>
             <a:pPr lvl="3"/>
@@ -3387,7 +3271,6 @@
               <a:rPr lang="zh-CN" altLang="en-US"/>
               <a:t>第四级</a:t>
             </a:r>
-            <a:endParaRPr lang="zh-CN" altLang="en-US"/>
           </a:p>
           <a:p>
             <a:pPr lvl="4"/>
@@ -3395,7 +3278,6 @@
               <a:rPr lang="zh-CN" altLang="en-US"/>
               <a:t>第五级</a:t>
             </a:r>
-            <a:endParaRPr lang="zh-CN" altLang="en-US"/>
           </a:p>
         </p:txBody>
       </p:sp>
@@ -3461,7 +3343,6 @@
               <a:rPr lang="zh-CN" altLang="en-US"/>
               <a:t>单击此处编辑母版文本样式</a:t>
             </a:r>
-            <a:endParaRPr lang="zh-CN" altLang="en-US"/>
           </a:p>
         </p:txBody>
       </p:sp>
@@ -3482,6 +3363,7 @@
           <a:p>
             <a:fld id="{698485DF-3FAB-45E9-A642-7745AB3E3AFD}" type="datetimeFigureOut">
               <a:rPr lang="zh-CN" altLang="en-US" smtClean="0"/>
+              <a:t>2018/11/4</a:t>
             </a:fld>
             <a:endParaRPr lang="zh-CN" altLang="en-US"/>
           </a:p>
@@ -3523,6 +3405,7 @@
           <a:p>
             <a:fld id="{9C0BAE56-5081-45C8-9882-C35F39B69EBE}" type="slidenum">
               <a:rPr lang="zh-CN" altLang="en-US" smtClean="0"/>
+              <a:t>‹#›</a:t>
             </a:fld>
             <a:endParaRPr lang="zh-CN" altLang="en-US"/>
           </a:p>
@@ -3581,7 +3464,6 @@
               <a:rPr lang="zh-CN" altLang="en-US"/>
               <a:t>单击此处编辑母版标题样式</a:t>
             </a:r>
-            <a:endParaRPr lang="zh-CN" altLang="en-US"/>
           </a:p>
         </p:txBody>
       </p:sp>
@@ -3708,7 +3590,6 @@
               <a:rPr lang="zh-CN" altLang="en-US"/>
               <a:t>单击此处编辑母版文本样式</a:t>
             </a:r>
-            <a:endParaRPr lang="zh-CN" altLang="en-US"/>
           </a:p>
         </p:txBody>
       </p:sp>
@@ -3729,6 +3610,7 @@
           <a:p>
             <a:fld id="{698485DF-3FAB-45E9-A642-7745AB3E3AFD}" type="datetimeFigureOut">
               <a:rPr lang="zh-CN" altLang="en-US" smtClean="0"/>
+              <a:t>2018/11/4</a:t>
             </a:fld>
             <a:endParaRPr lang="zh-CN" altLang="en-US"/>
           </a:p>
@@ -3770,6 +3652,7 @@
           <a:p>
             <a:fld id="{9C0BAE56-5081-45C8-9882-C35F39B69EBE}" type="slidenum">
               <a:rPr lang="zh-CN" altLang="en-US" smtClean="0"/>
+              <a:t>‹#›</a:t>
             </a:fld>
             <a:endParaRPr lang="zh-CN" altLang="en-US"/>
           </a:p>
@@ -3834,7 +3717,6 @@
               <a:rPr lang="zh-CN" altLang="en-US"/>
               <a:t>单击此处编辑母版标题样式</a:t>
             </a:r>
-            <a:endParaRPr lang="zh-CN" altLang="en-US"/>
           </a:p>
         </p:txBody>
       </p:sp>
@@ -3868,7 +3750,6 @@
               <a:rPr lang="zh-CN" altLang="en-US"/>
               <a:t>单击此处编辑母版文本样式</a:t>
             </a:r>
-            <a:endParaRPr lang="zh-CN" altLang="en-US"/>
           </a:p>
           <a:p>
             <a:pPr lvl="1"/>
@@ -3876,7 +3757,6 @@
               <a:rPr lang="zh-CN" altLang="en-US"/>
               <a:t>第二级</a:t>
             </a:r>
-            <a:endParaRPr lang="zh-CN" altLang="en-US"/>
           </a:p>
           <a:p>
             <a:pPr lvl="2"/>
@@ -3884,7 +3764,6 @@
               <a:rPr lang="zh-CN" altLang="en-US"/>
               <a:t>第三级</a:t>
             </a:r>
-            <a:endParaRPr lang="zh-CN" altLang="en-US"/>
           </a:p>
           <a:p>
             <a:pPr lvl="3"/>
@@ -3892,7 +3771,6 @@
               <a:rPr lang="zh-CN" altLang="en-US"/>
               <a:t>第四级</a:t>
             </a:r>
-            <a:endParaRPr lang="zh-CN" altLang="en-US"/>
           </a:p>
           <a:p>
             <a:pPr lvl="4"/>
@@ -3900,7 +3778,6 @@
               <a:rPr lang="zh-CN" altLang="en-US"/>
               <a:t>第五级</a:t>
             </a:r>
-            <a:endParaRPr lang="zh-CN" altLang="en-US"/>
           </a:p>
         </p:txBody>
       </p:sp>
@@ -3939,6 +3816,7 @@
           <a:p>
             <a:fld id="{698485DF-3FAB-45E9-A642-7745AB3E3AFD}" type="datetimeFigureOut">
               <a:rPr lang="zh-CN" altLang="en-US" smtClean="0"/>
+              <a:t>2018/11/4</a:t>
             </a:fld>
             <a:endParaRPr lang="zh-CN" altLang="en-US"/>
           </a:p>
@@ -4016,6 +3894,7 @@
           <a:p>
             <a:fld id="{9C0BAE56-5081-45C8-9882-C35F39B69EBE}" type="slidenum">
               <a:rPr lang="zh-CN" altLang="en-US" smtClean="0"/>
+              <a:t>‹#›</a:t>
             </a:fld>
             <a:endParaRPr lang="zh-CN" altLang="en-US"/>
           </a:p>
@@ -4821,6 +4700,7 @@
           <a:bodyPr wrap="square" rtlCol="0">
             <a:spAutoFit/>
           </a:bodyPr>
+          <a:lstStyle/>
           <a:p>
             <a:r>
               <a:rPr lang="en-US" sz="4000" dirty="0">
@@ -4832,13 +4712,6 @@
               </a:rPr>
               <a:t>G18</a:t>
             </a:r>
-            <a:endParaRPr lang="en-US" sz="4000" dirty="0">
-              <a:solidFill>
-                <a:srgbClr val="002B41"/>
-              </a:solidFill>
-              <a:latin typeface="微软雅黑" panose="020B0503020204020204" pitchFamily="34" charset="-122"/>
-              <a:ea typeface="微软雅黑" panose="020B0503020204020204" pitchFamily="34" charset="-122"/>
-            </a:endParaRPr>
           </a:p>
         </p:txBody>
       </p:sp>
@@ -4847,13 +4720,6 @@
   <p:clrMapOvr>
     <a:masterClrMapping/>
   </p:clrMapOvr>
-  <p:timing>
-    <p:tnLst>
-      <p:par>
-        <p:cTn id="1" dur="indefinite" restart="never" nodeType="tmRoot"/>
-      </p:par>
-    </p:tnLst>
-  </p:timing>
 </p:sld>
 </file>
 
@@ -4895,6 +4761,7 @@
         <p:spPr/>
         <p:txBody>
           <a:bodyPr/>
+          <a:lstStyle/>
           <a:p>
             <a:r>
               <a:rPr lang="zh-CN" altLang="en-US">
@@ -4919,32 +4786,27 @@
         <p:spPr/>
         <p:txBody>
           <a:bodyPr/>
-          <a:p>
-            <a:r>
-              <a:rPr lang="zh-CN" altLang="en-US">
+          <a:lstStyle/>
+          <a:p>
+            <a:r>
+              <a:rPr lang="zh-CN" altLang="en-US" dirty="0">
                 <a:sym typeface="+mn-ea"/>
               </a:rPr>
               <a:t>1.抛弃型原型，此类原型在系统真正实现以后就抛弃不用了。</a:t>
             </a:r>
-            <a:endParaRPr lang="zh-CN" altLang="en-US">
+          </a:p>
+          <a:p>
+            <a:endParaRPr lang="zh-CN" altLang="en-US" dirty="0">
               <a:sym typeface="+mn-ea"/>
             </a:endParaRPr>
           </a:p>
           <a:p>
-            <a:endParaRPr lang="zh-CN" altLang="en-US">
-              <a:sym typeface="+mn-ea"/>
-            </a:endParaRPr>
-          </a:p>
-          <a:p>
-            <a:r>
-              <a:rPr lang="zh-CN" altLang="en-US">
+            <a:r>
+              <a:rPr lang="zh-CN" altLang="en-US" dirty="0">
                 <a:sym typeface="+mn-ea"/>
               </a:rPr>
               <a:t>2.进化型原型，此类原型的构造从目标系统的一个或多个基本需求出发，通过修改和追加的过程逐渐丰富，演化成为最终的系统。</a:t>
             </a:r>
-            <a:endParaRPr lang="zh-CN" altLang="en-US">
-              <a:sym typeface="+mn-ea"/>
-            </a:endParaRPr>
           </a:p>
           <a:p>
             <a:pPr marL="0" indent="0">
@@ -4956,7 +4818,7 @@
               </a:rPr>
               <a:t>										     【3】</a:t>
             </a:r>
-            <a:endParaRPr lang="zh-CN" altLang="en-US"/>
+            <a:endParaRPr lang="zh-CN" altLang="en-US" dirty="0"/>
           </a:p>
         </p:txBody>
       </p:sp>
@@ -5061,13 +4923,6 @@
   <p:clrMapOvr>
     <a:masterClrMapping/>
   </p:clrMapOvr>
-  <p:timing>
-    <p:tnLst>
-      <p:par>
-        <p:cTn id="1" dur="indefinite" restart="never" nodeType="tmRoot"/>
-      </p:par>
-    </p:tnLst>
-  </p:timing>
 </p:sld>
 </file>
 
@@ -5109,12 +4964,12 @@
         <p:spPr/>
         <p:txBody>
           <a:bodyPr/>
+          <a:lstStyle/>
           <a:p>
             <a:r>
               <a:rPr lang="zh-CN" altLang="en-US"/>
               <a:t>原型法的优缺点</a:t>
             </a:r>
-            <a:endParaRPr lang="zh-CN" altLang="en-US"/>
           </a:p>
         </p:txBody>
       </p:sp>
@@ -5131,8 +4986,9 @@
         <p:spPr/>
         <p:txBody>
           <a:bodyPr>
-            <a:normAutofit lnSpcReduction="10000"/>
+            <a:normAutofit/>
           </a:bodyPr>
+          <a:lstStyle/>
           <a:p>
             <a:r>
               <a:rPr lang="zh-CN" altLang="en-US">
@@ -5140,9 +4996,6 @@
               </a:rPr>
               <a:t>优点：符合人们认识事物的规律，系统开发循序渐进，反复修改，确保较好的用户满意度；开发周期短，费用相对少；由于有用户的直接参与，系统更加贴近实际；易学易用，减少用户的培训时间；应变能力强。</a:t>
             </a:r>
-            <a:endParaRPr lang="zh-CN" altLang="en-US">
-              <a:sym typeface="+mn-ea"/>
-            </a:endParaRPr>
           </a:p>
           <a:p>
             <a:endParaRPr lang="zh-CN" altLang="en-US">
@@ -5156,9 +5009,6 @@
               </a:rPr>
               <a:t>缺点：不适合大规模系统的开发；开发过程管理要求高，整个开发过程要经过“修改—评价—再修改”的多次反复；用户过早看到系统原型，误认为系统就是这个模样，易使用户失去信心；开发人员易将原型取代系统分析；缺乏规范化的文档资料</a:t>
             </a:r>
-            <a:endParaRPr lang="zh-CN" altLang="en-US">
-              <a:sym typeface="+mn-ea"/>
-            </a:endParaRPr>
           </a:p>
           <a:p>
             <a:pPr marL="0" indent="0">
@@ -5275,13 +5125,6 @@
   <p:clrMapOvr>
     <a:masterClrMapping/>
   </p:clrMapOvr>
-  <p:timing>
-    <p:tnLst>
-      <p:par>
-        <p:cTn id="1" dur="indefinite" restart="never" nodeType="tmRoot"/>
-      </p:par>
-    </p:tnLst>
-  </p:timing>
 </p:sld>
 </file>
 
@@ -5323,12 +5166,12 @@
         <p:spPr/>
         <p:txBody>
           <a:bodyPr/>
+          <a:lstStyle/>
           <a:p>
             <a:r>
               <a:rPr lang="zh-CN" altLang="en-US"/>
               <a:t>界面原型类别</a:t>
             </a:r>
-            <a:endParaRPr lang="zh-CN" altLang="en-US"/>
           </a:p>
         </p:txBody>
       </p:sp>
@@ -5352,6 +5195,7 @@
           <a:bodyPr>
             <a:normAutofit fontScale="90000" lnSpcReduction="10000"/>
           </a:bodyPr>
+          <a:lstStyle/>
           <a:p>
             <a:r>
               <a:rPr lang="zh-CN" altLang="en-US">
@@ -5359,9 +5203,6 @@
               </a:rPr>
               <a:t>低保真产品原型</a:t>
             </a:r>
-            <a:endParaRPr lang="zh-CN" altLang="en-US">
-              <a:sym typeface="+mn-ea"/>
-            </a:endParaRPr>
           </a:p>
           <a:p>
             <a:r>
@@ -5370,9 +5211,6 @@
               </a:rPr>
               <a:t>所谓低保真原型，其实是对产品较简单的模拟，它只是简单的表述了下产品的外部特征和基本功能构架，很多时候都是用简单的设计工具迅速制作出来，用来表示最初的设计概念和思路。</a:t>
             </a:r>
-            <a:endParaRPr lang="zh-CN" altLang="en-US">
-              <a:sym typeface="+mn-ea"/>
-            </a:endParaRPr>
           </a:p>
           <a:p>
             <a:endParaRPr lang="zh-CN" altLang="en-US">
@@ -5386,9 +5224,6 @@
               </a:rPr>
               <a:t>高保真产品原型</a:t>
             </a:r>
-            <a:endParaRPr lang="zh-CN" altLang="en-US">
-              <a:sym typeface="+mn-ea"/>
-            </a:endParaRPr>
           </a:p>
           <a:p>
             <a:r>
@@ -5397,9 +5232,6 @@
               </a:rPr>
               <a:t>高保真产品原型，则是高功能性、高互动性的原型设计，是忠实展示产品功能、界面元素、功能流程的一种表现手段。原型图中无论是功能模块的大小，还是文案设计甚至是所用的图标、图例、交互动作，都使用真实素材，或者说和最终UI设计师的产出非常接近，就算是高保真产品原型了。</a:t>
             </a:r>
-            <a:endParaRPr lang="zh-CN" altLang="en-US">
-              <a:sym typeface="+mn-ea"/>
-            </a:endParaRPr>
           </a:p>
           <a:p>
             <a:pPr marL="0" indent="0">
@@ -5516,13 +5348,6 @@
   <p:clrMapOvr>
     <a:masterClrMapping/>
   </p:clrMapOvr>
-  <p:timing>
-    <p:tnLst>
-      <p:par>
-        <p:cTn id="1" dur="indefinite" restart="never" nodeType="tmRoot"/>
-      </p:par>
-    </p:tnLst>
-  </p:timing>
 </p:sld>
 </file>
 
@@ -5569,6 +5394,7 @@
         </p:spPr>
         <p:txBody>
           <a:bodyPr/>
+          <a:lstStyle/>
           <a:p>
             <a:r>
               <a:rPr lang="zh-CN" altLang="en-US">
@@ -5576,16 +5402,12 @@
               </a:rPr>
               <a:t>低保真产品原型</a:t>
             </a:r>
-            <a:endParaRPr lang="zh-CN" altLang="en-US">
-              <a:sym typeface="+mn-ea"/>
-            </a:endParaRPr>
           </a:p>
           <a:p>
             <a:r>
               <a:rPr lang="zh-CN" altLang="en-US"/>
               <a:t>可以快速产出、修改成本低，但它也有几个问题，比如交互细节不清楚，容易造成误解等。通常来说，一般只有时间比较紧迫，需求也比较简单的时候，我们才会去产出低保真产品原型。</a:t>
             </a:r>
-            <a:endParaRPr lang="zh-CN" altLang="en-US"/>
           </a:p>
           <a:p>
             <a:endParaRPr lang="zh-CN" altLang="en-US"/>
@@ -5597,9 +5419,6 @@
               </a:rPr>
               <a:t>高保真产品原型</a:t>
             </a:r>
-            <a:endParaRPr lang="zh-CN" altLang="en-US">
-              <a:sym typeface="+mn-ea"/>
-            </a:endParaRPr>
           </a:p>
           <a:p>
             <a:r>
@@ -5725,13 +5544,6 @@
   <p:clrMapOvr>
     <a:masterClrMapping/>
   </p:clrMapOvr>
-  <p:timing>
-    <p:tnLst>
-      <p:par>
-        <p:cTn id="1" dur="indefinite" restart="never" nodeType="tmRoot"/>
-      </p:par>
-    </p:tnLst>
-  </p:timing>
 </p:sld>
 </file>
 
@@ -5778,21 +5590,21 @@
         </p:spPr>
         <p:txBody>
           <a:bodyPr>
-            <a:normAutofit lnSpcReduction="10000"/>
+            <a:normAutofit/>
           </a:bodyPr>
-          <a:p>
-            <a:r>
-              <a:rPr lang="zh-CN" altLang="en-US"/>
+          <a:lstStyle/>
+          <a:p>
+            <a:r>
+              <a:rPr lang="zh-CN" altLang="en-US" dirty="0"/>
               <a:t>由于制作高保真的原型无论是时间还是成本都相对较高。所以大部分情况下，我们还是以制作低保真原型为主。虽说是低保真原型，但核心关键部分还是需要制作高保真的原型。</a:t>
             </a:r>
-            <a:endParaRPr lang="zh-CN" altLang="en-US"/>
-          </a:p>
-          <a:p>
-            <a:r>
-              <a:rPr lang="zh-CN" altLang="en-US"/>
+          </a:p>
+          <a:p>
+            <a:r>
+              <a:rPr lang="zh-CN" altLang="en-US" dirty="0"/>
               <a:t>推荐一种在保真度和时间、成本之间折中的原型——T原型。将原型拆分为水平原型和垂直原型两个纬度去制作。</a:t>
             </a:r>
-            <a:endParaRPr lang="zh-CN" altLang="en-US">
+            <a:endParaRPr lang="zh-CN" altLang="en-US" dirty="0">
               <a:sym typeface="+mn-ea"/>
             </a:endParaRPr>
           </a:p>
@@ -5806,10 +5618,10 @@
               </a:rPr>
               <a:t>										     【5】</a:t>
             </a:r>
-            <a:endParaRPr lang="zh-CN" altLang="en-US"/>
-          </a:p>
-          <a:p>
-            <a:endParaRPr lang="zh-CN" altLang="en-US"/>
+            <a:endParaRPr lang="zh-CN" altLang="en-US" dirty="0"/>
+          </a:p>
+          <a:p>
+            <a:endParaRPr lang="zh-CN" altLang="en-US" dirty="0"/>
           </a:p>
         </p:txBody>
       </p:sp>
@@ -5914,13 +5726,6 @@
   <p:clrMapOvr>
     <a:masterClrMapping/>
   </p:clrMapOvr>
-  <p:timing>
-    <p:tnLst>
-      <p:par>
-        <p:cTn id="1" dur="indefinite" restart="never" nodeType="tmRoot"/>
-      </p:par>
-    </p:tnLst>
-  </p:timing>
 </p:sld>
 </file>
 
@@ -5967,8 +5772,9 @@
         </p:spPr>
         <p:txBody>
           <a:bodyPr>
-            <a:normAutofit lnSpcReduction="20000"/>
+            <a:normAutofit/>
           </a:bodyPr>
+          <a:lstStyle/>
           <a:p>
             <a:r>
               <a:rPr lang="zh-CN" altLang="en-US"/>
@@ -6117,13 +5923,6 @@
   <p:clrMapOvr>
     <a:masterClrMapping/>
   </p:clrMapOvr>
-  <p:timing>
-    <p:tnLst>
-      <p:par>
-        <p:cTn id="1" dur="indefinite" restart="never" nodeType="tmRoot"/>
-      </p:par>
-    </p:tnLst>
-  </p:timing>
 </p:sld>
 </file>
 
@@ -6252,14 +6051,14 @@
         <p:nvPicPr>
           <p:cNvPr id="2" name="内容占位符 1"/>
           <p:cNvPicPr>
-            <a:picLocks noChangeAspect="1"/>
+            <a:picLocks noGrp="1" noChangeAspect="1"/>
           </p:cNvPicPr>
           <p:nvPr>
             <p:ph idx="1"/>
           </p:nvPr>
         </p:nvPicPr>
         <p:blipFill>
-          <a:blip r:embed="rId1"/>
+          <a:blip r:embed="rId2"/>
           <a:stretch>
             <a:fillRect/>
           </a:stretch>
@@ -6294,6 +6093,7 @@
           <a:bodyPr wrap="square" rtlCol="0" anchor="t">
             <a:spAutoFit/>
           </a:bodyPr>
+          <a:lstStyle/>
           <a:p>
             <a:pPr marL="0" indent="0">
               <a:buNone/>
@@ -6313,13 +6113,6 @@
   <p:clrMapOvr>
     <a:masterClrMapping/>
   </p:clrMapOvr>
-  <p:timing>
-    <p:tnLst>
-      <p:par>
-        <p:cTn id="1" dur="indefinite" restart="never" nodeType="tmRoot"/>
-      </p:par>
-    </p:tnLst>
-  </p:timing>
 </p:sld>
 </file>
 
@@ -6361,12 +6154,12 @@
         <p:spPr/>
         <p:txBody>
           <a:bodyPr/>
+          <a:lstStyle/>
           <a:p>
             <a:r>
               <a:rPr lang="zh-CN" altLang="en-US"/>
               <a:t>原型设计流程</a:t>
             </a:r>
-            <a:endParaRPr lang="zh-CN" altLang="en-US"/>
           </a:p>
         </p:txBody>
       </p:sp>
@@ -6383,6 +6176,7 @@
         <p:spPr/>
         <p:txBody>
           <a:bodyPr/>
+          <a:lstStyle/>
           <a:p>
             <a:r>
               <a:rPr lang="zh-CN" altLang="en-US"/>
@@ -6510,13 +6304,6 @@
   <p:clrMapOvr>
     <a:masterClrMapping/>
   </p:clrMapOvr>
-  <p:timing>
-    <p:tnLst>
-      <p:par>
-        <p:cTn id="1" dur="indefinite" restart="never" nodeType="tmRoot"/>
-      </p:par>
-    </p:tnLst>
-  </p:timing>
 </p:sld>
 </file>
 
@@ -6565,6 +6352,7 @@
           <a:bodyPr>
             <a:normAutofit/>
           </a:bodyPr>
+          <a:lstStyle/>
           <a:p>
             <a:r>
               <a:rPr lang="zh-CN" altLang="en-US"/>
@@ -6578,14 +6366,12 @@
               <a:rPr lang="zh-CN" altLang="en-US"/>
               <a:t>步，先列需求大纲，尽可能使用简短的话把需求阐述清楚，然后把主要流程梳理明确。</a:t>
             </a:r>
-            <a:endParaRPr lang="zh-CN" altLang="en-US"/>
           </a:p>
           <a:p>
             <a:r>
               <a:rPr lang="zh-CN" altLang="en-US"/>
               <a:t>第2步罗列页面结构图，这部分工作主要是让我清楚地掌握有多少个页面，页面间的父子层级关系，确定功能重要性和开发优先级；</a:t>
             </a:r>
-            <a:endParaRPr lang="zh-CN" altLang="en-US"/>
           </a:p>
           <a:p>
             <a:r>
@@ -6600,7 +6386,6 @@
               <a:rPr lang="zh-CN" altLang="en-US"/>
               <a:t>步，看看其他相似的系统是怎么设计的，页面布局是怎样的，怎样处理不同功能之间的联动，版本迭代中的功能上线优先级之类的。</a:t>
             </a:r>
-            <a:endParaRPr lang="zh-CN" altLang="en-US"/>
           </a:p>
           <a:p>
             <a:r>
@@ -6718,13 +6503,6 @@
   <p:clrMapOvr>
     <a:masterClrMapping/>
   </p:clrMapOvr>
-  <p:timing>
-    <p:tnLst>
-      <p:par>
-        <p:cTn id="1" dur="indefinite" restart="never" nodeType="tmRoot"/>
-      </p:par>
-    </p:tnLst>
-  </p:timing>
 </p:sld>
 </file>
 
@@ -6771,6 +6549,7 @@
         </p:spPr>
         <p:txBody>
           <a:bodyPr/>
+          <a:lstStyle/>
           <a:p>
             <a:r>
               <a:rPr lang="zh-CN" altLang="en-US">
@@ -6796,9 +6575,6 @@
               </a:rPr>
               <a:t>最后，使用统一的原型标注表格，将原来每个页面混乱的标注整理到表格中，重点标识出异常边界和文案提示，区分全局说明和局部说明，尽可能将标注写的精简、明确、全面。</a:t>
             </a:r>
-            <a:endParaRPr lang="zh-CN" altLang="en-US">
-              <a:sym typeface="+mn-ea"/>
-            </a:endParaRPr>
           </a:p>
           <a:p>
             <a:pPr marL="0" indent="0">
@@ -6918,13 +6694,6 @@
   <p:clrMapOvr>
     <a:masterClrMapping/>
   </p:clrMapOvr>
-  <p:timing>
-    <p:tnLst>
-      <p:par>
-        <p:cTn id="1" dur="indefinite" restart="never" nodeType="tmRoot"/>
-      </p:par>
-    </p:tnLst>
-  </p:timing>
 </p:sld>
 </file>
 
@@ -7577,13 +7346,6 @@
               </a:rPr>
               <a:t>界面原型</a:t>
             </a:r>
-            <a:endParaRPr lang="zh-CN" sz="2800" dirty="0">
-              <a:solidFill>
-                <a:srgbClr val="002B41"/>
-              </a:solidFill>
-              <a:latin typeface="微软雅黑" panose="020B0503020204020204" pitchFamily="34" charset="-122"/>
-              <a:ea typeface="微软雅黑" panose="020B0503020204020204" pitchFamily="34" charset="-122"/>
-            </a:endParaRPr>
           </a:p>
         </p:txBody>
       </p:sp>
@@ -7951,13 +7713,6 @@
               </a:rPr>
               <a:t>设计规范</a:t>
             </a:r>
-            <a:endParaRPr lang="zh-CN" sz="2800" dirty="0">
-              <a:solidFill>
-                <a:srgbClr val="002B41"/>
-              </a:solidFill>
-              <a:latin typeface="微软雅黑" panose="020B0503020204020204" pitchFamily="34" charset="-122"/>
-              <a:ea typeface="微软雅黑" panose="020B0503020204020204" pitchFamily="34" charset="-122"/>
-            </a:endParaRPr>
           </a:p>
         </p:txBody>
       </p:sp>
@@ -8325,13 +8080,6 @@
               </a:rPr>
               <a:t>界面原型与布局工具</a:t>
             </a:r>
-            <a:endParaRPr lang="zh-CN" altLang="en-US" sz="2800" dirty="0">
-              <a:solidFill>
-                <a:srgbClr val="002B41"/>
-              </a:solidFill>
-              <a:latin typeface="微软雅黑" panose="020B0503020204020204" pitchFamily="34" charset="-122"/>
-              <a:ea typeface="微软雅黑" panose="020B0503020204020204" pitchFamily="34" charset="-122"/>
-            </a:endParaRPr>
           </a:p>
         </p:txBody>
       </p:sp>
@@ -8369,13 +8117,6 @@
               </a:rPr>
               <a:t> </a:t>
             </a:r>
-            <a:endParaRPr lang="en-US" altLang="zh-CN" sz="2800" dirty="0">
-              <a:solidFill>
-                <a:srgbClr val="002B41"/>
-              </a:solidFill>
-              <a:latin typeface="微软雅黑" panose="020B0503020204020204" pitchFamily="34" charset="-122"/>
-              <a:ea typeface="微软雅黑" panose="020B0503020204020204" pitchFamily="34" charset="-122"/>
-            </a:endParaRPr>
           </a:p>
         </p:txBody>
       </p:sp>
@@ -8414,14 +8155,6 @@
               </a:rPr>
               <a:t>问答、参考文献、小组分工及评价</a:t>
             </a:r>
-            <a:endParaRPr lang="zh-CN" altLang="en-US" sz="2800" dirty="0">
-              <a:solidFill>
-                <a:srgbClr val="002B41"/>
-              </a:solidFill>
-              <a:latin typeface="微软雅黑" panose="020B0503020204020204" pitchFamily="34" charset="-122"/>
-              <a:ea typeface="微软雅黑" panose="020B0503020204020204" pitchFamily="34" charset="-122"/>
-              <a:sym typeface="+mn-ea"/>
-            </a:endParaRPr>
           </a:p>
         </p:txBody>
       </p:sp>
@@ -9283,15 +9016,6 @@
               </a:rPr>
               <a:t>第二部分</a:t>
             </a:r>
-            <a:endParaRPr lang="zh-CN" altLang="en-US" sz="6000" dirty="0">
-              <a:solidFill>
-                <a:schemeClr val="bg1">
-                  <a:lumMod val="95000"/>
-                </a:schemeClr>
-              </a:solidFill>
-              <a:latin typeface="微软雅黑" panose="020B0503020204020204" pitchFamily="34" charset="-122"/>
-              <a:ea typeface="微软雅黑" panose="020B0503020204020204" pitchFamily="34" charset="-122"/>
-            </a:endParaRPr>
           </a:p>
         </p:txBody>
       </p:sp>
@@ -9331,15 +9055,6 @@
               </a:rPr>
               <a:t>设计规范</a:t>
             </a:r>
-            <a:endParaRPr lang="zh-CN" sz="3200" dirty="0">
-              <a:solidFill>
-                <a:schemeClr val="bg1">
-                  <a:lumMod val="95000"/>
-                </a:schemeClr>
-              </a:solidFill>
-              <a:latin typeface="微软雅黑" panose="020B0503020204020204" pitchFamily="34" charset="-122"/>
-              <a:ea typeface="微软雅黑" panose="020B0503020204020204" pitchFamily="34" charset="-122"/>
-            </a:endParaRPr>
           </a:p>
         </p:txBody>
       </p:sp>
@@ -9396,12 +9111,12 @@
           <a:bodyPr>
             <a:normAutofit/>
           </a:bodyPr>
+          <a:lstStyle/>
           <a:p>
             <a:r>
               <a:rPr lang="zh-CN" altLang="en-US"/>
               <a:t>界面是软件与用户交互的最直接的层，界面的好坏决定用户对软件的第一印象，设计良好的界面能够引导用户自己完成相应操作，起到向导作用。</a:t>
             </a:r>
-            <a:endParaRPr lang="zh-CN" altLang="en-US"/>
           </a:p>
           <a:p>
             <a:pPr marL="0" indent="0">
@@ -9518,13 +9233,6 @@
   <p:clrMapOvr>
     <a:masterClrMapping/>
   </p:clrMapOvr>
-  <p:timing>
-    <p:tnLst>
-      <p:par>
-        <p:cTn id="1" dur="indefinite" restart="never" nodeType="tmRoot"/>
-      </p:par>
-    </p:tnLst>
-  </p:timing>
 </p:sld>
 </file>
 
@@ -9571,61 +9279,83 @@
         </p:spPr>
         <p:txBody>
           <a:bodyPr/>
-          <a:p>
-            <a:r>
-              <a:rPr lang="zh-CN" altLang="en-US">
+          <a:lstStyle/>
+          <a:p>
+            <a:r>
+              <a:rPr lang="zh-CN" altLang="en-US" dirty="0">
                 <a:sym typeface="+mn-ea"/>
               </a:rPr>
               <a:t>界面设计主要是为了达到以下目的。</a:t>
             </a:r>
-            <a:endParaRPr lang="zh-CN" altLang="en-US"/>
-          </a:p>
-          <a:p>
-            <a:r>
-              <a:rPr lang="zh-CN" altLang="en-US">
+            <a:endParaRPr lang="zh-CN" altLang="en-US" dirty="0"/>
+          </a:p>
+          <a:p>
+            <a:r>
+              <a:rPr lang="zh-CN" altLang="en-US" dirty="0">
+                <a:solidFill>
+                  <a:srgbClr val="FF0000"/>
+                </a:solidFill>
                 <a:sym typeface="+mn-ea"/>
               </a:rPr>
-              <a:t>以用户为中心。设计由用户控制一致的界面，而不是界面控制用户。</a:t>
-            </a:r>
-            <a:endParaRPr lang="zh-CN" altLang="en-US"/>
-          </a:p>
-          <a:p>
-            <a:r>
-              <a:rPr lang="zh-CN" altLang="en-US">
+              <a:t>以用户为中心</a:t>
+            </a:r>
+            <a:r>
+              <a:rPr lang="zh-CN" altLang="en-US" dirty="0">
                 <a:sym typeface="+mn-ea"/>
               </a:rPr>
-              <a:t>清楚一致的设计。所有界面的风格保持一致，所有具有相同含义的术语保持一致，且易于理解和使用。</a:t>
-            </a:r>
-            <a:endParaRPr lang="zh-CN" altLang="en-US"/>
-          </a:p>
-          <a:p>
-            <a:r>
-              <a:rPr lang="zh-CN" altLang="en-US">
+              <a:t>。设计由用户控制一致的界面，而不是界面控制用户。</a:t>
+            </a:r>
+            <a:endParaRPr lang="zh-CN" altLang="en-US" dirty="0"/>
+          </a:p>
+          <a:p>
+            <a:r>
+              <a:rPr lang="zh-CN" altLang="en-US" dirty="0">
+                <a:sym typeface="+mn-ea"/>
+              </a:rPr>
+              <a:t>清楚一致的设计。</a:t>
+            </a:r>
+            <a:r>
+              <a:rPr lang="zh-CN" altLang="en-US" dirty="0">
+                <a:solidFill>
+                  <a:srgbClr val="FF0000"/>
+                </a:solidFill>
+                <a:sym typeface="+mn-ea"/>
+              </a:rPr>
+              <a:t>所有界面的风格保持一致</a:t>
+            </a:r>
+            <a:r>
+              <a:rPr lang="zh-CN" altLang="en-US" dirty="0">
+                <a:sym typeface="+mn-ea"/>
+              </a:rPr>
+              <a:t>，所有具有相同含义的术语保持一致，且易于理解和使用。</a:t>
+            </a:r>
+            <a:endParaRPr lang="zh-CN" altLang="en-US" dirty="0"/>
+          </a:p>
+          <a:p>
+            <a:r>
+              <a:rPr lang="zh-CN" altLang="en-US" dirty="0">
                 <a:sym typeface="+mn-ea"/>
               </a:rPr>
               <a:t>拥有良好的直觉特征。以用户所熟悉的现实世界事务的抽象来给用户暗示和隐喻，来帮助用户能迅速学会软件的使用。</a:t>
             </a:r>
-            <a:endParaRPr lang="zh-CN" altLang="en-US"/>
-          </a:p>
-          <a:p>
-            <a:r>
-              <a:rPr lang="zh-CN" altLang="en-US">
+            <a:endParaRPr lang="zh-CN" altLang="en-US" dirty="0"/>
+          </a:p>
+          <a:p>
+            <a:r>
+              <a:rPr lang="zh-CN" altLang="en-US" dirty="0">
                 <a:sym typeface="+mn-ea"/>
               </a:rPr>
               <a:t>较快的响应速度。</a:t>
             </a:r>
-            <a:endParaRPr lang="zh-CN" altLang="en-US"/>
-          </a:p>
-          <a:p>
-            <a:r>
-              <a:rPr lang="zh-CN" altLang="en-US">
+            <a:endParaRPr lang="zh-CN" altLang="en-US" dirty="0"/>
+          </a:p>
+          <a:p>
+            <a:r>
+              <a:rPr lang="zh-CN" altLang="en-US" dirty="0">
                 <a:sym typeface="+mn-ea"/>
               </a:rPr>
               <a:t>简洁、美观。</a:t>
             </a:r>
-            <a:endParaRPr lang="zh-CN" altLang="en-US">
-              <a:sym typeface="+mn-ea"/>
-            </a:endParaRPr>
           </a:p>
           <a:p>
             <a:pPr marL="0" indent="0">
@@ -9637,10 +9367,10 @@
               </a:rPr>
               <a:t>										     【7】</a:t>
             </a:r>
-            <a:endParaRPr lang="zh-CN" altLang="en-US"/>
-          </a:p>
-          <a:p>
-            <a:endParaRPr lang="zh-CN" altLang="en-US"/>
+            <a:endParaRPr lang="zh-CN" altLang="en-US" dirty="0"/>
+          </a:p>
+          <a:p>
+            <a:endParaRPr lang="zh-CN" altLang="en-US" dirty="0"/>
           </a:p>
         </p:txBody>
       </p:sp>
@@ -9745,13 +9475,6 @@
   <p:clrMapOvr>
     <a:masterClrMapping/>
   </p:clrMapOvr>
-  <p:timing>
-    <p:tnLst>
-      <p:par>
-        <p:cTn id="1" dur="indefinite" restart="never" nodeType="tmRoot"/>
-      </p:par>
-    </p:tnLst>
-  </p:timing>
 </p:sld>
 </file>
 
@@ -9793,12 +9516,12 @@
         <p:spPr/>
         <p:txBody>
           <a:bodyPr/>
+          <a:lstStyle/>
           <a:p>
             <a:r>
               <a:rPr lang="zh-CN" altLang="en-US"/>
               <a:t>用户体验</a:t>
             </a:r>
-            <a:endParaRPr lang="zh-CN" altLang="en-US"/>
           </a:p>
         </p:txBody>
       </p:sp>
@@ -9815,12 +9538,20 @@
         <p:spPr/>
         <p:txBody>
           <a:bodyPr/>
-          <a:p>
-            <a:r>
-              <a:rPr lang="zh-CN" altLang="en-US"/>
-              <a:t>用户体验是以用户为中心的设计中最重要的一个部分，强调的是过程，是软件对用户行为产生的反应与用户期待值要尽可能的一致。</a:t>
-            </a:r>
-            <a:endParaRPr lang="zh-CN" altLang="en-US"/>
+          <a:lstStyle/>
+          <a:p>
+            <a:r>
+              <a:rPr lang="zh-CN" altLang="en-US" dirty="0"/>
+              <a:t>用户体验是以用户为中心的设计中最重要的一个部分，强调的是过程，</a:t>
+            </a:r>
+            <a:r>
+              <a:rPr lang="zh-CN" altLang="en-US" dirty="0">
+                <a:solidFill>
+                  <a:srgbClr val="FF0000"/>
+                </a:solidFill>
+              </a:rPr>
+              <a:t>是软件对用户行为产生的反应与用户期待值要尽可能的一致。</a:t>
+            </a:r>
           </a:p>
           <a:p>
             <a:pPr marL="457200" lvl="1" indent="0">
@@ -9832,10 +9563,10 @@
               </a:rPr>
               <a:t>										     【8】</a:t>
             </a:r>
-            <a:endParaRPr lang="zh-CN" altLang="en-US"/>
-          </a:p>
-          <a:p>
-            <a:endParaRPr lang="zh-CN" altLang="en-US"/>
+            <a:endParaRPr lang="zh-CN" altLang="en-US" dirty="0"/>
+          </a:p>
+          <a:p>
+            <a:endParaRPr lang="zh-CN" altLang="en-US" dirty="0"/>
           </a:p>
         </p:txBody>
       </p:sp>
@@ -9940,13 +9671,6 @@
   <p:clrMapOvr>
     <a:masterClrMapping/>
   </p:clrMapOvr>
-  <p:timing>
-    <p:tnLst>
-      <p:par>
-        <p:cTn id="1" dur="indefinite" restart="never" nodeType="tmRoot"/>
-      </p:par>
-    </p:tnLst>
-  </p:timing>
 </p:sld>
 </file>
 
@@ -9988,12 +9712,12 @@
         <p:spPr/>
         <p:txBody>
           <a:bodyPr/>
+          <a:lstStyle/>
           <a:p>
             <a:r>
               <a:rPr lang="zh-CN" altLang="en-US"/>
               <a:t>糟糕的用户界面表现</a:t>
             </a:r>
-            <a:endParaRPr lang="zh-CN" altLang="en-US"/>
           </a:p>
         </p:txBody>
       </p:sp>
@@ -10017,12 +9741,12 @@
           <a:bodyPr>
             <a:normAutofit/>
           </a:bodyPr>
+          <a:lstStyle/>
           <a:p>
             <a:r>
               <a:rPr lang="zh-CN" altLang="en-US"/>
               <a:t>表现一：过分使用各种奇形怪状、五颜六色的控件。</a:t>
             </a:r>
-            <a:endParaRPr lang="zh-CN" altLang="en-US"/>
           </a:p>
           <a:p>
             <a:r>
@@ -10150,7 +9874,7 @@
           <p:nvPr/>
         </p:nvPicPr>
         <p:blipFill>
-          <a:blip r:embed="rId1"/>
+          <a:blip r:embed="rId2"/>
           <a:stretch>
             <a:fillRect/>
           </a:stretch>
@@ -10170,13 +9894,6 @@
   <p:clrMapOvr>
     <a:masterClrMapping/>
   </p:clrMapOvr>
-  <p:timing>
-    <p:tnLst>
-      <p:par>
-        <p:cTn id="1" dur="indefinite" restart="never" nodeType="tmRoot"/>
-      </p:par>
-    </p:tnLst>
-  </p:timing>
 </p:sld>
 </file>
 
@@ -10225,6 +9942,7 @@
           <a:bodyPr>
             <a:normAutofit/>
           </a:bodyPr>
+          <a:lstStyle/>
           <a:p>
             <a:r>
               <a:rPr lang="zh-CN" altLang="en-US"/>
@@ -10355,7 +10073,7 @@
           <p:nvPr/>
         </p:nvPicPr>
         <p:blipFill>
-          <a:blip r:embed="rId1"/>
+          <a:blip r:embed="rId2"/>
           <a:stretch>
             <a:fillRect/>
           </a:stretch>
@@ -10375,13 +10093,6 @@
   <p:clrMapOvr>
     <a:masterClrMapping/>
   </p:clrMapOvr>
-  <p:timing>
-    <p:tnLst>
-      <p:par>
-        <p:cTn id="1" dur="indefinite" restart="never" nodeType="tmRoot"/>
-      </p:par>
-    </p:tnLst>
-  </p:timing>
 </p:sld>
 </file>
 
@@ -10430,26 +10141,24 @@
           <a:bodyPr>
             <a:normAutofit/>
           </a:bodyPr>
+          <a:lstStyle/>
           <a:p>
             <a:r>
               <a:rPr lang="zh-CN" altLang="en-US"/>
               <a:t>表现四：违背使用习惯。比如你按F1，它没有弹出帮助，却执行了一件绝对出乎你意料的动作。 </a:t>
             </a:r>
-            <a:endParaRPr lang="zh-CN" altLang="en-US"/>
           </a:p>
           <a:p>
             <a:r>
               <a:rPr lang="zh-CN" altLang="en-US"/>
               <a:t>表现五：消息框信息含糊、混乱。比如软件弹出一个消息框。把原本“确定”和“取消”写成为“是”和“否”，让用户不知道什么意思。</a:t>
             </a:r>
-            <a:endParaRPr lang="zh-CN" altLang="en-US"/>
           </a:p>
           <a:p>
             <a:r>
               <a:rPr lang="zh-CN" altLang="en-US"/>
               <a:t>表现六：还有一种糟糕的用户界面，乍一看很厉害，实际上完全是缺乏规划的结果。这种软件本身的确提供了比较复杂的功能，但对于哪些是常用功能，哪些是很少用到的高级功能，缺乏评估。</a:t>
             </a:r>
-            <a:endParaRPr lang="zh-CN" altLang="en-US"/>
           </a:p>
           <a:p>
             <a:pPr marL="457200" lvl="1" indent="0">
@@ -10566,13 +10275,6 @@
   <p:clrMapOvr>
     <a:masterClrMapping/>
   </p:clrMapOvr>
-  <p:timing>
-    <p:tnLst>
-      <p:par>
-        <p:cTn id="1" dur="indefinite" restart="never" nodeType="tmRoot"/>
-      </p:par>
-    </p:tnLst>
-  </p:timing>
 </p:sld>
 </file>
 
@@ -10614,12 +10316,12 @@
         <p:spPr/>
         <p:txBody>
           <a:bodyPr/>
+          <a:lstStyle/>
           <a:p>
             <a:r>
               <a:rPr lang="zh-CN" altLang="en-US"/>
               <a:t>用户体验的要素</a:t>
             </a:r>
-            <a:endParaRPr lang="zh-CN" altLang="en-US"/>
           </a:p>
         </p:txBody>
       </p:sp>
@@ -10723,14 +10425,14 @@
         <p:nvPicPr>
           <p:cNvPr id="3" name="内容占位符 2"/>
           <p:cNvPicPr>
-            <a:picLocks noChangeAspect="1"/>
+            <a:picLocks noGrp="1" noChangeAspect="1"/>
           </p:cNvPicPr>
           <p:nvPr>
             <p:ph idx="1"/>
           </p:nvPr>
         </p:nvPicPr>
         <p:blipFill>
-          <a:blip r:embed="rId1"/>
+          <a:blip r:embed="rId2"/>
           <a:stretch>
             <a:fillRect/>
           </a:stretch>
@@ -10765,6 +10467,7 @@
           <a:bodyPr wrap="none" rtlCol="0" anchor="t">
             <a:spAutoFit/>
           </a:bodyPr>
+          <a:lstStyle/>
           <a:p>
             <a:pPr marL="457200" lvl="1" indent="0">
               <a:buNone/>
@@ -10784,13 +10487,6 @@
   <p:clrMapOvr>
     <a:masterClrMapping/>
   </p:clrMapOvr>
-  <p:timing>
-    <p:tnLst>
-      <p:par>
-        <p:cTn id="1" dur="indefinite" restart="never" nodeType="tmRoot"/>
-      </p:par>
-    </p:tnLst>
-  </p:timing>
 </p:sld>
 </file>
 
@@ -10832,12 +10528,12 @@
         <p:spPr/>
         <p:txBody>
           <a:bodyPr/>
+          <a:lstStyle/>
           <a:p>
             <a:r>
               <a:rPr lang="zh-CN" altLang="en-US"/>
               <a:t>应该遵循的基本原则</a:t>
             </a:r>
-            <a:endParaRPr lang="zh-CN" altLang="en-US"/>
           </a:p>
         </p:txBody>
       </p:sp>
@@ -10856,75 +10552,75 @@
           <a:bodyPr>
             <a:normAutofit fontScale="90000" lnSpcReduction="20000"/>
           </a:bodyPr>
-          <a:p>
-            <a:r>
-              <a:rPr lang="zh-CN" altLang="en-US"/>
+          <a:lstStyle/>
+          <a:p>
+            <a:r>
+              <a:rPr lang="zh-CN" altLang="en-US" dirty="0"/>
               <a:t>显示信息一致性的原则</a:t>
             </a:r>
-            <a:endParaRPr lang="zh-CN" altLang="en-US"/>
-          </a:p>
-          <a:p>
-            <a:r>
-              <a:rPr lang="zh-CN" altLang="en-US"/>
+          </a:p>
+          <a:p>
+            <a:r>
+              <a:rPr lang="zh-CN" altLang="en-US" dirty="0"/>
               <a:t>以用户为主导原则</a:t>
             </a:r>
-            <a:endParaRPr lang="zh-CN" altLang="en-US"/>
-          </a:p>
-          <a:p>
-            <a:r>
-              <a:rPr lang="zh-CN" altLang="en-US"/>
+          </a:p>
+          <a:p>
+            <a:r>
+              <a:rPr lang="zh-CN" altLang="en-US" dirty="0">
+                <a:solidFill>
+                  <a:srgbClr val="FF0000"/>
+                </a:solidFill>
+              </a:rPr>
               <a:t>易用性原则</a:t>
             </a:r>
-            <a:endParaRPr lang="zh-CN" altLang="en-US"/>
-          </a:p>
-          <a:p>
-            <a:r>
-              <a:rPr lang="zh-CN" altLang="en-US"/>
+          </a:p>
+          <a:p>
+            <a:r>
+              <a:rPr lang="zh-CN" altLang="en-US" dirty="0"/>
               <a:t>鼠标与键盘一致性原则</a:t>
             </a:r>
-            <a:endParaRPr lang="zh-CN" altLang="en-US"/>
-          </a:p>
-          <a:p>
-            <a:r>
-              <a:rPr lang="zh-CN" altLang="en-US"/>
+          </a:p>
+          <a:p>
+            <a:r>
+              <a:rPr lang="zh-CN" altLang="en-US" dirty="0"/>
               <a:t>系统响应时间原则</a:t>
             </a:r>
-            <a:endParaRPr lang="zh-CN" altLang="en-US"/>
-          </a:p>
-          <a:p>
-            <a:r>
-              <a:rPr lang="zh-CN" altLang="en-US"/>
+          </a:p>
+          <a:p>
+            <a:r>
+              <a:rPr lang="zh-CN" altLang="en-US" dirty="0"/>
               <a:t>出错信息和警告原则</a:t>
             </a:r>
-            <a:endParaRPr lang="zh-CN" altLang="en-US"/>
-          </a:p>
-          <a:p>
-            <a:r>
-              <a:rPr lang="zh-CN" altLang="en-US"/>
+          </a:p>
+          <a:p>
+            <a:r>
+              <a:rPr lang="zh-CN" altLang="en-US" dirty="0"/>
               <a:t>信息显示原则</a:t>
             </a:r>
-            <a:endParaRPr lang="zh-CN" altLang="en-US"/>
-          </a:p>
-          <a:p>
-            <a:r>
-              <a:rPr lang="zh-CN" altLang="en-US"/>
+          </a:p>
+          <a:p>
+            <a:r>
+              <a:rPr lang="zh-CN" altLang="en-US" dirty="0"/>
               <a:t>数据输入原则</a:t>
             </a:r>
-            <a:endParaRPr lang="zh-CN" altLang="en-US"/>
-          </a:p>
-          <a:p>
-            <a:r>
-              <a:rPr lang="zh-CN" altLang="en-US"/>
+          </a:p>
+          <a:p>
+            <a:r>
+              <a:rPr lang="zh-CN" altLang="en-US" dirty="0">
+                <a:solidFill>
+                  <a:srgbClr val="FF0000"/>
+                </a:solidFill>
+              </a:rPr>
               <a:t>合理性原则</a:t>
             </a:r>
-            <a:endParaRPr lang="zh-CN" altLang="en-US"/>
-          </a:p>
-          <a:p>
-            <a:r>
-              <a:rPr lang="zh-CN" altLang="en-US"/>
+          </a:p>
+          <a:p>
+            <a:r>
+              <a:rPr lang="zh-CN" altLang="en-US" dirty="0"/>
               <a:t>美观与协调性原则</a:t>
             </a:r>
-            <a:endParaRPr lang="zh-CN" altLang="en-US" sz="2800"/>
+            <a:endParaRPr lang="zh-CN" altLang="en-US" sz="2800" dirty="0"/>
           </a:p>
           <a:p>
             <a:pPr marL="457200" lvl="1" indent="0">
@@ -10936,7 +10632,7 @@
               </a:rPr>
               <a:t>										     【8】</a:t>
             </a:r>
-            <a:endParaRPr lang="zh-CN" altLang="en-US"/>
+            <a:endParaRPr lang="zh-CN" altLang="en-US" dirty="0"/>
           </a:p>
         </p:txBody>
       </p:sp>
@@ -11041,13 +10737,6 @@
   <p:clrMapOvr>
     <a:masterClrMapping/>
   </p:clrMapOvr>
-  <p:timing>
-    <p:tnLst>
-      <p:par>
-        <p:cTn id="1" dur="indefinite" restart="never" nodeType="tmRoot"/>
-      </p:par>
-    </p:tnLst>
-  </p:timing>
 </p:sld>
 </file>
 
@@ -11089,12 +10778,12 @@
         <p:spPr/>
         <p:txBody>
           <a:bodyPr/>
-          <a:p>
-            <a:r>
-              <a:rPr lang="zh-CN" altLang="en-US"/>
+          <a:lstStyle/>
+          <a:p>
+            <a:r>
+              <a:rPr lang="zh-CN" altLang="en-US" dirty="0"/>
               <a:t>字体规范</a:t>
             </a:r>
-            <a:endParaRPr lang="zh-CN" altLang="en-US"/>
           </a:p>
         </p:txBody>
       </p:sp>
@@ -11198,22 +10887,22 @@
         <p:nvPicPr>
           <p:cNvPr id="3" name="内容占位符 2"/>
           <p:cNvPicPr>
-            <a:picLocks noChangeAspect="1"/>
+            <a:picLocks noGrp="1" noChangeAspect="1"/>
           </p:cNvPicPr>
           <p:nvPr>
             <p:ph idx="1"/>
           </p:nvPr>
         </p:nvPicPr>
         <p:blipFill>
-          <a:blip r:embed="rId1"/>
+          <a:blip r:embed="rId2"/>
           <a:stretch>
             <a:fillRect/>
           </a:stretch>
         </p:blipFill>
         <p:spPr>
           <a:xfrm>
-            <a:off x="2193925" y="1691005"/>
-            <a:ext cx="7241540" cy="4730750"/>
+            <a:off x="1589102" y="365125"/>
+            <a:ext cx="9010835" cy="6056630"/>
           </a:xfrm>
           <a:prstGeom prst="rect">
             <a:avLst/>
@@ -11240,6 +10929,7 @@
           <a:bodyPr wrap="none" rtlCol="0" anchor="t">
             <a:spAutoFit/>
           </a:bodyPr>
+          <a:lstStyle/>
           <a:p>
             <a:pPr marL="457200" lvl="1" indent="0">
               <a:buNone/>
@@ -11262,9 +10952,217 @@
   <p:timing>
     <p:tnLst>
       <p:par>
-        <p:cTn id="1" dur="indefinite" restart="never" nodeType="tmRoot"/>
+        <p:cTn id="1" dur="indefinite" restart="never" nodeType="tmRoot">
+          <p:childTnLst>
+            <p:seq concurrent="1" nextAc="seek">
+              <p:cTn id="2" dur="indefinite" nodeType="mainSeq">
+                <p:childTnLst>
+                  <p:par>
+                    <p:cTn id="3" fill="hold">
+                      <p:stCondLst>
+                        <p:cond delay="indefinite"/>
+                      </p:stCondLst>
+                      <p:childTnLst>
+                        <p:par>
+                          <p:cTn id="4" fill="hold">
+                            <p:stCondLst>
+                              <p:cond delay="0"/>
+                            </p:stCondLst>
+                            <p:childTnLst>
+                              <p:par>
+                                <p:cTn id="5" presetID="2" presetClass="entr" presetSubtype="4" fill="hold" grpId="0" nodeType="clickEffect">
+                                  <p:stCondLst>
+                                    <p:cond delay="0"/>
+                                  </p:stCondLst>
+                                  <p:childTnLst>
+                                    <p:set>
+                                      <p:cBhvr>
+                                        <p:cTn id="6" dur="1" fill="hold">
+                                          <p:stCondLst>
+                                            <p:cond delay="0"/>
+                                          </p:stCondLst>
+                                        </p:cTn>
+                                        <p:tgtEl>
+                                          <p:spTgt spid="2"/>
+                                        </p:tgtEl>
+                                        <p:attrNameLst>
+                                          <p:attrName>style.visibility</p:attrName>
+                                        </p:attrNameLst>
+                                      </p:cBhvr>
+                                      <p:to>
+                                        <p:strVal val="visible"/>
+                                      </p:to>
+                                    </p:set>
+                                    <p:anim calcmode="lin" valueType="num">
+                                      <p:cBhvr additive="base">
+                                        <p:cTn id="7" dur="500" fill="hold"/>
+                                        <p:tgtEl>
+                                          <p:spTgt spid="2"/>
+                                        </p:tgtEl>
+                                        <p:attrNameLst>
+                                          <p:attrName>ppt_x</p:attrName>
+                                        </p:attrNameLst>
+                                      </p:cBhvr>
+                                      <p:tavLst>
+                                        <p:tav tm="0">
+                                          <p:val>
+                                            <p:strVal val="#ppt_x"/>
+                                          </p:val>
+                                        </p:tav>
+                                        <p:tav tm="100000">
+                                          <p:val>
+                                            <p:strVal val="#ppt_x"/>
+                                          </p:val>
+                                        </p:tav>
+                                      </p:tavLst>
+                                    </p:anim>
+                                    <p:anim calcmode="lin" valueType="num">
+                                      <p:cBhvr additive="base">
+                                        <p:cTn id="8" dur="500" fill="hold"/>
+                                        <p:tgtEl>
+                                          <p:spTgt spid="2"/>
+                                        </p:tgtEl>
+                                        <p:attrNameLst>
+                                          <p:attrName>ppt_y</p:attrName>
+                                        </p:attrNameLst>
+                                      </p:cBhvr>
+                                      <p:tavLst>
+                                        <p:tav tm="0">
+                                          <p:val>
+                                            <p:strVal val="1+#ppt_h/2"/>
+                                          </p:val>
+                                        </p:tav>
+                                        <p:tav tm="100000">
+                                          <p:val>
+                                            <p:strVal val="#ppt_y"/>
+                                          </p:val>
+                                        </p:tav>
+                                      </p:tavLst>
+                                    </p:anim>
+                                  </p:childTnLst>
+                                </p:cTn>
+                              </p:par>
+                            </p:childTnLst>
+                          </p:cTn>
+                        </p:par>
+                      </p:childTnLst>
+                    </p:cTn>
+                  </p:par>
+                  <p:par>
+                    <p:cTn id="9" fill="hold">
+                      <p:stCondLst>
+                        <p:cond delay="indefinite"/>
+                      </p:stCondLst>
+                      <p:childTnLst>
+                        <p:par>
+                          <p:cTn id="10" fill="hold">
+                            <p:stCondLst>
+                              <p:cond delay="0"/>
+                            </p:stCondLst>
+                            <p:childTnLst>
+                              <p:par>
+                                <p:cTn id="11" presetID="2" presetClass="entr" presetSubtype="4" fill="hold" nodeType="clickEffect">
+                                  <p:stCondLst>
+                                    <p:cond delay="0"/>
+                                  </p:stCondLst>
+                                  <p:childTnLst>
+                                    <p:set>
+                                      <p:cBhvr>
+                                        <p:cTn id="12" dur="1" fill="hold">
+                                          <p:stCondLst>
+                                            <p:cond delay="0"/>
+                                          </p:stCondLst>
+                                        </p:cTn>
+                                        <p:tgtEl>
+                                          <p:spTgt spid="3"/>
+                                        </p:tgtEl>
+                                        <p:attrNameLst>
+                                          <p:attrName>style.visibility</p:attrName>
+                                        </p:attrNameLst>
+                                      </p:cBhvr>
+                                      <p:to>
+                                        <p:strVal val="visible"/>
+                                      </p:to>
+                                    </p:set>
+                                    <p:anim calcmode="lin" valueType="num">
+                                      <p:cBhvr additive="base">
+                                        <p:cTn id="13" dur="500" fill="hold"/>
+                                        <p:tgtEl>
+                                          <p:spTgt spid="3"/>
+                                        </p:tgtEl>
+                                        <p:attrNameLst>
+                                          <p:attrName>ppt_x</p:attrName>
+                                        </p:attrNameLst>
+                                      </p:cBhvr>
+                                      <p:tavLst>
+                                        <p:tav tm="0">
+                                          <p:val>
+                                            <p:strVal val="#ppt_x"/>
+                                          </p:val>
+                                        </p:tav>
+                                        <p:tav tm="100000">
+                                          <p:val>
+                                            <p:strVal val="#ppt_x"/>
+                                          </p:val>
+                                        </p:tav>
+                                      </p:tavLst>
+                                    </p:anim>
+                                    <p:anim calcmode="lin" valueType="num">
+                                      <p:cBhvr additive="base">
+                                        <p:cTn id="14" dur="500" fill="hold"/>
+                                        <p:tgtEl>
+                                          <p:spTgt spid="3"/>
+                                        </p:tgtEl>
+                                        <p:attrNameLst>
+                                          <p:attrName>ppt_y</p:attrName>
+                                        </p:attrNameLst>
+                                      </p:cBhvr>
+                                      <p:tavLst>
+                                        <p:tav tm="0">
+                                          <p:val>
+                                            <p:strVal val="1+#ppt_h/2"/>
+                                          </p:val>
+                                        </p:tav>
+                                        <p:tav tm="100000">
+                                          <p:val>
+                                            <p:strVal val="#ppt_y"/>
+                                          </p:val>
+                                        </p:tav>
+                                      </p:tavLst>
+                                    </p:anim>
+                                  </p:childTnLst>
+                                </p:cTn>
+                              </p:par>
+                            </p:childTnLst>
+                          </p:cTn>
+                        </p:par>
+                      </p:childTnLst>
+                    </p:cTn>
+                  </p:par>
+                </p:childTnLst>
+              </p:cTn>
+              <p:prevCondLst>
+                <p:cond evt="onPrev" delay="0">
+                  <p:tgtEl>
+                    <p:sldTgt/>
+                  </p:tgtEl>
+                </p:cond>
+              </p:prevCondLst>
+              <p:nextCondLst>
+                <p:cond evt="onNext" delay="0">
+                  <p:tgtEl>
+                    <p:sldTgt/>
+                  </p:tgtEl>
+                </p:cond>
+              </p:nextCondLst>
+            </p:seq>
+          </p:childTnLst>
+        </p:cTn>
       </p:par>
     </p:tnLst>
+    <p:bldLst>
+      <p:bldP spid="2" grpId="0"/>
+    </p:bldLst>
   </p:timing>
 </p:sld>
 </file>
@@ -11614,15 +11512,6 @@
               </a:rPr>
               <a:t>第一部分</a:t>
             </a:r>
-            <a:endParaRPr lang="zh-CN" altLang="en-US" sz="6000" dirty="0">
-              <a:solidFill>
-                <a:schemeClr val="bg1">
-                  <a:lumMod val="95000"/>
-                </a:schemeClr>
-              </a:solidFill>
-              <a:latin typeface="微软雅黑" panose="020B0503020204020204" pitchFamily="34" charset="-122"/>
-              <a:ea typeface="微软雅黑" panose="020B0503020204020204" pitchFamily="34" charset="-122"/>
-            </a:endParaRPr>
           </a:p>
         </p:txBody>
       </p:sp>
@@ -11662,15 +11551,6 @@
               </a:rPr>
               <a:t>界面原型</a:t>
             </a:r>
-            <a:endParaRPr lang="zh-CN" sz="3200" dirty="0">
-              <a:solidFill>
-                <a:schemeClr val="bg1">
-                  <a:lumMod val="95000"/>
-                </a:schemeClr>
-              </a:solidFill>
-              <a:latin typeface="微软雅黑" panose="020B0503020204020204" pitchFamily="34" charset="-122"/>
-              <a:ea typeface="微软雅黑" panose="020B0503020204020204" pitchFamily="34" charset="-122"/>
-            </a:endParaRPr>
           </a:p>
         </p:txBody>
       </p:sp>
@@ -11720,12 +11600,12 @@
         <p:spPr/>
         <p:txBody>
           <a:bodyPr/>
-          <a:p>
-            <a:r>
-              <a:rPr lang="zh-CN" altLang="en-US"/>
+          <a:lstStyle/>
+          <a:p>
+            <a:r>
+              <a:rPr lang="zh-CN" altLang="en-US" dirty="0"/>
               <a:t>尺寸规范</a:t>
             </a:r>
-            <a:endParaRPr lang="zh-CN" altLang="en-US"/>
           </a:p>
         </p:txBody>
       </p:sp>
@@ -11829,22 +11709,22 @@
         <p:nvPicPr>
           <p:cNvPr id="3" name="内容占位符 2"/>
           <p:cNvPicPr>
-            <a:picLocks noChangeAspect="1"/>
+            <a:picLocks noGrp="1" noChangeAspect="1"/>
           </p:cNvPicPr>
           <p:nvPr>
             <p:ph idx="1"/>
           </p:nvPr>
         </p:nvPicPr>
         <p:blipFill>
-          <a:blip r:embed="rId1"/>
+          <a:blip r:embed="rId2"/>
           <a:stretch>
             <a:fillRect/>
           </a:stretch>
         </p:blipFill>
         <p:spPr>
           <a:xfrm>
-            <a:off x="2310130" y="2613660"/>
-            <a:ext cx="6566535" cy="2185670"/>
+            <a:off x="601630" y="1690688"/>
+            <a:ext cx="10988740" cy="3657600"/>
           </a:xfrm>
           <a:prstGeom prst="rect">
             <a:avLst/>
@@ -11871,6 +11751,7 @@
           <a:bodyPr wrap="none" rtlCol="0" anchor="t">
             <a:spAutoFit/>
           </a:bodyPr>
+          <a:lstStyle/>
           <a:p>
             <a:pPr marL="457200" lvl="1" indent="0">
               <a:buNone/>
@@ -11890,13 +11771,6 @@
   <p:clrMapOvr>
     <a:masterClrMapping/>
   </p:clrMapOvr>
-  <p:timing>
-    <p:tnLst>
-      <p:par>
-        <p:cTn id="1" dur="indefinite" restart="never" nodeType="tmRoot"/>
-      </p:par>
-    </p:tnLst>
-  </p:timing>
 </p:sld>
 </file>
 
@@ -11938,12 +11812,12 @@
         <p:spPr/>
         <p:txBody>
           <a:bodyPr/>
-          <a:p>
-            <a:r>
-              <a:rPr lang="zh-CN" altLang="en-US"/>
+          <a:lstStyle/>
+          <a:p>
+            <a:r>
+              <a:rPr lang="zh-CN" altLang="en-US" dirty="0"/>
               <a:t>颜色规范</a:t>
             </a:r>
-            <a:endParaRPr lang="zh-CN" altLang="en-US"/>
           </a:p>
         </p:txBody>
       </p:sp>
@@ -12047,22 +11921,22 @@
         <p:nvPicPr>
           <p:cNvPr id="3" name="内容占位符 2"/>
           <p:cNvPicPr>
-            <a:picLocks noChangeAspect="1"/>
+            <a:picLocks noGrp="1" noChangeAspect="1"/>
           </p:cNvPicPr>
           <p:nvPr>
             <p:ph idx="1"/>
           </p:nvPr>
         </p:nvPicPr>
         <p:blipFill>
-          <a:blip r:embed="rId1"/>
+          <a:blip r:embed="rId2"/>
           <a:stretch>
             <a:fillRect/>
           </a:stretch>
         </p:blipFill>
         <p:spPr>
           <a:xfrm>
-            <a:off x="1982470" y="1691005"/>
-            <a:ext cx="7212330" cy="4636770"/>
+            <a:off x="1127654" y="391561"/>
+            <a:ext cx="9490376" cy="6101314"/>
           </a:xfrm>
           <a:prstGeom prst="rect">
             <a:avLst/>
@@ -12089,6 +11963,7 @@
           <a:bodyPr wrap="none" rtlCol="0" anchor="t">
             <a:spAutoFit/>
           </a:bodyPr>
+          <a:lstStyle/>
           <a:p>
             <a:pPr marL="457200" lvl="1" indent="0">
               <a:buNone/>
@@ -12111,9 +11986,217 @@
   <p:timing>
     <p:tnLst>
       <p:par>
-        <p:cTn id="1" dur="indefinite" restart="never" nodeType="tmRoot"/>
+        <p:cTn id="1" dur="indefinite" restart="never" nodeType="tmRoot">
+          <p:childTnLst>
+            <p:seq concurrent="1" nextAc="seek">
+              <p:cTn id="2" dur="indefinite" nodeType="mainSeq">
+                <p:childTnLst>
+                  <p:par>
+                    <p:cTn id="3" fill="hold">
+                      <p:stCondLst>
+                        <p:cond delay="indefinite"/>
+                      </p:stCondLst>
+                      <p:childTnLst>
+                        <p:par>
+                          <p:cTn id="4" fill="hold">
+                            <p:stCondLst>
+                              <p:cond delay="0"/>
+                            </p:stCondLst>
+                            <p:childTnLst>
+                              <p:par>
+                                <p:cTn id="5" presetID="2" presetClass="entr" presetSubtype="4" fill="hold" grpId="0" nodeType="clickEffect">
+                                  <p:stCondLst>
+                                    <p:cond delay="0"/>
+                                  </p:stCondLst>
+                                  <p:childTnLst>
+                                    <p:set>
+                                      <p:cBhvr>
+                                        <p:cTn id="6" dur="1" fill="hold">
+                                          <p:stCondLst>
+                                            <p:cond delay="0"/>
+                                          </p:stCondLst>
+                                        </p:cTn>
+                                        <p:tgtEl>
+                                          <p:spTgt spid="2"/>
+                                        </p:tgtEl>
+                                        <p:attrNameLst>
+                                          <p:attrName>style.visibility</p:attrName>
+                                        </p:attrNameLst>
+                                      </p:cBhvr>
+                                      <p:to>
+                                        <p:strVal val="visible"/>
+                                      </p:to>
+                                    </p:set>
+                                    <p:anim calcmode="lin" valueType="num">
+                                      <p:cBhvr additive="base">
+                                        <p:cTn id="7" dur="500" fill="hold"/>
+                                        <p:tgtEl>
+                                          <p:spTgt spid="2"/>
+                                        </p:tgtEl>
+                                        <p:attrNameLst>
+                                          <p:attrName>ppt_x</p:attrName>
+                                        </p:attrNameLst>
+                                      </p:cBhvr>
+                                      <p:tavLst>
+                                        <p:tav tm="0">
+                                          <p:val>
+                                            <p:strVal val="#ppt_x"/>
+                                          </p:val>
+                                        </p:tav>
+                                        <p:tav tm="100000">
+                                          <p:val>
+                                            <p:strVal val="#ppt_x"/>
+                                          </p:val>
+                                        </p:tav>
+                                      </p:tavLst>
+                                    </p:anim>
+                                    <p:anim calcmode="lin" valueType="num">
+                                      <p:cBhvr additive="base">
+                                        <p:cTn id="8" dur="500" fill="hold"/>
+                                        <p:tgtEl>
+                                          <p:spTgt spid="2"/>
+                                        </p:tgtEl>
+                                        <p:attrNameLst>
+                                          <p:attrName>ppt_y</p:attrName>
+                                        </p:attrNameLst>
+                                      </p:cBhvr>
+                                      <p:tavLst>
+                                        <p:tav tm="0">
+                                          <p:val>
+                                            <p:strVal val="1+#ppt_h/2"/>
+                                          </p:val>
+                                        </p:tav>
+                                        <p:tav tm="100000">
+                                          <p:val>
+                                            <p:strVal val="#ppt_y"/>
+                                          </p:val>
+                                        </p:tav>
+                                      </p:tavLst>
+                                    </p:anim>
+                                  </p:childTnLst>
+                                </p:cTn>
+                              </p:par>
+                            </p:childTnLst>
+                          </p:cTn>
+                        </p:par>
+                      </p:childTnLst>
+                    </p:cTn>
+                  </p:par>
+                  <p:par>
+                    <p:cTn id="9" fill="hold">
+                      <p:stCondLst>
+                        <p:cond delay="indefinite"/>
+                      </p:stCondLst>
+                      <p:childTnLst>
+                        <p:par>
+                          <p:cTn id="10" fill="hold">
+                            <p:stCondLst>
+                              <p:cond delay="0"/>
+                            </p:stCondLst>
+                            <p:childTnLst>
+                              <p:par>
+                                <p:cTn id="11" presetID="2" presetClass="entr" presetSubtype="4" fill="hold" nodeType="clickEffect">
+                                  <p:stCondLst>
+                                    <p:cond delay="0"/>
+                                  </p:stCondLst>
+                                  <p:childTnLst>
+                                    <p:set>
+                                      <p:cBhvr>
+                                        <p:cTn id="12" dur="1" fill="hold">
+                                          <p:stCondLst>
+                                            <p:cond delay="0"/>
+                                          </p:stCondLst>
+                                        </p:cTn>
+                                        <p:tgtEl>
+                                          <p:spTgt spid="3"/>
+                                        </p:tgtEl>
+                                        <p:attrNameLst>
+                                          <p:attrName>style.visibility</p:attrName>
+                                        </p:attrNameLst>
+                                      </p:cBhvr>
+                                      <p:to>
+                                        <p:strVal val="visible"/>
+                                      </p:to>
+                                    </p:set>
+                                    <p:anim calcmode="lin" valueType="num">
+                                      <p:cBhvr additive="base">
+                                        <p:cTn id="13" dur="500" fill="hold"/>
+                                        <p:tgtEl>
+                                          <p:spTgt spid="3"/>
+                                        </p:tgtEl>
+                                        <p:attrNameLst>
+                                          <p:attrName>ppt_x</p:attrName>
+                                        </p:attrNameLst>
+                                      </p:cBhvr>
+                                      <p:tavLst>
+                                        <p:tav tm="0">
+                                          <p:val>
+                                            <p:strVal val="#ppt_x"/>
+                                          </p:val>
+                                        </p:tav>
+                                        <p:tav tm="100000">
+                                          <p:val>
+                                            <p:strVal val="#ppt_x"/>
+                                          </p:val>
+                                        </p:tav>
+                                      </p:tavLst>
+                                    </p:anim>
+                                    <p:anim calcmode="lin" valueType="num">
+                                      <p:cBhvr additive="base">
+                                        <p:cTn id="14" dur="500" fill="hold"/>
+                                        <p:tgtEl>
+                                          <p:spTgt spid="3"/>
+                                        </p:tgtEl>
+                                        <p:attrNameLst>
+                                          <p:attrName>ppt_y</p:attrName>
+                                        </p:attrNameLst>
+                                      </p:cBhvr>
+                                      <p:tavLst>
+                                        <p:tav tm="0">
+                                          <p:val>
+                                            <p:strVal val="1+#ppt_h/2"/>
+                                          </p:val>
+                                        </p:tav>
+                                        <p:tav tm="100000">
+                                          <p:val>
+                                            <p:strVal val="#ppt_y"/>
+                                          </p:val>
+                                        </p:tav>
+                                      </p:tavLst>
+                                    </p:anim>
+                                  </p:childTnLst>
+                                </p:cTn>
+                              </p:par>
+                            </p:childTnLst>
+                          </p:cTn>
+                        </p:par>
+                      </p:childTnLst>
+                    </p:cTn>
+                  </p:par>
+                </p:childTnLst>
+              </p:cTn>
+              <p:prevCondLst>
+                <p:cond evt="onPrev" delay="0">
+                  <p:tgtEl>
+                    <p:sldTgt/>
+                  </p:tgtEl>
+                </p:cond>
+              </p:prevCondLst>
+              <p:nextCondLst>
+                <p:cond evt="onNext" delay="0">
+                  <p:tgtEl>
+                    <p:sldTgt/>
+                  </p:tgtEl>
+                </p:cond>
+              </p:nextCondLst>
+            </p:seq>
+          </p:childTnLst>
+        </p:cTn>
       </p:par>
     </p:tnLst>
+    <p:bldLst>
+      <p:bldP spid="2" grpId="0"/>
+    </p:bldLst>
   </p:timing>
 </p:sld>
 </file>
@@ -12156,12 +12239,12 @@
         <p:spPr/>
         <p:txBody>
           <a:bodyPr/>
+          <a:lstStyle/>
           <a:p>
             <a:r>
               <a:rPr lang="zh-CN" altLang="en-US"/>
               <a:t>登录框规范</a:t>
             </a:r>
-            <a:endParaRPr lang="zh-CN" altLang="en-US"/>
           </a:p>
         </p:txBody>
       </p:sp>
@@ -12265,22 +12348,22 @@
         <p:nvPicPr>
           <p:cNvPr id="3" name="内容占位符 2"/>
           <p:cNvPicPr>
-            <a:picLocks noChangeAspect="1"/>
+            <a:picLocks noGrp="1" noChangeAspect="1"/>
           </p:cNvPicPr>
           <p:nvPr>
             <p:ph idx="1"/>
           </p:nvPr>
         </p:nvPicPr>
         <p:blipFill>
-          <a:blip r:embed="rId1"/>
+          <a:blip r:embed="rId2"/>
           <a:stretch>
             <a:fillRect/>
           </a:stretch>
         </p:blipFill>
         <p:spPr>
           <a:xfrm>
-            <a:off x="2304415" y="2051050"/>
-            <a:ext cx="6630670" cy="4109720"/>
+            <a:off x="3856356" y="365125"/>
+            <a:ext cx="8335644" cy="5166471"/>
           </a:xfrm>
           <a:prstGeom prst="rect">
             <a:avLst/>
@@ -12307,6 +12390,7 @@
           <a:bodyPr wrap="none" rtlCol="0" anchor="t">
             <a:spAutoFit/>
           </a:bodyPr>
+          <a:lstStyle/>
           <a:p>
             <a:pPr marL="457200" lvl="1" indent="0">
               <a:buNone/>
@@ -12326,13 +12410,6 @@
   <p:clrMapOvr>
     <a:masterClrMapping/>
   </p:clrMapOvr>
-  <p:timing>
-    <p:tnLst>
-      <p:par>
-        <p:cTn id="1" dur="indefinite" restart="never" nodeType="tmRoot"/>
-      </p:par>
-    </p:tnLst>
-  </p:timing>
 </p:sld>
 </file>
 
@@ -12374,12 +12451,12 @@
         <p:spPr/>
         <p:txBody>
           <a:bodyPr/>
-          <a:p>
-            <a:r>
-              <a:rPr lang="zh-CN" altLang="en-US"/>
+          <a:lstStyle/>
+          <a:p>
+            <a:r>
+              <a:rPr lang="zh-CN" altLang="en-US" dirty="0"/>
               <a:t>默认值规范</a:t>
             </a:r>
-            <a:endParaRPr lang="zh-CN" altLang="en-US"/>
           </a:p>
         </p:txBody>
       </p:sp>
@@ -12483,22 +12560,22 @@
         <p:nvPicPr>
           <p:cNvPr id="3" name="内容占位符 2"/>
           <p:cNvPicPr>
-            <a:picLocks noChangeAspect="1"/>
+            <a:picLocks noGrp="1" noChangeAspect="1"/>
           </p:cNvPicPr>
           <p:nvPr>
             <p:ph idx="1"/>
           </p:nvPr>
         </p:nvPicPr>
         <p:blipFill>
-          <a:blip r:embed="rId1"/>
+          <a:blip r:embed="rId2"/>
           <a:stretch>
             <a:fillRect/>
           </a:stretch>
         </p:blipFill>
         <p:spPr>
           <a:xfrm>
-            <a:off x="2279650" y="1868805"/>
-            <a:ext cx="6940550" cy="4195445"/>
+            <a:off x="1838869" y="477982"/>
+            <a:ext cx="8677470" cy="5245384"/>
           </a:xfrm>
           <a:prstGeom prst="rect">
             <a:avLst/>
@@ -12525,6 +12602,7 @@
           <a:bodyPr wrap="none" rtlCol="0" anchor="t">
             <a:spAutoFit/>
           </a:bodyPr>
+          <a:lstStyle/>
           <a:p>
             <a:pPr marL="457200" lvl="1" indent="0">
               <a:buNone/>
@@ -12547,9 +12625,233 @@
   <p:timing>
     <p:tnLst>
       <p:par>
-        <p:cTn id="1" dur="indefinite" restart="never" nodeType="tmRoot"/>
+        <p:cTn id="1" dur="indefinite" restart="never" nodeType="tmRoot">
+          <p:childTnLst>
+            <p:seq concurrent="1" nextAc="seek">
+              <p:cTn id="2" dur="indefinite" nodeType="mainSeq">
+                <p:childTnLst>
+                  <p:par>
+                    <p:cTn id="3" fill="hold">
+                      <p:stCondLst>
+                        <p:cond delay="indefinite"/>
+                      </p:stCondLst>
+                      <p:childTnLst>
+                        <p:par>
+                          <p:cTn id="4" fill="hold">
+                            <p:stCondLst>
+                              <p:cond delay="0"/>
+                            </p:stCondLst>
+                            <p:childTnLst>
+                              <p:par>
+                                <p:cTn id="5" presetID="42" presetClass="entr" presetSubtype="0" fill="hold" grpId="0" nodeType="clickEffect">
+                                  <p:stCondLst>
+                                    <p:cond delay="0"/>
+                                  </p:stCondLst>
+                                  <p:childTnLst>
+                                    <p:set>
+                                      <p:cBhvr>
+                                        <p:cTn id="6" dur="1" fill="hold">
+                                          <p:stCondLst>
+                                            <p:cond delay="0"/>
+                                          </p:stCondLst>
+                                        </p:cTn>
+                                        <p:tgtEl>
+                                          <p:spTgt spid="2"/>
+                                        </p:tgtEl>
+                                        <p:attrNameLst>
+                                          <p:attrName>style.visibility</p:attrName>
+                                        </p:attrNameLst>
+                                      </p:cBhvr>
+                                      <p:to>
+                                        <p:strVal val="visible"/>
+                                      </p:to>
+                                    </p:set>
+                                    <p:animEffect transition="in" filter="fade">
+                                      <p:cBhvr>
+                                        <p:cTn id="7" dur="1000"/>
+                                        <p:tgtEl>
+                                          <p:spTgt spid="2"/>
+                                        </p:tgtEl>
+                                      </p:cBhvr>
+                                    </p:animEffect>
+                                    <p:anim calcmode="lin" valueType="num">
+                                      <p:cBhvr>
+                                        <p:cTn id="8" dur="1000" fill="hold"/>
+                                        <p:tgtEl>
+                                          <p:spTgt spid="2"/>
+                                        </p:tgtEl>
+                                        <p:attrNameLst>
+                                          <p:attrName>ppt_x</p:attrName>
+                                        </p:attrNameLst>
+                                      </p:cBhvr>
+                                      <p:tavLst>
+                                        <p:tav tm="0">
+                                          <p:val>
+                                            <p:strVal val="#ppt_x"/>
+                                          </p:val>
+                                        </p:tav>
+                                        <p:tav tm="100000">
+                                          <p:val>
+                                            <p:strVal val="#ppt_x"/>
+                                          </p:val>
+                                        </p:tav>
+                                      </p:tavLst>
+                                    </p:anim>
+                                    <p:anim calcmode="lin" valueType="num">
+                                      <p:cBhvr>
+                                        <p:cTn id="9" dur="1000" fill="hold"/>
+                                        <p:tgtEl>
+                                          <p:spTgt spid="2"/>
+                                        </p:tgtEl>
+                                        <p:attrNameLst>
+                                          <p:attrName>ppt_y</p:attrName>
+                                        </p:attrNameLst>
+                                      </p:cBhvr>
+                                      <p:tavLst>
+                                        <p:tav tm="0">
+                                          <p:val>
+                                            <p:strVal val="#ppt_y+.1"/>
+                                          </p:val>
+                                        </p:tav>
+                                        <p:tav tm="100000">
+                                          <p:val>
+                                            <p:strVal val="#ppt_y"/>
+                                          </p:val>
+                                        </p:tav>
+                                      </p:tavLst>
+                                    </p:anim>
+                                  </p:childTnLst>
+                                </p:cTn>
+                              </p:par>
+                            </p:childTnLst>
+                          </p:cTn>
+                        </p:par>
+                      </p:childTnLst>
+                    </p:cTn>
+                  </p:par>
+                  <p:par>
+                    <p:cTn id="10" fill="hold">
+                      <p:stCondLst>
+                        <p:cond delay="indefinite"/>
+                      </p:stCondLst>
+                      <p:childTnLst>
+                        <p:par>
+                          <p:cTn id="11" fill="hold">
+                            <p:stCondLst>
+                              <p:cond delay="0"/>
+                            </p:stCondLst>
+                            <p:childTnLst>
+                              <p:par>
+                                <p:cTn id="12" presetID="42" presetClass="entr" presetSubtype="0" fill="hold" nodeType="clickEffect">
+                                  <p:stCondLst>
+                                    <p:cond delay="0"/>
+                                  </p:stCondLst>
+                                  <p:childTnLst>
+                                    <p:set>
+                                      <p:cBhvr>
+                                        <p:cTn id="13" dur="1" fill="hold">
+                                          <p:stCondLst>
+                                            <p:cond delay="0"/>
+                                          </p:stCondLst>
+                                        </p:cTn>
+                                        <p:tgtEl>
+                                          <p:spTgt spid="3"/>
+                                        </p:tgtEl>
+                                        <p:attrNameLst>
+                                          <p:attrName>style.visibility</p:attrName>
+                                        </p:attrNameLst>
+                                      </p:cBhvr>
+                                      <p:to>
+                                        <p:strVal val="visible"/>
+                                      </p:to>
+                                    </p:set>
+                                    <p:animEffect transition="in" filter="fade">
+                                      <p:cBhvr>
+                                        <p:cTn id="14" dur="1000"/>
+                                        <p:tgtEl>
+                                          <p:spTgt spid="3"/>
+                                        </p:tgtEl>
+                                      </p:cBhvr>
+                                    </p:animEffect>
+                                    <p:anim calcmode="lin" valueType="num">
+                                      <p:cBhvr>
+                                        <p:cTn id="15" dur="1000" fill="hold"/>
+                                        <p:tgtEl>
+                                          <p:spTgt spid="3"/>
+                                        </p:tgtEl>
+                                        <p:attrNameLst>
+                                          <p:attrName>ppt_x</p:attrName>
+                                        </p:attrNameLst>
+                                      </p:cBhvr>
+                                      <p:tavLst>
+                                        <p:tav tm="0">
+                                          <p:val>
+                                            <p:strVal val="#ppt_x"/>
+                                          </p:val>
+                                        </p:tav>
+                                        <p:tav tm="100000">
+                                          <p:val>
+                                            <p:strVal val="#ppt_x"/>
+                                          </p:val>
+                                        </p:tav>
+                                      </p:tavLst>
+                                    </p:anim>
+                                    <p:anim calcmode="lin" valueType="num">
+                                      <p:cBhvr>
+                                        <p:cTn id="16" dur="1000" fill="hold"/>
+                                        <p:tgtEl>
+                                          <p:spTgt spid="3"/>
+                                        </p:tgtEl>
+                                        <p:attrNameLst>
+                                          <p:attrName>ppt_y</p:attrName>
+                                        </p:attrNameLst>
+                                      </p:cBhvr>
+                                      <p:tavLst>
+                                        <p:tav tm="0">
+                                          <p:val>
+                                            <p:strVal val="#ppt_y+.1"/>
+                                          </p:val>
+                                        </p:tav>
+                                        <p:tav tm="100000">
+                                          <p:val>
+                                            <p:strVal val="#ppt_y"/>
+                                          </p:val>
+                                        </p:tav>
+                                      </p:tavLst>
+                                    </p:anim>
+                                  </p:childTnLst>
+                                </p:cTn>
+                              </p:par>
+                            </p:childTnLst>
+                          </p:cTn>
+                        </p:par>
+                      </p:childTnLst>
+                    </p:cTn>
+                  </p:par>
+                </p:childTnLst>
+              </p:cTn>
+              <p:prevCondLst>
+                <p:cond evt="onPrev" delay="0">
+                  <p:tgtEl>
+                    <p:sldTgt/>
+                  </p:tgtEl>
+                </p:cond>
+              </p:prevCondLst>
+              <p:nextCondLst>
+                <p:cond evt="onNext" delay="0">
+                  <p:tgtEl>
+                    <p:sldTgt/>
+                  </p:tgtEl>
+                </p:cond>
+              </p:nextCondLst>
+            </p:seq>
+          </p:childTnLst>
+        </p:cTn>
       </p:par>
     </p:tnLst>
+    <p:bldLst>
+      <p:bldP spid="2" grpId="0"/>
+    </p:bldLst>
   </p:timing>
 </p:sld>
 </file>
@@ -12592,12 +12894,12 @@
         <p:spPr/>
         <p:txBody>
           <a:bodyPr/>
-          <a:p>
-            <a:r>
-              <a:rPr lang="zh-CN" altLang="en-US"/>
+          <a:lstStyle/>
+          <a:p>
+            <a:r>
+              <a:rPr lang="zh-CN" altLang="en-US" dirty="0"/>
               <a:t>提示语规范</a:t>
             </a:r>
-            <a:endParaRPr lang="zh-CN" altLang="en-US"/>
           </a:p>
         </p:txBody>
       </p:sp>
@@ -12701,22 +13003,22 @@
         <p:nvPicPr>
           <p:cNvPr id="3" name="内容占位符 2"/>
           <p:cNvPicPr>
-            <a:picLocks noChangeAspect="1"/>
+            <a:picLocks noGrp="1" noChangeAspect="1"/>
           </p:cNvPicPr>
           <p:nvPr>
             <p:ph idx="1"/>
           </p:nvPr>
         </p:nvPicPr>
         <p:blipFill>
-          <a:blip r:embed="rId1"/>
+          <a:blip r:embed="rId2"/>
           <a:stretch>
             <a:fillRect/>
           </a:stretch>
         </p:blipFill>
         <p:spPr>
           <a:xfrm>
-            <a:off x="2004060" y="1803400"/>
-            <a:ext cx="7696835" cy="4141470"/>
+            <a:off x="911080" y="365125"/>
+            <a:ext cx="10369839" cy="5579745"/>
           </a:xfrm>
           <a:prstGeom prst="rect">
             <a:avLst/>
@@ -12743,6 +13045,7 @@
           <a:bodyPr wrap="none" rtlCol="0" anchor="t">
             <a:spAutoFit/>
           </a:bodyPr>
+          <a:lstStyle/>
           <a:p>
             <a:pPr marL="457200" lvl="1" indent="0">
               <a:buNone/>
@@ -12765,9 +13068,187 @@
   <p:timing>
     <p:tnLst>
       <p:par>
-        <p:cTn id="1" dur="indefinite" restart="never" nodeType="tmRoot"/>
+        <p:cTn id="1" dur="indefinite" restart="never" nodeType="tmRoot">
+          <p:childTnLst>
+            <p:seq concurrent="1" nextAc="seek">
+              <p:cTn id="2" dur="indefinite" nodeType="mainSeq">
+                <p:childTnLst>
+                  <p:par>
+                    <p:cTn id="3" fill="hold">
+                      <p:stCondLst>
+                        <p:cond delay="indefinite"/>
+                      </p:stCondLst>
+                      <p:childTnLst>
+                        <p:par>
+                          <p:cTn id="4" fill="hold">
+                            <p:stCondLst>
+                              <p:cond delay="0"/>
+                            </p:stCondLst>
+                            <p:childTnLst>
+                              <p:par>
+                                <p:cTn id="5" presetID="42" presetClass="entr" presetSubtype="0" fill="hold" grpId="0" nodeType="clickEffect">
+                                  <p:stCondLst>
+                                    <p:cond delay="0"/>
+                                  </p:stCondLst>
+                                  <p:childTnLst>
+                                    <p:set>
+                                      <p:cBhvr>
+                                        <p:cTn id="6" dur="1" fill="hold">
+                                          <p:stCondLst>
+                                            <p:cond delay="0"/>
+                                          </p:stCondLst>
+                                        </p:cTn>
+                                        <p:tgtEl>
+                                          <p:spTgt spid="2"/>
+                                        </p:tgtEl>
+                                        <p:attrNameLst>
+                                          <p:attrName>style.visibility</p:attrName>
+                                        </p:attrNameLst>
+                                      </p:cBhvr>
+                                      <p:to>
+                                        <p:strVal val="visible"/>
+                                      </p:to>
+                                    </p:set>
+                                    <p:animEffect transition="in" filter="fade">
+                                      <p:cBhvr>
+                                        <p:cTn id="7" dur="1000"/>
+                                        <p:tgtEl>
+                                          <p:spTgt spid="2"/>
+                                        </p:tgtEl>
+                                      </p:cBhvr>
+                                    </p:animEffect>
+                                    <p:anim calcmode="lin" valueType="num">
+                                      <p:cBhvr>
+                                        <p:cTn id="8" dur="1000" fill="hold"/>
+                                        <p:tgtEl>
+                                          <p:spTgt spid="2"/>
+                                        </p:tgtEl>
+                                        <p:attrNameLst>
+                                          <p:attrName>ppt_x</p:attrName>
+                                        </p:attrNameLst>
+                                      </p:cBhvr>
+                                      <p:tavLst>
+                                        <p:tav tm="0">
+                                          <p:val>
+                                            <p:strVal val="#ppt_x"/>
+                                          </p:val>
+                                        </p:tav>
+                                        <p:tav tm="100000">
+                                          <p:val>
+                                            <p:strVal val="#ppt_x"/>
+                                          </p:val>
+                                        </p:tav>
+                                      </p:tavLst>
+                                    </p:anim>
+                                    <p:anim calcmode="lin" valueType="num">
+                                      <p:cBhvr>
+                                        <p:cTn id="9" dur="1000" fill="hold"/>
+                                        <p:tgtEl>
+                                          <p:spTgt spid="2"/>
+                                        </p:tgtEl>
+                                        <p:attrNameLst>
+                                          <p:attrName>ppt_y</p:attrName>
+                                        </p:attrNameLst>
+                                      </p:cBhvr>
+                                      <p:tavLst>
+                                        <p:tav tm="0">
+                                          <p:val>
+                                            <p:strVal val="#ppt_y+.1"/>
+                                          </p:val>
+                                        </p:tav>
+                                        <p:tav tm="100000">
+                                          <p:val>
+                                            <p:strVal val="#ppt_y"/>
+                                          </p:val>
+                                        </p:tav>
+                                      </p:tavLst>
+                                    </p:anim>
+                                  </p:childTnLst>
+                                </p:cTn>
+                              </p:par>
+                            </p:childTnLst>
+                          </p:cTn>
+                        </p:par>
+                      </p:childTnLst>
+                    </p:cTn>
+                  </p:par>
+                  <p:par>
+                    <p:cTn id="10" fill="hold">
+                      <p:stCondLst>
+                        <p:cond delay="indefinite"/>
+                      </p:stCondLst>
+                      <p:childTnLst>
+                        <p:par>
+                          <p:cTn id="11" fill="hold">
+                            <p:stCondLst>
+                              <p:cond delay="0"/>
+                            </p:stCondLst>
+                            <p:childTnLst>
+                              <p:par>
+                                <p:cTn id="12" presetID="22" presetClass="entr" presetSubtype="4" fill="hold" nodeType="clickEffect">
+                                  <p:stCondLst>
+                                    <p:cond delay="0"/>
+                                  </p:stCondLst>
+                                  <p:childTnLst>
+                                    <p:set>
+                                      <p:cBhvr>
+                                        <p:cTn id="13" dur="1" fill="hold">
+                                          <p:stCondLst>
+                                            <p:cond delay="0"/>
+                                          </p:stCondLst>
+                                        </p:cTn>
+                                        <p:tgtEl>
+                                          <p:spTgt spid="3"/>
+                                        </p:tgtEl>
+                                        <p:attrNameLst>
+                                          <p:attrName>style.visibility</p:attrName>
+                                        </p:attrNameLst>
+                                      </p:cBhvr>
+                                      <p:to>
+                                        <p:strVal val="visible"/>
+                                      </p:to>
+                                    </p:set>
+                                    <p:animEffect transition="in" filter="wipe(down)">
+                                      <p:cBhvr>
+                                        <p:cTn id="14" dur="500"/>
+                                        <p:tgtEl>
+                                          <p:spTgt spid="3"/>
+                                        </p:tgtEl>
+                                      </p:cBhvr>
+                                    </p:animEffect>
+                                  </p:childTnLst>
+                                </p:cTn>
+                              </p:par>
+                            </p:childTnLst>
+                          </p:cTn>
+                        </p:par>
+                      </p:childTnLst>
+                    </p:cTn>
+                  </p:par>
+                </p:childTnLst>
+              </p:cTn>
+              <p:prevCondLst>
+                <p:cond evt="onPrev" delay="0">
+                  <p:tgtEl>
+                    <p:sldTgt/>
+                  </p:tgtEl>
+                </p:cond>
+              </p:prevCondLst>
+              <p:nextCondLst>
+                <p:cond evt="onNext" delay="0">
+                  <p:tgtEl>
+                    <p:sldTgt/>
+                  </p:tgtEl>
+                </p:cond>
+              </p:nextCondLst>
+            </p:seq>
+          </p:childTnLst>
+        </p:cTn>
       </p:par>
     </p:tnLst>
+    <p:bldLst>
+      <p:bldP spid="2" grpId="0"/>
+    </p:bldLst>
   </p:timing>
 </p:sld>
 </file>
@@ -12810,12 +13291,12 @@
         <p:spPr/>
         <p:txBody>
           <a:bodyPr/>
+          <a:lstStyle/>
           <a:p>
             <a:r>
               <a:rPr lang="zh-CN" altLang="en-US"/>
               <a:t>键盘支持规范</a:t>
             </a:r>
-            <a:endParaRPr lang="zh-CN" altLang="en-US"/>
           </a:p>
         </p:txBody>
       </p:sp>
@@ -12919,22 +13400,22 @@
         <p:nvPicPr>
           <p:cNvPr id="3" name="内容占位符 2"/>
           <p:cNvPicPr>
-            <a:picLocks noChangeAspect="1"/>
+            <a:picLocks noGrp="1" noChangeAspect="1"/>
           </p:cNvPicPr>
           <p:nvPr>
             <p:ph idx="1"/>
           </p:nvPr>
         </p:nvPicPr>
         <p:blipFill>
-          <a:blip r:embed="rId1"/>
+          <a:blip r:embed="rId2"/>
           <a:stretch>
             <a:fillRect/>
           </a:stretch>
         </p:blipFill>
         <p:spPr>
           <a:xfrm>
-            <a:off x="2018665" y="2510790"/>
-            <a:ext cx="7333615" cy="2702560"/>
+            <a:off x="579592" y="1443762"/>
+            <a:ext cx="10774208" cy="3970476"/>
           </a:xfrm>
           <a:prstGeom prst="rect">
             <a:avLst/>
@@ -12961,6 +13442,7 @@
           <a:bodyPr wrap="none" rtlCol="0" anchor="t">
             <a:spAutoFit/>
           </a:bodyPr>
+          <a:lstStyle/>
           <a:p>
             <a:pPr marL="457200" lvl="1" indent="0">
               <a:buNone/>
@@ -12980,13 +13462,6 @@
   <p:clrMapOvr>
     <a:masterClrMapping/>
   </p:clrMapOvr>
-  <p:timing>
-    <p:tnLst>
-      <p:par>
-        <p:cTn id="1" dur="indefinite" restart="never" nodeType="tmRoot"/>
-      </p:par>
-    </p:tnLst>
-  </p:timing>
 </p:sld>
 </file>
 
@@ -13028,12 +13503,12 @@
         <p:spPr/>
         <p:txBody>
           <a:bodyPr/>
-          <a:p>
-            <a:r>
-              <a:rPr lang="zh-CN" altLang="en-US"/>
+          <a:lstStyle/>
+          <a:p>
+            <a:r>
+              <a:rPr lang="zh-CN" altLang="en-US" dirty="0"/>
               <a:t>输入框限制规范</a:t>
             </a:r>
-            <a:endParaRPr lang="zh-CN" altLang="en-US"/>
           </a:p>
         </p:txBody>
       </p:sp>
@@ -13137,22 +13612,22 @@
         <p:nvPicPr>
           <p:cNvPr id="3" name="内容占位符 2"/>
           <p:cNvPicPr>
-            <a:picLocks noChangeAspect="1"/>
+            <a:picLocks noGrp="1" noChangeAspect="1"/>
           </p:cNvPicPr>
           <p:nvPr>
             <p:ph idx="1"/>
           </p:nvPr>
         </p:nvPicPr>
         <p:blipFill>
-          <a:blip r:embed="rId1"/>
+          <a:blip r:embed="rId2"/>
           <a:stretch>
             <a:fillRect/>
           </a:stretch>
         </p:blipFill>
         <p:spPr>
           <a:xfrm>
-            <a:off x="1892300" y="1802130"/>
-            <a:ext cx="7724775" cy="4241165"/>
+            <a:off x="487233" y="479395"/>
+            <a:ext cx="10505881" cy="5768087"/>
           </a:xfrm>
           <a:prstGeom prst="rect">
             <a:avLst/>
@@ -13179,6 +13654,7 @@
           <a:bodyPr wrap="none" rtlCol="0" anchor="t">
             <a:spAutoFit/>
           </a:bodyPr>
+          <a:lstStyle/>
           <a:p>
             <a:pPr marL="457200" lvl="1" indent="0">
               <a:buNone/>
@@ -13201,9 +13677,141 @@
   <p:timing>
     <p:tnLst>
       <p:par>
-        <p:cTn id="1" dur="indefinite" restart="never" nodeType="tmRoot"/>
+        <p:cTn id="1" dur="indefinite" restart="never" nodeType="tmRoot">
+          <p:childTnLst>
+            <p:seq concurrent="1" nextAc="seek">
+              <p:cTn id="2" dur="indefinite" nodeType="mainSeq">
+                <p:childTnLst>
+                  <p:par>
+                    <p:cTn id="3" fill="hold">
+                      <p:stCondLst>
+                        <p:cond delay="indefinite"/>
+                      </p:stCondLst>
+                      <p:childTnLst>
+                        <p:par>
+                          <p:cTn id="4" fill="hold">
+                            <p:stCondLst>
+                              <p:cond delay="0"/>
+                            </p:stCondLst>
+                            <p:childTnLst>
+                              <p:par>
+                                <p:cTn id="5" presetID="16" presetClass="entr" presetSubtype="21" fill="hold" grpId="0" nodeType="clickEffect">
+                                  <p:stCondLst>
+                                    <p:cond delay="0"/>
+                                  </p:stCondLst>
+                                  <p:childTnLst>
+                                    <p:set>
+                                      <p:cBhvr>
+                                        <p:cTn id="6" dur="1" fill="hold">
+                                          <p:stCondLst>
+                                            <p:cond delay="0"/>
+                                          </p:stCondLst>
+                                        </p:cTn>
+                                        <p:tgtEl>
+                                          <p:spTgt spid="2"/>
+                                        </p:tgtEl>
+                                        <p:attrNameLst>
+                                          <p:attrName>style.visibility</p:attrName>
+                                        </p:attrNameLst>
+                                      </p:cBhvr>
+                                      <p:to>
+                                        <p:strVal val="visible"/>
+                                      </p:to>
+                                    </p:set>
+                                    <p:animEffect transition="in" filter="barn(inVertical)">
+                                      <p:cBhvr>
+                                        <p:cTn id="7" dur="500"/>
+                                        <p:tgtEl>
+                                          <p:spTgt spid="2"/>
+                                        </p:tgtEl>
+                                      </p:cBhvr>
+                                    </p:animEffect>
+                                  </p:childTnLst>
+                                </p:cTn>
+                              </p:par>
+                            </p:childTnLst>
+                          </p:cTn>
+                        </p:par>
+                      </p:childTnLst>
+                    </p:cTn>
+                  </p:par>
+                  <p:par>
+                    <p:cTn id="8" fill="hold">
+                      <p:stCondLst>
+                        <p:cond delay="indefinite"/>
+                      </p:stCondLst>
+                      <p:childTnLst>
+                        <p:par>
+                          <p:cTn id="9" fill="hold">
+                            <p:stCondLst>
+                              <p:cond delay="0"/>
+                            </p:stCondLst>
+                            <p:childTnLst>
+                              <p:par>
+                                <p:cTn id="10" presetID="22" presetClass="entr" presetSubtype="4" fill="hold" nodeType="clickEffect">
+                                  <p:stCondLst>
+                                    <p:cond delay="0"/>
+                                  </p:stCondLst>
+                                  <p:childTnLst>
+                                    <p:set>
+                                      <p:cBhvr>
+                                        <p:cTn id="11" dur="1" fill="hold">
+                                          <p:stCondLst>
+                                            <p:cond delay="0"/>
+                                          </p:stCondLst>
+                                        </p:cTn>
+                                        <p:tgtEl>
+                                          <p:spTgt spid="3"/>
+                                        </p:tgtEl>
+                                        <p:attrNameLst>
+                                          <p:attrName>style.visibility</p:attrName>
+                                        </p:attrNameLst>
+                                      </p:cBhvr>
+                                      <p:to>
+                                        <p:strVal val="visible"/>
+                                      </p:to>
+                                    </p:set>
+                                    <p:animEffect transition="in" filter="wipe(down)">
+                                      <p:cBhvr>
+                                        <p:cTn id="12" dur="500"/>
+                                        <p:tgtEl>
+                                          <p:spTgt spid="3"/>
+                                        </p:tgtEl>
+                                      </p:cBhvr>
+                                    </p:animEffect>
+                                  </p:childTnLst>
+                                </p:cTn>
+                              </p:par>
+                            </p:childTnLst>
+                          </p:cTn>
+                        </p:par>
+                      </p:childTnLst>
+                    </p:cTn>
+                  </p:par>
+                </p:childTnLst>
+              </p:cTn>
+              <p:prevCondLst>
+                <p:cond evt="onPrev" delay="0">
+                  <p:tgtEl>
+                    <p:sldTgt/>
+                  </p:tgtEl>
+                </p:cond>
+              </p:prevCondLst>
+              <p:nextCondLst>
+                <p:cond evt="onNext" delay="0">
+                  <p:tgtEl>
+                    <p:sldTgt/>
+                  </p:tgtEl>
+                </p:cond>
+              </p:nextCondLst>
+            </p:seq>
+          </p:childTnLst>
+        </p:cTn>
       </p:par>
     </p:tnLst>
+    <p:bldLst>
+      <p:bldP spid="2" grpId="0"/>
+    </p:bldLst>
   </p:timing>
 </p:sld>
 </file>
@@ -13246,12 +13854,12 @@
         <p:spPr/>
         <p:txBody>
           <a:bodyPr/>
+          <a:lstStyle/>
           <a:p>
             <a:r>
               <a:rPr lang="zh-CN" altLang="en-US"/>
               <a:t>页面布局</a:t>
             </a:r>
-            <a:endParaRPr lang="zh-CN" altLang="en-US"/>
           </a:p>
         </p:txBody>
       </p:sp>
@@ -13355,22 +13963,22 @@
         <p:nvPicPr>
           <p:cNvPr id="3" name="内容占位符 2"/>
           <p:cNvPicPr>
-            <a:picLocks noChangeAspect="1"/>
+            <a:picLocks noGrp="1" noChangeAspect="1"/>
           </p:cNvPicPr>
           <p:nvPr>
             <p:ph idx="1"/>
           </p:nvPr>
         </p:nvPicPr>
         <p:blipFill>
-          <a:blip r:embed="rId1"/>
+          <a:blip r:embed="rId2"/>
           <a:stretch>
             <a:fillRect/>
           </a:stretch>
         </p:blipFill>
         <p:spPr>
           <a:xfrm>
-            <a:off x="2125345" y="2228215"/>
-            <a:ext cx="7506335" cy="3130550"/>
+            <a:off x="676460" y="1362176"/>
+            <a:ext cx="9911530" cy="4133647"/>
           </a:xfrm>
           <a:prstGeom prst="rect">
             <a:avLst/>
@@ -13397,6 +14005,7 @@
           <a:bodyPr wrap="none" rtlCol="0" anchor="t">
             <a:spAutoFit/>
           </a:bodyPr>
+          <a:lstStyle/>
           <a:p>
             <a:pPr marL="457200" lvl="1" indent="0">
               <a:buNone/>
@@ -13416,13 +14025,6 @@
   <p:clrMapOvr>
     <a:masterClrMapping/>
   </p:clrMapOvr>
-  <p:timing>
-    <p:tnLst>
-      <p:par>
-        <p:cTn id="1" dur="indefinite" restart="never" nodeType="tmRoot"/>
-      </p:par>
-    </p:tnLst>
-  </p:timing>
 </p:sld>
 </file>
 
@@ -13464,12 +14066,12 @@
         <p:spPr/>
         <p:txBody>
           <a:bodyPr/>
-          <a:p>
-            <a:r>
-              <a:rPr lang="zh-CN" altLang="en-US"/>
+          <a:lstStyle/>
+          <a:p>
+            <a:r>
+              <a:rPr lang="zh-CN" altLang="en-US" dirty="0"/>
               <a:t>防错和出错处理规范</a:t>
             </a:r>
-            <a:endParaRPr lang="zh-CN" altLang="en-US"/>
           </a:p>
         </p:txBody>
       </p:sp>
@@ -13573,22 +14175,22 @@
         <p:nvPicPr>
           <p:cNvPr id="8" name="内容占位符 7"/>
           <p:cNvPicPr>
-            <a:picLocks noChangeAspect="1"/>
+            <a:picLocks noGrp="1" noChangeAspect="1"/>
           </p:cNvPicPr>
           <p:nvPr>
             <p:ph idx="1"/>
           </p:nvPr>
         </p:nvPicPr>
         <p:blipFill>
-          <a:blip r:embed="rId1"/>
+          <a:blip r:embed="rId2"/>
           <a:stretch>
             <a:fillRect/>
           </a:stretch>
         </p:blipFill>
         <p:spPr>
           <a:xfrm>
-            <a:off x="1559560" y="1691005"/>
-            <a:ext cx="7814310" cy="4605020"/>
+            <a:off x="524803" y="115410"/>
+            <a:ext cx="11015219" cy="6491335"/>
           </a:xfrm>
           <a:prstGeom prst="rect">
             <a:avLst/>
@@ -13615,6 +14217,7 @@
           <a:bodyPr wrap="none" rtlCol="0" anchor="t">
             <a:spAutoFit/>
           </a:bodyPr>
+          <a:lstStyle/>
           <a:p>
             <a:pPr marL="457200" lvl="1" indent="0">
               <a:buNone/>
@@ -13625,7 +14228,7 @@
               </a:rPr>
               <a:t>【8】</a:t>
             </a:r>
-            <a:endParaRPr lang="zh-CN" altLang="en-US" sz="2800"/>
+            <a:endParaRPr lang="zh-CN" altLang="en-US" sz="2800" dirty="0"/>
           </a:p>
         </p:txBody>
       </p:sp>
@@ -13637,9 +14240,141 @@
   <p:timing>
     <p:tnLst>
       <p:par>
-        <p:cTn id="1" dur="indefinite" restart="never" nodeType="tmRoot"/>
+        <p:cTn id="1" dur="indefinite" restart="never" nodeType="tmRoot">
+          <p:childTnLst>
+            <p:seq concurrent="1" nextAc="seek">
+              <p:cTn id="2" dur="indefinite" nodeType="mainSeq">
+                <p:childTnLst>
+                  <p:par>
+                    <p:cTn id="3" fill="hold">
+                      <p:stCondLst>
+                        <p:cond delay="indefinite"/>
+                      </p:stCondLst>
+                      <p:childTnLst>
+                        <p:par>
+                          <p:cTn id="4" fill="hold">
+                            <p:stCondLst>
+                              <p:cond delay="0"/>
+                            </p:stCondLst>
+                            <p:childTnLst>
+                              <p:par>
+                                <p:cTn id="5" presetID="16" presetClass="entr" presetSubtype="21" fill="hold" grpId="0" nodeType="clickEffect">
+                                  <p:stCondLst>
+                                    <p:cond delay="0"/>
+                                  </p:stCondLst>
+                                  <p:childTnLst>
+                                    <p:set>
+                                      <p:cBhvr>
+                                        <p:cTn id="6" dur="1" fill="hold">
+                                          <p:stCondLst>
+                                            <p:cond delay="0"/>
+                                          </p:stCondLst>
+                                        </p:cTn>
+                                        <p:tgtEl>
+                                          <p:spTgt spid="2"/>
+                                        </p:tgtEl>
+                                        <p:attrNameLst>
+                                          <p:attrName>style.visibility</p:attrName>
+                                        </p:attrNameLst>
+                                      </p:cBhvr>
+                                      <p:to>
+                                        <p:strVal val="visible"/>
+                                      </p:to>
+                                    </p:set>
+                                    <p:animEffect transition="in" filter="barn(inVertical)">
+                                      <p:cBhvr>
+                                        <p:cTn id="7" dur="500"/>
+                                        <p:tgtEl>
+                                          <p:spTgt spid="2"/>
+                                        </p:tgtEl>
+                                      </p:cBhvr>
+                                    </p:animEffect>
+                                  </p:childTnLst>
+                                </p:cTn>
+                              </p:par>
+                            </p:childTnLst>
+                          </p:cTn>
+                        </p:par>
+                      </p:childTnLst>
+                    </p:cTn>
+                  </p:par>
+                  <p:par>
+                    <p:cTn id="8" fill="hold">
+                      <p:stCondLst>
+                        <p:cond delay="indefinite"/>
+                      </p:stCondLst>
+                      <p:childTnLst>
+                        <p:par>
+                          <p:cTn id="9" fill="hold">
+                            <p:stCondLst>
+                              <p:cond delay="0"/>
+                            </p:stCondLst>
+                            <p:childTnLst>
+                              <p:par>
+                                <p:cTn id="10" presetID="22" presetClass="entr" presetSubtype="4" fill="hold" nodeType="clickEffect">
+                                  <p:stCondLst>
+                                    <p:cond delay="0"/>
+                                  </p:stCondLst>
+                                  <p:childTnLst>
+                                    <p:set>
+                                      <p:cBhvr>
+                                        <p:cTn id="11" dur="1" fill="hold">
+                                          <p:stCondLst>
+                                            <p:cond delay="0"/>
+                                          </p:stCondLst>
+                                        </p:cTn>
+                                        <p:tgtEl>
+                                          <p:spTgt spid="8"/>
+                                        </p:tgtEl>
+                                        <p:attrNameLst>
+                                          <p:attrName>style.visibility</p:attrName>
+                                        </p:attrNameLst>
+                                      </p:cBhvr>
+                                      <p:to>
+                                        <p:strVal val="visible"/>
+                                      </p:to>
+                                    </p:set>
+                                    <p:animEffect transition="in" filter="wipe(down)">
+                                      <p:cBhvr>
+                                        <p:cTn id="12" dur="500"/>
+                                        <p:tgtEl>
+                                          <p:spTgt spid="8"/>
+                                        </p:tgtEl>
+                                      </p:cBhvr>
+                                    </p:animEffect>
+                                  </p:childTnLst>
+                                </p:cTn>
+                              </p:par>
+                            </p:childTnLst>
+                          </p:cTn>
+                        </p:par>
+                      </p:childTnLst>
+                    </p:cTn>
+                  </p:par>
+                </p:childTnLst>
+              </p:cTn>
+              <p:prevCondLst>
+                <p:cond evt="onPrev" delay="0">
+                  <p:tgtEl>
+                    <p:sldTgt/>
+                  </p:tgtEl>
+                </p:cond>
+              </p:prevCondLst>
+              <p:nextCondLst>
+                <p:cond evt="onNext" delay="0">
+                  <p:tgtEl>
+                    <p:sldTgt/>
+                  </p:tgtEl>
+                </p:cond>
+              </p:nextCondLst>
+            </p:seq>
+          </p:childTnLst>
+        </p:cTn>
       </p:par>
     </p:tnLst>
+    <p:bldLst>
+      <p:bldP spid="2" grpId="0"/>
+    </p:bldLst>
   </p:timing>
 </p:sld>
 </file>
@@ -13682,12 +14417,12 @@
         <p:spPr/>
         <p:txBody>
           <a:bodyPr/>
+          <a:lstStyle/>
           <a:p>
             <a:r>
               <a:rPr lang="zh-CN" altLang="en-US"/>
               <a:t>实例</a:t>
             </a:r>
-            <a:endParaRPr lang="zh-CN" altLang="en-US"/>
           </a:p>
         </p:txBody>
       </p:sp>
@@ -13791,22 +14526,22 @@
         <p:nvPicPr>
           <p:cNvPr id="5" name="内容占位符 4"/>
           <p:cNvPicPr>
-            <a:picLocks noChangeAspect="1"/>
+            <a:picLocks noGrp="1" noChangeAspect="1"/>
           </p:cNvPicPr>
           <p:nvPr>
             <p:ph idx="1"/>
           </p:nvPr>
         </p:nvPicPr>
         <p:blipFill>
-          <a:blip r:embed="rId1"/>
+          <a:blip r:embed="rId2"/>
           <a:stretch>
             <a:fillRect/>
           </a:stretch>
         </p:blipFill>
         <p:spPr>
           <a:xfrm>
-            <a:off x="1233805" y="1330325"/>
-            <a:ext cx="9136380" cy="5354320"/>
+            <a:off x="2158407" y="402792"/>
+            <a:ext cx="9195393" cy="5388904"/>
           </a:xfrm>
           <a:prstGeom prst="rect">
             <a:avLst/>
@@ -13833,6 +14568,7 @@
           <a:bodyPr wrap="none" rtlCol="0" anchor="t">
             <a:spAutoFit/>
           </a:bodyPr>
+          <a:lstStyle/>
           <a:p>
             <a:pPr marL="457200" lvl="1" indent="0">
               <a:buNone/>
@@ -13852,13 +14588,6 @@
   <p:clrMapOvr>
     <a:masterClrMapping/>
   </p:clrMapOvr>
-  <p:timing>
-    <p:tnLst>
-      <p:par>
-        <p:cTn id="1" dur="indefinite" restart="never" nodeType="tmRoot"/>
-      </p:par>
-    </p:tnLst>
-  </p:timing>
 </p:sld>
 </file>
 
@@ -13900,12 +14629,12 @@
         <p:spPr/>
         <p:txBody>
           <a:bodyPr/>
+          <a:lstStyle/>
           <a:p>
             <a:r>
               <a:rPr lang="zh-CN" altLang="en-US"/>
               <a:t>什么是界面原型</a:t>
             </a:r>
-            <a:endParaRPr lang="zh-CN" altLang="en-US"/>
           </a:p>
         </p:txBody>
       </p:sp>
@@ -14079,13 +14808,6 @@
   <p:clrMapOvr>
     <a:masterClrMapping/>
   </p:clrMapOvr>
-  <p:timing>
-    <p:tnLst>
-      <p:par>
-        <p:cTn id="1" dur="indefinite" restart="never" nodeType="tmRoot"/>
-      </p:par>
-    </p:tnLst>
-  </p:timing>
 </p:sld>
 </file>
 
@@ -14434,15 +15156,6 @@
               </a:rPr>
               <a:t>第三部分</a:t>
             </a:r>
-            <a:endParaRPr lang="zh-CN" altLang="en-US" sz="6000" dirty="0">
-              <a:solidFill>
-                <a:schemeClr val="bg1">
-                  <a:lumMod val="95000"/>
-                </a:schemeClr>
-              </a:solidFill>
-              <a:latin typeface="微软雅黑" panose="020B0503020204020204" pitchFamily="34" charset="-122"/>
-              <a:ea typeface="微软雅黑" panose="020B0503020204020204" pitchFamily="34" charset="-122"/>
-            </a:endParaRPr>
           </a:p>
         </p:txBody>
       </p:sp>
@@ -14482,15 +15195,6 @@
               </a:rPr>
               <a:t>界面原型与布局工具</a:t>
             </a:r>
-            <a:endParaRPr lang="zh-CN" altLang="en-US" sz="3200" dirty="0">
-              <a:solidFill>
-                <a:schemeClr val="bg1">
-                  <a:lumMod val="95000"/>
-                </a:schemeClr>
-              </a:solidFill>
-              <a:latin typeface="微软雅黑" panose="020B0503020204020204" pitchFamily="34" charset="-122"/>
-              <a:ea typeface="微软雅黑" panose="020B0503020204020204" pitchFamily="34" charset="-122"/>
-            </a:endParaRPr>
           </a:p>
         </p:txBody>
       </p:sp>
@@ -14540,12 +15244,12 @@
         <p:spPr/>
         <p:txBody>
           <a:bodyPr/>
-          <a:p>
-            <a:r>
-              <a:rPr lang="zh-CN" altLang="en-US"/>
-              <a:t>十大界面原型与布局工具</a:t>
-            </a:r>
-            <a:endParaRPr lang="zh-CN" altLang="en-US"/>
+          <a:lstStyle/>
+          <a:p>
+            <a:r>
+              <a:rPr lang="zh-CN" altLang="en-US" dirty="0"/>
+              <a:t>界面原型与布局工具</a:t>
+            </a:r>
           </a:p>
         </p:txBody>
       </p:sp>
@@ -14568,7 +15272,6 @@
               <a:rPr lang="en-US" altLang="zh-CN" dirty="0"/>
               <a:t>1.Solidify</a:t>
             </a:r>
-            <a:endParaRPr lang="en-US" altLang="zh-CN" dirty="0"/>
           </a:p>
           <a:p>
             <a:r>
@@ -14873,13 +15576,6 @@
   <p:clrMapOvr>
     <a:masterClrMapping/>
   </p:clrMapOvr>
-  <p:timing>
-    <p:tnLst>
-      <p:par>
-        <p:cTn id="1" dur="indefinite" restart="never" nodeType="tmRoot"/>
-      </p:par>
-    </p:tnLst>
-  </p:timing>
 </p:sld>
 </file>
 
@@ -14939,14 +15635,12 @@
               <a:rPr lang="zh-CN" altLang="en-US"/>
               <a:t>当你创建大型的且连续性的项目时，Antetype是最佳选择，这是因为它允许开发者创建一整套的构件库。该构件库可收集各小部件，在原型中方便易用。此外，每个小部件都有一定数量的定制和默认状态可单独或者同时进行编辑。</a:t>
             </a:r>
-            <a:endParaRPr lang="zh-CN" altLang="en-US"/>
           </a:p>
           <a:p>
             <a:r>
               <a:rPr lang="zh-CN" altLang="en-US"/>
               <a:t>因此用户在编辑时无需使用不同的副本，Antetype可适应不同项目的需求。</a:t>
             </a:r>
-            <a:endParaRPr lang="zh-CN" altLang="en-US"/>
           </a:p>
           <a:p>
             <a:pPr marL="0" indent="0">
@@ -15067,13 +15761,6 @@
   <p:clrMapOvr>
     <a:masterClrMapping/>
   </p:clrMapOvr>
-  <p:timing>
-    <p:tnLst>
-      <p:par>
-        <p:cTn id="1" dur="indefinite" restart="never" nodeType="tmRoot"/>
-      </p:par>
-    </p:tnLst>
-  </p:timing>
 </p:sld>
 </file>
 
@@ -15120,7 +15807,7 @@
         </p:spPr>
         <p:txBody>
           <a:bodyPr>
-            <a:normAutofit lnSpcReduction="10000"/>
+            <a:normAutofit/>
           </a:bodyPr>
           <a:lstStyle/>
           <a:p>
@@ -15135,14 +15822,12 @@
               <a:rPr lang="zh-CN" altLang="en-US" dirty="0"/>
               <a:t>UXPin是DeSmart团队开发的一个简易快速的实体模型和在线可点击原型创作工具。它基于优秀的用户体验设计原则，在构建原型中，它提供了一个完整的工具包(该工具包具有良好的用户设计模式和元素)来从头构建一个出色的原型。</a:t>
             </a:r>
-            <a:endParaRPr lang="zh-CN" altLang="en-US" dirty="0"/>
           </a:p>
           <a:p>
             <a:r>
               <a:rPr lang="zh-CN" altLang="en-US" dirty="0"/>
               <a:t>UXPin 具有响应式的断点功能，创建的响应式原型和线框图可以运行在不同的设备和分辨率上。另外该软件还提供了版本控制和迭代功能，可以轻松的共享预览，直观的注 解和实时的协同编辑和聊天。该软件拥有大量具有吸引力的用户界面元素风格(包括web，iOS，Android等)，并且具有快速、灵敏的响应拖放接口。</a:t>
             </a:r>
-            <a:endParaRPr lang="zh-CN" altLang="en-US" dirty="0"/>
           </a:p>
           <a:p>
             <a:pPr marL="0" indent="0" algn="r">
@@ -15257,13 +15942,6 @@
   <p:clrMapOvr>
     <a:masterClrMapping/>
   </p:clrMapOvr>
-  <p:timing>
-    <p:tnLst>
-      <p:par>
-        <p:cTn id="1" dur="indefinite" restart="never" nodeType="tmRoot"/>
-      </p:par>
-    </p:tnLst>
-  </p:timing>
 </p:sld>
 </file>
 
@@ -15329,7 +16007,6 @@
               <a:rPr lang="en-US" altLang="zh-CN"/>
               <a:t>QuirkTools让网站创建更加简单和便捷。</a:t>
             </a:r>
-            <a:endParaRPr lang="en-US" altLang="zh-CN"/>
           </a:p>
           <a:p>
             <a:r>
@@ -15909,7 +16586,6 @@
               <a:rPr lang="en-US" altLang="zh-CN"/>
               <a:t>形式连接到移动设备上。</a:t>
             </a:r>
-            <a:endParaRPr lang="en-US" altLang="zh-CN"/>
           </a:p>
           <a:p>
             <a:r>
@@ -16101,14 +16777,12 @@
               <a:rPr lang="en-US" altLang="zh-CN"/>
               <a:t>Proto.io是一个专用的手机原型开发平台——可以构建和部署全交互式的移动程序的原型，并且可以模拟出相似的成品。它可以运行在大多数的浏览器中，并提供了3个重要的接口：dashboard、编辑器以及播放器。</a:t>
             </a:r>
-            <a:endParaRPr lang="en-US" altLang="zh-CN"/>
           </a:p>
           <a:p>
             <a:r>
               <a:rPr lang="en-US" altLang="zh-CN"/>
               <a:t>dashboard 可以用来管理项目。编辑器是构建原型的环境，由一组设计和开发原型的工具组成，另外还可以构建交互。播放器用来观看原型，并与原型进行交互，并提供了相关 工具来标注和保留反馈信息。你可以直接在真实的移动设备上对原型进行测试。并且可以使用iOS或Android上的浏览器以全屏模式运行原型。</a:t>
             </a:r>
-            <a:endParaRPr lang="en-US" altLang="zh-CN"/>
           </a:p>
           <a:p>
             <a:pPr marL="0" indent="0" algn="r">
@@ -16269,12 +16943,12 @@
         <p:spPr/>
         <p:txBody>
           <a:bodyPr/>
+          <a:lstStyle/>
           <a:p>
             <a:r>
               <a:rPr lang="zh-CN" altLang="en-US"/>
               <a:t>为什么要创建界面原型</a:t>
             </a:r>
-            <a:endParaRPr lang="zh-CN" altLang="en-US"/>
           </a:p>
         </p:txBody>
       </p:sp>
@@ -16291,8 +16965,9 @@
         <p:spPr/>
         <p:txBody>
           <a:bodyPr>
-            <a:normAutofit lnSpcReduction="20000"/>
+            <a:normAutofit fontScale="92500"/>
           </a:bodyPr>
+          <a:lstStyle/>
           <a:p>
             <a:r>
               <a:rPr lang="zh-CN" altLang="en-US"/>
@@ -16346,14 +17021,12 @@
               <a:rPr lang="zh-CN" altLang="en-US"/>
               <a:t>；另外开发人员之间，对需求的理解虽然一致，但是对界面没有初步认识，对整个系统的理解就会缺失一部分。</a:t>
             </a:r>
-            <a:endParaRPr lang="zh-CN" altLang="en-US"/>
           </a:p>
           <a:p>
             <a:r>
               <a:rPr lang="zh-CN" altLang="en-US"/>
               <a:t>所以结合与用户需求的交流和开发人员对系统的把控，我觉得界面原型应当始于需求分析阶段，开始设计的不一定是最后系统界面，但是应当有一个界面原型。</a:t>
             </a:r>
-            <a:endParaRPr lang="zh-CN" altLang="en-US"/>
           </a:p>
           <a:p>
             <a:pPr marL="0" indent="0">
@@ -16476,13 +17149,6 @@
   <p:clrMapOvr>
     <a:masterClrMapping/>
   </p:clrMapOvr>
-  <p:timing>
-    <p:tnLst>
-      <p:par>
-        <p:cTn id="1" dur="indefinite" restart="never" nodeType="tmRoot"/>
-      </p:par>
-    </p:tnLst>
-  </p:timing>
 </p:sld>
 </file>
 
@@ -16548,7 +17214,6 @@
               <a:rPr lang="en-US" altLang="zh-CN"/>
               <a:t>有了POP创建iPhone原型不再是难事，其提供了一个传统的高科技线框技术。没有复杂的软件，所有的用户需要在纸上或者笔记本上绘画或绘制出线框。</a:t>
             </a:r>
-            <a:endParaRPr lang="en-US" altLang="zh-CN"/>
           </a:p>
           <a:p>
             <a:r>
@@ -16679,6 +17344,442 @@
 </file>
 
 <file path=ppt/slides/slide51.xml><?xml version="1.0" encoding="utf-8"?>
+<p:sld xmlns:a="http://schemas.openxmlformats.org/drawingml/2006/main" xmlns:r="http://schemas.openxmlformats.org/officeDocument/2006/relationships" xmlns:p="http://schemas.openxmlformats.org/presentationml/2006/main">
+  <p:cSld>
+    <p:spTree>
+      <p:nvGrpSpPr>
+        <p:cNvPr id="1" name=""/>
+        <p:cNvGrpSpPr/>
+        <p:nvPr/>
+      </p:nvGrpSpPr>
+      <p:grpSpPr>
+        <a:xfrm>
+          <a:off x="0" y="0"/>
+          <a:ext cx="0" cy="0"/>
+          <a:chOff x="0" y="0"/>
+          <a:chExt cx="0" cy="0"/>
+        </a:xfrm>
+      </p:grpSpPr>
+      <p:sp>
+        <p:nvSpPr>
+          <p:cNvPr id="3" name="内容占位符 2"/>
+          <p:cNvSpPr>
+            <a:spLocks noGrp="1"/>
+          </p:cNvSpPr>
+          <p:nvPr>
+            <p:ph idx="1"/>
+          </p:nvPr>
+        </p:nvSpPr>
+        <p:spPr>
+          <a:xfrm>
+            <a:off x="838200" y="818515"/>
+            <a:ext cx="10515600" cy="5920105"/>
+          </a:xfrm>
+        </p:spPr>
+        <p:txBody>
+          <a:bodyPr/>
+          <a:lstStyle/>
+          <a:p>
+            <a:r>
+              <a:rPr lang="en-US" altLang="zh-CN" dirty="0"/>
+              <a:t>11</a:t>
+            </a:r>
+            <a:r>
+              <a:rPr lang="zh-CN" altLang="en-US" dirty="0"/>
+              <a:t>、墨刀</a:t>
+            </a:r>
+            <a:endParaRPr lang="en-US" altLang="zh-CN" dirty="0"/>
+          </a:p>
+          <a:p>
+            <a:r>
+              <a:rPr lang="zh-CN" altLang="en-US" dirty="0"/>
+              <a:t>墨刀是一款在线原型设计工具。借助于墨刀，创业者、产品经理及</a:t>
+            </a:r>
+            <a:r>
+              <a:rPr lang="en-US" altLang="zh-CN" dirty="0"/>
+              <a:t>UI/UX</a:t>
+            </a:r>
+            <a:r>
+              <a:rPr lang="zh-CN" altLang="en-US" dirty="0"/>
+              <a:t>设计师能够快速构建移动应用产品原型，并向他人演示</a:t>
+            </a:r>
+            <a:endParaRPr lang="en-US" altLang="zh-CN" dirty="0"/>
+          </a:p>
+          <a:p>
+            <a:r>
+              <a:rPr lang="zh-CN" altLang="en-US" dirty="0"/>
+              <a:t>作为一款专注移动应用的原型工具，墨刀把全部功能都进行了模块化，用户也能选择页面切换特效及主题，操作方式也相对简便，大部分操作都可通过拖拽来完成。现在，墨刀已实现了云端保存、手机实时预览、在线评论等功能。</a:t>
+            </a:r>
+            <a:r>
+              <a:rPr lang="en-US" altLang="zh-CN" dirty="0">
+                <a:sym typeface="+mn-ea"/>
+              </a:rPr>
+              <a:t>【11】</a:t>
+            </a:r>
+            <a:endParaRPr lang="zh-CN" altLang="en-US" dirty="0"/>
+          </a:p>
+          <a:p>
+            <a:endParaRPr lang="en-US" altLang="zh-CN" dirty="0"/>
+          </a:p>
+        </p:txBody>
+      </p:sp>
+      <p:sp>
+        <p:nvSpPr>
+          <p:cNvPr id="4" name="Freeform 5"/>
+          <p:cNvSpPr/>
+          <p:nvPr/>
+        </p:nvSpPr>
+        <p:spPr bwMode="auto">
+          <a:xfrm flipH="1">
+            <a:off x="0" y="-13281"/>
+            <a:ext cx="409433" cy="832147"/>
+          </a:xfrm>
+          <a:custGeom>
+            <a:avLst/>
+            <a:gdLst>
+              <a:gd name="T0" fmla="*/ 1462 w 2332"/>
+              <a:gd name="T1" fmla="*/ 0 h 3907"/>
+              <a:gd name="T2" fmla="*/ 2332 w 2332"/>
+              <a:gd name="T3" fmla="*/ 0 h 3907"/>
+              <a:gd name="T4" fmla="*/ 2332 w 2332"/>
+              <a:gd name="T5" fmla="*/ 3907 h 3907"/>
+              <a:gd name="T6" fmla="*/ 0 w 2332"/>
+              <a:gd name="T7" fmla="*/ 2595 h 3907"/>
+              <a:gd name="T8" fmla="*/ 1462 w 2332"/>
+              <a:gd name="T9" fmla="*/ 0 h 3907"/>
+            </a:gdLst>
+            <a:ahLst/>
+            <a:cxnLst>
+              <a:cxn ang="0">
+                <a:pos x="T0" y="T1"/>
+              </a:cxn>
+              <a:cxn ang="0">
+                <a:pos x="T2" y="T3"/>
+              </a:cxn>
+              <a:cxn ang="0">
+                <a:pos x="T4" y="T5"/>
+              </a:cxn>
+              <a:cxn ang="0">
+                <a:pos x="T6" y="T7"/>
+              </a:cxn>
+              <a:cxn ang="0">
+                <a:pos x="T8" y="T9"/>
+              </a:cxn>
+            </a:cxnLst>
+            <a:rect l="0" t="0" r="r" b="b"/>
+            <a:pathLst>
+              <a:path w="2332" h="3907">
+                <a:moveTo>
+                  <a:pt x="1462" y="0"/>
+                </a:moveTo>
+                <a:lnTo>
+                  <a:pt x="2332" y="0"/>
+                </a:lnTo>
+                <a:lnTo>
+                  <a:pt x="2332" y="3907"/>
+                </a:lnTo>
+                <a:lnTo>
+                  <a:pt x="0" y="2595"/>
+                </a:lnTo>
+                <a:lnTo>
+                  <a:pt x="1462" y="0"/>
+                </a:lnTo>
+                <a:close/>
+              </a:path>
+            </a:pathLst>
+          </a:custGeom>
+          <a:solidFill>
+            <a:srgbClr val="002B41"/>
+          </a:solidFill>
+          <a:ln w="28575">
+            <a:noFill/>
+          </a:ln>
+          <a:effectLst>
+            <a:outerShdw blurRad="254000" dist="127000" dir="2700000" algn="tl" rotWithShape="0">
+              <a:prstClr val="black">
+                <a:alpha val="40000"/>
+              </a:prstClr>
+            </a:outerShdw>
+          </a:effectLst>
+        </p:spPr>
+        <p:txBody>
+          <a:bodyPr anchor="ctr"/>
+          <a:lstStyle/>
+          <a:p>
+            <a:pPr algn="ctr"/>
+            <a:endParaRPr lang="zh-CN" altLang="en-US" sz="2000">
+              <a:solidFill>
+                <a:schemeClr val="bg1">
+                  <a:lumMod val="95000"/>
+                </a:schemeClr>
+              </a:solidFill>
+              <a:latin typeface="Calibri" panose="020F0502020204030204" pitchFamily="34" charset="0"/>
+              <a:ea typeface="宋体" panose="02010600030101010101" pitchFamily="2" charset="-122"/>
+            </a:endParaRPr>
+          </a:p>
+        </p:txBody>
+      </p:sp>
+    </p:spTree>
+    <p:extLst>
+      <p:ext uri="{BB962C8B-B14F-4D97-AF65-F5344CB8AC3E}">
+        <p14:creationId xmlns:p14="http://schemas.microsoft.com/office/powerpoint/2010/main" val="2889929661"/>
+      </p:ext>
+    </p:extLst>
+  </p:cSld>
+  <p:clrMapOvr>
+    <a:masterClrMapping/>
+  </p:clrMapOvr>
+</p:sld>
+</file>
+
+<file path=ppt/slides/slide52.xml><?xml version="1.0" encoding="utf-8"?>
+<p:sld xmlns:a="http://schemas.openxmlformats.org/drawingml/2006/main" xmlns:r="http://schemas.openxmlformats.org/officeDocument/2006/relationships" xmlns:p="http://schemas.openxmlformats.org/presentationml/2006/main">
+  <p:cSld>
+    <p:spTree>
+      <p:nvGrpSpPr>
+        <p:cNvPr id="1" name=""/>
+        <p:cNvGrpSpPr/>
+        <p:nvPr/>
+      </p:nvGrpSpPr>
+      <p:grpSpPr>
+        <a:xfrm>
+          <a:off x="0" y="0"/>
+          <a:ext cx="0" cy="0"/>
+          <a:chOff x="0" y="0"/>
+          <a:chExt cx="0" cy="0"/>
+        </a:xfrm>
+      </p:grpSpPr>
+      <p:sp>
+        <p:nvSpPr>
+          <p:cNvPr id="3" name="内容占位符 2"/>
+          <p:cNvSpPr>
+            <a:spLocks noGrp="1"/>
+          </p:cNvSpPr>
+          <p:nvPr>
+            <p:ph idx="1"/>
+          </p:nvPr>
+        </p:nvSpPr>
+        <p:spPr>
+          <a:xfrm>
+            <a:off x="838200" y="818515"/>
+            <a:ext cx="10515600" cy="5920105"/>
+          </a:xfrm>
+        </p:spPr>
+        <p:txBody>
+          <a:bodyPr/>
+          <a:lstStyle/>
+          <a:p>
+            <a:r>
+              <a:rPr lang="en-US" altLang="zh-CN" dirty="0"/>
+              <a:t>12</a:t>
+            </a:r>
+            <a:r>
+              <a:rPr lang="zh-CN" altLang="en-US" dirty="0"/>
+              <a:t>、</a:t>
+            </a:r>
+            <a:r>
+              <a:rPr lang="en-US" altLang="zh-CN" dirty="0"/>
+              <a:t>Axure </a:t>
+            </a:r>
+            <a:r>
+              <a:rPr lang="en-US" altLang="zh-CN" dirty="0" err="1"/>
+              <a:t>rp</a:t>
+            </a:r>
+            <a:endParaRPr lang="en-US" altLang="zh-CN" dirty="0"/>
+          </a:p>
+          <a:p>
+            <a:r>
+              <a:rPr lang="en-US" altLang="zh-CN" dirty="0"/>
+              <a:t>Axure RP</a:t>
+            </a:r>
+            <a:r>
+              <a:rPr lang="zh-CN" altLang="en-US" dirty="0"/>
+              <a:t>是一款专业的快速原型设计工具。</a:t>
+            </a:r>
+            <a:r>
+              <a:rPr lang="en-US" altLang="zh-CN" dirty="0"/>
+              <a:t>Axure</a:t>
+            </a:r>
+            <a:r>
+              <a:rPr lang="zh-CN" altLang="en-US" dirty="0"/>
+              <a:t>代表美国</a:t>
+            </a:r>
+            <a:r>
+              <a:rPr lang="en-US" altLang="zh-CN" dirty="0"/>
+              <a:t>Axure</a:t>
+            </a:r>
+            <a:r>
+              <a:rPr lang="zh-CN" altLang="en-US" dirty="0"/>
+              <a:t>公司；</a:t>
+            </a:r>
+            <a:r>
+              <a:rPr lang="en-US" altLang="zh-CN" dirty="0"/>
+              <a:t>RP</a:t>
+            </a:r>
+            <a:r>
+              <a:rPr lang="zh-CN" altLang="en-US" dirty="0"/>
+              <a:t>则是</a:t>
+            </a:r>
+            <a:r>
+              <a:rPr lang="en-US" altLang="zh-CN" dirty="0"/>
+              <a:t>Rapid Prototyping</a:t>
+            </a:r>
+            <a:r>
+              <a:rPr lang="zh-CN" altLang="en-US" dirty="0"/>
+              <a:t>（快速原型）的缩写。</a:t>
+            </a:r>
+          </a:p>
+          <a:p>
+            <a:r>
+              <a:rPr lang="en-US" altLang="zh-CN" dirty="0"/>
+              <a:t>Axure RP</a:t>
+            </a:r>
+            <a:r>
+              <a:rPr lang="zh-CN" altLang="en-US" dirty="0"/>
+              <a:t>是美国</a:t>
+            </a:r>
+            <a:r>
+              <a:rPr lang="en-US" altLang="zh-CN" dirty="0"/>
+              <a:t>Axure Software Solution</a:t>
+            </a:r>
+            <a:r>
+              <a:rPr lang="zh-CN" altLang="en-US" dirty="0"/>
+              <a:t>公司旗舰产品，是一个专业的快速原型设计工具，让负责定义需求和规格、设计功能和界面的专家能够快速创建应用软件或</a:t>
+            </a:r>
+            <a:r>
+              <a:rPr lang="en-US" altLang="zh-CN" dirty="0"/>
+              <a:t>Web</a:t>
+            </a:r>
+            <a:r>
+              <a:rPr lang="zh-CN" altLang="en-US" dirty="0"/>
+              <a:t>网站的线框图、流程图、原型和规格说明文档。作为专业的原型设计工具，它能快速、高效的创建原型，同时支持多人协作设计和版本控制管理</a:t>
+            </a:r>
+          </a:p>
+          <a:p>
+            <a:pPr algn="r"/>
+            <a:r>
+              <a:rPr lang="en-US" altLang="zh-CN" dirty="0">
+                <a:sym typeface="+mn-ea"/>
+              </a:rPr>
+              <a:t>【12】</a:t>
+            </a:r>
+            <a:endParaRPr lang="zh-CN" altLang="en-US" dirty="0"/>
+          </a:p>
+          <a:p>
+            <a:endParaRPr lang="en-US" altLang="zh-CN" dirty="0"/>
+          </a:p>
+        </p:txBody>
+      </p:sp>
+      <p:sp>
+        <p:nvSpPr>
+          <p:cNvPr id="4" name="Freeform 5"/>
+          <p:cNvSpPr/>
+          <p:nvPr/>
+        </p:nvSpPr>
+        <p:spPr bwMode="auto">
+          <a:xfrm flipH="1">
+            <a:off x="0" y="-13281"/>
+            <a:ext cx="409433" cy="832147"/>
+          </a:xfrm>
+          <a:custGeom>
+            <a:avLst/>
+            <a:gdLst>
+              <a:gd name="T0" fmla="*/ 1462 w 2332"/>
+              <a:gd name="T1" fmla="*/ 0 h 3907"/>
+              <a:gd name="T2" fmla="*/ 2332 w 2332"/>
+              <a:gd name="T3" fmla="*/ 0 h 3907"/>
+              <a:gd name="T4" fmla="*/ 2332 w 2332"/>
+              <a:gd name="T5" fmla="*/ 3907 h 3907"/>
+              <a:gd name="T6" fmla="*/ 0 w 2332"/>
+              <a:gd name="T7" fmla="*/ 2595 h 3907"/>
+              <a:gd name="T8" fmla="*/ 1462 w 2332"/>
+              <a:gd name="T9" fmla="*/ 0 h 3907"/>
+            </a:gdLst>
+            <a:ahLst/>
+            <a:cxnLst>
+              <a:cxn ang="0">
+                <a:pos x="T0" y="T1"/>
+              </a:cxn>
+              <a:cxn ang="0">
+                <a:pos x="T2" y="T3"/>
+              </a:cxn>
+              <a:cxn ang="0">
+                <a:pos x="T4" y="T5"/>
+              </a:cxn>
+              <a:cxn ang="0">
+                <a:pos x="T6" y="T7"/>
+              </a:cxn>
+              <a:cxn ang="0">
+                <a:pos x="T8" y="T9"/>
+              </a:cxn>
+            </a:cxnLst>
+            <a:rect l="0" t="0" r="r" b="b"/>
+            <a:pathLst>
+              <a:path w="2332" h="3907">
+                <a:moveTo>
+                  <a:pt x="1462" y="0"/>
+                </a:moveTo>
+                <a:lnTo>
+                  <a:pt x="2332" y="0"/>
+                </a:lnTo>
+                <a:lnTo>
+                  <a:pt x="2332" y="3907"/>
+                </a:lnTo>
+                <a:lnTo>
+                  <a:pt x="0" y="2595"/>
+                </a:lnTo>
+                <a:lnTo>
+                  <a:pt x="1462" y="0"/>
+                </a:lnTo>
+                <a:close/>
+              </a:path>
+            </a:pathLst>
+          </a:custGeom>
+          <a:solidFill>
+            <a:srgbClr val="002B41"/>
+          </a:solidFill>
+          <a:ln w="28575">
+            <a:noFill/>
+          </a:ln>
+          <a:effectLst>
+            <a:outerShdw blurRad="254000" dist="127000" dir="2700000" algn="tl" rotWithShape="0">
+              <a:prstClr val="black">
+                <a:alpha val="40000"/>
+              </a:prstClr>
+            </a:outerShdw>
+          </a:effectLst>
+        </p:spPr>
+        <p:txBody>
+          <a:bodyPr anchor="ctr"/>
+          <a:lstStyle/>
+          <a:p>
+            <a:pPr algn="ctr"/>
+            <a:endParaRPr lang="zh-CN" altLang="en-US" sz="2000">
+              <a:solidFill>
+                <a:schemeClr val="bg1">
+                  <a:lumMod val="95000"/>
+                </a:schemeClr>
+              </a:solidFill>
+              <a:latin typeface="Calibri" panose="020F0502020204030204" pitchFamily="34" charset="0"/>
+              <a:ea typeface="宋体" panose="02010600030101010101" pitchFamily="2" charset="-122"/>
+            </a:endParaRPr>
+          </a:p>
+        </p:txBody>
+      </p:sp>
+    </p:spTree>
+    <p:extLst>
+      <p:ext uri="{BB962C8B-B14F-4D97-AF65-F5344CB8AC3E}">
+        <p14:creationId xmlns:p14="http://schemas.microsoft.com/office/powerpoint/2010/main" val="2528984640"/>
+      </p:ext>
+    </p:extLst>
+  </p:cSld>
+  <p:clrMapOvr>
+    <a:masterClrMapping/>
+  </p:clrMapOvr>
+</p:sld>
+</file>
+
+<file path=ppt/slides/slide53.xml><?xml version="1.0" encoding="utf-8"?>
 <p:sld xmlns:a="http://schemas.openxmlformats.org/drawingml/2006/main" xmlns:r="http://schemas.openxmlformats.org/officeDocument/2006/relationships" xmlns:p="http://schemas.openxmlformats.org/presentationml/2006/main">
   <p:cSld>
     <p:bg>
@@ -17023,15 +18124,6 @@
               </a:rPr>
               <a:t>第四部分</a:t>
             </a:r>
-            <a:endParaRPr lang="zh-CN" altLang="en-US" sz="6000" dirty="0">
-              <a:solidFill>
-                <a:schemeClr val="bg1">
-                  <a:lumMod val="95000"/>
-                </a:schemeClr>
-              </a:solidFill>
-              <a:latin typeface="微软雅黑" panose="020B0503020204020204" pitchFamily="34" charset="-122"/>
-              <a:ea typeface="微软雅黑" panose="020B0503020204020204" pitchFamily="34" charset="-122"/>
-            </a:endParaRPr>
           </a:p>
         </p:txBody>
       </p:sp>
@@ -17071,15 +18163,6 @@
               </a:rPr>
               <a:t>问答、参考文献、小组分工及评价</a:t>
             </a:r>
-            <a:endParaRPr lang="zh-CN" altLang="en-US" sz="3200" dirty="0">
-              <a:solidFill>
-                <a:schemeClr val="bg1">
-                  <a:lumMod val="95000"/>
-                </a:schemeClr>
-              </a:solidFill>
-              <a:latin typeface="微软雅黑" panose="020B0503020204020204" pitchFamily="34" charset="-122"/>
-              <a:ea typeface="微软雅黑" panose="020B0503020204020204" pitchFamily="34" charset="-122"/>
-            </a:endParaRPr>
           </a:p>
         </p:txBody>
       </p:sp>
@@ -17091,7 +18174,7 @@
 </p:sld>
 </file>
 
-<file path=ppt/slides/slide52.xml><?xml version="1.0" encoding="utf-8"?>
+<file path=ppt/slides/slide54.xml><?xml version="1.0" encoding="utf-8"?>
 <p:sld xmlns:a="http://schemas.openxmlformats.org/drawingml/2006/main" xmlns:r="http://schemas.openxmlformats.org/officeDocument/2006/relationships" xmlns:p="http://schemas.openxmlformats.org/presentationml/2006/main">
   <p:cSld>
     <p:bg>
@@ -17134,7 +18217,7 @@
         </p:spPr>
         <p:txBody>
           <a:bodyPr>
-            <a:normAutofit lnSpcReduction="10000"/>
+            <a:normAutofit/>
           </a:bodyPr>
           <a:lstStyle/>
           <a:p>
@@ -17175,14 +18258,12 @@
               <a:rPr lang="zh-CN" altLang="en-US" dirty="0"/>
               <a:t>用户体验的要素有哪几层？（至少说出三层）</a:t>
             </a:r>
-            <a:endParaRPr lang="zh-CN" altLang="en-US" dirty="0"/>
           </a:p>
           <a:p>
             <a:r>
               <a:rPr lang="zh-CN" altLang="en-US" dirty="0"/>
               <a:t>表现层、框架层、结构层、范围层、战略层。</a:t>
             </a:r>
-            <a:endParaRPr lang="zh-CN" altLang="en-US" dirty="0"/>
           </a:p>
           <a:p>
             <a:endParaRPr lang="zh-CN" altLang="en-US" dirty="0"/>
@@ -17204,7 +18285,6 @@
               <a:rPr lang="zh-CN" altLang="en-US" dirty="0"/>
               <a:t>种界面原型工具。</a:t>
             </a:r>
-            <a:endParaRPr lang="zh-CN" altLang="en-US" dirty="0"/>
           </a:p>
           <a:p>
             <a:r>
@@ -17773,448 +18853,6 @@
 </p:sld>
 </file>
 
-<file path=ppt/slides/slide53.xml><?xml version="1.0" encoding="utf-8"?>
-<p:sld xmlns:a="http://schemas.openxmlformats.org/drawingml/2006/main" xmlns:r="http://schemas.openxmlformats.org/officeDocument/2006/relationships" xmlns:p="http://schemas.openxmlformats.org/presentationml/2006/main">
-  <p:cSld>
-    <p:spTree>
-      <p:nvGrpSpPr>
-        <p:cNvPr id="1" name=""/>
-        <p:cNvGrpSpPr/>
-        <p:nvPr/>
-      </p:nvGrpSpPr>
-      <p:grpSpPr>
-        <a:xfrm>
-          <a:off x="0" y="0"/>
-          <a:ext cx="0" cy="0"/>
-          <a:chOff x="0" y="0"/>
-          <a:chExt cx="0" cy="0"/>
-        </a:xfrm>
-      </p:grpSpPr>
-      <p:sp>
-        <p:nvSpPr>
-          <p:cNvPr id="3" name="内容占位符 2"/>
-          <p:cNvSpPr>
-            <a:spLocks noGrp="1"/>
-          </p:cNvSpPr>
-          <p:nvPr>
-            <p:ph idx="1"/>
-          </p:nvPr>
-        </p:nvSpPr>
-        <p:spPr>
-          <a:xfrm>
-            <a:off x="838200" y="396875"/>
-            <a:ext cx="10515600" cy="5133913"/>
-          </a:xfrm>
-        </p:spPr>
-        <p:txBody>
-          <a:bodyPr>
-            <a:normAutofit lnSpcReduction="10000"/>
-          </a:bodyPr>
-          <a:lstStyle/>
-          <a:p>
-            <a:endParaRPr lang="zh-CN" altLang="en-US" dirty="0"/>
-          </a:p>
-        </p:txBody>
-      </p:sp>
-      <p:sp>
-        <p:nvSpPr>
-          <p:cNvPr id="4" name="Freeform 5"/>
-          <p:cNvSpPr/>
-          <p:nvPr/>
-        </p:nvSpPr>
-        <p:spPr bwMode="auto">
-          <a:xfrm flipH="1">
-            <a:off x="0" y="-13281"/>
-            <a:ext cx="409433" cy="832147"/>
-          </a:xfrm>
-          <a:custGeom>
-            <a:avLst/>
-            <a:gdLst>
-              <a:gd name="T0" fmla="*/ 1462 w 2332"/>
-              <a:gd name="T1" fmla="*/ 0 h 3907"/>
-              <a:gd name="T2" fmla="*/ 2332 w 2332"/>
-              <a:gd name="T3" fmla="*/ 0 h 3907"/>
-              <a:gd name="T4" fmla="*/ 2332 w 2332"/>
-              <a:gd name="T5" fmla="*/ 3907 h 3907"/>
-              <a:gd name="T6" fmla="*/ 0 w 2332"/>
-              <a:gd name="T7" fmla="*/ 2595 h 3907"/>
-              <a:gd name="T8" fmla="*/ 1462 w 2332"/>
-              <a:gd name="T9" fmla="*/ 0 h 3907"/>
-            </a:gdLst>
-            <a:ahLst/>
-            <a:cxnLst>
-              <a:cxn ang="0">
-                <a:pos x="T0" y="T1"/>
-              </a:cxn>
-              <a:cxn ang="0">
-                <a:pos x="T2" y="T3"/>
-              </a:cxn>
-              <a:cxn ang="0">
-                <a:pos x="T4" y="T5"/>
-              </a:cxn>
-              <a:cxn ang="0">
-                <a:pos x="T6" y="T7"/>
-              </a:cxn>
-              <a:cxn ang="0">
-                <a:pos x="T8" y="T9"/>
-              </a:cxn>
-            </a:cxnLst>
-            <a:rect l="0" t="0" r="r" b="b"/>
-            <a:pathLst>
-              <a:path w="2332" h="3907">
-                <a:moveTo>
-                  <a:pt x="1462" y="0"/>
-                </a:moveTo>
-                <a:lnTo>
-                  <a:pt x="2332" y="0"/>
-                </a:lnTo>
-                <a:lnTo>
-                  <a:pt x="2332" y="3907"/>
-                </a:lnTo>
-                <a:lnTo>
-                  <a:pt x="0" y="2595"/>
-                </a:lnTo>
-                <a:lnTo>
-                  <a:pt x="1462" y="0"/>
-                </a:lnTo>
-                <a:close/>
-              </a:path>
-            </a:pathLst>
-          </a:custGeom>
-          <a:solidFill>
-            <a:srgbClr val="002B41"/>
-          </a:solidFill>
-          <a:ln w="28575">
-            <a:noFill/>
-          </a:ln>
-          <a:effectLst>
-            <a:outerShdw blurRad="254000" dist="127000" dir="2700000" algn="tl" rotWithShape="0">
-              <a:prstClr val="black">
-                <a:alpha val="40000"/>
-              </a:prstClr>
-            </a:outerShdw>
-          </a:effectLst>
-        </p:spPr>
-        <p:txBody>
-          <a:bodyPr anchor="ctr"/>
-          <a:lstStyle/>
-          <a:p>
-            <a:pPr algn="ctr"/>
-            <a:endParaRPr lang="zh-CN" altLang="en-US" sz="2000">
-              <a:solidFill>
-                <a:schemeClr val="bg1">
-                  <a:lumMod val="95000"/>
-                </a:schemeClr>
-              </a:solidFill>
-              <a:latin typeface="Calibri" panose="020F0502020204030204" pitchFamily="34" charset="0"/>
-              <a:ea typeface="宋体" panose="02010600030101010101" pitchFamily="2" charset="-122"/>
-            </a:endParaRPr>
-          </a:p>
-        </p:txBody>
-      </p:sp>
-    </p:spTree>
-  </p:cSld>
-  <p:clrMapOvr>
-    <a:masterClrMapping/>
-  </p:clrMapOvr>
-  <p:timing>
-    <p:tnLst>
-      <p:par>
-        <p:cTn id="1" dur="indefinite" restart="never" nodeType="tmRoot"/>
-      </p:par>
-    </p:tnLst>
-  </p:timing>
-</p:sld>
-</file>
-
-<file path=ppt/slides/slide54.xml><?xml version="1.0" encoding="utf-8"?>
-<p:sld xmlns:a="http://schemas.openxmlformats.org/drawingml/2006/main" xmlns:r="http://schemas.openxmlformats.org/officeDocument/2006/relationships" xmlns:p="http://schemas.openxmlformats.org/presentationml/2006/main">
-  <p:cSld>
-    <p:bg>
-      <p:bgPr>
-        <a:solidFill>
-          <a:srgbClr val="F1F1F1"/>
-        </a:solidFill>
-        <a:effectLst/>
-      </p:bgPr>
-    </p:bg>
-    <p:spTree>
-      <p:nvGrpSpPr>
-        <p:cNvPr id="1" name=""/>
-        <p:cNvGrpSpPr/>
-        <p:nvPr/>
-      </p:nvGrpSpPr>
-      <p:grpSpPr>
-        <a:xfrm>
-          <a:off x="0" y="0"/>
-          <a:ext cx="0" cy="0"/>
-          <a:chOff x="0" y="0"/>
-          <a:chExt cx="0" cy="0"/>
-        </a:xfrm>
-      </p:grpSpPr>
-      <p:sp>
-        <p:nvSpPr>
-          <p:cNvPr id="2" name="标题 1"/>
-          <p:cNvSpPr>
-            <a:spLocks noGrp="1"/>
-          </p:cNvSpPr>
-          <p:nvPr>
-            <p:ph type="title"/>
-          </p:nvPr>
-        </p:nvSpPr>
-        <p:spPr/>
-        <p:txBody>
-          <a:bodyPr/>
-          <a:lstStyle/>
-          <a:p>
-            <a:r>
-              <a:rPr lang="zh-CN" altLang="en-US"/>
-              <a:t>参考文献</a:t>
-            </a:r>
-            <a:endParaRPr lang="zh-CN" altLang="en-US"/>
-          </a:p>
-        </p:txBody>
-      </p:sp>
-      <p:sp>
-        <p:nvSpPr>
-          <p:cNvPr id="5" name="内容占位符 4"/>
-          <p:cNvSpPr>
-            <a:spLocks noGrp="1"/>
-          </p:cNvSpPr>
-          <p:nvPr>
-            <p:ph idx="1"/>
-          </p:nvPr>
-        </p:nvSpPr>
-        <p:spPr/>
-        <p:txBody>
-          <a:bodyPr>
-            <a:normAutofit fontScale="70000"/>
-          </a:bodyPr>
-          <a:lstStyle/>
-          <a:p>
-            <a:r>
-              <a:rPr lang="en-US" altLang="zh-CN" dirty="0"/>
-              <a:t>【1】</a:t>
-            </a:r>
-            <a:r>
-              <a:rPr dirty="0"/>
-              <a:t>https://blog.csdn.net/lidatgb/article/details/8250717</a:t>
-            </a:r>
-            <a:endParaRPr dirty="0"/>
-          </a:p>
-          <a:p>
-            <a:r>
-              <a:rPr lang="en-US" altLang="zh-CN" dirty="0"/>
-              <a:t>【2】</a:t>
-            </a:r>
-            <a:r>
-              <a:rPr dirty="0">
-                <a:sym typeface="+mn-ea"/>
-              </a:rPr>
-              <a:t>http://www.shui-mai.com/jiemianyuanxingshishenme/ </a:t>
-            </a:r>
-            <a:endParaRPr lang="en-US" altLang="zh-CN" dirty="0"/>
-          </a:p>
-          <a:p>
-            <a:r>
-              <a:rPr lang="en-US" altLang="zh-CN" dirty="0"/>
-              <a:t>【3】     https://baike.baidu.com/item/%E5%8E%9F%E5%9E%8B%E6%B3%95/10376518?fr=aladdin</a:t>
-            </a:r>
-            <a:endParaRPr lang="en-US" altLang="zh-CN" dirty="0"/>
-          </a:p>
-          <a:p>
-            <a:r>
-              <a:rPr lang="en-US" altLang="zh-CN" dirty="0">
-                <a:sym typeface="+mn-ea"/>
-              </a:rPr>
-              <a:t>【4】</a:t>
-            </a:r>
-            <a:r>
-              <a:rPr lang="en-US" altLang="zh-CN" dirty="0"/>
-              <a:t>http://www.woshipm.com/rp/435751.html</a:t>
-            </a:r>
-            <a:endParaRPr lang="en-US" altLang="zh-CN" dirty="0"/>
-          </a:p>
-          <a:p>
-            <a:r>
-              <a:rPr lang="en-US" altLang="zh-CN" dirty="0">
-                <a:sym typeface="+mn-ea"/>
-              </a:rPr>
-              <a:t>【5】</a:t>
-            </a:r>
-            <a:r>
-              <a:rPr lang="en-US" altLang="zh-CN" dirty="0"/>
-              <a:t>https://www.zhihu.com/question/31609683</a:t>
-            </a:r>
-            <a:endParaRPr lang="en-US" altLang="zh-CN" dirty="0"/>
-          </a:p>
-          <a:p>
-            <a:r>
-              <a:rPr lang="en-US" altLang="zh-CN" dirty="0">
-                <a:sym typeface="+mn-ea"/>
-              </a:rPr>
-              <a:t>【6】</a:t>
-            </a:r>
-            <a:r>
-              <a:rPr lang="en-US" altLang="zh-CN" dirty="0"/>
-              <a:t>https://yiweifen.com/html/news/WaiYu/84541.html</a:t>
-            </a:r>
-            <a:endParaRPr lang="en-US" altLang="zh-CN" dirty="0"/>
-          </a:p>
-          <a:p>
-            <a:r>
-              <a:rPr lang="en-US" altLang="zh-CN" dirty="0">
-                <a:sym typeface="+mn-ea"/>
-              </a:rPr>
-              <a:t>【7】</a:t>
-            </a:r>
-            <a:r>
-              <a:rPr lang="en-US" altLang="zh-CN" dirty="0"/>
-              <a:t>https://wenku.baidu.com/view/331479ea68dc5022aaea998fcc22bcd127ff4219.html</a:t>
-            </a:r>
-            <a:endParaRPr lang="en-US" altLang="zh-CN" dirty="0"/>
-          </a:p>
-          <a:p>
-            <a:r>
-              <a:rPr lang="en-US" altLang="zh-CN" dirty="0">
-                <a:sym typeface="+mn-ea"/>
-              </a:rPr>
-              <a:t>【8】</a:t>
-            </a:r>
-            <a:r>
-              <a:rPr lang="en-US" altLang="zh-CN" dirty="0"/>
-              <a:t>https://blog.csdn.net/CYXLZZS/article/details/8048817</a:t>
-            </a:r>
-            <a:endParaRPr lang="en-US" altLang="zh-CN" dirty="0"/>
-          </a:p>
-          <a:p>
-            <a:r>
-              <a:rPr lang="en-US" altLang="zh-CN" dirty="0">
-                <a:sym typeface="+mn-ea"/>
-              </a:rPr>
-              <a:t>【9】https://blog.csdn.net/novelly/article/details/8866212</a:t>
-            </a:r>
-            <a:endParaRPr lang="en-US" altLang="zh-CN" dirty="0">
-              <a:sym typeface="+mn-ea"/>
-            </a:endParaRPr>
-          </a:p>
-          <a:p>
-            <a:r>
-              <a:rPr lang="en-US" altLang="zh-CN" dirty="0">
-                <a:sym typeface="+mn-ea"/>
-              </a:rPr>
-              <a:t>【10】https://blog.csdn.net/soft_zzti/article/details/80646178</a:t>
-            </a:r>
-            <a:endParaRPr lang="en-US" altLang="zh-CN" dirty="0">
-              <a:sym typeface="+mn-ea"/>
-            </a:endParaRPr>
-          </a:p>
-        </p:txBody>
-      </p:sp>
-      <p:sp>
-        <p:nvSpPr>
-          <p:cNvPr id="4" name="Freeform 5"/>
-          <p:cNvSpPr/>
-          <p:nvPr/>
-        </p:nvSpPr>
-        <p:spPr bwMode="auto">
-          <a:xfrm flipH="1">
-            <a:off x="0" y="-13281"/>
-            <a:ext cx="409433" cy="832147"/>
-          </a:xfrm>
-          <a:custGeom>
-            <a:avLst/>
-            <a:gdLst>
-              <a:gd name="T0" fmla="*/ 1462 w 2332"/>
-              <a:gd name="T1" fmla="*/ 0 h 3907"/>
-              <a:gd name="T2" fmla="*/ 2332 w 2332"/>
-              <a:gd name="T3" fmla="*/ 0 h 3907"/>
-              <a:gd name="T4" fmla="*/ 2332 w 2332"/>
-              <a:gd name="T5" fmla="*/ 3907 h 3907"/>
-              <a:gd name="T6" fmla="*/ 0 w 2332"/>
-              <a:gd name="T7" fmla="*/ 2595 h 3907"/>
-              <a:gd name="T8" fmla="*/ 1462 w 2332"/>
-              <a:gd name="T9" fmla="*/ 0 h 3907"/>
-            </a:gdLst>
-            <a:ahLst/>
-            <a:cxnLst>
-              <a:cxn ang="0">
-                <a:pos x="T0" y="T1"/>
-              </a:cxn>
-              <a:cxn ang="0">
-                <a:pos x="T2" y="T3"/>
-              </a:cxn>
-              <a:cxn ang="0">
-                <a:pos x="T4" y="T5"/>
-              </a:cxn>
-              <a:cxn ang="0">
-                <a:pos x="T6" y="T7"/>
-              </a:cxn>
-              <a:cxn ang="0">
-                <a:pos x="T8" y="T9"/>
-              </a:cxn>
-            </a:cxnLst>
-            <a:rect l="0" t="0" r="r" b="b"/>
-            <a:pathLst>
-              <a:path w="2332" h="3907">
-                <a:moveTo>
-                  <a:pt x="1462" y="0"/>
-                </a:moveTo>
-                <a:lnTo>
-                  <a:pt x="2332" y="0"/>
-                </a:lnTo>
-                <a:lnTo>
-                  <a:pt x="2332" y="3907"/>
-                </a:lnTo>
-                <a:lnTo>
-                  <a:pt x="0" y="2595"/>
-                </a:lnTo>
-                <a:lnTo>
-                  <a:pt x="1462" y="0"/>
-                </a:lnTo>
-                <a:close/>
-              </a:path>
-            </a:pathLst>
-          </a:custGeom>
-          <a:solidFill>
-            <a:srgbClr val="002B41"/>
-          </a:solidFill>
-          <a:ln w="28575">
-            <a:noFill/>
-          </a:ln>
-          <a:effectLst>
-            <a:outerShdw blurRad="254000" dist="127000" dir="2700000" algn="tl" rotWithShape="0">
-              <a:prstClr val="black">
-                <a:alpha val="40000"/>
-              </a:prstClr>
-            </a:outerShdw>
-          </a:effectLst>
-        </p:spPr>
-        <p:txBody>
-          <a:bodyPr anchor="ctr"/>
-          <a:lstStyle/>
-          <a:p>
-            <a:pPr algn="ctr"/>
-            <a:endParaRPr lang="zh-CN" altLang="en-US" sz="2000">
-              <a:solidFill>
-                <a:schemeClr val="bg1">
-                  <a:lumMod val="95000"/>
-                </a:schemeClr>
-              </a:solidFill>
-              <a:latin typeface="Calibri" panose="020F0502020204030204" pitchFamily="34" charset="0"/>
-              <a:ea typeface="宋体" panose="02010600030101010101" pitchFamily="2" charset="-122"/>
-            </a:endParaRPr>
-          </a:p>
-        </p:txBody>
-      </p:sp>
-    </p:spTree>
-  </p:cSld>
-  <p:clrMapOvr>
-    <a:masterClrMapping/>
-  </p:clrMapOvr>
-</p:sld>
-</file>
-
 <file path=ppt/slides/slide55.xml><?xml version="1.0" encoding="utf-8"?>
 <p:sld xmlns:a="http://schemas.openxmlformats.org/drawingml/2006/main" xmlns:r="http://schemas.openxmlformats.org/officeDocument/2006/relationships" xmlns:p="http://schemas.openxmlformats.org/presentationml/2006/main">
   <p:cSld>
@@ -18257,9 +18895,8 @@
           <a:p>
             <a:r>
               <a:rPr lang="zh-CN" altLang="en-US"/>
-              <a:t>小组分工及评价</a:t>
-            </a:r>
-            <a:endParaRPr lang="zh-CN" altLang="en-US"/>
+              <a:t>参考文献</a:t>
+            </a:r>
           </a:p>
         </p:txBody>
       </p:sp>
@@ -18275,19 +18912,114 @@
         </p:nvSpPr>
         <p:spPr/>
         <p:txBody>
-          <a:bodyPr/>
-          <a:lstStyle/>
-          <a:p>
-            <a:pPr marL="0" indent="0">
-              <a:buNone/>
-            </a:pPr>
-            <a:endParaRPr lang="zh-CN" altLang="zh-CN" dirty="0">
-              <a:latin typeface="+mn-ea"/>
-              <a:cs typeface="+mn-ea"/>
-            </a:endParaRPr>
-          </a:p>
-          <a:p>
-            <a:endParaRPr lang="zh-CN" altLang="en-US" dirty="0"/>
+          <a:bodyPr>
+            <a:normAutofit fontScale="77500" lnSpcReduction="10000"/>
+          </a:bodyPr>
+          <a:lstStyle/>
+          <a:p>
+            <a:r>
+              <a:rPr lang="en-US" altLang="zh-CN" dirty="0"/>
+              <a:t>【1】</a:t>
+            </a:r>
+            <a:r>
+              <a:rPr dirty="0"/>
+              <a:t>https://blog.csdn.net/lidatgb/article/details/8250717</a:t>
+            </a:r>
+          </a:p>
+          <a:p>
+            <a:r>
+              <a:rPr lang="en-US" altLang="zh-CN" dirty="0"/>
+              <a:t>【2】</a:t>
+            </a:r>
+            <a:r>
+              <a:rPr dirty="0">
+                <a:sym typeface="+mn-ea"/>
+              </a:rPr>
+              <a:t>http://www.shui-mai.com/jiemianyuanxingshishenme/ </a:t>
+            </a:r>
+            <a:endParaRPr lang="en-US" altLang="zh-CN" dirty="0"/>
+          </a:p>
+          <a:p>
+            <a:r>
+              <a:rPr lang="en-US" altLang="zh-CN" dirty="0"/>
+              <a:t>【3】     https://baike.baidu.com/item/%E5%8E%9F%E5%9E%8B%E6%B3%95/10376518?fr=aladdin</a:t>
+            </a:r>
+          </a:p>
+          <a:p>
+            <a:r>
+              <a:rPr lang="en-US" altLang="zh-CN" dirty="0">
+                <a:sym typeface="+mn-ea"/>
+              </a:rPr>
+              <a:t>【4】</a:t>
+            </a:r>
+            <a:r>
+              <a:rPr lang="en-US" altLang="zh-CN" dirty="0"/>
+              <a:t>http://www.woshipm.com/rp/435751.html</a:t>
+            </a:r>
+          </a:p>
+          <a:p>
+            <a:r>
+              <a:rPr lang="en-US" altLang="zh-CN" dirty="0">
+                <a:sym typeface="+mn-ea"/>
+              </a:rPr>
+              <a:t>【5】</a:t>
+            </a:r>
+            <a:r>
+              <a:rPr lang="en-US" altLang="zh-CN" dirty="0"/>
+              <a:t>https://www.zhihu.com/question/31609683</a:t>
+            </a:r>
+          </a:p>
+          <a:p>
+            <a:r>
+              <a:rPr lang="en-US" altLang="zh-CN" dirty="0">
+                <a:sym typeface="+mn-ea"/>
+              </a:rPr>
+              <a:t>【6】</a:t>
+            </a:r>
+            <a:r>
+              <a:rPr lang="en-US" altLang="zh-CN" dirty="0"/>
+              <a:t>https://yiweifen.com/html/news/WaiYu/84541.html</a:t>
+            </a:r>
+          </a:p>
+          <a:p>
+            <a:r>
+              <a:rPr lang="en-US" altLang="zh-CN" dirty="0">
+                <a:sym typeface="+mn-ea"/>
+              </a:rPr>
+              <a:t>【7】</a:t>
+            </a:r>
+            <a:r>
+              <a:rPr lang="en-US" altLang="zh-CN" dirty="0"/>
+              <a:t>https://wenku.baidu.com/view/331479ea68dc5022aaea998fcc22bcd127ff4219.html</a:t>
+            </a:r>
+          </a:p>
+          <a:p>
+            <a:r>
+              <a:rPr lang="en-US" altLang="zh-CN" dirty="0">
+                <a:sym typeface="+mn-ea"/>
+              </a:rPr>
+              <a:t>【8】</a:t>
+            </a:r>
+            <a:r>
+              <a:rPr lang="en-US" altLang="zh-CN" dirty="0"/>
+              <a:t>https://blog.csdn.net/CYXLZZS/article/details/8048817</a:t>
+            </a:r>
+          </a:p>
+          <a:p>
+            <a:r>
+              <a:rPr lang="en-US" altLang="zh-CN" dirty="0">
+                <a:sym typeface="+mn-ea"/>
+              </a:rPr>
+              <a:t>【9】https://blog.csdn.net/novelly/article/details/8866212</a:t>
+            </a:r>
+          </a:p>
+          <a:p>
+            <a:r>
+              <a:rPr lang="en-US" altLang="zh-CN" dirty="0">
+                <a:sym typeface="+mn-ea"/>
+              </a:rPr>
+              <a:t>【10】https://blog.csdn.net/soft_zzti/article/details/80646178</a:t>
+            </a:r>
           </a:p>
         </p:txBody>
       </p:sp>
@@ -18396,6 +19128,205 @@
 </file>
 
 <file path=ppt/slides/slide56.xml><?xml version="1.0" encoding="utf-8"?>
+<p:sld xmlns:a="http://schemas.openxmlformats.org/drawingml/2006/main" xmlns:r="http://schemas.openxmlformats.org/officeDocument/2006/relationships" xmlns:p="http://schemas.openxmlformats.org/presentationml/2006/main">
+  <p:cSld>
+    <p:spTree>
+      <p:nvGrpSpPr>
+        <p:cNvPr id="1" name=""/>
+        <p:cNvGrpSpPr/>
+        <p:nvPr/>
+      </p:nvGrpSpPr>
+      <p:grpSpPr>
+        <a:xfrm>
+          <a:off x="0" y="0"/>
+          <a:ext cx="0" cy="0"/>
+          <a:chOff x="0" y="0"/>
+          <a:chExt cx="0" cy="0"/>
+        </a:xfrm>
+      </p:grpSpPr>
+      <p:sp>
+        <p:nvSpPr>
+          <p:cNvPr id="2" name="标题 1"/>
+          <p:cNvSpPr>
+            <a:spLocks noGrp="1"/>
+          </p:cNvSpPr>
+          <p:nvPr>
+            <p:ph type="title"/>
+          </p:nvPr>
+        </p:nvSpPr>
+        <p:spPr/>
+        <p:txBody>
+          <a:bodyPr/>
+          <a:lstStyle/>
+          <a:p>
+            <a:r>
+              <a:rPr lang="zh-CN" altLang="en-US"/>
+              <a:t>参考文献</a:t>
+            </a:r>
+          </a:p>
+        </p:txBody>
+      </p:sp>
+      <p:sp>
+        <p:nvSpPr>
+          <p:cNvPr id="5" name="内容占位符 4"/>
+          <p:cNvSpPr>
+            <a:spLocks noGrp="1"/>
+          </p:cNvSpPr>
+          <p:nvPr>
+            <p:ph idx="1"/>
+          </p:nvPr>
+        </p:nvSpPr>
+        <p:spPr/>
+        <p:txBody>
+          <a:bodyPr>
+            <a:normAutofit/>
+          </a:bodyPr>
+          <a:lstStyle/>
+          <a:p>
+            <a:r>
+              <a:rPr lang="en-US" altLang="zh-CN" dirty="0">
+                <a:sym typeface="+mn-ea"/>
+              </a:rPr>
+              <a:t>【11】https://baike.baidu.com/item/%E5%A2%A8%E5%88%80/20111640?fr=</a:t>
+            </a:r>
+            <a:r>
+              <a:rPr lang="en-US" altLang="zh-CN" dirty="0" err="1">
+                <a:sym typeface="+mn-ea"/>
+              </a:rPr>
+              <a:t>aladdin</a:t>
+            </a:r>
+            <a:endParaRPr lang="en-US" altLang="zh-CN" dirty="0">
+              <a:sym typeface="+mn-ea"/>
+            </a:endParaRPr>
+          </a:p>
+          <a:p>
+            <a:r>
+              <a:rPr lang="en-US" altLang="zh-CN" dirty="0">
+                <a:sym typeface="+mn-ea"/>
+              </a:rPr>
+              <a:t>【12】</a:t>
+            </a:r>
+          </a:p>
+          <a:p>
+            <a:r>
+              <a:rPr lang="en-US" altLang="zh-CN" dirty="0">
+                <a:sym typeface="+mn-ea"/>
+              </a:rPr>
+              <a:t>https://baike.baidu.com/item/axure%20rp/9653646?fr=aladdin</a:t>
+            </a:r>
+          </a:p>
+        </p:txBody>
+      </p:sp>
+      <p:sp>
+        <p:nvSpPr>
+          <p:cNvPr id="4" name="Freeform 5"/>
+          <p:cNvSpPr/>
+          <p:nvPr/>
+        </p:nvSpPr>
+        <p:spPr bwMode="auto">
+          <a:xfrm flipH="1">
+            <a:off x="0" y="-13281"/>
+            <a:ext cx="409433" cy="832147"/>
+          </a:xfrm>
+          <a:custGeom>
+            <a:avLst/>
+            <a:gdLst>
+              <a:gd name="T0" fmla="*/ 1462 w 2332"/>
+              <a:gd name="T1" fmla="*/ 0 h 3907"/>
+              <a:gd name="T2" fmla="*/ 2332 w 2332"/>
+              <a:gd name="T3" fmla="*/ 0 h 3907"/>
+              <a:gd name="T4" fmla="*/ 2332 w 2332"/>
+              <a:gd name="T5" fmla="*/ 3907 h 3907"/>
+              <a:gd name="T6" fmla="*/ 0 w 2332"/>
+              <a:gd name="T7" fmla="*/ 2595 h 3907"/>
+              <a:gd name="T8" fmla="*/ 1462 w 2332"/>
+              <a:gd name="T9" fmla="*/ 0 h 3907"/>
+            </a:gdLst>
+            <a:ahLst/>
+            <a:cxnLst>
+              <a:cxn ang="0">
+                <a:pos x="T0" y="T1"/>
+              </a:cxn>
+              <a:cxn ang="0">
+                <a:pos x="T2" y="T3"/>
+              </a:cxn>
+              <a:cxn ang="0">
+                <a:pos x="T4" y="T5"/>
+              </a:cxn>
+              <a:cxn ang="0">
+                <a:pos x="T6" y="T7"/>
+              </a:cxn>
+              <a:cxn ang="0">
+                <a:pos x="T8" y="T9"/>
+              </a:cxn>
+            </a:cxnLst>
+            <a:rect l="0" t="0" r="r" b="b"/>
+            <a:pathLst>
+              <a:path w="2332" h="3907">
+                <a:moveTo>
+                  <a:pt x="1462" y="0"/>
+                </a:moveTo>
+                <a:lnTo>
+                  <a:pt x="2332" y="0"/>
+                </a:lnTo>
+                <a:lnTo>
+                  <a:pt x="2332" y="3907"/>
+                </a:lnTo>
+                <a:lnTo>
+                  <a:pt x="0" y="2595"/>
+                </a:lnTo>
+                <a:lnTo>
+                  <a:pt x="1462" y="0"/>
+                </a:lnTo>
+                <a:close/>
+              </a:path>
+            </a:pathLst>
+          </a:custGeom>
+          <a:solidFill>
+            <a:srgbClr val="002B41"/>
+          </a:solidFill>
+          <a:ln w="28575">
+            <a:noFill/>
+          </a:ln>
+          <a:effectLst>
+            <a:outerShdw blurRad="254000" dist="127000" dir="2700000" algn="tl" rotWithShape="0">
+              <a:prstClr val="black">
+                <a:alpha val="40000"/>
+              </a:prstClr>
+            </a:outerShdw>
+          </a:effectLst>
+        </p:spPr>
+        <p:txBody>
+          <a:bodyPr anchor="ctr"/>
+          <a:lstStyle/>
+          <a:p>
+            <a:pPr algn="ctr"/>
+            <a:endParaRPr lang="zh-CN" altLang="en-US" sz="2000">
+              <a:solidFill>
+                <a:schemeClr val="bg1">
+                  <a:lumMod val="95000"/>
+                </a:schemeClr>
+              </a:solidFill>
+              <a:latin typeface="Calibri" panose="020F0502020204030204" pitchFamily="34" charset="0"/>
+              <a:ea typeface="宋体" panose="02010600030101010101" pitchFamily="2" charset="-122"/>
+            </a:endParaRPr>
+          </a:p>
+        </p:txBody>
+      </p:sp>
+    </p:spTree>
+    <p:extLst>
+      <p:ext uri="{BB962C8B-B14F-4D97-AF65-F5344CB8AC3E}">
+        <p14:creationId xmlns:p14="http://schemas.microsoft.com/office/powerpoint/2010/main" val="1885806218"/>
+      </p:ext>
+    </p:extLst>
+  </p:cSld>
+  <p:clrMapOvr>
+    <a:masterClrMapping/>
+  </p:clrMapOvr>
+</p:sld>
+</file>
+
+<file path=ppt/slides/slide57.xml><?xml version="1.0" encoding="utf-8"?>
 <p:sld xmlns:a="http://schemas.openxmlformats.org/drawingml/2006/main" xmlns:r="http://schemas.openxmlformats.org/officeDocument/2006/relationships" xmlns:p="http://schemas.openxmlformats.org/presentationml/2006/main">
   <p:cSld>
     <p:bg>
@@ -18422,6 +19353,312 @@
       </p:grpSpPr>
       <p:sp>
         <p:nvSpPr>
+          <p:cNvPr id="2" name="标题 1"/>
+          <p:cNvSpPr>
+            <a:spLocks noGrp="1"/>
+          </p:cNvSpPr>
+          <p:nvPr>
+            <p:ph type="title"/>
+          </p:nvPr>
+        </p:nvSpPr>
+        <p:spPr/>
+        <p:txBody>
+          <a:bodyPr/>
+          <a:lstStyle/>
+          <a:p>
+            <a:r>
+              <a:rPr lang="zh-CN" altLang="en-US"/>
+              <a:t>小组分工及评价</a:t>
+            </a:r>
+          </a:p>
+        </p:txBody>
+      </p:sp>
+      <p:sp>
+        <p:nvSpPr>
+          <p:cNvPr id="5" name="内容占位符 4"/>
+          <p:cNvSpPr>
+            <a:spLocks noGrp="1"/>
+          </p:cNvSpPr>
+          <p:nvPr>
+            <p:ph idx="1"/>
+          </p:nvPr>
+        </p:nvSpPr>
+        <p:spPr/>
+        <p:txBody>
+          <a:bodyPr/>
+          <a:lstStyle/>
+          <a:p>
+            <a:pPr marL="0" indent="0">
+              <a:buNone/>
+            </a:pPr>
+            <a:endParaRPr lang="zh-CN" altLang="zh-CN" dirty="0">
+              <a:latin typeface="+mn-ea"/>
+              <a:cs typeface="+mn-ea"/>
+            </a:endParaRPr>
+          </a:p>
+          <a:p>
+            <a:endParaRPr lang="zh-CN" altLang="en-US" dirty="0"/>
+          </a:p>
+        </p:txBody>
+      </p:sp>
+      <p:sp>
+        <p:nvSpPr>
+          <p:cNvPr id="4" name="Freeform 5"/>
+          <p:cNvSpPr/>
+          <p:nvPr/>
+        </p:nvSpPr>
+        <p:spPr bwMode="auto">
+          <a:xfrm flipH="1">
+            <a:off x="0" y="-13281"/>
+            <a:ext cx="409433" cy="832147"/>
+          </a:xfrm>
+          <a:custGeom>
+            <a:avLst/>
+            <a:gdLst>
+              <a:gd name="T0" fmla="*/ 1462 w 2332"/>
+              <a:gd name="T1" fmla="*/ 0 h 3907"/>
+              <a:gd name="T2" fmla="*/ 2332 w 2332"/>
+              <a:gd name="T3" fmla="*/ 0 h 3907"/>
+              <a:gd name="T4" fmla="*/ 2332 w 2332"/>
+              <a:gd name="T5" fmla="*/ 3907 h 3907"/>
+              <a:gd name="T6" fmla="*/ 0 w 2332"/>
+              <a:gd name="T7" fmla="*/ 2595 h 3907"/>
+              <a:gd name="T8" fmla="*/ 1462 w 2332"/>
+              <a:gd name="T9" fmla="*/ 0 h 3907"/>
+            </a:gdLst>
+            <a:ahLst/>
+            <a:cxnLst>
+              <a:cxn ang="0">
+                <a:pos x="T0" y="T1"/>
+              </a:cxn>
+              <a:cxn ang="0">
+                <a:pos x="T2" y="T3"/>
+              </a:cxn>
+              <a:cxn ang="0">
+                <a:pos x="T4" y="T5"/>
+              </a:cxn>
+              <a:cxn ang="0">
+                <a:pos x="T6" y="T7"/>
+              </a:cxn>
+              <a:cxn ang="0">
+                <a:pos x="T8" y="T9"/>
+              </a:cxn>
+            </a:cxnLst>
+            <a:rect l="0" t="0" r="r" b="b"/>
+            <a:pathLst>
+              <a:path w="2332" h="3907">
+                <a:moveTo>
+                  <a:pt x="1462" y="0"/>
+                </a:moveTo>
+                <a:lnTo>
+                  <a:pt x="2332" y="0"/>
+                </a:lnTo>
+                <a:lnTo>
+                  <a:pt x="2332" y="3907"/>
+                </a:lnTo>
+                <a:lnTo>
+                  <a:pt x="0" y="2595"/>
+                </a:lnTo>
+                <a:lnTo>
+                  <a:pt x="1462" y="0"/>
+                </a:lnTo>
+                <a:close/>
+              </a:path>
+            </a:pathLst>
+          </a:custGeom>
+          <a:solidFill>
+            <a:srgbClr val="002B41"/>
+          </a:solidFill>
+          <a:ln w="28575">
+            <a:noFill/>
+          </a:ln>
+          <a:effectLst>
+            <a:outerShdw blurRad="254000" dist="127000" dir="2700000" algn="tl" rotWithShape="0">
+              <a:prstClr val="black">
+                <a:alpha val="40000"/>
+              </a:prstClr>
+            </a:outerShdw>
+          </a:effectLst>
+        </p:spPr>
+        <p:txBody>
+          <a:bodyPr anchor="ctr"/>
+          <a:lstStyle/>
+          <a:p>
+            <a:pPr algn="ctr"/>
+            <a:endParaRPr lang="zh-CN" altLang="en-US" sz="2000">
+              <a:solidFill>
+                <a:schemeClr val="bg1">
+                  <a:lumMod val="95000"/>
+                </a:schemeClr>
+              </a:solidFill>
+              <a:latin typeface="Calibri" panose="020F0502020204030204" pitchFamily="34" charset="0"/>
+              <a:ea typeface="宋体" panose="02010600030101010101" pitchFamily="2" charset="-122"/>
+            </a:endParaRPr>
+          </a:p>
+        </p:txBody>
+      </p:sp>
+      <p:sp>
+        <p:nvSpPr>
+          <p:cNvPr id="3" name="文本框 2">
+            <a:extLst>
+              <a:ext uri="{FF2B5EF4-FFF2-40B4-BE49-F238E27FC236}">
+                <a16:creationId xmlns:a16="http://schemas.microsoft.com/office/drawing/2014/main" id="{99DE4E0B-ADD8-4794-9CC8-DED253DC8DC7}"/>
+              </a:ext>
+            </a:extLst>
+          </p:cNvPr>
+          <p:cNvSpPr txBox="1"/>
+          <p:nvPr/>
+        </p:nvSpPr>
+        <p:spPr>
+          <a:xfrm>
+            <a:off x="1038686" y="1690688"/>
+            <a:ext cx="10422385" cy="2554545"/>
+          </a:xfrm>
+          <a:prstGeom prst="rect">
+            <a:avLst/>
+          </a:prstGeom>
+          <a:noFill/>
+        </p:spPr>
+        <p:txBody>
+          <a:bodyPr wrap="square" rtlCol="0">
+            <a:spAutoFit/>
+          </a:bodyPr>
+          <a:lstStyle/>
+          <a:p>
+            <a:r>
+              <a:rPr lang="zh-CN" altLang="en-US" sz="3200" dirty="0"/>
+              <a:t>陈妍蓝：审核修改</a:t>
+            </a:r>
+            <a:r>
+              <a:rPr lang="en-US" altLang="zh-CN" sz="3200" dirty="0"/>
+              <a:t>PPT</a:t>
+            </a:r>
+            <a:r>
+              <a:rPr lang="zh-CN" altLang="en-US" sz="3200" dirty="0"/>
+              <a:t>：网页端界面原型的制作</a:t>
+            </a:r>
+            <a:r>
+              <a:rPr lang="en-US" altLang="zh-CN" sz="3200" dirty="0"/>
+              <a:t>;80</a:t>
+            </a:r>
+            <a:r>
+              <a:rPr lang="zh-CN" altLang="en-US" sz="3200" dirty="0"/>
+              <a:t>分</a:t>
+            </a:r>
+            <a:endParaRPr lang="en-US" altLang="zh-CN" sz="3200" dirty="0"/>
+          </a:p>
+          <a:p>
+            <a:r>
+              <a:rPr lang="zh-CN" altLang="en-US" sz="3200" dirty="0"/>
+              <a:t>宋翼虎：界面原型</a:t>
+            </a:r>
+            <a:r>
+              <a:rPr lang="en-US" altLang="zh-CN" sz="3200" dirty="0"/>
+              <a:t>PPT</a:t>
+            </a:r>
+            <a:r>
+              <a:rPr lang="zh-CN" altLang="en-US" sz="3200" dirty="0"/>
+              <a:t>的制作；</a:t>
+            </a:r>
+            <a:r>
+              <a:rPr lang="en-US" altLang="zh-CN" sz="3200" dirty="0"/>
+              <a:t>85</a:t>
+            </a:r>
+            <a:r>
+              <a:rPr lang="zh-CN" altLang="en-US" sz="3200" dirty="0"/>
+              <a:t>分</a:t>
+            </a:r>
+            <a:endParaRPr lang="en-US" altLang="zh-CN" sz="3200" dirty="0"/>
+          </a:p>
+          <a:p>
+            <a:r>
+              <a:rPr lang="zh-CN" altLang="en-US" sz="3200" dirty="0"/>
+              <a:t>陈遵义：手机端</a:t>
+            </a:r>
+            <a:r>
+              <a:rPr lang="en-US" altLang="zh-CN" sz="3200" dirty="0"/>
+              <a:t>APP</a:t>
+            </a:r>
+            <a:r>
+              <a:rPr lang="zh-CN" altLang="en-US" sz="3200" dirty="0"/>
+              <a:t>原型的制作；</a:t>
+            </a:r>
+            <a:r>
+              <a:rPr lang="en-US" altLang="zh-CN" sz="3200" dirty="0"/>
+              <a:t>78</a:t>
+            </a:r>
+            <a:r>
+              <a:rPr lang="zh-CN" altLang="en-US" sz="3200" dirty="0"/>
+              <a:t>分</a:t>
+            </a:r>
+            <a:endParaRPr lang="en-US" altLang="zh-CN" sz="3200" dirty="0"/>
+          </a:p>
+          <a:p>
+            <a:r>
+              <a:rPr lang="zh-CN" altLang="en-US" sz="3200" dirty="0"/>
+              <a:t>郑巧雁：搜集整理资料；</a:t>
+            </a:r>
+            <a:r>
+              <a:rPr lang="en-US" altLang="zh-CN" sz="3200" dirty="0"/>
+              <a:t>76</a:t>
+            </a:r>
+            <a:r>
+              <a:rPr lang="zh-CN" altLang="en-US" sz="3200" dirty="0"/>
+              <a:t>分</a:t>
+            </a:r>
+            <a:endParaRPr lang="en-US" altLang="zh-CN" sz="3200" dirty="0"/>
+          </a:p>
+          <a:p>
+            <a:r>
+              <a:rPr lang="zh-CN" altLang="en-US" sz="3200" dirty="0"/>
+              <a:t>张琪：搜集整理资料；</a:t>
+            </a:r>
+            <a:r>
+              <a:rPr lang="en-US" altLang="zh-CN" sz="3200" dirty="0"/>
+              <a:t>75</a:t>
+            </a:r>
+            <a:r>
+              <a:rPr lang="zh-CN" altLang="en-US" sz="3200" dirty="0"/>
+              <a:t>分</a:t>
+            </a:r>
+          </a:p>
+        </p:txBody>
+      </p:sp>
+    </p:spTree>
+  </p:cSld>
+  <p:clrMapOvr>
+    <a:masterClrMapping/>
+  </p:clrMapOvr>
+</p:sld>
+</file>
+
+<file path=ppt/slides/slide58.xml><?xml version="1.0" encoding="utf-8"?>
+<p:sld xmlns:a="http://schemas.openxmlformats.org/drawingml/2006/main" xmlns:r="http://schemas.openxmlformats.org/officeDocument/2006/relationships" xmlns:p="http://schemas.openxmlformats.org/presentationml/2006/main">
+  <p:cSld>
+    <p:bg>
+      <p:bgPr>
+        <a:solidFill>
+          <a:srgbClr val="F1F1F1"/>
+        </a:solidFill>
+        <a:effectLst/>
+      </p:bgPr>
+    </p:bg>
+    <p:spTree>
+      <p:nvGrpSpPr>
+        <p:cNvPr id="1" name=""/>
+        <p:cNvGrpSpPr/>
+        <p:nvPr/>
+      </p:nvGrpSpPr>
+      <p:grpSpPr>
+        <a:xfrm>
+          <a:off x="0" y="0"/>
+          <a:ext cx="0" cy="0"/>
+          <a:chOff x="0" y="0"/>
+          <a:chExt cx="0" cy="0"/>
+        </a:xfrm>
+      </p:grpSpPr>
+      <p:sp>
+        <p:nvSpPr>
           <p:cNvPr id="8" name="PA_Line 15"/>
           <p:cNvSpPr>
             <a:spLocks noChangeShapeType="1"/>
@@ -18857,13 +20094,6 @@
               </a:rPr>
               <a:t>感谢观看</a:t>
             </a:r>
-            <a:endParaRPr lang="zh-CN" altLang="en-US" sz="8000" dirty="0">
-              <a:solidFill>
-                <a:srgbClr val="002B41"/>
-              </a:solidFill>
-              <a:latin typeface="微软雅黑" panose="020B0503020204020204" pitchFamily="34" charset="-122"/>
-              <a:ea typeface="微软雅黑" panose="020B0503020204020204" pitchFamily="34" charset="-122"/>
-            </a:endParaRPr>
           </a:p>
         </p:txBody>
       </p:sp>
@@ -18913,12 +20143,12 @@
         <p:spPr/>
         <p:txBody>
           <a:bodyPr/>
+          <a:lstStyle/>
           <a:p>
             <a:r>
               <a:rPr lang="zh-CN" altLang="en-US"/>
               <a:t>界面原型的方法论</a:t>
             </a:r>
-            <a:endParaRPr lang="zh-CN" altLang="en-US"/>
           </a:p>
         </p:txBody>
       </p:sp>
@@ -18942,6 +20172,7 @@
           <a:bodyPr>
             <a:normAutofit/>
           </a:bodyPr>
+          <a:lstStyle/>
           <a:p>
             <a:r>
               <a:rPr lang="zh-CN" altLang="en-US"/>
@@ -18955,7 +20186,6 @@
               <a:rPr lang="zh-CN" altLang="en-US"/>
               <a:t>是20世纪80年代随着计算机软件技术的发展，特别是在关系数据库系统、第四代程序生成语言和各种系统开发生成环境产生的基础上，提出的一种从设计思想、工具、手段都全新的系统开发方法。它摒弃了那种一步步周密细致地调查分析，然后逐步整理出文字档案，最后才能让用户看到结果的繁琐作法。</a:t>
             </a:r>
-            <a:endParaRPr lang="zh-CN" altLang="en-US"/>
           </a:p>
           <a:p>
             <a:pPr marL="0" indent="0">
@@ -19072,13 +20302,6 @@
   <p:clrMapOvr>
     <a:masterClrMapping/>
   </p:clrMapOvr>
-  <p:timing>
-    <p:tnLst>
-      <p:par>
-        <p:cTn id="1" dur="indefinite" restart="never" nodeType="tmRoot"/>
-      </p:par>
-    </p:tnLst>
-  </p:timing>
 </p:sld>
 </file>
 
@@ -19125,6 +20348,7 @@
         </p:spPr>
         <p:txBody>
           <a:bodyPr/>
+          <a:lstStyle/>
           <a:p>
             <a:endParaRPr lang="zh-CN" altLang="en-US"/>
           </a:p>
@@ -19252,13 +20476,6 @@
   <p:clrMapOvr>
     <a:masterClrMapping/>
   </p:clrMapOvr>
-  <p:timing>
-    <p:tnLst>
-      <p:par>
-        <p:cTn id="1" dur="indefinite" restart="never" nodeType="tmRoot"/>
-      </p:par>
-    </p:tnLst>
-  </p:timing>
 </p:sld>
 </file>
 
@@ -19300,12 +20517,12 @@
         <p:spPr/>
         <p:txBody>
           <a:bodyPr/>
+          <a:lstStyle/>
           <a:p>
             <a:r>
               <a:rPr lang="zh-CN" altLang="en-US"/>
               <a:t>原型法的开发过程</a:t>
             </a:r>
-            <a:endParaRPr lang="zh-CN" altLang="en-US"/>
           </a:p>
         </p:txBody>
       </p:sp>
@@ -19327,66 +20544,59 @@
         </p:spPr>
         <p:txBody>
           <a:bodyPr>
-            <a:normAutofit fontScale="60000"/>
+            <a:normAutofit fontScale="67500" lnSpcReduction="10000"/>
           </a:bodyPr>
-          <a:p>
-            <a:endParaRPr lang="zh-CN" altLang="en-US"/>
-          </a:p>
-          <a:p>
-            <a:r>
-              <a:rPr lang="zh-CN" altLang="en-US"/>
+          <a:lstStyle/>
+          <a:p>
+            <a:endParaRPr lang="zh-CN" altLang="en-US" dirty="0"/>
+          </a:p>
+          <a:p>
+            <a:r>
+              <a:rPr lang="zh-CN" altLang="en-US" dirty="0"/>
               <a:t>1.确定用户的基本需求</a:t>
             </a:r>
-            <a:endParaRPr lang="zh-CN" altLang="en-US"/>
-          </a:p>
-          <a:p>
-            <a:r>
-              <a:rPr lang="zh-CN" altLang="en-US"/>
+          </a:p>
+          <a:p>
+            <a:r>
+              <a:rPr lang="zh-CN" altLang="en-US" dirty="0"/>
               <a:t>由用户提出对新系统的基本要求，如功能、界面的基本形式、所需要的数据、应用范围、运行环境等，开发者根据这些信息估算开发该系统所需的费用，并建立简明的系统模型。</a:t>
             </a:r>
-            <a:endParaRPr lang="zh-CN" altLang="en-US"/>
-          </a:p>
-          <a:p>
-            <a:r>
-              <a:rPr lang="zh-CN" altLang="en-US"/>
+          </a:p>
+          <a:p>
+            <a:r>
+              <a:rPr lang="zh-CN" altLang="en-US" dirty="0"/>
               <a:t>2.构造初始原型</a:t>
             </a:r>
-            <a:endParaRPr lang="zh-CN" altLang="en-US"/>
-          </a:p>
-          <a:p>
-            <a:r>
-              <a:rPr lang="zh-CN" altLang="en-US"/>
+          </a:p>
+          <a:p>
+            <a:r>
+              <a:rPr lang="zh-CN" altLang="en-US" dirty="0"/>
               <a:t>系统开发人员在明确了对系统基本要求和功能的基础上，依据计算机模型，以尽可能快的速度和尽可能多的开发工具来建造一个结构仿真模型，即快速原型构架。</a:t>
             </a:r>
-            <a:endParaRPr lang="zh-CN" altLang="en-US"/>
-          </a:p>
-          <a:p>
-            <a:r>
-              <a:rPr lang="zh-CN" altLang="en-US"/>
+          </a:p>
+          <a:p>
+            <a:r>
+              <a:rPr lang="zh-CN" altLang="en-US" dirty="0"/>
               <a:t>3.运行、评价、修改原型</a:t>
             </a:r>
-            <a:endParaRPr lang="zh-CN" altLang="en-US"/>
-          </a:p>
-          <a:p>
-            <a:r>
-              <a:rPr lang="zh-CN" altLang="en-US"/>
+          </a:p>
+          <a:p>
+            <a:r>
+              <a:rPr lang="zh-CN" altLang="en-US" dirty="0"/>
               <a:t>快速原型框架建造成后，让用户进行试运行，各类人员对其进行试用、检查分析效果。由于构造原型中强调的是快速，省略了许多细节，所以，在试用中要充分进行开发人员和用户之间的沟通，尤其是要对用户提出的不满意的地方进行认真细致的反复修改、完善，直到用户满意为止。</a:t>
             </a:r>
-            <a:endParaRPr lang="zh-CN" altLang="en-US"/>
-          </a:p>
-          <a:p>
-            <a:r>
-              <a:rPr lang="zh-CN" altLang="en-US"/>
+          </a:p>
+          <a:p>
+            <a:r>
+              <a:rPr lang="zh-CN" altLang="en-US" dirty="0"/>
               <a:t>4、形成最终的管理信息系统</a:t>
             </a:r>
-            <a:endParaRPr lang="zh-CN" altLang="en-US"/>
-          </a:p>
-          <a:p>
-            <a:r>
-              <a:rPr lang="zh-CN" altLang="en-US"/>
+          </a:p>
+          <a:p>
+            <a:r>
+              <a:rPr lang="zh-CN" altLang="en-US" dirty="0"/>
               <a:t>如果用户和开发者对原型比较满意，则将其作为正式原型。经过双方继续进行细致的工作，把开发原型过程中的许多细节问题逐个补充、完善、求精，最后形成一个适用的管理信息系统</a:t>
             </a:r>
-            <a:endParaRPr lang="zh-CN" altLang="en-US"/>
           </a:p>
           <a:p>
             <a:pPr marL="0" indent="0">
@@ -19398,7 +20608,7 @@
               </a:rPr>
               <a:t>										     【3】</a:t>
             </a:r>
-            <a:endParaRPr lang="zh-CN" altLang="en-US"/>
+            <a:endParaRPr lang="zh-CN" altLang="en-US" dirty="0"/>
           </a:p>
         </p:txBody>
       </p:sp>
@@ -19503,13 +20713,6 @@
   <p:clrMapOvr>
     <a:masterClrMapping/>
   </p:clrMapOvr>
-  <p:timing>
-    <p:tnLst>
-      <p:par>
-        <p:cTn id="1" dur="indefinite" restart="never" nodeType="tmRoot"/>
-      </p:par>
-    </p:tnLst>
-  </p:timing>
 </p:sld>
 </file>
 
@@ -19556,8 +20759,9 @@
         </p:spPr>
         <p:txBody>
           <a:bodyPr>
-            <a:normAutofit lnSpcReduction="20000"/>
+            <a:normAutofit fontScale="92500"/>
           </a:bodyPr>
+          <a:lstStyle/>
           <a:p>
             <a:endParaRPr lang="zh-CN" altLang="en-US"/>
           </a:p>
@@ -19574,9 +20778,6 @@
               </a:rPr>
               <a:t>										     </a:t>
             </a:r>
-            <a:endParaRPr lang="en-US" altLang="zh-CN" dirty="0">
-              <a:sym typeface="+mn-ea"/>
-            </a:endParaRPr>
           </a:p>
           <a:p>
             <a:pPr marL="0" indent="0">
@@ -19761,7 +20962,7 @@
           <p:nvPr/>
         </p:nvPicPr>
         <p:blipFill>
-          <a:blip r:embed="rId1"/>
+          <a:blip r:embed="rId2"/>
           <a:stretch>
             <a:fillRect/>
           </a:stretch>
@@ -19781,108 +20982,101 @@
   <p:clrMapOvr>
     <a:masterClrMapping/>
   </p:clrMapOvr>
-  <p:timing>
-    <p:tnLst>
-      <p:par>
-        <p:cTn id="1" dur="indefinite" restart="never" nodeType="tmRoot"/>
-      </p:par>
-    </p:tnLst>
-  </p:timing>
 </p:sld>
 </file>
 
 <file path=ppt/tags/tag1.xml><?xml version="1.0" encoding="utf-8"?>
-<p:tagLst xmlns:p="http://schemas.openxmlformats.org/presentationml/2006/main">
+<p:tagLst xmlns:a="http://schemas.openxmlformats.org/drawingml/2006/main" xmlns:r="http://schemas.openxmlformats.org/officeDocument/2006/relationships" xmlns:p="http://schemas.openxmlformats.org/presentationml/2006/main">
   <p:tag name="PA" val="v3.0.1"/>
 </p:tagLst>
 </file>
 
 <file path=ppt/tags/tag10.xml><?xml version="1.0" encoding="utf-8"?>
-<p:tagLst xmlns:p="http://schemas.openxmlformats.org/presentationml/2006/main">
+<p:tagLst xmlns:a="http://schemas.openxmlformats.org/drawingml/2006/main" xmlns:r="http://schemas.openxmlformats.org/officeDocument/2006/relationships" xmlns:p="http://schemas.openxmlformats.org/presentationml/2006/main">
   <p:tag name="PA" val="v3.0.1"/>
 </p:tagLst>
 </file>
 
 <file path=ppt/tags/tag11.xml><?xml version="1.0" encoding="utf-8"?>
-<p:tagLst xmlns:p="http://schemas.openxmlformats.org/presentationml/2006/main">
+<p:tagLst xmlns:a="http://schemas.openxmlformats.org/drawingml/2006/main" xmlns:r="http://schemas.openxmlformats.org/officeDocument/2006/relationships" xmlns:p="http://schemas.openxmlformats.org/presentationml/2006/main">
   <p:tag name="PA" val="v3.0.1"/>
 </p:tagLst>
 </file>
 
 <file path=ppt/tags/tag12.xml><?xml version="1.0" encoding="utf-8"?>
-<p:tagLst xmlns:p="http://schemas.openxmlformats.org/presentationml/2006/main">
+<p:tagLst xmlns:a="http://schemas.openxmlformats.org/drawingml/2006/main" xmlns:r="http://schemas.openxmlformats.org/officeDocument/2006/relationships" xmlns:p="http://schemas.openxmlformats.org/presentationml/2006/main">
   <p:tag name="PA" val="v3.0.1"/>
 </p:tagLst>
 </file>
 
 <file path=ppt/tags/tag13.xml><?xml version="1.0" encoding="utf-8"?>
-<p:tagLst xmlns:p="http://schemas.openxmlformats.org/presentationml/2006/main">
+<p:tagLst xmlns:a="http://schemas.openxmlformats.org/drawingml/2006/main" xmlns:r="http://schemas.openxmlformats.org/officeDocument/2006/relationships" xmlns:p="http://schemas.openxmlformats.org/presentationml/2006/main">
   <p:tag name="PA" val="v3.0.1"/>
 </p:tagLst>
 </file>
 
 <file path=ppt/tags/tag14.xml><?xml version="1.0" encoding="utf-8"?>
-<p:tagLst xmlns:p="http://schemas.openxmlformats.org/presentationml/2006/main">
+<p:tagLst xmlns:a="http://schemas.openxmlformats.org/drawingml/2006/main" xmlns:r="http://schemas.openxmlformats.org/officeDocument/2006/relationships" xmlns:p="http://schemas.openxmlformats.org/presentationml/2006/main">
   <p:tag name="PA" val="v3.0.1"/>
 </p:tagLst>
 </file>
 
 <file path=ppt/tags/tag15.xml><?xml version="1.0" encoding="utf-8"?>
-<p:tagLst xmlns:p="http://schemas.openxmlformats.org/presentationml/2006/main">
+<p:tagLst xmlns:a="http://schemas.openxmlformats.org/drawingml/2006/main" xmlns:r="http://schemas.openxmlformats.org/officeDocument/2006/relationships" xmlns:p="http://schemas.openxmlformats.org/presentationml/2006/main">
   <p:tag name="PA" val="v3.0.1"/>
 </p:tagLst>
 </file>
 
 <file path=ppt/tags/tag16.xml><?xml version="1.0" encoding="utf-8"?>
-<p:tagLst xmlns:p="http://schemas.openxmlformats.org/presentationml/2006/main">
+<p:tagLst xmlns:a="http://schemas.openxmlformats.org/drawingml/2006/main" xmlns:r="http://schemas.openxmlformats.org/officeDocument/2006/relationships" xmlns:p="http://schemas.openxmlformats.org/presentationml/2006/main">
   <p:tag name="PA" val="v3.0.1"/>
 </p:tagLst>
 </file>
 
 <file path=ppt/tags/tag2.xml><?xml version="1.0" encoding="utf-8"?>
-<p:tagLst xmlns:p="http://schemas.openxmlformats.org/presentationml/2006/main">
+<p:tagLst xmlns:a="http://schemas.openxmlformats.org/drawingml/2006/main" xmlns:r="http://schemas.openxmlformats.org/officeDocument/2006/relationships" xmlns:p="http://schemas.openxmlformats.org/presentationml/2006/main">
   <p:tag name="PA" val="v3.0.1"/>
 </p:tagLst>
 </file>
 
 <file path=ppt/tags/tag3.xml><?xml version="1.0" encoding="utf-8"?>
-<p:tagLst xmlns:p="http://schemas.openxmlformats.org/presentationml/2006/main">
+<p:tagLst xmlns:a="http://schemas.openxmlformats.org/drawingml/2006/main" xmlns:r="http://schemas.openxmlformats.org/officeDocument/2006/relationships" xmlns:p="http://schemas.openxmlformats.org/presentationml/2006/main">
   <p:tag name="PA" val="v3.0.1"/>
 </p:tagLst>
 </file>
 
 <file path=ppt/tags/tag4.xml><?xml version="1.0" encoding="utf-8"?>
-<p:tagLst xmlns:p="http://schemas.openxmlformats.org/presentationml/2006/main">
+<p:tagLst xmlns:a="http://schemas.openxmlformats.org/drawingml/2006/main" xmlns:r="http://schemas.openxmlformats.org/officeDocument/2006/relationships" xmlns:p="http://schemas.openxmlformats.org/presentationml/2006/main">
   <p:tag name="PA" val="v3.0.1"/>
 </p:tagLst>
 </file>
 
 <file path=ppt/tags/tag5.xml><?xml version="1.0" encoding="utf-8"?>
-<p:tagLst xmlns:p="http://schemas.openxmlformats.org/presentationml/2006/main">
+<p:tagLst xmlns:a="http://schemas.openxmlformats.org/drawingml/2006/main" xmlns:r="http://schemas.openxmlformats.org/officeDocument/2006/relationships" xmlns:p="http://schemas.openxmlformats.org/presentationml/2006/main">
   <p:tag name="PA" val="v3.0.1"/>
 </p:tagLst>
 </file>
 
 <file path=ppt/tags/tag6.xml><?xml version="1.0" encoding="utf-8"?>
-<p:tagLst xmlns:p="http://schemas.openxmlformats.org/presentationml/2006/main">
+<p:tagLst xmlns:a="http://schemas.openxmlformats.org/drawingml/2006/main" xmlns:r="http://schemas.openxmlformats.org/officeDocument/2006/relationships" xmlns:p="http://schemas.openxmlformats.org/presentationml/2006/main">
   <p:tag name="PA" val="v3.0.1"/>
 </p:tagLst>
 </file>
 
 <file path=ppt/tags/tag7.xml><?xml version="1.0" encoding="utf-8"?>
-<p:tagLst xmlns:p="http://schemas.openxmlformats.org/presentationml/2006/main">
+<p:tagLst xmlns:a="http://schemas.openxmlformats.org/drawingml/2006/main" xmlns:r="http://schemas.openxmlformats.org/officeDocument/2006/relationships" xmlns:p="http://schemas.openxmlformats.org/presentationml/2006/main">
   <p:tag name="PA" val="v3.0.1"/>
 </p:tagLst>
 </file>
 
 <file path=ppt/tags/tag8.xml><?xml version="1.0" encoding="utf-8"?>
-<p:tagLst xmlns:p="http://schemas.openxmlformats.org/presentationml/2006/main">
+<p:tagLst xmlns:a="http://schemas.openxmlformats.org/drawingml/2006/main" xmlns:r="http://schemas.openxmlformats.org/officeDocument/2006/relationships" xmlns:p="http://schemas.openxmlformats.org/presentationml/2006/main">
   <p:tag name="PA" val="v3.0.1"/>
 </p:tagLst>
 </file>
 
 <file path=ppt/tags/tag9.xml><?xml version="1.0" encoding="utf-8"?>
-<p:tagLst xmlns:p="http://schemas.openxmlformats.org/presentationml/2006/main">
+<p:tagLst xmlns:a="http://schemas.openxmlformats.org/drawingml/2006/main" xmlns:r="http://schemas.openxmlformats.org/officeDocument/2006/relationships" xmlns:p="http://schemas.openxmlformats.org/presentationml/2006/main">
   <p:tag name="PA" val="v3.0.1"/>
 </p:tagLst>
 </file>
@@ -20138,6 +21332,8 @@
       </a:bgFillStyleLst>
     </a:fmtScheme>
   </a:themeElements>
+  <a:objectDefaults/>
+  <a:extraClrSchemeLst/>
   <a:extLst>
     <a:ext uri="{05A4C25C-085E-4340-85A3-A5531E510DB2}">
       <thm15:themeFamily xmlns:thm15="http://schemas.microsoft.com/office/thememl/2012/main" name="Office Theme" id="{62F939B6-93AF-4DB8-9C6B-D6C7DFDC589F}" vid="{4A3C46E8-61CC-4603-A589-7422A47A8E4A}"/>
@@ -20397,6 +21593,8 @@
       </a:bgFillStyleLst>
     </a:fmtScheme>
   </a:themeElements>
+  <a:objectDefaults/>
+  <a:extraClrSchemeLst/>
   <a:extLst>
     <a:ext uri="{05A4C25C-085E-4340-85A3-A5531E510DB2}">
       <thm15:themeFamily xmlns:thm15="http://schemas.microsoft.com/office/thememl/2012/main" name="Office Theme" id="{62F939B6-93AF-4DB8-9C6B-D6C7DFDC589F}" vid="{4A3C46E8-61CC-4603-A589-7422A47A8E4A}"/>

--- a/非受控文档/过程文档/UML基础2/UML基础2.pptx
+++ b/非受控文档/过程文档/UML基础2/UML基础2.pptx
@@ -265,7 +265,7 @@
           <a:p>
             <a:fld id="{959EEDEB-74DD-4590-ADB0-3BDFBC7AA6C1}" type="datetimeFigureOut">
               <a:rPr lang="zh-CN" altLang="en-US" smtClean="0"/>
-              <a:t>2018/11/4</a:t>
+              <a:t>2018/11/8</a:t>
             </a:fld>
             <a:endParaRPr lang="zh-CN" altLang="en-US"/>
           </a:p>
@@ -656,7 +656,7 @@
           <a:p>
             <a:fld id="{698485DF-3FAB-45E9-A642-7745AB3E3AFD}" type="datetimeFigureOut">
               <a:rPr lang="zh-CN" altLang="en-US" smtClean="0"/>
-              <a:t>2018/11/4</a:t>
+              <a:t>2018/11/8</a:t>
             </a:fld>
             <a:endParaRPr lang="zh-CN" altLang="en-US"/>
           </a:p>
@@ -819,7 +819,7 @@
           <a:p>
             <a:fld id="{698485DF-3FAB-45E9-A642-7745AB3E3AFD}" type="datetimeFigureOut">
               <a:rPr lang="zh-CN" altLang="en-US" smtClean="0"/>
-              <a:t>2018/11/4</a:t>
+              <a:t>2018/11/8</a:t>
             </a:fld>
             <a:endParaRPr lang="zh-CN" altLang="en-US"/>
           </a:p>
@@ -992,7 +992,7 @@
           <a:p>
             <a:fld id="{698485DF-3FAB-45E9-A642-7745AB3E3AFD}" type="datetimeFigureOut">
               <a:rPr lang="zh-CN" altLang="en-US" smtClean="0"/>
-              <a:t>2018/11/4</a:t>
+              <a:t>2018/11/8</a:t>
             </a:fld>
             <a:endParaRPr lang="zh-CN" altLang="en-US"/>
           </a:p>
@@ -1104,7 +1104,7 @@
           <a:p>
             <a:fld id="{698485DF-3FAB-45E9-A642-7745AB3E3AFD}" type="datetimeFigureOut">
               <a:rPr lang="zh-CN" altLang="en-US" smtClean="0"/>
-              <a:t>2018/11/4</a:t>
+              <a:t>2018/11/8</a:t>
             </a:fld>
             <a:endParaRPr lang="zh-CN" altLang="en-US"/>
           </a:p>
@@ -2068,7 +2068,7 @@
           <a:p>
             <a:fld id="{698485DF-3FAB-45E9-A642-7745AB3E3AFD}" type="datetimeFigureOut">
               <a:rPr lang="zh-CN" altLang="en-US" smtClean="0"/>
-              <a:t>2018/11/4</a:t>
+              <a:t>2018/11/8</a:t>
             </a:fld>
             <a:endParaRPr lang="zh-CN" altLang="en-US"/>
           </a:p>
@@ -2308,7 +2308,7 @@
           <a:p>
             <a:fld id="{698485DF-3FAB-45E9-A642-7745AB3E3AFD}" type="datetimeFigureOut">
               <a:rPr lang="zh-CN" altLang="en-US" smtClean="0"/>
-              <a:t>2018/11/4</a:t>
+              <a:t>2018/11/8</a:t>
             </a:fld>
             <a:endParaRPr lang="zh-CN" altLang="en-US"/>
           </a:p>
@@ -2532,7 +2532,7 @@
           <a:p>
             <a:fld id="{698485DF-3FAB-45E9-A642-7745AB3E3AFD}" type="datetimeFigureOut">
               <a:rPr lang="zh-CN" altLang="en-US" smtClean="0"/>
-              <a:t>2018/11/4</a:t>
+              <a:t>2018/11/8</a:t>
             </a:fld>
             <a:endParaRPr lang="zh-CN" altLang="en-US"/>
           </a:p>
@@ -2891,7 +2891,7 @@
           <a:p>
             <a:fld id="{698485DF-3FAB-45E9-A642-7745AB3E3AFD}" type="datetimeFigureOut">
               <a:rPr lang="zh-CN" altLang="en-US" smtClean="0"/>
-              <a:t>2018/11/4</a:t>
+              <a:t>2018/11/8</a:t>
             </a:fld>
             <a:endParaRPr lang="zh-CN" altLang="en-US"/>
           </a:p>
@@ -3003,7 +3003,7 @@
           <a:p>
             <a:fld id="{698485DF-3FAB-45E9-A642-7745AB3E3AFD}" type="datetimeFigureOut">
               <a:rPr lang="zh-CN" altLang="en-US" smtClean="0"/>
-              <a:t>2018/11/4</a:t>
+              <a:t>2018/11/8</a:t>
             </a:fld>
             <a:endParaRPr lang="zh-CN" altLang="en-US"/>
           </a:p>
@@ -3093,7 +3093,7 @@
           <a:p>
             <a:fld id="{698485DF-3FAB-45E9-A642-7745AB3E3AFD}" type="datetimeFigureOut">
               <a:rPr lang="zh-CN" altLang="en-US" smtClean="0"/>
-              <a:t>2018/11/4</a:t>
+              <a:t>2018/11/8</a:t>
             </a:fld>
             <a:endParaRPr lang="zh-CN" altLang="en-US"/>
           </a:p>
@@ -3363,7 +3363,7 @@
           <a:p>
             <a:fld id="{698485DF-3FAB-45E9-A642-7745AB3E3AFD}" type="datetimeFigureOut">
               <a:rPr lang="zh-CN" altLang="en-US" smtClean="0"/>
-              <a:t>2018/11/4</a:t>
+              <a:t>2018/11/8</a:t>
             </a:fld>
             <a:endParaRPr lang="zh-CN" altLang="en-US"/>
           </a:p>
@@ -3610,7 +3610,7 @@
           <a:p>
             <a:fld id="{698485DF-3FAB-45E9-A642-7745AB3E3AFD}" type="datetimeFigureOut">
               <a:rPr lang="zh-CN" altLang="en-US" smtClean="0"/>
-              <a:t>2018/11/4</a:t>
+              <a:t>2018/11/8</a:t>
             </a:fld>
             <a:endParaRPr lang="zh-CN" altLang="en-US"/>
           </a:p>
@@ -3816,7 +3816,7 @@
           <a:p>
             <a:fld id="{698485DF-3FAB-45E9-A642-7745AB3E3AFD}" type="datetimeFigureOut">
               <a:rPr lang="zh-CN" altLang="en-US" smtClean="0"/>
-              <a:t>2018/11/4</a:t>
+              <a:t>2018/11/8</a:t>
             </a:fld>
             <a:endParaRPr lang="zh-CN" altLang="en-US"/>
           </a:p>
@@ -19539,7 +19539,7 @@
             </a:r>
             <a:r>
               <a:rPr lang="en-US" altLang="zh-CN" sz="3200" dirty="0"/>
-              <a:t>;80</a:t>
+              <a:t>;79</a:t>
             </a:r>
             <a:r>
               <a:rPr lang="zh-CN" altLang="en-US" sz="3200" dirty="0"/>

--- a/非受控文档/过程文档/UML基础2/UML基础2.pptx
+++ b/非受控文档/过程文档/UML基础2/UML基础2.pptx
@@ -5,7 +5,7 @@
     <p:sldMasterId id="2147483648" r:id="rId1"/>
   </p:sldMasterIdLst>
   <p:notesMasterIdLst>
-    <p:notesMasterId r:id="rId60"/>
+    <p:notesMasterId r:id="rId53"/>
   </p:notesMasterIdLst>
   <p:sldIdLst>
     <p:sldId id="387" r:id="rId2"/>
@@ -49,23 +49,16 @@
     <p:sldId id="438" r:id="rId40"/>
     <p:sldId id="299" r:id="rId41"/>
     <p:sldId id="294" r:id="rId42"/>
-    <p:sldId id="295" r:id="rId43"/>
-    <p:sldId id="296" r:id="rId44"/>
-    <p:sldId id="259" r:id="rId45"/>
-    <p:sldId id="302" r:id="rId46"/>
-    <p:sldId id="401" r:id="rId47"/>
-    <p:sldId id="402" r:id="rId48"/>
-    <p:sldId id="403" r:id="rId49"/>
-    <p:sldId id="404" r:id="rId50"/>
-    <p:sldId id="405" r:id="rId51"/>
-    <p:sldId id="439" r:id="rId52"/>
-    <p:sldId id="441" r:id="rId53"/>
-    <p:sldId id="339" r:id="rId54"/>
-    <p:sldId id="343" r:id="rId55"/>
-    <p:sldId id="368" r:id="rId56"/>
-    <p:sldId id="440" r:id="rId57"/>
-    <p:sldId id="369" r:id="rId58"/>
-    <p:sldId id="279" r:id="rId59"/>
+    <p:sldId id="404" r:id="rId43"/>
+    <p:sldId id="405" r:id="rId44"/>
+    <p:sldId id="439" r:id="rId45"/>
+    <p:sldId id="441" r:id="rId46"/>
+    <p:sldId id="339" r:id="rId47"/>
+    <p:sldId id="343" r:id="rId48"/>
+    <p:sldId id="368" r:id="rId49"/>
+    <p:sldId id="440" r:id="rId50"/>
+    <p:sldId id="369" r:id="rId51"/>
+    <p:sldId id="279" r:id="rId52"/>
   </p:sldIdLst>
   <p:sldSz cx="12192000" cy="6858000"/>
   <p:notesSz cx="6858000" cy="9144000"/>
@@ -265,7 +258,7 @@
           <a:p>
             <a:fld id="{959EEDEB-74DD-4590-ADB0-3BDFBC7AA6C1}" type="datetimeFigureOut">
               <a:rPr lang="zh-CN" altLang="en-US" smtClean="0"/>
-              <a:t>2018/11/8</a:t>
+              <a:t>2018/11/9</a:t>
             </a:fld>
             <a:endParaRPr lang="zh-CN" altLang="en-US"/>
           </a:p>
@@ -656,7 +649,7 @@
           <a:p>
             <a:fld id="{698485DF-3FAB-45E9-A642-7745AB3E3AFD}" type="datetimeFigureOut">
               <a:rPr lang="zh-CN" altLang="en-US" smtClean="0"/>
-              <a:t>2018/11/8</a:t>
+              <a:t>2018/11/9</a:t>
             </a:fld>
             <a:endParaRPr lang="zh-CN" altLang="en-US"/>
           </a:p>
@@ -819,7 +812,7 @@
           <a:p>
             <a:fld id="{698485DF-3FAB-45E9-A642-7745AB3E3AFD}" type="datetimeFigureOut">
               <a:rPr lang="zh-CN" altLang="en-US" smtClean="0"/>
-              <a:t>2018/11/8</a:t>
+              <a:t>2018/11/9</a:t>
             </a:fld>
             <a:endParaRPr lang="zh-CN" altLang="en-US"/>
           </a:p>
@@ -992,7 +985,7 @@
           <a:p>
             <a:fld id="{698485DF-3FAB-45E9-A642-7745AB3E3AFD}" type="datetimeFigureOut">
               <a:rPr lang="zh-CN" altLang="en-US" smtClean="0"/>
-              <a:t>2018/11/8</a:t>
+              <a:t>2018/11/9</a:t>
             </a:fld>
             <a:endParaRPr lang="zh-CN" altLang="en-US"/>
           </a:p>
@@ -1104,7 +1097,7 @@
           <a:p>
             <a:fld id="{698485DF-3FAB-45E9-A642-7745AB3E3AFD}" type="datetimeFigureOut">
               <a:rPr lang="zh-CN" altLang="en-US" smtClean="0"/>
-              <a:t>2018/11/8</a:t>
+              <a:t>2018/11/9</a:t>
             </a:fld>
             <a:endParaRPr lang="zh-CN" altLang="en-US"/>
           </a:p>
@@ -2068,7 +2061,7 @@
           <a:p>
             <a:fld id="{698485DF-3FAB-45E9-A642-7745AB3E3AFD}" type="datetimeFigureOut">
               <a:rPr lang="zh-CN" altLang="en-US" smtClean="0"/>
-              <a:t>2018/11/8</a:t>
+              <a:t>2018/11/9</a:t>
             </a:fld>
             <a:endParaRPr lang="zh-CN" altLang="en-US"/>
           </a:p>
@@ -2308,7 +2301,7 @@
           <a:p>
             <a:fld id="{698485DF-3FAB-45E9-A642-7745AB3E3AFD}" type="datetimeFigureOut">
               <a:rPr lang="zh-CN" altLang="en-US" smtClean="0"/>
-              <a:t>2018/11/8</a:t>
+              <a:t>2018/11/9</a:t>
             </a:fld>
             <a:endParaRPr lang="zh-CN" altLang="en-US"/>
           </a:p>
@@ -2532,7 +2525,7 @@
           <a:p>
             <a:fld id="{698485DF-3FAB-45E9-A642-7745AB3E3AFD}" type="datetimeFigureOut">
               <a:rPr lang="zh-CN" altLang="en-US" smtClean="0"/>
-              <a:t>2018/11/8</a:t>
+              <a:t>2018/11/9</a:t>
             </a:fld>
             <a:endParaRPr lang="zh-CN" altLang="en-US"/>
           </a:p>
@@ -2891,7 +2884,7 @@
           <a:p>
             <a:fld id="{698485DF-3FAB-45E9-A642-7745AB3E3AFD}" type="datetimeFigureOut">
               <a:rPr lang="zh-CN" altLang="en-US" smtClean="0"/>
-              <a:t>2018/11/8</a:t>
+              <a:t>2018/11/9</a:t>
             </a:fld>
             <a:endParaRPr lang="zh-CN" altLang="en-US"/>
           </a:p>
@@ -3003,7 +2996,7 @@
           <a:p>
             <a:fld id="{698485DF-3FAB-45E9-A642-7745AB3E3AFD}" type="datetimeFigureOut">
               <a:rPr lang="zh-CN" altLang="en-US" smtClean="0"/>
-              <a:t>2018/11/8</a:t>
+              <a:t>2018/11/9</a:t>
             </a:fld>
             <a:endParaRPr lang="zh-CN" altLang="en-US"/>
           </a:p>
@@ -3093,7 +3086,7 @@
           <a:p>
             <a:fld id="{698485DF-3FAB-45E9-A642-7745AB3E3AFD}" type="datetimeFigureOut">
               <a:rPr lang="zh-CN" altLang="en-US" smtClean="0"/>
-              <a:t>2018/11/8</a:t>
+              <a:t>2018/11/9</a:t>
             </a:fld>
             <a:endParaRPr lang="zh-CN" altLang="en-US"/>
           </a:p>
@@ -3363,7 +3356,7 @@
           <a:p>
             <a:fld id="{698485DF-3FAB-45E9-A642-7745AB3E3AFD}" type="datetimeFigureOut">
               <a:rPr lang="zh-CN" altLang="en-US" smtClean="0"/>
-              <a:t>2018/11/8</a:t>
+              <a:t>2018/11/9</a:t>
             </a:fld>
             <a:endParaRPr lang="zh-CN" altLang="en-US"/>
           </a:p>
@@ -3610,7 +3603,7 @@
           <a:p>
             <a:fld id="{698485DF-3FAB-45E9-A642-7745AB3E3AFD}" type="datetimeFigureOut">
               <a:rPr lang="zh-CN" altLang="en-US" smtClean="0"/>
-              <a:t>2018/11/8</a:t>
+              <a:t>2018/11/9</a:t>
             </a:fld>
             <a:endParaRPr lang="zh-CN" altLang="en-US"/>
           </a:p>
@@ -3816,7 +3809,7 @@
           <a:p>
             <a:fld id="{698485DF-3FAB-45E9-A642-7745AB3E3AFD}" type="datetimeFigureOut">
               <a:rPr lang="zh-CN" altLang="en-US" smtClean="0"/>
-              <a:t>2018/11/8</a:t>
+              <a:t>2018/11/9</a:t>
             </a:fld>
             <a:endParaRPr lang="zh-CN" altLang="en-US"/>
           </a:p>
@@ -15270,28 +15263,48 @@
           <a:p>
             <a:r>
               <a:rPr lang="en-US" altLang="zh-CN" dirty="0"/>
-              <a:t>1.Solidify</a:t>
-            </a:r>
-          </a:p>
-          <a:p>
+              <a:t>1.Easel</a:t>
+            </a:r>
+            <a:endParaRPr lang="zh-CN" altLang="en-US" dirty="0"/>
+          </a:p>
+          <a:p>
+            <a:r>
+              <a:rPr lang="zh-CN" altLang="en-US" dirty="0"/>
+              <a:t>Easel是一款基于浏览器的Web设计工具，允许用户记录模型和创意。其功能包括按钮、表和文本框。这款工具还集成了Twitter Bootstrap库贯穿其他额外的图标和颜色。此外，Easel 让用户在Web中设计保持最佳像素，用户可以使用先进的工具比如CSS3</a:t>
+            </a:r>
             <a:r>
               <a:rPr lang="en-US" altLang="zh-CN" dirty="0"/>
-              <a:t>Solidify允许用户在模型、线框或者草图中获取原型图。此外，你还可以快速地查看屏幕界面原型。如果在桌面、计算机或者手机上运行Solidify还能轻易地测试出项目原型。如果你没有太多的时间花在这上面，你也可以共享给其他测试人员，随时随地获取反馈意见</a:t>
+              <a:t>(Cascading Style Sheets Level 3</a:t>
             </a:r>
             <a:r>
               <a:rPr lang="zh-CN" altLang="en-US" dirty="0"/>
-              <a:t>。</a:t>
-            </a:r>
-            <a:endParaRPr lang="en-US" altLang="zh-CN" dirty="0"/>
+              <a:t>，</a:t>
+            </a:r>
+            <a:r>
+              <a:rPr lang="en-US" altLang="zh-CN" dirty="0"/>
+              <a:t>层叠样式表3级)</a:t>
+            </a:r>
+            <a:r>
+              <a:rPr lang="zh-CN" altLang="en-US" dirty="0"/>
+              <a:t>、Web字体，无需在浏览器和文本编辑器之间来回查看，告别繁琐的过程，轻松创建应用。</a:t>
+            </a:r>
           </a:p>
           <a:p>
             <a:pPr marL="0" indent="0" algn="r">
               <a:buNone/>
             </a:pPr>
             <a:r>
-              <a:rPr lang="en-US" altLang="zh-CN" dirty="0"/>
+              <a:rPr lang="en-US" altLang="zh-CN" dirty="0">
+                <a:sym typeface="+mn-ea"/>
+              </a:rPr>
               <a:t>【9】</a:t>
             </a:r>
+            <a:endParaRPr lang="zh-CN" altLang="en-US" dirty="0"/>
+          </a:p>
+          <a:p>
+            <a:pPr marL="0" indent="0" algn="r">
+              <a:buNone/>
+            </a:pPr>
             <a:endParaRPr lang="zh-CN" altLang="en-US" dirty="0"/>
           </a:p>
         </p:txBody>
@@ -15437,8 +15450,8 @@
         </p:nvSpPr>
         <p:spPr>
           <a:xfrm>
-            <a:off x="838200" y="819150"/>
-            <a:ext cx="10515600" cy="5358130"/>
+            <a:off x="838200" y="818515"/>
+            <a:ext cx="10515600" cy="5358765"/>
           </a:xfrm>
         </p:spPr>
         <p:txBody>
@@ -15446,17 +15459,28 @@
           <a:lstStyle/>
           <a:p>
             <a:r>
-              <a:rPr lang="en-US" altLang="zh-CN"/>
-              <a:t>2.PowerMockup</a:t>
-            </a:r>
-            <a:endParaRPr lang="zh-CN" altLang="en-US"/>
-          </a:p>
-          <a:p>
-            <a:r>
-              <a:rPr lang="zh-CN" altLang="en-US"/>
-              <a:t>专为设计师准备的PowerMockup在创建PowerPoint时为线框提供模板。包含各式各样的模板，包括菜单、表格、文本框、按钮和标签。当你在创建PPT时你可以轻易的将这些模板拖入使用。另外，用户还能在库中添加自己的条目，只需选择PPT的外形，然后点击“添加模板”标签，一款自定义的模板即可轻松创建。</a:t>
-            </a:r>
-            <a:endParaRPr lang="zh-CN" altLang="en-US" dirty="0"/>
+              <a:rPr lang="en-US" altLang="zh-CN" dirty="0"/>
+              <a:t>2.</a:t>
+            </a:r>
+            <a:r>
+              <a:rPr lang="en-US" altLang="zh-CN" dirty="0">
+                <a:sym typeface="+mn-ea"/>
+              </a:rPr>
+              <a:t>Proto.io</a:t>
+            </a:r>
+            <a:endParaRPr lang="en-US" altLang="zh-CN" dirty="0"/>
+          </a:p>
+          <a:p>
+            <a:r>
+              <a:rPr lang="en-US" altLang="zh-CN" dirty="0"/>
+              <a:t>Proto.io是一个专用的手机原型开发平台——可以构建和部署全交互式的移动程序的原型，并且可以模拟出相似的成品。它可以运行在大多数的浏览器中，并提供了3个重要的接口：dashboard、编辑器以及播放器。</a:t>
+            </a:r>
+          </a:p>
+          <a:p>
+            <a:r>
+              <a:rPr lang="en-US" altLang="zh-CN" dirty="0"/>
+              <a:t>dashboard 可以用来管理项目。编辑器是构建原型的环境，由一组设计和开发原型的工具组成，另外还可以构建交互。播放器用来观看原型，并与原型进行交互，并提供了相关 工具来标注和保留反馈信息。你可以直接在真实的移动设备上对原型进行测试。并且可以使用iOS或Android上的浏览器以全屏模式运行原型。</a:t>
+            </a:r>
           </a:p>
           <a:p>
             <a:pPr marL="0" indent="0" algn="r">
@@ -15466,12 +15490,12 @@
               <a:rPr lang="en-US" altLang="zh-CN" dirty="0">
                 <a:sym typeface="+mn-ea"/>
               </a:rPr>
-              <a:t>【9】</a:t>
+              <a:t>【10】</a:t>
             </a:r>
             <a:endParaRPr lang="zh-CN" altLang="en-US" dirty="0"/>
           </a:p>
           <a:p>
-            <a:endParaRPr lang="zh-CN" altLang="en-US"/>
+            <a:endParaRPr lang="en-US" altLang="zh-CN" dirty="0"/>
           </a:p>
         </p:txBody>
       </p:sp>
@@ -15616,8 +15640,8 @@
         </p:nvSpPr>
         <p:spPr>
           <a:xfrm>
-            <a:off x="838200" y="819150"/>
-            <a:ext cx="10515600" cy="5358130"/>
+            <a:off x="838200" y="818515"/>
+            <a:ext cx="10515600" cy="5920105"/>
           </a:xfrm>
         </p:spPr>
         <p:txBody>
@@ -15625,38 +15649,44 @@
           <a:lstStyle/>
           <a:p>
             <a:r>
-              <a:rPr lang="en-US" altLang="zh-CN"/>
-              <a:t>3.Antetype</a:t>
-            </a:r>
-            <a:endParaRPr lang="zh-CN" altLang="en-US"/>
-          </a:p>
-          <a:p>
-            <a:r>
-              <a:rPr lang="zh-CN" altLang="en-US"/>
-              <a:t>当你创建大型的且连续性的项目时，Antetype是最佳选择，这是因为它允许开发者创建一整套的构件库。该构件库可收集各小部件，在原型中方便易用。此外，每个小部件都有一定数量的定制和默认状态可单独或者同时进行编辑。</a:t>
-            </a:r>
-          </a:p>
-          <a:p>
-            <a:r>
-              <a:rPr lang="zh-CN" altLang="en-US"/>
-              <a:t>因此用户在编辑时无需使用不同的副本，Antetype可适应不同项目的需求。</a:t>
-            </a:r>
-          </a:p>
-          <a:p>
-            <a:pPr marL="0" indent="0">
+              <a:rPr lang="en-US" altLang="zh-CN" dirty="0"/>
+              <a:t>3.</a:t>
+            </a:r>
+            <a:r>
+              <a:rPr lang="en-US" altLang="zh-CN" dirty="0">
+                <a:sym typeface="+mn-ea"/>
+              </a:rPr>
+              <a:t>POP(Prototyping on Paper)</a:t>
+            </a:r>
+            <a:endParaRPr lang="en-US" altLang="zh-CN" dirty="0"/>
+          </a:p>
+          <a:p>
+            <a:r>
+              <a:rPr lang="en-US" altLang="zh-CN" dirty="0"/>
+              <a:t>有了POP创建iPhone原型不再是难事，其提供了一个传统的高科技线框技术。没有复杂的软件，所有的用户需要在纸上或者笔记本上绘画或绘制出线框。</a:t>
+            </a:r>
+          </a:p>
+          <a:p>
+            <a:r>
+              <a:rPr lang="en-US" altLang="zh-CN" dirty="0"/>
+              <a:t>该线框仅通过摄像头拍摄，利用POP确保草图能自动调节对比度和亮度，然后通过“链接点”连接到草图来设计模板。首先确保任何事情都在完美状态，用户只需点击“play”并模拟接口即可。</a:t>
+            </a:r>
+            <a:endParaRPr lang="zh-CN" altLang="en-US" dirty="0"/>
+          </a:p>
+          <a:p>
+            <a:pPr marL="0" indent="0" algn="r">
               <a:buNone/>
             </a:pPr>
-            <a:r>
-              <a:rPr lang="en-US" altLang="zh-CN"/>
-              <a:t>										    </a:t>
-            </a:r>
             <a:r>
               <a:rPr lang="en-US" altLang="zh-CN" dirty="0">
                 <a:sym typeface="+mn-ea"/>
               </a:rPr>
               <a:t>【9】</a:t>
             </a:r>
-            <a:endParaRPr lang="en-US" altLang="zh-CN"/>
+            <a:endParaRPr lang="zh-CN" altLang="en-US" dirty="0"/>
+          </a:p>
+          <a:p>
+            <a:endParaRPr lang="en-US" altLang="zh-CN" dirty="0"/>
           </a:p>
         </p:txBody>
       </p:sp>
@@ -15767,14 +15797,6 @@
 <file path=ppt/slides/slide44.xml><?xml version="1.0" encoding="utf-8"?>
 <p:sld xmlns:a="http://schemas.openxmlformats.org/drawingml/2006/main" xmlns:r="http://schemas.openxmlformats.org/officeDocument/2006/relationships" xmlns:p="http://schemas.openxmlformats.org/presentationml/2006/main">
   <p:cSld>
-    <p:bg>
-      <p:bgPr>
-        <a:solidFill>
-          <a:srgbClr val="F1F1F1"/>
-        </a:solidFill>
-        <a:effectLst/>
-      </p:bgPr>
-    </p:bg>
     <p:spTree>
       <p:nvGrpSpPr>
         <p:cNvPr id="1" name=""/>
@@ -15802,42 +15824,53 @@
         <p:spPr>
           <a:xfrm>
             <a:off x="838200" y="818515"/>
-            <a:ext cx="10515600" cy="5358765"/>
+            <a:ext cx="10515600" cy="5920105"/>
           </a:xfrm>
         </p:spPr>
         <p:txBody>
-          <a:bodyPr>
-            <a:normAutofit/>
-          </a:bodyPr>
+          <a:bodyPr/>
           <a:lstStyle/>
           <a:p>
             <a:r>
               <a:rPr lang="en-US" altLang="zh-CN" dirty="0"/>
-              <a:t>4.UXPin</a:t>
+              <a:t>4</a:t>
+            </a:r>
+            <a:r>
+              <a:rPr lang="zh-CN" altLang="en-US" dirty="0"/>
+              <a:t>、墨刀</a:t>
+            </a:r>
+            <a:endParaRPr lang="en-US" altLang="zh-CN" dirty="0"/>
+          </a:p>
+          <a:p>
+            <a:r>
+              <a:rPr lang="zh-CN" altLang="en-US" dirty="0"/>
+              <a:t>墨刀是一款在线原型设计工具。借助于墨刀，创业者、产品经理及</a:t>
+            </a:r>
+            <a:r>
+              <a:rPr lang="en-US" altLang="zh-CN" dirty="0"/>
+              <a:t>UI</a:t>
+            </a:r>
+            <a:r>
+              <a:rPr lang="zh-CN" altLang="en-US" dirty="0"/>
+              <a:t>设计师能够快速构建移动应用产品原型，并向他人演示</a:t>
+            </a:r>
+            <a:endParaRPr lang="en-US" altLang="zh-CN" dirty="0"/>
+          </a:p>
+          <a:p>
+            <a:r>
+              <a:rPr lang="zh-CN" altLang="en-US" dirty="0"/>
+              <a:t>作为一款专注移动应用的原型工具，墨刀把全部功能都进行了模块化，用户也能选择页面切换特效及主题，操作方式也相对简便，大部分操作都可通过拖拽来完成。现在，墨刀已实现了云端保存、手机实时预览、在线评论等功能。</a:t>
+            </a:r>
+            <a:r>
+              <a:rPr lang="en-US" altLang="zh-CN" dirty="0">
+                <a:sym typeface="+mn-ea"/>
+              </a:rPr>
+              <a:t>【11】</a:t>
             </a:r>
             <a:endParaRPr lang="zh-CN" altLang="en-US" dirty="0"/>
           </a:p>
           <a:p>
-            <a:r>
-              <a:rPr lang="zh-CN" altLang="en-US" dirty="0"/>
-              <a:t>UXPin是DeSmart团队开发的一个简易快速的实体模型和在线可点击原型创作工具。它基于优秀的用户体验设计原则，在构建原型中，它提供了一个完整的工具包(该工具包具有良好的用户设计模式和元素)来从头构建一个出色的原型。</a:t>
-            </a:r>
-          </a:p>
-          <a:p>
-            <a:r>
-              <a:rPr lang="zh-CN" altLang="en-US" dirty="0"/>
-              <a:t>UXPin 具有响应式的断点功能，创建的响应式原型和线框图可以运行在不同的设备和分辨率上。另外该软件还提供了版本控制和迭代功能，可以轻松的共享预览，直观的注 解和实时的协同编辑和聊天。该软件拥有大量具有吸引力的用户界面元素风格(包括web，iOS，Android等)，并且具有快速、灵敏的响应拖放接口。</a:t>
-            </a:r>
-          </a:p>
-          <a:p>
-            <a:pPr marL="0" indent="0" algn="r">
-              <a:buNone/>
-            </a:pPr>
-            <a:r>
-              <a:rPr lang="en-US" altLang="zh-CN" dirty="0"/>
-              <a:t>【10】</a:t>
-            </a:r>
-            <a:endParaRPr lang="zh-CN" altLang="en-US" dirty="0"/>
+            <a:endParaRPr lang="en-US" altLang="zh-CN" dirty="0"/>
           </a:p>
         </p:txBody>
       </p:sp>
@@ -15938,6 +15971,11 @@
         </p:txBody>
       </p:sp>
     </p:spTree>
+    <p:extLst>
+      <p:ext uri="{BB962C8B-B14F-4D97-AF65-F5344CB8AC3E}">
+        <p14:creationId xmlns:p14="http://schemas.microsoft.com/office/powerpoint/2010/main" val="2889929661"/>
+      </p:ext>
+    </p:extLst>
   </p:cSld>
   <p:clrMapOvr>
     <a:masterClrMapping/>
@@ -15948,14 +15986,6 @@
 <file path=ppt/slides/slide45.xml><?xml version="1.0" encoding="utf-8"?>
 <p:sld xmlns:a="http://schemas.openxmlformats.org/drawingml/2006/main" xmlns:r="http://schemas.openxmlformats.org/officeDocument/2006/relationships" xmlns:p="http://schemas.openxmlformats.org/presentationml/2006/main">
   <p:cSld>
-    <p:bg>
-      <p:bgPr>
-        <a:solidFill>
-          <a:srgbClr val="F1F1F1"/>
-        </a:solidFill>
-        <a:effectLst/>
-      </p:bgPr>
-    </p:bg>
     <p:spTree>
       <p:nvGrpSpPr>
         <p:cNvPr id="1" name=""/>
@@ -15983,7 +16013,7 @@
         <p:spPr>
           <a:xfrm>
             <a:off x="838200" y="818515"/>
-            <a:ext cx="10515600" cy="5358765"/>
+            <a:ext cx="10515600" cy="5920105"/>
           </a:xfrm>
         </p:spPr>
         <p:txBody>
@@ -15991,44 +16021,103 @@
           <a:lstStyle/>
           <a:p>
             <a:r>
-              <a:rPr lang="en-US" altLang="zh-CN"/>
-              <a:t>5.</a:t>
-            </a:r>
-            <a:r>
-              <a:rPr lang="en-US" altLang="zh-CN">
-                <a:sym typeface="+mn-ea"/>
-              </a:rPr>
-              <a:t>QuirkTools</a:t>
-            </a:r>
-            <a:endParaRPr lang="en-US" altLang="zh-CN"/>
-          </a:p>
-          <a:p>
-            <a:r>
-              <a:rPr lang="en-US" altLang="zh-CN"/>
-              <a:t>QuirkTools让网站创建更加简单和便捷。</a:t>
-            </a:r>
-          </a:p>
-          <a:p>
-            <a:r>
-              <a:rPr lang="en-US" altLang="zh-CN"/>
-              <a:t>利用QuirkTools构建Web应用可帮助用户创建属于自己的一款应用。该应用帮助用户创建基于桌面、移动手机或平板电脑的线框模型。此外，QuirkTools还能让开发者与同事、客户共同协作打造最完美的设计。</a:t>
-            </a:r>
-            <a:endParaRPr lang="zh-CN" altLang="en-US" dirty="0"/>
-          </a:p>
-          <a:p>
-            <a:pPr marL="0" indent="0" algn="r">
-              <a:buNone/>
-            </a:pPr>
+              <a:rPr lang="en-US" altLang="zh-CN" dirty="0"/>
+              <a:t>5</a:t>
+            </a:r>
+            <a:r>
+              <a:rPr lang="zh-CN" altLang="en-US" dirty="0"/>
+              <a:t>、</a:t>
+            </a:r>
+            <a:r>
+              <a:rPr lang="en-US" altLang="zh-CN" dirty="0"/>
+              <a:t>Axure </a:t>
+            </a:r>
+            <a:r>
+              <a:rPr lang="en-US" altLang="zh-CN" dirty="0" err="1"/>
+              <a:t>rp</a:t>
+            </a:r>
+            <a:endParaRPr lang="en-US" altLang="zh-CN" dirty="0"/>
+          </a:p>
+          <a:p>
+            <a:r>
+              <a:rPr lang="en-US" altLang="zh-CN" dirty="0"/>
+              <a:t>Axure RP</a:t>
+            </a:r>
+            <a:r>
+              <a:rPr lang="zh-CN" altLang="en-US" dirty="0"/>
+              <a:t>是一款专业的快速原型设计工具。</a:t>
+            </a:r>
+            <a:r>
+              <a:rPr lang="en-US" altLang="zh-CN" dirty="0"/>
+              <a:t>Axure</a:t>
+            </a:r>
+            <a:r>
+              <a:rPr lang="zh-CN" altLang="en-US" dirty="0"/>
+              <a:t>代表美国</a:t>
+            </a:r>
+            <a:r>
+              <a:rPr lang="en-US" altLang="zh-CN" dirty="0"/>
+              <a:t>Axure</a:t>
+            </a:r>
+            <a:r>
+              <a:rPr lang="zh-CN" altLang="en-US" dirty="0"/>
+              <a:t>公司；</a:t>
+            </a:r>
+            <a:r>
+              <a:rPr lang="en-US" altLang="zh-CN" dirty="0"/>
+              <a:t>RP</a:t>
+            </a:r>
+            <a:r>
+              <a:rPr lang="zh-CN" altLang="en-US" dirty="0"/>
+              <a:t>则是</a:t>
+            </a:r>
+            <a:r>
+              <a:rPr lang="en-US" altLang="zh-CN" dirty="0"/>
+              <a:t>Rapid Prototyping</a:t>
+            </a:r>
+            <a:r>
+              <a:rPr lang="zh-CN" altLang="en-US" dirty="0"/>
+              <a:t>（快速原型）的缩写。</a:t>
+            </a:r>
+          </a:p>
+          <a:p>
+            <a:r>
+              <a:rPr lang="en-US" altLang="zh-CN" dirty="0"/>
+              <a:t>Axure RP</a:t>
+            </a:r>
+            <a:r>
+              <a:rPr lang="zh-CN" altLang="en-US" dirty="0"/>
+              <a:t>是美国</a:t>
+            </a:r>
+            <a:r>
+              <a:rPr lang="en-US" altLang="zh-CN" dirty="0"/>
+              <a:t>Axure Software Solution</a:t>
+            </a:r>
+            <a:r>
+              <a:rPr lang="zh-CN" altLang="en-US" dirty="0"/>
+              <a:t>公司旗舰产品，是一个专业的快速原型设计工具，让负责定义需求和规格、设计功能和界面的专家能够快速创建应用软件或</a:t>
+            </a:r>
+            <a:r>
+              <a:rPr lang="en-US" altLang="zh-CN" dirty="0"/>
+              <a:t>Web</a:t>
+            </a:r>
+            <a:r>
+              <a:rPr lang="zh-CN" altLang="en-US" dirty="0"/>
+              <a:t>网站的线框图、流程图、原型和规格说明文档。作为专业的原型设计工具，它能快速、高效的创建原型，同时支持多人协作设计和版本控制管理</a:t>
+            </a:r>
+          </a:p>
+          <a:p>
+            <a:pPr algn="r"/>
             <a:r>
               <a:rPr lang="en-US" altLang="zh-CN" dirty="0">
                 <a:sym typeface="+mn-ea"/>
               </a:rPr>
-              <a:t>【9】</a:t>
+              <a:t>【12】</a:t>
             </a:r>
             <a:endParaRPr lang="zh-CN" altLang="en-US" dirty="0"/>
           </a:p>
           <a:p>
-            <a:endParaRPr lang="en-US" altLang="zh-CN"/>
+            <a:endParaRPr lang="en-US" altLang="zh-CN" dirty="0"/>
           </a:p>
         </p:txBody>
       </p:sp>
@@ -16129,1644 +16218,6 @@
         </p:txBody>
       </p:sp>
     </p:spTree>
-  </p:cSld>
-  <p:clrMapOvr>
-    <a:masterClrMapping/>
-  </p:clrMapOvr>
-</p:sld>
-</file>
-
-<file path=ppt/slides/slide46.xml><?xml version="1.0" encoding="utf-8"?>
-<p:sld xmlns:a="http://schemas.openxmlformats.org/drawingml/2006/main" xmlns:r="http://schemas.openxmlformats.org/officeDocument/2006/relationships" xmlns:p="http://schemas.openxmlformats.org/presentationml/2006/main">
-  <p:cSld>
-    <p:bg>
-      <p:bgPr>
-        <a:solidFill>
-          <a:srgbClr val="F1F1F1"/>
-        </a:solidFill>
-        <a:effectLst/>
-      </p:bgPr>
-    </p:bg>
-    <p:spTree>
-      <p:nvGrpSpPr>
-        <p:cNvPr id="1" name=""/>
-        <p:cNvGrpSpPr/>
-        <p:nvPr/>
-      </p:nvGrpSpPr>
-      <p:grpSpPr>
-        <a:xfrm>
-          <a:off x="0" y="0"/>
-          <a:ext cx="0" cy="0"/>
-          <a:chOff x="0" y="0"/>
-          <a:chExt cx="0" cy="0"/>
-        </a:xfrm>
-      </p:grpSpPr>
-      <p:sp>
-        <p:nvSpPr>
-          <p:cNvPr id="3" name="内容占位符 2"/>
-          <p:cNvSpPr>
-            <a:spLocks noGrp="1"/>
-          </p:cNvSpPr>
-          <p:nvPr>
-            <p:ph idx="1"/>
-          </p:nvPr>
-        </p:nvSpPr>
-        <p:spPr>
-          <a:xfrm>
-            <a:off x="838200" y="818515"/>
-            <a:ext cx="10515600" cy="5358765"/>
-          </a:xfrm>
-        </p:spPr>
-        <p:txBody>
-          <a:bodyPr/>
-          <a:lstStyle/>
-          <a:p>
-            <a:r>
-              <a:rPr lang="en-US" altLang="zh-CN"/>
-              <a:t>6.</a:t>
-            </a:r>
-            <a:r>
-              <a:rPr lang="en-US" altLang="zh-CN">
-                <a:sym typeface="+mn-ea"/>
-              </a:rPr>
-              <a:t>Wireframe.cc</a:t>
-            </a:r>
-            <a:endParaRPr lang="en-US" altLang="zh-CN"/>
-          </a:p>
-          <a:p>
-            <a:r>
-              <a:rPr lang="en-US" altLang="zh-CN"/>
-              <a:t>利用Wireframe.cc即可轻易的创建线框。Wireframe.cc支持有限的调色板和模板，以简洁为主。有两个模板供选择：移动手机和浏览器窗口，前者包含景色和垂直风格；后者则是纵向和横向风格。有了Wireframes.cc用户可清晰的看到整个创建过程。</a:t>
-            </a:r>
-            <a:endParaRPr lang="zh-CN" altLang="en-US" dirty="0"/>
-          </a:p>
-          <a:p>
-            <a:pPr marL="0" indent="0" algn="r">
-              <a:buNone/>
-            </a:pPr>
-            <a:r>
-              <a:rPr lang="en-US" altLang="zh-CN" dirty="0">
-                <a:sym typeface="+mn-ea"/>
-              </a:rPr>
-              <a:t>【9】</a:t>
-            </a:r>
-            <a:endParaRPr lang="zh-CN" altLang="en-US" dirty="0"/>
-          </a:p>
-          <a:p>
-            <a:endParaRPr lang="en-US" altLang="zh-CN"/>
-          </a:p>
-        </p:txBody>
-      </p:sp>
-      <p:sp>
-        <p:nvSpPr>
-          <p:cNvPr id="4" name="Freeform 5"/>
-          <p:cNvSpPr/>
-          <p:nvPr/>
-        </p:nvSpPr>
-        <p:spPr bwMode="auto">
-          <a:xfrm flipH="1">
-            <a:off x="0" y="-13281"/>
-            <a:ext cx="409433" cy="832147"/>
-          </a:xfrm>
-          <a:custGeom>
-            <a:avLst/>
-            <a:gdLst>
-              <a:gd name="T0" fmla="*/ 1462 w 2332"/>
-              <a:gd name="T1" fmla="*/ 0 h 3907"/>
-              <a:gd name="T2" fmla="*/ 2332 w 2332"/>
-              <a:gd name="T3" fmla="*/ 0 h 3907"/>
-              <a:gd name="T4" fmla="*/ 2332 w 2332"/>
-              <a:gd name="T5" fmla="*/ 3907 h 3907"/>
-              <a:gd name="T6" fmla="*/ 0 w 2332"/>
-              <a:gd name="T7" fmla="*/ 2595 h 3907"/>
-              <a:gd name="T8" fmla="*/ 1462 w 2332"/>
-              <a:gd name="T9" fmla="*/ 0 h 3907"/>
-            </a:gdLst>
-            <a:ahLst/>
-            <a:cxnLst>
-              <a:cxn ang="0">
-                <a:pos x="T0" y="T1"/>
-              </a:cxn>
-              <a:cxn ang="0">
-                <a:pos x="T2" y="T3"/>
-              </a:cxn>
-              <a:cxn ang="0">
-                <a:pos x="T4" y="T5"/>
-              </a:cxn>
-              <a:cxn ang="0">
-                <a:pos x="T6" y="T7"/>
-              </a:cxn>
-              <a:cxn ang="0">
-                <a:pos x="T8" y="T9"/>
-              </a:cxn>
-            </a:cxnLst>
-            <a:rect l="0" t="0" r="r" b="b"/>
-            <a:pathLst>
-              <a:path w="2332" h="3907">
-                <a:moveTo>
-                  <a:pt x="1462" y="0"/>
-                </a:moveTo>
-                <a:lnTo>
-                  <a:pt x="2332" y="0"/>
-                </a:lnTo>
-                <a:lnTo>
-                  <a:pt x="2332" y="3907"/>
-                </a:lnTo>
-                <a:lnTo>
-                  <a:pt x="0" y="2595"/>
-                </a:lnTo>
-                <a:lnTo>
-                  <a:pt x="1462" y="0"/>
-                </a:lnTo>
-                <a:close/>
-              </a:path>
-            </a:pathLst>
-          </a:custGeom>
-          <a:solidFill>
-            <a:srgbClr val="002B41"/>
-          </a:solidFill>
-          <a:ln w="28575">
-            <a:noFill/>
-          </a:ln>
-          <a:effectLst>
-            <a:outerShdw blurRad="254000" dist="127000" dir="2700000" algn="tl" rotWithShape="0">
-              <a:prstClr val="black">
-                <a:alpha val="40000"/>
-              </a:prstClr>
-            </a:outerShdw>
-          </a:effectLst>
-        </p:spPr>
-        <p:txBody>
-          <a:bodyPr anchor="ctr"/>
-          <a:lstStyle/>
-          <a:p>
-            <a:pPr algn="ctr"/>
-            <a:endParaRPr lang="zh-CN" altLang="en-US" sz="2000">
-              <a:solidFill>
-                <a:schemeClr val="bg1">
-                  <a:lumMod val="95000"/>
-                </a:schemeClr>
-              </a:solidFill>
-              <a:latin typeface="Calibri" panose="020F0502020204030204" pitchFamily="34" charset="0"/>
-              <a:ea typeface="宋体" panose="02010600030101010101" pitchFamily="2" charset="-122"/>
-            </a:endParaRPr>
-          </a:p>
-        </p:txBody>
-      </p:sp>
-    </p:spTree>
-  </p:cSld>
-  <p:clrMapOvr>
-    <a:masterClrMapping/>
-  </p:clrMapOvr>
-</p:sld>
-</file>
-
-<file path=ppt/slides/slide47.xml><?xml version="1.0" encoding="utf-8"?>
-<p:sld xmlns:a="http://schemas.openxmlformats.org/drawingml/2006/main" xmlns:r="http://schemas.openxmlformats.org/officeDocument/2006/relationships" xmlns:p="http://schemas.openxmlformats.org/presentationml/2006/main">
-  <p:cSld>
-    <p:bg>
-      <p:bgPr>
-        <a:solidFill>
-          <a:srgbClr val="F1F1F1"/>
-        </a:solidFill>
-        <a:effectLst/>
-      </p:bgPr>
-    </p:bg>
-    <p:spTree>
-      <p:nvGrpSpPr>
-        <p:cNvPr id="1" name=""/>
-        <p:cNvGrpSpPr/>
-        <p:nvPr/>
-      </p:nvGrpSpPr>
-      <p:grpSpPr>
-        <a:xfrm>
-          <a:off x="0" y="0"/>
-          <a:ext cx="0" cy="0"/>
-          <a:chOff x="0" y="0"/>
-          <a:chExt cx="0" cy="0"/>
-        </a:xfrm>
-      </p:grpSpPr>
-      <p:sp>
-        <p:nvSpPr>
-          <p:cNvPr id="3" name="内容占位符 2"/>
-          <p:cNvSpPr>
-            <a:spLocks noGrp="1"/>
-          </p:cNvSpPr>
-          <p:nvPr>
-            <p:ph idx="1"/>
-          </p:nvPr>
-        </p:nvSpPr>
-        <p:spPr>
-          <a:xfrm>
-            <a:off x="838200" y="818515"/>
-            <a:ext cx="10515600" cy="5358765"/>
-          </a:xfrm>
-        </p:spPr>
-        <p:txBody>
-          <a:bodyPr/>
-          <a:lstStyle/>
-          <a:p>
-            <a:r>
-              <a:rPr lang="en-US" altLang="zh-CN"/>
-              <a:t>7.Easel</a:t>
-            </a:r>
-            <a:endParaRPr lang="zh-CN" altLang="en-US"/>
-          </a:p>
-          <a:p>
-            <a:r>
-              <a:rPr lang="zh-CN" altLang="en-US"/>
-              <a:t>Easel是一款基于浏览器的Web设计工具，允许用户记录模型和创意。其功能包括按钮、表和文本框。这款工具还集成了Twitter Bootstrap库贯穿其他额外的图标和颜色。此外，Easel 让用户在Web中设计保持最佳像素，用户可以使用先进的工具比如CSS3</a:t>
-            </a:r>
-            <a:r>
-              <a:rPr lang="en-US" altLang="zh-CN"/>
-              <a:t>(Cascading Style Sheets Level 3</a:t>
-            </a:r>
-            <a:r>
-              <a:rPr lang="zh-CN" altLang="en-US"/>
-              <a:t>，</a:t>
-            </a:r>
-            <a:r>
-              <a:rPr lang="en-US" altLang="zh-CN"/>
-              <a:t>层叠样式表3级)</a:t>
-            </a:r>
-            <a:r>
-              <a:rPr lang="zh-CN" altLang="en-US"/>
-              <a:t>、Web字体，无需在浏览器和文本编辑器之间来回查看，告别繁琐的过程，轻松创建应用。</a:t>
-            </a:r>
-            <a:endParaRPr lang="zh-CN" altLang="en-US" dirty="0"/>
-          </a:p>
-          <a:p>
-            <a:pPr marL="0" indent="0" algn="r">
-              <a:buNone/>
-            </a:pPr>
-            <a:r>
-              <a:rPr lang="en-US" altLang="zh-CN" dirty="0">
-                <a:sym typeface="+mn-ea"/>
-              </a:rPr>
-              <a:t>【9】</a:t>
-            </a:r>
-            <a:endParaRPr lang="zh-CN" altLang="en-US" dirty="0"/>
-          </a:p>
-          <a:p>
-            <a:endParaRPr lang="zh-CN" altLang="en-US"/>
-          </a:p>
-        </p:txBody>
-      </p:sp>
-      <p:sp>
-        <p:nvSpPr>
-          <p:cNvPr id="4" name="Freeform 5"/>
-          <p:cNvSpPr/>
-          <p:nvPr/>
-        </p:nvSpPr>
-        <p:spPr bwMode="auto">
-          <a:xfrm flipH="1">
-            <a:off x="0" y="-13281"/>
-            <a:ext cx="409433" cy="832147"/>
-          </a:xfrm>
-          <a:custGeom>
-            <a:avLst/>
-            <a:gdLst>
-              <a:gd name="T0" fmla="*/ 1462 w 2332"/>
-              <a:gd name="T1" fmla="*/ 0 h 3907"/>
-              <a:gd name="T2" fmla="*/ 2332 w 2332"/>
-              <a:gd name="T3" fmla="*/ 0 h 3907"/>
-              <a:gd name="T4" fmla="*/ 2332 w 2332"/>
-              <a:gd name="T5" fmla="*/ 3907 h 3907"/>
-              <a:gd name="T6" fmla="*/ 0 w 2332"/>
-              <a:gd name="T7" fmla="*/ 2595 h 3907"/>
-              <a:gd name="T8" fmla="*/ 1462 w 2332"/>
-              <a:gd name="T9" fmla="*/ 0 h 3907"/>
-            </a:gdLst>
-            <a:ahLst/>
-            <a:cxnLst>
-              <a:cxn ang="0">
-                <a:pos x="T0" y="T1"/>
-              </a:cxn>
-              <a:cxn ang="0">
-                <a:pos x="T2" y="T3"/>
-              </a:cxn>
-              <a:cxn ang="0">
-                <a:pos x="T4" y="T5"/>
-              </a:cxn>
-              <a:cxn ang="0">
-                <a:pos x="T6" y="T7"/>
-              </a:cxn>
-              <a:cxn ang="0">
-                <a:pos x="T8" y="T9"/>
-              </a:cxn>
-            </a:cxnLst>
-            <a:rect l="0" t="0" r="r" b="b"/>
-            <a:pathLst>
-              <a:path w="2332" h="3907">
-                <a:moveTo>
-                  <a:pt x="1462" y="0"/>
-                </a:moveTo>
-                <a:lnTo>
-                  <a:pt x="2332" y="0"/>
-                </a:lnTo>
-                <a:lnTo>
-                  <a:pt x="2332" y="3907"/>
-                </a:lnTo>
-                <a:lnTo>
-                  <a:pt x="0" y="2595"/>
-                </a:lnTo>
-                <a:lnTo>
-                  <a:pt x="1462" y="0"/>
-                </a:lnTo>
-                <a:close/>
-              </a:path>
-            </a:pathLst>
-          </a:custGeom>
-          <a:solidFill>
-            <a:srgbClr val="002B41"/>
-          </a:solidFill>
-          <a:ln w="28575">
-            <a:noFill/>
-          </a:ln>
-          <a:effectLst>
-            <a:outerShdw blurRad="254000" dist="127000" dir="2700000" algn="tl" rotWithShape="0">
-              <a:prstClr val="black">
-                <a:alpha val="40000"/>
-              </a:prstClr>
-            </a:outerShdw>
-          </a:effectLst>
-        </p:spPr>
-        <p:txBody>
-          <a:bodyPr anchor="ctr"/>
-          <a:lstStyle/>
-          <a:p>
-            <a:pPr algn="ctr"/>
-            <a:endParaRPr lang="zh-CN" altLang="en-US" sz="2000">
-              <a:solidFill>
-                <a:schemeClr val="bg1">
-                  <a:lumMod val="95000"/>
-                </a:schemeClr>
-              </a:solidFill>
-              <a:latin typeface="Calibri" panose="020F0502020204030204" pitchFamily="34" charset="0"/>
-              <a:ea typeface="宋体" panose="02010600030101010101" pitchFamily="2" charset="-122"/>
-            </a:endParaRPr>
-          </a:p>
-        </p:txBody>
-      </p:sp>
-    </p:spTree>
-  </p:cSld>
-  <p:clrMapOvr>
-    <a:masterClrMapping/>
-  </p:clrMapOvr>
-</p:sld>
-</file>
-
-<file path=ppt/slides/slide48.xml><?xml version="1.0" encoding="utf-8"?>
-<p:sld xmlns:a="http://schemas.openxmlformats.org/drawingml/2006/main" xmlns:r="http://schemas.openxmlformats.org/officeDocument/2006/relationships" xmlns:p="http://schemas.openxmlformats.org/presentationml/2006/main">
-  <p:cSld>
-    <p:bg>
-      <p:bgPr>
-        <a:solidFill>
-          <a:srgbClr val="F1F1F1"/>
-        </a:solidFill>
-        <a:effectLst/>
-      </p:bgPr>
-    </p:bg>
-    <p:spTree>
-      <p:nvGrpSpPr>
-        <p:cNvPr id="1" name=""/>
-        <p:cNvGrpSpPr/>
-        <p:nvPr/>
-      </p:nvGrpSpPr>
-      <p:grpSpPr>
-        <a:xfrm>
-          <a:off x="0" y="0"/>
-          <a:ext cx="0" cy="0"/>
-          <a:chOff x="0" y="0"/>
-          <a:chExt cx="0" cy="0"/>
-        </a:xfrm>
-      </p:grpSpPr>
-      <p:sp>
-        <p:nvSpPr>
-          <p:cNvPr id="3" name="内容占位符 2"/>
-          <p:cNvSpPr>
-            <a:spLocks noGrp="1"/>
-          </p:cNvSpPr>
-          <p:nvPr>
-            <p:ph idx="1"/>
-          </p:nvPr>
-        </p:nvSpPr>
-        <p:spPr>
-          <a:xfrm>
-            <a:off x="838200" y="818515"/>
-            <a:ext cx="10515600" cy="5358765"/>
-          </a:xfrm>
-        </p:spPr>
-        <p:txBody>
-          <a:bodyPr/>
-          <a:lstStyle/>
-          <a:p>
-            <a:r>
-              <a:rPr lang="en-US" altLang="zh-CN"/>
-              <a:t>8.</a:t>
-            </a:r>
-            <a:r>
-              <a:rPr lang="en-US" altLang="zh-CN">
-                <a:sym typeface="+mn-ea"/>
-              </a:rPr>
-              <a:t>InVision</a:t>
-            </a:r>
-            <a:endParaRPr lang="en-US" altLang="zh-CN"/>
-          </a:p>
-          <a:p>
-            <a:r>
-              <a:rPr lang="en-US" altLang="zh-CN"/>
-              <a:t>InVision让你以高水准的级别快速创建令人印象深刻的原型。利用这款工具，用户可在很短的时间内链接到UX(user experience)草图、设计以及线框，还能与其他团队分享该项目。InVision使设计演示更加轻松方便，用户可以在项目中进行实际演示，在浏览器中加载或者以</a:t>
-            </a:r>
-            <a:r>
-              <a:rPr lang="zh-CN" altLang="en-US"/>
-              <a:t>发送和接受短信的</a:t>
-            </a:r>
-            <a:r>
-              <a:rPr lang="en-US" altLang="zh-CN"/>
-              <a:t>形式连接到移动设备上。</a:t>
-            </a:r>
-          </a:p>
-          <a:p>
-            <a:r>
-              <a:rPr lang="en-US" altLang="zh-CN"/>
-              <a:t>该工具还支持追踪功能，让你轻松查看项目进度。</a:t>
-            </a:r>
-            <a:endParaRPr lang="zh-CN" altLang="en-US" dirty="0"/>
-          </a:p>
-          <a:p>
-            <a:pPr marL="0" indent="0" algn="r">
-              <a:buNone/>
-            </a:pPr>
-            <a:r>
-              <a:rPr lang="en-US" altLang="zh-CN" dirty="0">
-                <a:sym typeface="+mn-ea"/>
-              </a:rPr>
-              <a:t>【9】</a:t>
-            </a:r>
-            <a:endParaRPr lang="zh-CN" altLang="en-US" dirty="0"/>
-          </a:p>
-          <a:p>
-            <a:endParaRPr lang="en-US" altLang="zh-CN"/>
-          </a:p>
-        </p:txBody>
-      </p:sp>
-      <p:sp>
-        <p:nvSpPr>
-          <p:cNvPr id="4" name="Freeform 5"/>
-          <p:cNvSpPr/>
-          <p:nvPr/>
-        </p:nvSpPr>
-        <p:spPr bwMode="auto">
-          <a:xfrm flipH="1">
-            <a:off x="0" y="-13281"/>
-            <a:ext cx="409433" cy="832147"/>
-          </a:xfrm>
-          <a:custGeom>
-            <a:avLst/>
-            <a:gdLst>
-              <a:gd name="T0" fmla="*/ 1462 w 2332"/>
-              <a:gd name="T1" fmla="*/ 0 h 3907"/>
-              <a:gd name="T2" fmla="*/ 2332 w 2332"/>
-              <a:gd name="T3" fmla="*/ 0 h 3907"/>
-              <a:gd name="T4" fmla="*/ 2332 w 2332"/>
-              <a:gd name="T5" fmla="*/ 3907 h 3907"/>
-              <a:gd name="T6" fmla="*/ 0 w 2332"/>
-              <a:gd name="T7" fmla="*/ 2595 h 3907"/>
-              <a:gd name="T8" fmla="*/ 1462 w 2332"/>
-              <a:gd name="T9" fmla="*/ 0 h 3907"/>
-            </a:gdLst>
-            <a:ahLst/>
-            <a:cxnLst>
-              <a:cxn ang="0">
-                <a:pos x="T0" y="T1"/>
-              </a:cxn>
-              <a:cxn ang="0">
-                <a:pos x="T2" y="T3"/>
-              </a:cxn>
-              <a:cxn ang="0">
-                <a:pos x="T4" y="T5"/>
-              </a:cxn>
-              <a:cxn ang="0">
-                <a:pos x="T6" y="T7"/>
-              </a:cxn>
-              <a:cxn ang="0">
-                <a:pos x="T8" y="T9"/>
-              </a:cxn>
-            </a:cxnLst>
-            <a:rect l="0" t="0" r="r" b="b"/>
-            <a:pathLst>
-              <a:path w="2332" h="3907">
-                <a:moveTo>
-                  <a:pt x="1462" y="0"/>
-                </a:moveTo>
-                <a:lnTo>
-                  <a:pt x="2332" y="0"/>
-                </a:lnTo>
-                <a:lnTo>
-                  <a:pt x="2332" y="3907"/>
-                </a:lnTo>
-                <a:lnTo>
-                  <a:pt x="0" y="2595"/>
-                </a:lnTo>
-                <a:lnTo>
-                  <a:pt x="1462" y="0"/>
-                </a:lnTo>
-                <a:close/>
-              </a:path>
-            </a:pathLst>
-          </a:custGeom>
-          <a:solidFill>
-            <a:srgbClr val="002B41"/>
-          </a:solidFill>
-          <a:ln w="28575">
-            <a:noFill/>
-          </a:ln>
-          <a:effectLst>
-            <a:outerShdw blurRad="254000" dist="127000" dir="2700000" algn="tl" rotWithShape="0">
-              <a:prstClr val="black">
-                <a:alpha val="40000"/>
-              </a:prstClr>
-            </a:outerShdw>
-          </a:effectLst>
-        </p:spPr>
-        <p:txBody>
-          <a:bodyPr anchor="ctr"/>
-          <a:lstStyle/>
-          <a:p>
-            <a:pPr algn="ctr"/>
-            <a:endParaRPr lang="zh-CN" altLang="en-US" sz="2000">
-              <a:solidFill>
-                <a:schemeClr val="bg1">
-                  <a:lumMod val="95000"/>
-                </a:schemeClr>
-              </a:solidFill>
-              <a:latin typeface="Calibri" panose="020F0502020204030204" pitchFamily="34" charset="0"/>
-              <a:ea typeface="宋体" panose="02010600030101010101" pitchFamily="2" charset="-122"/>
-            </a:endParaRPr>
-          </a:p>
-        </p:txBody>
-      </p:sp>
-    </p:spTree>
-  </p:cSld>
-  <p:clrMapOvr>
-    <a:masterClrMapping/>
-  </p:clrMapOvr>
-</p:sld>
-</file>
-
-<file path=ppt/slides/slide49.xml><?xml version="1.0" encoding="utf-8"?>
-<p:sld xmlns:a="http://schemas.openxmlformats.org/drawingml/2006/main" xmlns:r="http://schemas.openxmlformats.org/officeDocument/2006/relationships" xmlns:p="http://schemas.openxmlformats.org/presentationml/2006/main">
-  <p:cSld>
-    <p:bg>
-      <p:bgPr>
-        <a:solidFill>
-          <a:srgbClr val="F1F1F1"/>
-        </a:solidFill>
-        <a:effectLst/>
-      </p:bgPr>
-    </p:bg>
-    <p:spTree>
-      <p:nvGrpSpPr>
-        <p:cNvPr id="1" name=""/>
-        <p:cNvGrpSpPr/>
-        <p:nvPr/>
-      </p:nvGrpSpPr>
-      <p:grpSpPr>
-        <a:xfrm>
-          <a:off x="0" y="0"/>
-          <a:ext cx="0" cy="0"/>
-          <a:chOff x="0" y="0"/>
-          <a:chExt cx="0" cy="0"/>
-        </a:xfrm>
-      </p:grpSpPr>
-      <p:sp>
-        <p:nvSpPr>
-          <p:cNvPr id="3" name="内容占位符 2"/>
-          <p:cNvSpPr>
-            <a:spLocks noGrp="1"/>
-          </p:cNvSpPr>
-          <p:nvPr>
-            <p:ph idx="1"/>
-          </p:nvPr>
-        </p:nvSpPr>
-        <p:spPr>
-          <a:xfrm>
-            <a:off x="838200" y="818515"/>
-            <a:ext cx="10515600" cy="5358765"/>
-          </a:xfrm>
-        </p:spPr>
-        <p:txBody>
-          <a:bodyPr/>
-          <a:lstStyle/>
-          <a:p>
-            <a:r>
-              <a:rPr lang="en-US" altLang="zh-CN"/>
-              <a:t>9.</a:t>
-            </a:r>
-            <a:r>
-              <a:rPr lang="en-US" altLang="zh-CN">
-                <a:sym typeface="+mn-ea"/>
-              </a:rPr>
-              <a:t>Proto.io</a:t>
-            </a:r>
-            <a:endParaRPr lang="en-US" altLang="zh-CN"/>
-          </a:p>
-          <a:p>
-            <a:r>
-              <a:rPr lang="en-US" altLang="zh-CN"/>
-              <a:t>Proto.io是一个专用的手机原型开发平台——可以构建和部署全交互式的移动程序的原型，并且可以模拟出相似的成品。它可以运行在大多数的浏览器中，并提供了3个重要的接口：dashboard、编辑器以及播放器。</a:t>
-            </a:r>
-          </a:p>
-          <a:p>
-            <a:r>
-              <a:rPr lang="en-US" altLang="zh-CN"/>
-              <a:t>dashboard 可以用来管理项目。编辑器是构建原型的环境，由一组设计和开发原型的工具组成，另外还可以构建交互。播放器用来观看原型，并与原型进行交互，并提供了相关 工具来标注和保留反馈信息。你可以直接在真实的移动设备上对原型进行测试。并且可以使用iOS或Android上的浏览器以全屏模式运行原型。</a:t>
-            </a:r>
-          </a:p>
-          <a:p>
-            <a:pPr marL="0" indent="0" algn="r">
-              <a:buNone/>
-            </a:pPr>
-            <a:r>
-              <a:rPr lang="en-US" altLang="zh-CN" dirty="0">
-                <a:sym typeface="+mn-ea"/>
-              </a:rPr>
-              <a:t>【10】</a:t>
-            </a:r>
-            <a:endParaRPr lang="zh-CN" altLang="en-US" dirty="0"/>
-          </a:p>
-          <a:p>
-            <a:endParaRPr lang="en-US" altLang="zh-CN"/>
-          </a:p>
-        </p:txBody>
-      </p:sp>
-      <p:sp>
-        <p:nvSpPr>
-          <p:cNvPr id="4" name="Freeform 5"/>
-          <p:cNvSpPr/>
-          <p:nvPr/>
-        </p:nvSpPr>
-        <p:spPr bwMode="auto">
-          <a:xfrm flipH="1">
-            <a:off x="0" y="-13281"/>
-            <a:ext cx="409433" cy="832147"/>
-          </a:xfrm>
-          <a:custGeom>
-            <a:avLst/>
-            <a:gdLst>
-              <a:gd name="T0" fmla="*/ 1462 w 2332"/>
-              <a:gd name="T1" fmla="*/ 0 h 3907"/>
-              <a:gd name="T2" fmla="*/ 2332 w 2332"/>
-              <a:gd name="T3" fmla="*/ 0 h 3907"/>
-              <a:gd name="T4" fmla="*/ 2332 w 2332"/>
-              <a:gd name="T5" fmla="*/ 3907 h 3907"/>
-              <a:gd name="T6" fmla="*/ 0 w 2332"/>
-              <a:gd name="T7" fmla="*/ 2595 h 3907"/>
-              <a:gd name="T8" fmla="*/ 1462 w 2332"/>
-              <a:gd name="T9" fmla="*/ 0 h 3907"/>
-            </a:gdLst>
-            <a:ahLst/>
-            <a:cxnLst>
-              <a:cxn ang="0">
-                <a:pos x="T0" y="T1"/>
-              </a:cxn>
-              <a:cxn ang="0">
-                <a:pos x="T2" y="T3"/>
-              </a:cxn>
-              <a:cxn ang="0">
-                <a:pos x="T4" y="T5"/>
-              </a:cxn>
-              <a:cxn ang="0">
-                <a:pos x="T6" y="T7"/>
-              </a:cxn>
-              <a:cxn ang="0">
-                <a:pos x="T8" y="T9"/>
-              </a:cxn>
-            </a:cxnLst>
-            <a:rect l="0" t="0" r="r" b="b"/>
-            <a:pathLst>
-              <a:path w="2332" h="3907">
-                <a:moveTo>
-                  <a:pt x="1462" y="0"/>
-                </a:moveTo>
-                <a:lnTo>
-                  <a:pt x="2332" y="0"/>
-                </a:lnTo>
-                <a:lnTo>
-                  <a:pt x="2332" y="3907"/>
-                </a:lnTo>
-                <a:lnTo>
-                  <a:pt x="0" y="2595"/>
-                </a:lnTo>
-                <a:lnTo>
-                  <a:pt x="1462" y="0"/>
-                </a:lnTo>
-                <a:close/>
-              </a:path>
-            </a:pathLst>
-          </a:custGeom>
-          <a:solidFill>
-            <a:srgbClr val="002B41"/>
-          </a:solidFill>
-          <a:ln w="28575">
-            <a:noFill/>
-          </a:ln>
-          <a:effectLst>
-            <a:outerShdw blurRad="254000" dist="127000" dir="2700000" algn="tl" rotWithShape="0">
-              <a:prstClr val="black">
-                <a:alpha val="40000"/>
-              </a:prstClr>
-            </a:outerShdw>
-          </a:effectLst>
-        </p:spPr>
-        <p:txBody>
-          <a:bodyPr anchor="ctr"/>
-          <a:lstStyle/>
-          <a:p>
-            <a:pPr algn="ctr"/>
-            <a:endParaRPr lang="zh-CN" altLang="en-US" sz="2000">
-              <a:solidFill>
-                <a:schemeClr val="bg1">
-                  <a:lumMod val="95000"/>
-                </a:schemeClr>
-              </a:solidFill>
-              <a:latin typeface="Calibri" panose="020F0502020204030204" pitchFamily="34" charset="0"/>
-              <a:ea typeface="宋体" panose="02010600030101010101" pitchFamily="2" charset="-122"/>
-            </a:endParaRPr>
-          </a:p>
-        </p:txBody>
-      </p:sp>
-    </p:spTree>
-  </p:cSld>
-  <p:clrMapOvr>
-    <a:masterClrMapping/>
-  </p:clrMapOvr>
-</p:sld>
-</file>
-
-<file path=ppt/slides/slide5.xml><?xml version="1.0" encoding="utf-8"?>
-<p:sld xmlns:a="http://schemas.openxmlformats.org/drawingml/2006/main" xmlns:r="http://schemas.openxmlformats.org/officeDocument/2006/relationships" xmlns:p="http://schemas.openxmlformats.org/presentationml/2006/main">
-  <p:cSld>
-    <p:bg>
-      <p:bgPr>
-        <a:solidFill>
-          <a:srgbClr val="F1F1F1"/>
-        </a:solidFill>
-        <a:effectLst/>
-      </p:bgPr>
-    </p:bg>
-    <p:spTree>
-      <p:nvGrpSpPr>
-        <p:cNvPr id="1" name=""/>
-        <p:cNvGrpSpPr/>
-        <p:nvPr/>
-      </p:nvGrpSpPr>
-      <p:grpSpPr>
-        <a:xfrm>
-          <a:off x="0" y="0"/>
-          <a:ext cx="0" cy="0"/>
-          <a:chOff x="0" y="0"/>
-          <a:chExt cx="0" cy="0"/>
-        </a:xfrm>
-      </p:grpSpPr>
-      <p:sp>
-        <p:nvSpPr>
-          <p:cNvPr id="2" name="标题 1"/>
-          <p:cNvSpPr>
-            <a:spLocks noGrp="1"/>
-          </p:cNvSpPr>
-          <p:nvPr>
-            <p:ph type="title"/>
-          </p:nvPr>
-        </p:nvSpPr>
-        <p:spPr/>
-        <p:txBody>
-          <a:bodyPr/>
-          <a:lstStyle/>
-          <a:p>
-            <a:r>
-              <a:rPr lang="zh-CN" altLang="en-US"/>
-              <a:t>为什么要创建界面原型</a:t>
-            </a:r>
-          </a:p>
-        </p:txBody>
-      </p:sp>
-      <p:sp>
-        <p:nvSpPr>
-          <p:cNvPr id="5" name="内容占位符 4"/>
-          <p:cNvSpPr>
-            <a:spLocks noGrp="1"/>
-          </p:cNvSpPr>
-          <p:nvPr>
-            <p:ph idx="1"/>
-          </p:nvPr>
-        </p:nvSpPr>
-        <p:spPr/>
-        <p:txBody>
-          <a:bodyPr>
-            <a:normAutofit fontScale="92500"/>
-          </a:bodyPr>
-          <a:lstStyle/>
-          <a:p>
-            <a:r>
-              <a:rPr lang="zh-CN" altLang="en-US"/>
-              <a:t>开发中很重要的一个问题就是</a:t>
-            </a:r>
-            <a:r>
-              <a:rPr lang="zh-CN" altLang="en-US">
-                <a:solidFill>
-                  <a:srgbClr val="FF0000"/>
-                </a:solidFill>
-              </a:rPr>
-              <a:t>理解需求</a:t>
-            </a:r>
-            <a:r>
-              <a:rPr lang="zh-CN" altLang="en-US"/>
-              <a:t>，而只凭用例图和一些文字并不能统一对需求的理解。软件开发是一个连续的过程，而对软件工程片面的理解，形成一个开发有明显界限的认识，造成的结果往往是这样：你拿着用例图和</a:t>
-            </a:r>
-            <a:r>
-              <a:rPr lang="en-US" altLang="zh-CN"/>
-              <a:t>IPO(input</a:t>
-            </a:r>
-            <a:r>
-              <a:rPr lang="zh-CN" altLang="en-US"/>
-              <a:t>、</a:t>
-            </a:r>
-            <a:r>
-              <a:rPr lang="en-US" altLang="zh-CN"/>
-              <a:t>process</a:t>
-            </a:r>
-            <a:r>
-              <a:rPr lang="zh-CN" altLang="en-US"/>
-              <a:t>、</a:t>
-            </a:r>
-            <a:r>
-              <a:rPr lang="en-US" altLang="zh-CN"/>
-              <a:t>output)</a:t>
-            </a:r>
-            <a:r>
-              <a:rPr lang="zh-CN" altLang="en-US"/>
-              <a:t>表跟用户交流，而他并不管你的用例的输入什么、怎么处理、输出什么，</a:t>
-            </a:r>
-            <a:r>
-              <a:rPr lang="zh-CN" altLang="en-US">
-                <a:solidFill>
-                  <a:srgbClr val="FF0000"/>
-                </a:solidFill>
-              </a:rPr>
-              <a:t>用户想看到的是界面</a:t>
-            </a:r>
-            <a:r>
-              <a:rPr lang="zh-CN" altLang="en-US"/>
-              <a:t>；另外开发人员之间，对需求的理解虽然一致，但是对界面没有初步认识，对整个系统的理解就会缺失一部分。</a:t>
-            </a:r>
-          </a:p>
-          <a:p>
-            <a:r>
-              <a:rPr lang="zh-CN" altLang="en-US"/>
-              <a:t>所以结合与用户需求的交流和开发人员对系统的把控，我觉得界面原型应当始于需求分析阶段，开始设计的不一定是最后系统界面，但是应当有一个界面原型。</a:t>
-            </a:r>
-          </a:p>
-          <a:p>
-            <a:pPr marL="0" indent="0">
-              <a:buNone/>
-            </a:pPr>
-            <a:r>
-              <a:rPr lang="en-US" altLang="zh-CN" dirty="0">
-                <a:sym typeface="+mn-ea"/>
-              </a:rPr>
-              <a:t>                                                                                                                      【1】</a:t>
-            </a:r>
-            <a:endParaRPr lang="zh-CN" altLang="en-US"/>
-          </a:p>
-          <a:p>
-            <a:pPr marL="0" indent="0">
-              <a:buNone/>
-            </a:pPr>
-            <a:endParaRPr lang="zh-CN" altLang="en-US"/>
-          </a:p>
-        </p:txBody>
-      </p:sp>
-      <p:sp>
-        <p:nvSpPr>
-          <p:cNvPr id="4" name="Freeform 5"/>
-          <p:cNvSpPr/>
-          <p:nvPr/>
-        </p:nvSpPr>
-        <p:spPr bwMode="auto">
-          <a:xfrm flipH="1">
-            <a:off x="0" y="-13281"/>
-            <a:ext cx="409433" cy="832147"/>
-          </a:xfrm>
-          <a:custGeom>
-            <a:avLst/>
-            <a:gdLst>
-              <a:gd name="T0" fmla="*/ 1462 w 2332"/>
-              <a:gd name="T1" fmla="*/ 0 h 3907"/>
-              <a:gd name="T2" fmla="*/ 2332 w 2332"/>
-              <a:gd name="T3" fmla="*/ 0 h 3907"/>
-              <a:gd name="T4" fmla="*/ 2332 w 2332"/>
-              <a:gd name="T5" fmla="*/ 3907 h 3907"/>
-              <a:gd name="T6" fmla="*/ 0 w 2332"/>
-              <a:gd name="T7" fmla="*/ 2595 h 3907"/>
-              <a:gd name="T8" fmla="*/ 1462 w 2332"/>
-              <a:gd name="T9" fmla="*/ 0 h 3907"/>
-            </a:gdLst>
-            <a:ahLst/>
-            <a:cxnLst>
-              <a:cxn ang="0">
-                <a:pos x="T0" y="T1"/>
-              </a:cxn>
-              <a:cxn ang="0">
-                <a:pos x="T2" y="T3"/>
-              </a:cxn>
-              <a:cxn ang="0">
-                <a:pos x="T4" y="T5"/>
-              </a:cxn>
-              <a:cxn ang="0">
-                <a:pos x="T6" y="T7"/>
-              </a:cxn>
-              <a:cxn ang="0">
-                <a:pos x="T8" y="T9"/>
-              </a:cxn>
-            </a:cxnLst>
-            <a:rect l="0" t="0" r="r" b="b"/>
-            <a:pathLst>
-              <a:path w="2332" h="3907">
-                <a:moveTo>
-                  <a:pt x="1462" y="0"/>
-                </a:moveTo>
-                <a:lnTo>
-                  <a:pt x="2332" y="0"/>
-                </a:lnTo>
-                <a:lnTo>
-                  <a:pt x="2332" y="3907"/>
-                </a:lnTo>
-                <a:lnTo>
-                  <a:pt x="0" y="2595"/>
-                </a:lnTo>
-                <a:lnTo>
-                  <a:pt x="1462" y="0"/>
-                </a:lnTo>
-                <a:close/>
-              </a:path>
-            </a:pathLst>
-          </a:custGeom>
-          <a:solidFill>
-            <a:srgbClr val="002B41"/>
-          </a:solidFill>
-          <a:ln w="28575">
-            <a:noFill/>
-          </a:ln>
-          <a:effectLst>
-            <a:outerShdw blurRad="254000" dist="127000" dir="2700000" algn="tl" rotWithShape="0">
-              <a:prstClr val="black">
-                <a:alpha val="40000"/>
-              </a:prstClr>
-            </a:outerShdw>
-          </a:effectLst>
-        </p:spPr>
-        <p:txBody>
-          <a:bodyPr anchor="ctr"/>
-          <a:lstStyle/>
-          <a:p>
-            <a:pPr algn="ctr"/>
-            <a:endParaRPr lang="zh-CN" altLang="en-US" sz="2000">
-              <a:solidFill>
-                <a:schemeClr val="bg1">
-                  <a:lumMod val="95000"/>
-                </a:schemeClr>
-              </a:solidFill>
-              <a:latin typeface="Calibri" panose="020F0502020204030204" pitchFamily="34" charset="0"/>
-              <a:ea typeface="宋体" panose="02010600030101010101" pitchFamily="2" charset="-122"/>
-            </a:endParaRPr>
-          </a:p>
-        </p:txBody>
-      </p:sp>
-    </p:spTree>
-  </p:cSld>
-  <p:clrMapOvr>
-    <a:masterClrMapping/>
-  </p:clrMapOvr>
-</p:sld>
-</file>
-
-<file path=ppt/slides/slide50.xml><?xml version="1.0" encoding="utf-8"?>
-<p:sld xmlns:a="http://schemas.openxmlformats.org/drawingml/2006/main" xmlns:r="http://schemas.openxmlformats.org/officeDocument/2006/relationships" xmlns:p="http://schemas.openxmlformats.org/presentationml/2006/main">
-  <p:cSld>
-    <p:bg>
-      <p:bgPr>
-        <a:solidFill>
-          <a:srgbClr val="F1F1F1"/>
-        </a:solidFill>
-        <a:effectLst/>
-      </p:bgPr>
-    </p:bg>
-    <p:spTree>
-      <p:nvGrpSpPr>
-        <p:cNvPr id="1" name=""/>
-        <p:cNvGrpSpPr/>
-        <p:nvPr/>
-      </p:nvGrpSpPr>
-      <p:grpSpPr>
-        <a:xfrm>
-          <a:off x="0" y="0"/>
-          <a:ext cx="0" cy="0"/>
-          <a:chOff x="0" y="0"/>
-          <a:chExt cx="0" cy="0"/>
-        </a:xfrm>
-      </p:grpSpPr>
-      <p:sp>
-        <p:nvSpPr>
-          <p:cNvPr id="3" name="内容占位符 2"/>
-          <p:cNvSpPr>
-            <a:spLocks noGrp="1"/>
-          </p:cNvSpPr>
-          <p:nvPr>
-            <p:ph idx="1"/>
-          </p:nvPr>
-        </p:nvSpPr>
-        <p:spPr>
-          <a:xfrm>
-            <a:off x="838200" y="818515"/>
-            <a:ext cx="10515600" cy="5920105"/>
-          </a:xfrm>
-        </p:spPr>
-        <p:txBody>
-          <a:bodyPr/>
-          <a:lstStyle/>
-          <a:p>
-            <a:r>
-              <a:rPr lang="en-US" altLang="zh-CN"/>
-              <a:t>10.</a:t>
-            </a:r>
-            <a:r>
-              <a:rPr lang="en-US" altLang="zh-CN">
-                <a:sym typeface="+mn-ea"/>
-              </a:rPr>
-              <a:t>POP(Prototyping on Paper)</a:t>
-            </a:r>
-            <a:endParaRPr lang="en-US" altLang="zh-CN"/>
-          </a:p>
-          <a:p>
-            <a:r>
-              <a:rPr lang="en-US" altLang="zh-CN"/>
-              <a:t>有了POP创建iPhone原型不再是难事，其提供了一个传统的高科技线框技术。没有复杂的软件，所有的用户需要在纸上或者笔记本上绘画或绘制出线框。</a:t>
-            </a:r>
-          </a:p>
-          <a:p>
-            <a:r>
-              <a:rPr lang="en-US" altLang="zh-CN"/>
-              <a:t>该线框仅通过摄像头拍摄，利用POP确保草图能自动调节对比度和亮度，然后通过“链接点”连接到草图来设计模板。首先确保任何事情都在完美状态，用户只需点击“play”并模拟接口即可。</a:t>
-            </a:r>
-            <a:endParaRPr lang="zh-CN" altLang="en-US" dirty="0"/>
-          </a:p>
-          <a:p>
-            <a:pPr marL="0" indent="0" algn="r">
-              <a:buNone/>
-            </a:pPr>
-            <a:r>
-              <a:rPr lang="en-US" altLang="zh-CN" dirty="0">
-                <a:sym typeface="+mn-ea"/>
-              </a:rPr>
-              <a:t>【9】</a:t>
-            </a:r>
-            <a:endParaRPr lang="zh-CN" altLang="en-US" dirty="0"/>
-          </a:p>
-          <a:p>
-            <a:endParaRPr lang="en-US" altLang="zh-CN"/>
-          </a:p>
-        </p:txBody>
-      </p:sp>
-      <p:sp>
-        <p:nvSpPr>
-          <p:cNvPr id="4" name="Freeform 5"/>
-          <p:cNvSpPr/>
-          <p:nvPr/>
-        </p:nvSpPr>
-        <p:spPr bwMode="auto">
-          <a:xfrm flipH="1">
-            <a:off x="0" y="-13281"/>
-            <a:ext cx="409433" cy="832147"/>
-          </a:xfrm>
-          <a:custGeom>
-            <a:avLst/>
-            <a:gdLst>
-              <a:gd name="T0" fmla="*/ 1462 w 2332"/>
-              <a:gd name="T1" fmla="*/ 0 h 3907"/>
-              <a:gd name="T2" fmla="*/ 2332 w 2332"/>
-              <a:gd name="T3" fmla="*/ 0 h 3907"/>
-              <a:gd name="T4" fmla="*/ 2332 w 2332"/>
-              <a:gd name="T5" fmla="*/ 3907 h 3907"/>
-              <a:gd name="T6" fmla="*/ 0 w 2332"/>
-              <a:gd name="T7" fmla="*/ 2595 h 3907"/>
-              <a:gd name="T8" fmla="*/ 1462 w 2332"/>
-              <a:gd name="T9" fmla="*/ 0 h 3907"/>
-            </a:gdLst>
-            <a:ahLst/>
-            <a:cxnLst>
-              <a:cxn ang="0">
-                <a:pos x="T0" y="T1"/>
-              </a:cxn>
-              <a:cxn ang="0">
-                <a:pos x="T2" y="T3"/>
-              </a:cxn>
-              <a:cxn ang="0">
-                <a:pos x="T4" y="T5"/>
-              </a:cxn>
-              <a:cxn ang="0">
-                <a:pos x="T6" y="T7"/>
-              </a:cxn>
-              <a:cxn ang="0">
-                <a:pos x="T8" y="T9"/>
-              </a:cxn>
-            </a:cxnLst>
-            <a:rect l="0" t="0" r="r" b="b"/>
-            <a:pathLst>
-              <a:path w="2332" h="3907">
-                <a:moveTo>
-                  <a:pt x="1462" y="0"/>
-                </a:moveTo>
-                <a:lnTo>
-                  <a:pt x="2332" y="0"/>
-                </a:lnTo>
-                <a:lnTo>
-                  <a:pt x="2332" y="3907"/>
-                </a:lnTo>
-                <a:lnTo>
-                  <a:pt x="0" y="2595"/>
-                </a:lnTo>
-                <a:lnTo>
-                  <a:pt x="1462" y="0"/>
-                </a:lnTo>
-                <a:close/>
-              </a:path>
-            </a:pathLst>
-          </a:custGeom>
-          <a:solidFill>
-            <a:srgbClr val="002B41"/>
-          </a:solidFill>
-          <a:ln w="28575">
-            <a:noFill/>
-          </a:ln>
-          <a:effectLst>
-            <a:outerShdw blurRad="254000" dist="127000" dir="2700000" algn="tl" rotWithShape="0">
-              <a:prstClr val="black">
-                <a:alpha val="40000"/>
-              </a:prstClr>
-            </a:outerShdw>
-          </a:effectLst>
-        </p:spPr>
-        <p:txBody>
-          <a:bodyPr anchor="ctr"/>
-          <a:lstStyle/>
-          <a:p>
-            <a:pPr algn="ctr"/>
-            <a:endParaRPr lang="zh-CN" altLang="en-US" sz="2000">
-              <a:solidFill>
-                <a:schemeClr val="bg1">
-                  <a:lumMod val="95000"/>
-                </a:schemeClr>
-              </a:solidFill>
-              <a:latin typeface="Calibri" panose="020F0502020204030204" pitchFamily="34" charset="0"/>
-              <a:ea typeface="宋体" panose="02010600030101010101" pitchFamily="2" charset="-122"/>
-            </a:endParaRPr>
-          </a:p>
-        </p:txBody>
-      </p:sp>
-    </p:spTree>
-  </p:cSld>
-  <p:clrMapOvr>
-    <a:masterClrMapping/>
-  </p:clrMapOvr>
-</p:sld>
-</file>
-
-<file path=ppt/slides/slide51.xml><?xml version="1.0" encoding="utf-8"?>
-<p:sld xmlns:a="http://schemas.openxmlformats.org/drawingml/2006/main" xmlns:r="http://schemas.openxmlformats.org/officeDocument/2006/relationships" xmlns:p="http://schemas.openxmlformats.org/presentationml/2006/main">
-  <p:cSld>
-    <p:spTree>
-      <p:nvGrpSpPr>
-        <p:cNvPr id="1" name=""/>
-        <p:cNvGrpSpPr/>
-        <p:nvPr/>
-      </p:nvGrpSpPr>
-      <p:grpSpPr>
-        <a:xfrm>
-          <a:off x="0" y="0"/>
-          <a:ext cx="0" cy="0"/>
-          <a:chOff x="0" y="0"/>
-          <a:chExt cx="0" cy="0"/>
-        </a:xfrm>
-      </p:grpSpPr>
-      <p:sp>
-        <p:nvSpPr>
-          <p:cNvPr id="3" name="内容占位符 2"/>
-          <p:cNvSpPr>
-            <a:spLocks noGrp="1"/>
-          </p:cNvSpPr>
-          <p:nvPr>
-            <p:ph idx="1"/>
-          </p:nvPr>
-        </p:nvSpPr>
-        <p:spPr>
-          <a:xfrm>
-            <a:off x="838200" y="818515"/>
-            <a:ext cx="10515600" cy="5920105"/>
-          </a:xfrm>
-        </p:spPr>
-        <p:txBody>
-          <a:bodyPr/>
-          <a:lstStyle/>
-          <a:p>
-            <a:r>
-              <a:rPr lang="en-US" altLang="zh-CN" dirty="0"/>
-              <a:t>11</a:t>
-            </a:r>
-            <a:r>
-              <a:rPr lang="zh-CN" altLang="en-US" dirty="0"/>
-              <a:t>、墨刀</a:t>
-            </a:r>
-            <a:endParaRPr lang="en-US" altLang="zh-CN" dirty="0"/>
-          </a:p>
-          <a:p>
-            <a:r>
-              <a:rPr lang="zh-CN" altLang="en-US" dirty="0"/>
-              <a:t>墨刀是一款在线原型设计工具。借助于墨刀，创业者、产品经理及</a:t>
-            </a:r>
-            <a:r>
-              <a:rPr lang="en-US" altLang="zh-CN" dirty="0"/>
-              <a:t>UI/UX</a:t>
-            </a:r>
-            <a:r>
-              <a:rPr lang="zh-CN" altLang="en-US" dirty="0"/>
-              <a:t>设计师能够快速构建移动应用产品原型，并向他人演示</a:t>
-            </a:r>
-            <a:endParaRPr lang="en-US" altLang="zh-CN" dirty="0"/>
-          </a:p>
-          <a:p>
-            <a:r>
-              <a:rPr lang="zh-CN" altLang="en-US" dirty="0"/>
-              <a:t>作为一款专注移动应用的原型工具，墨刀把全部功能都进行了模块化，用户也能选择页面切换特效及主题，操作方式也相对简便，大部分操作都可通过拖拽来完成。现在，墨刀已实现了云端保存、手机实时预览、在线评论等功能。</a:t>
-            </a:r>
-            <a:r>
-              <a:rPr lang="en-US" altLang="zh-CN" dirty="0">
-                <a:sym typeface="+mn-ea"/>
-              </a:rPr>
-              <a:t>【11】</a:t>
-            </a:r>
-            <a:endParaRPr lang="zh-CN" altLang="en-US" dirty="0"/>
-          </a:p>
-          <a:p>
-            <a:endParaRPr lang="en-US" altLang="zh-CN" dirty="0"/>
-          </a:p>
-        </p:txBody>
-      </p:sp>
-      <p:sp>
-        <p:nvSpPr>
-          <p:cNvPr id="4" name="Freeform 5"/>
-          <p:cNvSpPr/>
-          <p:nvPr/>
-        </p:nvSpPr>
-        <p:spPr bwMode="auto">
-          <a:xfrm flipH="1">
-            <a:off x="0" y="-13281"/>
-            <a:ext cx="409433" cy="832147"/>
-          </a:xfrm>
-          <a:custGeom>
-            <a:avLst/>
-            <a:gdLst>
-              <a:gd name="T0" fmla="*/ 1462 w 2332"/>
-              <a:gd name="T1" fmla="*/ 0 h 3907"/>
-              <a:gd name="T2" fmla="*/ 2332 w 2332"/>
-              <a:gd name="T3" fmla="*/ 0 h 3907"/>
-              <a:gd name="T4" fmla="*/ 2332 w 2332"/>
-              <a:gd name="T5" fmla="*/ 3907 h 3907"/>
-              <a:gd name="T6" fmla="*/ 0 w 2332"/>
-              <a:gd name="T7" fmla="*/ 2595 h 3907"/>
-              <a:gd name="T8" fmla="*/ 1462 w 2332"/>
-              <a:gd name="T9" fmla="*/ 0 h 3907"/>
-            </a:gdLst>
-            <a:ahLst/>
-            <a:cxnLst>
-              <a:cxn ang="0">
-                <a:pos x="T0" y="T1"/>
-              </a:cxn>
-              <a:cxn ang="0">
-                <a:pos x="T2" y="T3"/>
-              </a:cxn>
-              <a:cxn ang="0">
-                <a:pos x="T4" y="T5"/>
-              </a:cxn>
-              <a:cxn ang="0">
-                <a:pos x="T6" y="T7"/>
-              </a:cxn>
-              <a:cxn ang="0">
-                <a:pos x="T8" y="T9"/>
-              </a:cxn>
-            </a:cxnLst>
-            <a:rect l="0" t="0" r="r" b="b"/>
-            <a:pathLst>
-              <a:path w="2332" h="3907">
-                <a:moveTo>
-                  <a:pt x="1462" y="0"/>
-                </a:moveTo>
-                <a:lnTo>
-                  <a:pt x="2332" y="0"/>
-                </a:lnTo>
-                <a:lnTo>
-                  <a:pt x="2332" y="3907"/>
-                </a:lnTo>
-                <a:lnTo>
-                  <a:pt x="0" y="2595"/>
-                </a:lnTo>
-                <a:lnTo>
-                  <a:pt x="1462" y="0"/>
-                </a:lnTo>
-                <a:close/>
-              </a:path>
-            </a:pathLst>
-          </a:custGeom>
-          <a:solidFill>
-            <a:srgbClr val="002B41"/>
-          </a:solidFill>
-          <a:ln w="28575">
-            <a:noFill/>
-          </a:ln>
-          <a:effectLst>
-            <a:outerShdw blurRad="254000" dist="127000" dir="2700000" algn="tl" rotWithShape="0">
-              <a:prstClr val="black">
-                <a:alpha val="40000"/>
-              </a:prstClr>
-            </a:outerShdw>
-          </a:effectLst>
-        </p:spPr>
-        <p:txBody>
-          <a:bodyPr anchor="ctr"/>
-          <a:lstStyle/>
-          <a:p>
-            <a:pPr algn="ctr"/>
-            <a:endParaRPr lang="zh-CN" altLang="en-US" sz="2000">
-              <a:solidFill>
-                <a:schemeClr val="bg1">
-                  <a:lumMod val="95000"/>
-                </a:schemeClr>
-              </a:solidFill>
-              <a:latin typeface="Calibri" panose="020F0502020204030204" pitchFamily="34" charset="0"/>
-              <a:ea typeface="宋体" panose="02010600030101010101" pitchFamily="2" charset="-122"/>
-            </a:endParaRPr>
-          </a:p>
-        </p:txBody>
-      </p:sp>
-    </p:spTree>
-    <p:extLst>
-      <p:ext uri="{BB962C8B-B14F-4D97-AF65-F5344CB8AC3E}">
-        <p14:creationId xmlns:p14="http://schemas.microsoft.com/office/powerpoint/2010/main" val="2889929661"/>
-      </p:ext>
-    </p:extLst>
-  </p:cSld>
-  <p:clrMapOvr>
-    <a:masterClrMapping/>
-  </p:clrMapOvr>
-</p:sld>
-</file>
-
-<file path=ppt/slides/slide52.xml><?xml version="1.0" encoding="utf-8"?>
-<p:sld xmlns:a="http://schemas.openxmlformats.org/drawingml/2006/main" xmlns:r="http://schemas.openxmlformats.org/officeDocument/2006/relationships" xmlns:p="http://schemas.openxmlformats.org/presentationml/2006/main">
-  <p:cSld>
-    <p:spTree>
-      <p:nvGrpSpPr>
-        <p:cNvPr id="1" name=""/>
-        <p:cNvGrpSpPr/>
-        <p:nvPr/>
-      </p:nvGrpSpPr>
-      <p:grpSpPr>
-        <a:xfrm>
-          <a:off x="0" y="0"/>
-          <a:ext cx="0" cy="0"/>
-          <a:chOff x="0" y="0"/>
-          <a:chExt cx="0" cy="0"/>
-        </a:xfrm>
-      </p:grpSpPr>
-      <p:sp>
-        <p:nvSpPr>
-          <p:cNvPr id="3" name="内容占位符 2"/>
-          <p:cNvSpPr>
-            <a:spLocks noGrp="1"/>
-          </p:cNvSpPr>
-          <p:nvPr>
-            <p:ph idx="1"/>
-          </p:nvPr>
-        </p:nvSpPr>
-        <p:spPr>
-          <a:xfrm>
-            <a:off x="838200" y="818515"/>
-            <a:ext cx="10515600" cy="5920105"/>
-          </a:xfrm>
-        </p:spPr>
-        <p:txBody>
-          <a:bodyPr/>
-          <a:lstStyle/>
-          <a:p>
-            <a:r>
-              <a:rPr lang="en-US" altLang="zh-CN" dirty="0"/>
-              <a:t>12</a:t>
-            </a:r>
-            <a:r>
-              <a:rPr lang="zh-CN" altLang="en-US" dirty="0"/>
-              <a:t>、</a:t>
-            </a:r>
-            <a:r>
-              <a:rPr lang="en-US" altLang="zh-CN" dirty="0"/>
-              <a:t>Axure </a:t>
-            </a:r>
-            <a:r>
-              <a:rPr lang="en-US" altLang="zh-CN" dirty="0" err="1"/>
-              <a:t>rp</a:t>
-            </a:r>
-            <a:endParaRPr lang="en-US" altLang="zh-CN" dirty="0"/>
-          </a:p>
-          <a:p>
-            <a:r>
-              <a:rPr lang="en-US" altLang="zh-CN" dirty="0"/>
-              <a:t>Axure RP</a:t>
-            </a:r>
-            <a:r>
-              <a:rPr lang="zh-CN" altLang="en-US" dirty="0"/>
-              <a:t>是一款专业的快速原型设计工具。</a:t>
-            </a:r>
-            <a:r>
-              <a:rPr lang="en-US" altLang="zh-CN" dirty="0"/>
-              <a:t>Axure</a:t>
-            </a:r>
-            <a:r>
-              <a:rPr lang="zh-CN" altLang="en-US" dirty="0"/>
-              <a:t>代表美国</a:t>
-            </a:r>
-            <a:r>
-              <a:rPr lang="en-US" altLang="zh-CN" dirty="0"/>
-              <a:t>Axure</a:t>
-            </a:r>
-            <a:r>
-              <a:rPr lang="zh-CN" altLang="en-US" dirty="0"/>
-              <a:t>公司；</a:t>
-            </a:r>
-            <a:r>
-              <a:rPr lang="en-US" altLang="zh-CN" dirty="0"/>
-              <a:t>RP</a:t>
-            </a:r>
-            <a:r>
-              <a:rPr lang="zh-CN" altLang="en-US" dirty="0"/>
-              <a:t>则是</a:t>
-            </a:r>
-            <a:r>
-              <a:rPr lang="en-US" altLang="zh-CN" dirty="0"/>
-              <a:t>Rapid Prototyping</a:t>
-            </a:r>
-            <a:r>
-              <a:rPr lang="zh-CN" altLang="en-US" dirty="0"/>
-              <a:t>（快速原型）的缩写。</a:t>
-            </a:r>
-          </a:p>
-          <a:p>
-            <a:r>
-              <a:rPr lang="en-US" altLang="zh-CN" dirty="0"/>
-              <a:t>Axure RP</a:t>
-            </a:r>
-            <a:r>
-              <a:rPr lang="zh-CN" altLang="en-US" dirty="0"/>
-              <a:t>是美国</a:t>
-            </a:r>
-            <a:r>
-              <a:rPr lang="en-US" altLang="zh-CN" dirty="0"/>
-              <a:t>Axure Software Solution</a:t>
-            </a:r>
-            <a:r>
-              <a:rPr lang="zh-CN" altLang="en-US" dirty="0"/>
-              <a:t>公司旗舰产品，是一个专业的快速原型设计工具，让负责定义需求和规格、设计功能和界面的专家能够快速创建应用软件或</a:t>
-            </a:r>
-            <a:r>
-              <a:rPr lang="en-US" altLang="zh-CN" dirty="0"/>
-              <a:t>Web</a:t>
-            </a:r>
-            <a:r>
-              <a:rPr lang="zh-CN" altLang="en-US" dirty="0"/>
-              <a:t>网站的线框图、流程图、原型和规格说明文档。作为专业的原型设计工具，它能快速、高效的创建原型，同时支持多人协作设计和版本控制管理</a:t>
-            </a:r>
-          </a:p>
-          <a:p>
-            <a:pPr algn="r"/>
-            <a:r>
-              <a:rPr lang="en-US" altLang="zh-CN" dirty="0">
-                <a:sym typeface="+mn-ea"/>
-              </a:rPr>
-              <a:t>【12】</a:t>
-            </a:r>
-            <a:endParaRPr lang="zh-CN" altLang="en-US" dirty="0"/>
-          </a:p>
-          <a:p>
-            <a:endParaRPr lang="en-US" altLang="zh-CN" dirty="0"/>
-          </a:p>
-        </p:txBody>
-      </p:sp>
-      <p:sp>
-        <p:nvSpPr>
-          <p:cNvPr id="4" name="Freeform 5"/>
-          <p:cNvSpPr/>
-          <p:nvPr/>
-        </p:nvSpPr>
-        <p:spPr bwMode="auto">
-          <a:xfrm flipH="1">
-            <a:off x="0" y="-13281"/>
-            <a:ext cx="409433" cy="832147"/>
-          </a:xfrm>
-          <a:custGeom>
-            <a:avLst/>
-            <a:gdLst>
-              <a:gd name="T0" fmla="*/ 1462 w 2332"/>
-              <a:gd name="T1" fmla="*/ 0 h 3907"/>
-              <a:gd name="T2" fmla="*/ 2332 w 2332"/>
-              <a:gd name="T3" fmla="*/ 0 h 3907"/>
-              <a:gd name="T4" fmla="*/ 2332 w 2332"/>
-              <a:gd name="T5" fmla="*/ 3907 h 3907"/>
-              <a:gd name="T6" fmla="*/ 0 w 2332"/>
-              <a:gd name="T7" fmla="*/ 2595 h 3907"/>
-              <a:gd name="T8" fmla="*/ 1462 w 2332"/>
-              <a:gd name="T9" fmla="*/ 0 h 3907"/>
-            </a:gdLst>
-            <a:ahLst/>
-            <a:cxnLst>
-              <a:cxn ang="0">
-                <a:pos x="T0" y="T1"/>
-              </a:cxn>
-              <a:cxn ang="0">
-                <a:pos x="T2" y="T3"/>
-              </a:cxn>
-              <a:cxn ang="0">
-                <a:pos x="T4" y="T5"/>
-              </a:cxn>
-              <a:cxn ang="0">
-                <a:pos x="T6" y="T7"/>
-              </a:cxn>
-              <a:cxn ang="0">
-                <a:pos x="T8" y="T9"/>
-              </a:cxn>
-            </a:cxnLst>
-            <a:rect l="0" t="0" r="r" b="b"/>
-            <a:pathLst>
-              <a:path w="2332" h="3907">
-                <a:moveTo>
-                  <a:pt x="1462" y="0"/>
-                </a:moveTo>
-                <a:lnTo>
-                  <a:pt x="2332" y="0"/>
-                </a:lnTo>
-                <a:lnTo>
-                  <a:pt x="2332" y="3907"/>
-                </a:lnTo>
-                <a:lnTo>
-                  <a:pt x="0" y="2595"/>
-                </a:lnTo>
-                <a:lnTo>
-                  <a:pt x="1462" y="0"/>
-                </a:lnTo>
-                <a:close/>
-              </a:path>
-            </a:pathLst>
-          </a:custGeom>
-          <a:solidFill>
-            <a:srgbClr val="002B41"/>
-          </a:solidFill>
-          <a:ln w="28575">
-            <a:noFill/>
-          </a:ln>
-          <a:effectLst>
-            <a:outerShdw blurRad="254000" dist="127000" dir="2700000" algn="tl" rotWithShape="0">
-              <a:prstClr val="black">
-                <a:alpha val="40000"/>
-              </a:prstClr>
-            </a:outerShdw>
-          </a:effectLst>
-        </p:spPr>
-        <p:txBody>
-          <a:bodyPr anchor="ctr"/>
-          <a:lstStyle/>
-          <a:p>
-            <a:pPr algn="ctr"/>
-            <a:endParaRPr lang="zh-CN" altLang="en-US" sz="2000">
-              <a:solidFill>
-                <a:schemeClr val="bg1">
-                  <a:lumMod val="95000"/>
-                </a:schemeClr>
-              </a:solidFill>
-              <a:latin typeface="Calibri" panose="020F0502020204030204" pitchFamily="34" charset="0"/>
-              <a:ea typeface="宋体" panose="02010600030101010101" pitchFamily="2" charset="-122"/>
-            </a:endParaRPr>
-          </a:p>
-        </p:txBody>
-      </p:sp>
-    </p:spTree>
     <p:extLst>
       <p:ext uri="{BB962C8B-B14F-4D97-AF65-F5344CB8AC3E}">
         <p14:creationId xmlns:p14="http://schemas.microsoft.com/office/powerpoint/2010/main" val="2528984640"/>
@@ -17779,7 +16230,7 @@
 </p:sld>
 </file>
 
-<file path=ppt/slides/slide53.xml><?xml version="1.0" encoding="utf-8"?>
+<file path=ppt/slides/slide46.xml><?xml version="1.0" encoding="utf-8"?>
 <p:sld xmlns:a="http://schemas.openxmlformats.org/drawingml/2006/main" xmlns:r="http://schemas.openxmlformats.org/officeDocument/2006/relationships" xmlns:p="http://schemas.openxmlformats.org/presentationml/2006/main">
   <p:cSld>
     <p:bg>
@@ -18174,7 +16625,7 @@
 </p:sld>
 </file>
 
-<file path=ppt/slides/slide54.xml><?xml version="1.0" encoding="utf-8"?>
+<file path=ppt/slides/slide47.xml><?xml version="1.0" encoding="utf-8"?>
 <p:sld xmlns:a="http://schemas.openxmlformats.org/drawingml/2006/main" xmlns:r="http://schemas.openxmlformats.org/officeDocument/2006/relationships" xmlns:p="http://schemas.openxmlformats.org/presentationml/2006/main">
   <p:cSld>
     <p:bg>
@@ -18230,7 +16681,7 @@
               <a:t>什么情况下产出</a:t>
             </a:r>
             <a:r>
-              <a:rPr lang="zh-CN" altLang="en-US">
+              <a:rPr lang="zh-CN" altLang="en-US" dirty="0">
                 <a:sym typeface="+mn-ea"/>
               </a:rPr>
               <a:t>低保真产品原型？</a:t>
@@ -18239,7 +16690,7 @@
           </a:p>
           <a:p>
             <a:r>
-              <a:rPr lang="zh-CN" altLang="en-US">
+              <a:rPr lang="zh-CN" altLang="en-US" dirty="0">
                 <a:sym typeface="+mn-ea"/>
               </a:rPr>
               <a:t>一般只有时间比较紧迫，需求也比较简单的时候，我们才会去产出低保真产品原型。</a:t>
@@ -18279,7 +16730,7 @@
             </a:r>
             <a:r>
               <a:rPr lang="en-US" altLang="zh-CN" dirty="0"/>
-              <a:t>5</a:t>
+              <a:t>3</a:t>
             </a:r>
             <a:r>
               <a:rPr lang="zh-CN" altLang="en-US" dirty="0"/>
@@ -18291,7 +16742,7 @@
               <a:rPr lang="en-US" altLang="zh-CN" dirty="0">
                 <a:sym typeface="+mn-ea"/>
               </a:rPr>
-              <a:t>Solidify</a:t>
+              <a:t>Easel</a:t>
             </a:r>
             <a:r>
               <a:rPr lang="zh-CN" altLang="en-US" dirty="0">
@@ -18300,34 +16751,10 @@
               <a:t>、</a:t>
             </a:r>
             <a:r>
-              <a:rPr lang="en-US" altLang="zh-CN">
-                <a:sym typeface="+mn-ea"/>
-              </a:rPr>
-              <a:t>PowerMockup</a:t>
-            </a:r>
-            <a:r>
-              <a:rPr lang="zh-CN" altLang="en-US">
-                <a:sym typeface="+mn-ea"/>
-              </a:rPr>
-              <a:t>、</a:t>
-            </a:r>
-            <a:r>
-              <a:rPr lang="en-US" altLang="zh-CN">
-                <a:sym typeface="+mn-ea"/>
-              </a:rPr>
-              <a:t>Antetype</a:t>
-            </a:r>
-            <a:r>
-              <a:rPr lang="zh-CN" altLang="en-US">
-                <a:sym typeface="+mn-ea"/>
-              </a:rPr>
-              <a:t>、</a:t>
-            </a:r>
-            <a:r>
               <a:rPr lang="en-US" altLang="zh-CN" dirty="0">
                 <a:sym typeface="+mn-ea"/>
               </a:rPr>
-              <a:t>UXPin</a:t>
+              <a:t>Proto.io</a:t>
             </a:r>
             <a:r>
               <a:rPr lang="zh-CN" altLang="en-US" dirty="0">
@@ -18336,92 +16763,29 @@
               <a:t>、</a:t>
             </a:r>
             <a:r>
-              <a:rPr lang="en-US" altLang="zh-CN">
-                <a:sym typeface="+mn-ea"/>
-              </a:rPr>
-              <a:t>QuirkTools</a:t>
-            </a:r>
-            <a:r>
-              <a:rPr lang="zh-CN" altLang="en-US">
-                <a:sym typeface="+mn-ea"/>
-              </a:rPr>
-              <a:t>、</a:t>
-            </a:r>
-            <a:r>
-              <a:rPr lang="en-US" altLang="zh-CN">
-                <a:sym typeface="+mn-ea"/>
-              </a:rPr>
-              <a:t>Wireframe.cc</a:t>
-            </a:r>
-            <a:r>
-              <a:rPr lang="zh-CN" altLang="en-US">
-                <a:sym typeface="+mn-ea"/>
-              </a:rPr>
-              <a:t>、</a:t>
-            </a:r>
-            <a:r>
-              <a:rPr lang="en-US" altLang="zh-CN">
-                <a:sym typeface="+mn-ea"/>
-              </a:rPr>
-              <a:t>Easel</a:t>
-            </a:r>
-            <a:r>
-              <a:rPr lang="zh-CN" altLang="en-US">
-                <a:sym typeface="+mn-ea"/>
-              </a:rPr>
-              <a:t>、</a:t>
-            </a:r>
-            <a:r>
-              <a:rPr lang="en-US" altLang="zh-CN">
-                <a:sym typeface="+mn-ea"/>
-              </a:rPr>
-              <a:t>InVision</a:t>
-            </a:r>
-            <a:r>
-              <a:rPr lang="zh-CN" altLang="en-US">
-                <a:sym typeface="+mn-ea"/>
-              </a:rPr>
-              <a:t>、</a:t>
-            </a:r>
-            <a:r>
-              <a:rPr lang="en-US" altLang="zh-CN">
-                <a:sym typeface="+mn-ea"/>
-              </a:rPr>
-              <a:t>Proto.io</a:t>
-            </a:r>
-            <a:r>
-              <a:rPr lang="zh-CN" altLang="en-US">
-                <a:sym typeface="+mn-ea"/>
-              </a:rPr>
-              <a:t>、</a:t>
-            </a:r>
-            <a:r>
-              <a:rPr lang="en-US" altLang="zh-CN">
+              <a:rPr lang="en-US" altLang="zh-CN" dirty="0">
                 <a:sym typeface="+mn-ea"/>
               </a:rPr>
               <a:t>POP</a:t>
             </a:r>
             <a:r>
-              <a:rPr lang="zh-CN" altLang="en-US">
+              <a:rPr lang="zh-CN" altLang="en-US" dirty="0">
                 <a:sym typeface="+mn-ea"/>
               </a:rPr>
               <a:t>、墨刀、</a:t>
             </a:r>
             <a:r>
-              <a:rPr lang="en-US" altLang="zh-CN">
+              <a:rPr lang="en-US" altLang="zh-CN" dirty="0">
                 <a:sym typeface="+mn-ea"/>
               </a:rPr>
               <a:t>Axure RP</a:t>
             </a:r>
             <a:r>
-              <a:rPr lang="zh-CN" altLang="en-US">
+              <a:rPr lang="zh-CN" altLang="en-US" dirty="0">
                 <a:sym typeface="+mn-ea"/>
               </a:rPr>
               <a:t>等</a:t>
             </a:r>
-            <a:endParaRPr lang="zh-CN" altLang="en-US" dirty="0">
-              <a:sym typeface="+mn-ea"/>
-            </a:endParaRPr>
           </a:p>
         </p:txBody>
       </p:sp>
@@ -18853,7 +17217,7 @@
 </p:sld>
 </file>
 
-<file path=ppt/slides/slide55.xml><?xml version="1.0" encoding="utf-8"?>
+<file path=ppt/slides/slide48.xml><?xml version="1.0" encoding="utf-8"?>
 <p:sld xmlns:a="http://schemas.openxmlformats.org/drawingml/2006/main" xmlns:r="http://schemas.openxmlformats.org/officeDocument/2006/relationships" xmlns:p="http://schemas.openxmlformats.org/presentationml/2006/main">
   <p:cSld>
     <p:bg>
@@ -18913,7 +17277,7 @@
         <p:spPr/>
         <p:txBody>
           <a:bodyPr>
-            <a:normAutofit fontScale="77500" lnSpcReduction="10000"/>
+            <a:normAutofit fontScale="77500" lnSpcReduction="20000"/>
           </a:bodyPr>
           <a:lstStyle/>
           <a:p>
@@ -19127,7 +17491,7 @@
 </p:sld>
 </file>
 
-<file path=ppt/slides/slide56.xml><?xml version="1.0" encoding="utf-8"?>
+<file path=ppt/slides/slide49.xml><?xml version="1.0" encoding="utf-8"?>
 <p:sld xmlns:a="http://schemas.openxmlformats.org/drawingml/2006/main" xmlns:r="http://schemas.openxmlformats.org/officeDocument/2006/relationships" xmlns:p="http://schemas.openxmlformats.org/presentationml/2006/main">
   <p:cSld>
     <p:spTree>
@@ -19326,7 +17690,7 @@
 </p:sld>
 </file>
 
-<file path=ppt/slides/slide57.xml><?xml version="1.0" encoding="utf-8"?>
+<file path=ppt/slides/slide5.xml><?xml version="1.0" encoding="utf-8"?>
 <p:sld xmlns:a="http://schemas.openxmlformats.org/drawingml/2006/main" xmlns:r="http://schemas.openxmlformats.org/officeDocument/2006/relationships" xmlns:p="http://schemas.openxmlformats.org/presentationml/2006/main">
   <p:cSld>
     <p:bg>
@@ -19368,7 +17732,7 @@
           <a:p>
             <a:r>
               <a:rPr lang="zh-CN" altLang="en-US"/>
-              <a:t>小组分工及评价</a:t>
+              <a:t>为什么要创建界面原型</a:t>
             </a:r>
           </a:p>
         </p:txBody>
@@ -19385,19 +17749,87 @@
         </p:nvSpPr>
         <p:spPr/>
         <p:txBody>
-          <a:bodyPr/>
-          <a:lstStyle/>
+          <a:bodyPr>
+            <a:normAutofit fontScale="92500"/>
+          </a:bodyPr>
+          <a:lstStyle/>
+          <a:p>
+            <a:r>
+              <a:rPr lang="zh-CN" altLang="en-US"/>
+              <a:t>开发中很重要的一个问题就是</a:t>
+            </a:r>
+            <a:r>
+              <a:rPr lang="zh-CN" altLang="en-US">
+                <a:solidFill>
+                  <a:srgbClr val="FF0000"/>
+                </a:solidFill>
+              </a:rPr>
+              <a:t>理解需求</a:t>
+            </a:r>
+            <a:r>
+              <a:rPr lang="zh-CN" altLang="en-US"/>
+              <a:t>，而只凭用例图和一些文字并不能统一对需求的理解。软件开发是一个连续的过程，而对软件工程片面的理解，形成一个开发有明显界限的认识，造成的结果往往是这样：你拿着用例图和</a:t>
+            </a:r>
+            <a:r>
+              <a:rPr lang="en-US" altLang="zh-CN"/>
+              <a:t>IPO(input</a:t>
+            </a:r>
+            <a:r>
+              <a:rPr lang="zh-CN" altLang="en-US"/>
+              <a:t>、</a:t>
+            </a:r>
+            <a:r>
+              <a:rPr lang="en-US" altLang="zh-CN"/>
+              <a:t>process</a:t>
+            </a:r>
+            <a:r>
+              <a:rPr lang="zh-CN" altLang="en-US"/>
+              <a:t>、</a:t>
+            </a:r>
+            <a:r>
+              <a:rPr lang="en-US" altLang="zh-CN"/>
+              <a:t>output)</a:t>
+            </a:r>
+            <a:r>
+              <a:rPr lang="zh-CN" altLang="en-US"/>
+              <a:t>表跟用户交流，而他并不管你的用例的输入什么、怎么处理、输出什么，</a:t>
+            </a:r>
+            <a:r>
+              <a:rPr lang="zh-CN" altLang="en-US">
+                <a:solidFill>
+                  <a:srgbClr val="FF0000"/>
+                </a:solidFill>
+              </a:rPr>
+              <a:t>用户想看到的是界面</a:t>
+            </a:r>
+            <a:r>
+              <a:rPr lang="zh-CN" altLang="en-US"/>
+              <a:t>；另外开发人员之间，对需求的理解虽然一致，但是对界面没有初步认识，对整个系统的理解就会缺失一部分。</a:t>
+            </a:r>
+          </a:p>
+          <a:p>
+            <a:r>
+              <a:rPr lang="zh-CN" altLang="en-US"/>
+              <a:t>所以结合与用户需求的交流和开发人员对系统的把控，我觉得界面原型应当始于需求分析阶段，开始设计的不一定是最后系统界面，但是应当有一个界面原型。</a:t>
+            </a:r>
+          </a:p>
           <a:p>
             <a:pPr marL="0" indent="0">
               <a:buNone/>
             </a:pPr>
-            <a:endParaRPr lang="zh-CN" altLang="zh-CN" dirty="0">
-              <a:latin typeface="+mn-ea"/>
-              <a:cs typeface="+mn-ea"/>
-            </a:endParaRPr>
-          </a:p>
-          <a:p>
-            <a:endParaRPr lang="zh-CN" altLang="en-US" dirty="0"/>
+            <a:r>
+              <a:rPr lang="en-US" altLang="zh-CN" dirty="0">
+                <a:sym typeface="+mn-ea"/>
+              </a:rPr>
+              <a:t>                                                                                                                      【1】</a:t>
+            </a:r>
+            <a:endParaRPr lang="zh-CN" altLang="en-US"/>
+          </a:p>
+          <a:p>
+            <a:pPr marL="0" indent="0">
+              <a:buNone/>
+            </a:pPr>
+            <a:endParaRPr lang="zh-CN" altLang="en-US"/>
           </a:p>
         </p:txBody>
       </p:sp>
@@ -19497,6 +17929,185 @@
           </a:p>
         </p:txBody>
       </p:sp>
+    </p:spTree>
+  </p:cSld>
+  <p:clrMapOvr>
+    <a:masterClrMapping/>
+  </p:clrMapOvr>
+</p:sld>
+</file>
+
+<file path=ppt/slides/slide50.xml><?xml version="1.0" encoding="utf-8"?>
+<p:sld xmlns:a="http://schemas.openxmlformats.org/drawingml/2006/main" xmlns:r="http://schemas.openxmlformats.org/officeDocument/2006/relationships" xmlns:p="http://schemas.openxmlformats.org/presentationml/2006/main">
+  <p:cSld>
+    <p:bg>
+      <p:bgPr>
+        <a:solidFill>
+          <a:srgbClr val="F1F1F1"/>
+        </a:solidFill>
+        <a:effectLst/>
+      </p:bgPr>
+    </p:bg>
+    <p:spTree>
+      <p:nvGrpSpPr>
+        <p:cNvPr id="1" name=""/>
+        <p:cNvGrpSpPr/>
+        <p:nvPr/>
+      </p:nvGrpSpPr>
+      <p:grpSpPr>
+        <a:xfrm>
+          <a:off x="0" y="0"/>
+          <a:ext cx="0" cy="0"/>
+          <a:chOff x="0" y="0"/>
+          <a:chExt cx="0" cy="0"/>
+        </a:xfrm>
+      </p:grpSpPr>
+      <p:sp>
+        <p:nvSpPr>
+          <p:cNvPr id="2" name="标题 1"/>
+          <p:cNvSpPr>
+            <a:spLocks noGrp="1"/>
+          </p:cNvSpPr>
+          <p:nvPr>
+            <p:ph type="title"/>
+          </p:nvPr>
+        </p:nvSpPr>
+        <p:spPr/>
+        <p:txBody>
+          <a:bodyPr/>
+          <a:lstStyle/>
+          <a:p>
+            <a:r>
+              <a:rPr lang="zh-CN" altLang="en-US"/>
+              <a:t>小组分工及评价</a:t>
+            </a:r>
+          </a:p>
+        </p:txBody>
+      </p:sp>
+      <p:sp>
+        <p:nvSpPr>
+          <p:cNvPr id="5" name="内容占位符 4"/>
+          <p:cNvSpPr>
+            <a:spLocks noGrp="1"/>
+          </p:cNvSpPr>
+          <p:nvPr>
+            <p:ph idx="1"/>
+          </p:nvPr>
+        </p:nvSpPr>
+        <p:spPr/>
+        <p:txBody>
+          <a:bodyPr/>
+          <a:lstStyle/>
+          <a:p>
+            <a:pPr marL="0" indent="0">
+              <a:buNone/>
+            </a:pPr>
+            <a:endParaRPr lang="zh-CN" altLang="zh-CN" dirty="0">
+              <a:latin typeface="+mn-ea"/>
+              <a:cs typeface="+mn-ea"/>
+            </a:endParaRPr>
+          </a:p>
+          <a:p>
+            <a:endParaRPr lang="zh-CN" altLang="en-US" dirty="0"/>
+          </a:p>
+        </p:txBody>
+      </p:sp>
+      <p:sp>
+        <p:nvSpPr>
+          <p:cNvPr id="4" name="Freeform 5"/>
+          <p:cNvSpPr/>
+          <p:nvPr/>
+        </p:nvSpPr>
+        <p:spPr bwMode="auto">
+          <a:xfrm flipH="1">
+            <a:off x="0" y="-13281"/>
+            <a:ext cx="409433" cy="832147"/>
+          </a:xfrm>
+          <a:custGeom>
+            <a:avLst/>
+            <a:gdLst>
+              <a:gd name="T0" fmla="*/ 1462 w 2332"/>
+              <a:gd name="T1" fmla="*/ 0 h 3907"/>
+              <a:gd name="T2" fmla="*/ 2332 w 2332"/>
+              <a:gd name="T3" fmla="*/ 0 h 3907"/>
+              <a:gd name="T4" fmla="*/ 2332 w 2332"/>
+              <a:gd name="T5" fmla="*/ 3907 h 3907"/>
+              <a:gd name="T6" fmla="*/ 0 w 2332"/>
+              <a:gd name="T7" fmla="*/ 2595 h 3907"/>
+              <a:gd name="T8" fmla="*/ 1462 w 2332"/>
+              <a:gd name="T9" fmla="*/ 0 h 3907"/>
+            </a:gdLst>
+            <a:ahLst/>
+            <a:cxnLst>
+              <a:cxn ang="0">
+                <a:pos x="T0" y="T1"/>
+              </a:cxn>
+              <a:cxn ang="0">
+                <a:pos x="T2" y="T3"/>
+              </a:cxn>
+              <a:cxn ang="0">
+                <a:pos x="T4" y="T5"/>
+              </a:cxn>
+              <a:cxn ang="0">
+                <a:pos x="T6" y="T7"/>
+              </a:cxn>
+              <a:cxn ang="0">
+                <a:pos x="T8" y="T9"/>
+              </a:cxn>
+            </a:cxnLst>
+            <a:rect l="0" t="0" r="r" b="b"/>
+            <a:pathLst>
+              <a:path w="2332" h="3907">
+                <a:moveTo>
+                  <a:pt x="1462" y="0"/>
+                </a:moveTo>
+                <a:lnTo>
+                  <a:pt x="2332" y="0"/>
+                </a:lnTo>
+                <a:lnTo>
+                  <a:pt x="2332" y="3907"/>
+                </a:lnTo>
+                <a:lnTo>
+                  <a:pt x="0" y="2595"/>
+                </a:lnTo>
+                <a:lnTo>
+                  <a:pt x="1462" y="0"/>
+                </a:lnTo>
+                <a:close/>
+              </a:path>
+            </a:pathLst>
+          </a:custGeom>
+          <a:solidFill>
+            <a:srgbClr val="002B41"/>
+          </a:solidFill>
+          <a:ln w="28575">
+            <a:noFill/>
+          </a:ln>
+          <a:effectLst>
+            <a:outerShdw blurRad="254000" dist="127000" dir="2700000" algn="tl" rotWithShape="0">
+              <a:prstClr val="black">
+                <a:alpha val="40000"/>
+              </a:prstClr>
+            </a:outerShdw>
+          </a:effectLst>
+        </p:spPr>
+        <p:txBody>
+          <a:bodyPr anchor="ctr"/>
+          <a:lstStyle/>
+          <a:p>
+            <a:pPr algn="ctr"/>
+            <a:endParaRPr lang="zh-CN" altLang="en-US" sz="2000">
+              <a:solidFill>
+                <a:schemeClr val="bg1">
+                  <a:lumMod val="95000"/>
+                </a:schemeClr>
+              </a:solidFill>
+              <a:latin typeface="Calibri" panose="020F0502020204030204" pitchFamily="34" charset="0"/>
+              <a:ea typeface="宋体" panose="02010600030101010101" pitchFamily="2" charset="-122"/>
+            </a:endParaRPr>
+          </a:p>
+        </p:txBody>
+      </p:sp>
       <p:sp>
         <p:nvSpPr>
           <p:cNvPr id="3" name="文本框 2">
@@ -19632,7 +18243,7 @@
 </p:sld>
 </file>
 
-<file path=ppt/slides/slide58.xml><?xml version="1.0" encoding="utf-8"?>
+<file path=ppt/slides/slide51.xml><?xml version="1.0" encoding="utf-8"?>
 <p:sld xmlns:a="http://schemas.openxmlformats.org/drawingml/2006/main" xmlns:r="http://schemas.openxmlformats.org/officeDocument/2006/relationships" xmlns:p="http://schemas.openxmlformats.org/presentationml/2006/main">
   <p:cSld>
     <p:bg>
@@ -20544,7 +19155,7 @@
         </p:spPr>
         <p:txBody>
           <a:bodyPr>
-            <a:normAutofit fontScale="67500" lnSpcReduction="10000"/>
+            <a:normAutofit fontScale="75000" lnSpcReduction="20000"/>
           </a:bodyPr>
           <a:lstStyle/>
           <a:p>
@@ -20759,7 +19370,7 @@
         </p:spPr>
         <p:txBody>
           <a:bodyPr>
-            <a:normAutofit fontScale="92500"/>
+            <a:normAutofit fontScale="92500" lnSpcReduction="10000"/>
           </a:bodyPr>
           <a:lstStyle/>
           <a:p>

--- a/非受控文档/过程文档/UML基础2/UML基础2.pptx
+++ b/非受控文档/过程文档/UML基础2/UML基础2.pptx
@@ -5,7 +5,7 @@
     <p:sldMasterId id="2147483648" r:id="rId1"/>
   </p:sldMasterIdLst>
   <p:notesMasterIdLst>
-    <p:notesMasterId r:id="rId59"/>
+    <p:notesMasterId r:id="rId60"/>
   </p:notesMasterIdLst>
   <p:sldIdLst>
     <p:sldId id="387" r:id="rId3"/>
@@ -49,21 +49,22 @@
     <p:sldId id="438" r:id="rId41"/>
     <p:sldId id="299" r:id="rId42"/>
     <p:sldId id="294" r:id="rId43"/>
-    <p:sldId id="295" r:id="rId44"/>
-    <p:sldId id="296" r:id="rId45"/>
-    <p:sldId id="259" r:id="rId46"/>
-    <p:sldId id="302" r:id="rId47"/>
-    <p:sldId id="401" r:id="rId48"/>
-    <p:sldId id="402" r:id="rId49"/>
-    <p:sldId id="403" r:id="rId50"/>
-    <p:sldId id="404" r:id="rId51"/>
-    <p:sldId id="405" r:id="rId52"/>
+    <p:sldId id="467" r:id="rId44"/>
+    <p:sldId id="404" r:id="rId45"/>
+    <p:sldId id="463" r:id="rId46"/>
+    <p:sldId id="405" r:id="rId47"/>
+    <p:sldId id="464" r:id="rId48"/>
+    <p:sldId id="439" r:id="rId49"/>
+    <p:sldId id="465" r:id="rId50"/>
+    <p:sldId id="441" r:id="rId51"/>
+    <p:sldId id="466" r:id="rId52"/>
     <p:sldId id="339" r:id="rId53"/>
     <p:sldId id="343" r:id="rId54"/>
-    <p:sldId id="370" r:id="rId55"/>
-    <p:sldId id="368" r:id="rId56"/>
-    <p:sldId id="369" r:id="rId57"/>
-    <p:sldId id="279" r:id="rId58"/>
+    <p:sldId id="368" r:id="rId55"/>
+    <p:sldId id="440" r:id="rId56"/>
+    <p:sldId id="468" r:id="rId57"/>
+    <p:sldId id="369" r:id="rId58"/>
+    <p:sldId id="279" r:id="rId59"/>
   </p:sldIdLst>
   <p:sldSz cx="12192000" cy="6858000"/>
   <p:notesSz cx="6858000" cy="9144000"/>
@@ -4821,6 +4822,7 @@
           <a:bodyPr wrap="square" rtlCol="0">
             <a:spAutoFit/>
           </a:bodyPr>
+          <a:lstStyle/>
           <a:p>
             <a:r>
               <a:rPr lang="en-US" sz="4000" dirty="0">
@@ -4847,13 +4849,6 @@
   <p:clrMapOvr>
     <a:masterClrMapping/>
   </p:clrMapOvr>
-  <p:timing>
-    <p:tnLst>
-      <p:par>
-        <p:cTn id="1" dur="indefinite" restart="never" nodeType="tmRoot"/>
-      </p:par>
-    </p:tnLst>
-  </p:timing>
 </p:sld>
 </file>
 
@@ -4895,6 +4890,7 @@
         <p:spPr/>
         <p:txBody>
           <a:bodyPr/>
+          <a:lstStyle/>
           <a:p>
             <a:r>
               <a:rPr lang="zh-CN" altLang="en-US">
@@ -4919,30 +4915,31 @@
         <p:spPr/>
         <p:txBody>
           <a:bodyPr/>
-          <a:p>
-            <a:r>
-              <a:rPr lang="zh-CN" altLang="en-US">
+          <a:lstStyle/>
+          <a:p>
+            <a:r>
+              <a:rPr lang="zh-CN" altLang="en-US" dirty="0">
                 <a:sym typeface="+mn-ea"/>
               </a:rPr>
               <a:t>1.抛弃型原型，此类原型在系统真正实现以后就抛弃不用了。</a:t>
             </a:r>
-            <a:endParaRPr lang="zh-CN" altLang="en-US">
+            <a:endParaRPr lang="zh-CN" altLang="en-US" dirty="0">
               <a:sym typeface="+mn-ea"/>
             </a:endParaRPr>
           </a:p>
           <a:p>
-            <a:endParaRPr lang="zh-CN" altLang="en-US">
+            <a:endParaRPr lang="zh-CN" altLang="en-US" dirty="0">
               <a:sym typeface="+mn-ea"/>
             </a:endParaRPr>
           </a:p>
           <a:p>
             <a:r>
-              <a:rPr lang="zh-CN" altLang="en-US">
+              <a:rPr lang="zh-CN" altLang="en-US" dirty="0">
                 <a:sym typeface="+mn-ea"/>
               </a:rPr>
               <a:t>2.进化型原型，此类原型的构造从目标系统的一个或多个基本需求出发，通过修改和追加的过程逐渐丰富，演化成为最终的系统。</a:t>
             </a:r>
-            <a:endParaRPr lang="zh-CN" altLang="en-US">
+            <a:endParaRPr lang="zh-CN" altLang="en-US" dirty="0">
               <a:sym typeface="+mn-ea"/>
             </a:endParaRPr>
           </a:p>
@@ -4956,7 +4953,7 @@
               </a:rPr>
               <a:t>										     【3】</a:t>
             </a:r>
-            <a:endParaRPr lang="zh-CN" altLang="en-US"/>
+            <a:endParaRPr lang="zh-CN" altLang="en-US" dirty="0"/>
           </a:p>
         </p:txBody>
       </p:sp>
@@ -5061,13 +5058,6 @@
   <p:clrMapOvr>
     <a:masterClrMapping/>
   </p:clrMapOvr>
-  <p:timing>
-    <p:tnLst>
-      <p:par>
-        <p:cTn id="1" dur="indefinite" restart="never" nodeType="tmRoot"/>
-      </p:par>
-    </p:tnLst>
-  </p:timing>
 </p:sld>
 </file>
 
@@ -5109,6 +5099,7 @@
         <p:spPr/>
         <p:txBody>
           <a:bodyPr/>
+          <a:lstStyle/>
           <a:p>
             <a:r>
               <a:rPr lang="zh-CN" altLang="en-US"/>
@@ -5131,8 +5122,9 @@
         <p:spPr/>
         <p:txBody>
           <a:bodyPr>
-            <a:normAutofit lnSpcReduction="10000"/>
+            <a:normAutofit/>
           </a:bodyPr>
+          <a:lstStyle/>
           <a:p>
             <a:r>
               <a:rPr lang="zh-CN" altLang="en-US">
@@ -5275,13 +5267,6 @@
   <p:clrMapOvr>
     <a:masterClrMapping/>
   </p:clrMapOvr>
-  <p:timing>
-    <p:tnLst>
-      <p:par>
-        <p:cTn id="1" dur="indefinite" restart="never" nodeType="tmRoot"/>
-      </p:par>
-    </p:tnLst>
-  </p:timing>
 </p:sld>
 </file>
 
@@ -5323,6 +5308,7 @@
         <p:spPr/>
         <p:txBody>
           <a:bodyPr/>
+          <a:lstStyle/>
           <a:p>
             <a:r>
               <a:rPr lang="zh-CN" altLang="en-US"/>
@@ -5352,6 +5338,7 @@
           <a:bodyPr>
             <a:normAutofit fontScale="90000" lnSpcReduction="10000"/>
           </a:bodyPr>
+          <a:lstStyle/>
           <a:p>
             <a:r>
               <a:rPr lang="zh-CN" altLang="en-US">
@@ -5516,13 +5503,6 @@
   <p:clrMapOvr>
     <a:masterClrMapping/>
   </p:clrMapOvr>
-  <p:timing>
-    <p:tnLst>
-      <p:par>
-        <p:cTn id="1" dur="indefinite" restart="never" nodeType="tmRoot"/>
-      </p:par>
-    </p:tnLst>
-  </p:timing>
 </p:sld>
 </file>
 
@@ -5569,6 +5549,7 @@
         </p:spPr>
         <p:txBody>
           <a:bodyPr/>
+          <a:lstStyle/>
           <a:p>
             <a:r>
               <a:rPr lang="zh-CN" altLang="en-US">
@@ -5725,13 +5706,6 @@
   <p:clrMapOvr>
     <a:masterClrMapping/>
   </p:clrMapOvr>
-  <p:timing>
-    <p:tnLst>
-      <p:par>
-        <p:cTn id="1" dur="indefinite" restart="never" nodeType="tmRoot"/>
-      </p:par>
-    </p:tnLst>
-  </p:timing>
 </p:sld>
 </file>
 
@@ -5778,21 +5752,22 @@
         </p:spPr>
         <p:txBody>
           <a:bodyPr>
-            <a:normAutofit lnSpcReduction="10000"/>
+            <a:normAutofit/>
           </a:bodyPr>
-          <a:p>
-            <a:r>
-              <a:rPr lang="zh-CN" altLang="en-US"/>
+          <a:lstStyle/>
+          <a:p>
+            <a:r>
+              <a:rPr lang="zh-CN" altLang="en-US" dirty="0"/>
               <a:t>由于制作高保真的原型无论是时间还是成本都相对较高。所以大部分情况下，我们还是以制作低保真原型为主。虽说是低保真原型，但核心关键部分还是需要制作高保真的原型。</a:t>
             </a:r>
-            <a:endParaRPr lang="zh-CN" altLang="en-US"/>
-          </a:p>
-          <a:p>
-            <a:r>
-              <a:rPr lang="zh-CN" altLang="en-US"/>
+            <a:endParaRPr lang="zh-CN" altLang="en-US" dirty="0"/>
+          </a:p>
+          <a:p>
+            <a:r>
+              <a:rPr lang="zh-CN" altLang="en-US" dirty="0"/>
               <a:t>推荐一种在保真度和时间、成本之间折中的原型——T原型。将原型拆分为水平原型和垂直原型两个纬度去制作。</a:t>
             </a:r>
-            <a:endParaRPr lang="zh-CN" altLang="en-US">
+            <a:endParaRPr lang="zh-CN" altLang="en-US" dirty="0">
               <a:sym typeface="+mn-ea"/>
             </a:endParaRPr>
           </a:p>
@@ -5806,10 +5781,10 @@
               </a:rPr>
               <a:t>										     【5】</a:t>
             </a:r>
-            <a:endParaRPr lang="zh-CN" altLang="en-US"/>
-          </a:p>
-          <a:p>
-            <a:endParaRPr lang="zh-CN" altLang="en-US"/>
+            <a:endParaRPr lang="zh-CN" altLang="en-US" dirty="0"/>
+          </a:p>
+          <a:p>
+            <a:endParaRPr lang="zh-CN" altLang="en-US" dirty="0"/>
           </a:p>
         </p:txBody>
       </p:sp>
@@ -5914,13 +5889,6 @@
   <p:clrMapOvr>
     <a:masterClrMapping/>
   </p:clrMapOvr>
-  <p:timing>
-    <p:tnLst>
-      <p:par>
-        <p:cTn id="1" dur="indefinite" restart="never" nodeType="tmRoot"/>
-      </p:par>
-    </p:tnLst>
-  </p:timing>
 </p:sld>
 </file>
 
@@ -5967,8 +5935,9 @@
         </p:spPr>
         <p:txBody>
           <a:bodyPr>
-            <a:normAutofit lnSpcReduction="20000"/>
+            <a:normAutofit/>
           </a:bodyPr>
+          <a:lstStyle/>
           <a:p>
             <a:r>
               <a:rPr lang="zh-CN" altLang="en-US"/>
@@ -6117,13 +6086,6 @@
   <p:clrMapOvr>
     <a:masterClrMapping/>
   </p:clrMapOvr>
-  <p:timing>
-    <p:tnLst>
-      <p:par>
-        <p:cTn id="1" dur="indefinite" restart="never" nodeType="tmRoot"/>
-      </p:par>
-    </p:tnLst>
-  </p:timing>
 </p:sld>
 </file>
 
@@ -6252,7 +6214,7 @@
         <p:nvPicPr>
           <p:cNvPr id="2" name="内容占位符 1"/>
           <p:cNvPicPr>
-            <a:picLocks noChangeAspect="1"/>
+            <a:picLocks noGrp="1" noChangeAspect="1"/>
           </p:cNvPicPr>
           <p:nvPr>
             <p:ph idx="1"/>
@@ -6294,6 +6256,7 @@
           <a:bodyPr wrap="square" rtlCol="0" anchor="t">
             <a:spAutoFit/>
           </a:bodyPr>
+          <a:lstStyle/>
           <a:p>
             <a:pPr marL="0" indent="0">
               <a:buNone/>
@@ -6313,13 +6276,6 @@
   <p:clrMapOvr>
     <a:masterClrMapping/>
   </p:clrMapOvr>
-  <p:timing>
-    <p:tnLst>
-      <p:par>
-        <p:cTn id="1" dur="indefinite" restart="never" nodeType="tmRoot"/>
-      </p:par>
-    </p:tnLst>
-  </p:timing>
 </p:sld>
 </file>
 
@@ -6361,6 +6317,7 @@
         <p:spPr/>
         <p:txBody>
           <a:bodyPr/>
+          <a:lstStyle/>
           <a:p>
             <a:r>
               <a:rPr lang="zh-CN" altLang="en-US"/>
@@ -6383,6 +6340,7 @@
         <p:spPr/>
         <p:txBody>
           <a:bodyPr/>
+          <a:lstStyle/>
           <a:p>
             <a:r>
               <a:rPr lang="zh-CN" altLang="en-US"/>
@@ -6510,13 +6468,6 @@
   <p:clrMapOvr>
     <a:masterClrMapping/>
   </p:clrMapOvr>
-  <p:timing>
-    <p:tnLst>
-      <p:par>
-        <p:cTn id="1" dur="indefinite" restart="never" nodeType="tmRoot"/>
-      </p:par>
-    </p:tnLst>
-  </p:timing>
 </p:sld>
 </file>
 
@@ -6565,6 +6516,7 @@
           <a:bodyPr>
             <a:normAutofit/>
           </a:bodyPr>
+          <a:lstStyle/>
           <a:p>
             <a:r>
               <a:rPr lang="zh-CN" altLang="en-US"/>
@@ -6718,13 +6670,6 @@
   <p:clrMapOvr>
     <a:masterClrMapping/>
   </p:clrMapOvr>
-  <p:timing>
-    <p:tnLst>
-      <p:par>
-        <p:cTn id="1" dur="indefinite" restart="never" nodeType="tmRoot"/>
-      </p:par>
-    </p:tnLst>
-  </p:timing>
 </p:sld>
 </file>
 
@@ -6771,6 +6716,7 @@
         </p:spPr>
         <p:txBody>
           <a:bodyPr/>
+          <a:lstStyle/>
           <a:p>
             <a:r>
               <a:rPr lang="zh-CN" altLang="en-US">
@@ -6918,13 +6864,6 @@
   <p:clrMapOvr>
     <a:masterClrMapping/>
   </p:clrMapOvr>
-  <p:timing>
-    <p:tnLst>
-      <p:par>
-        <p:cTn id="1" dur="indefinite" restart="never" nodeType="tmRoot"/>
-      </p:par>
-    </p:tnLst>
-  </p:timing>
 </p:sld>
 </file>
 
@@ -9396,6 +9335,7 @@
           <a:bodyPr>
             <a:normAutofit/>
           </a:bodyPr>
+          <a:lstStyle/>
           <a:p>
             <a:r>
               <a:rPr lang="zh-CN" altLang="en-US"/>
@@ -9518,13 +9458,6 @@
   <p:clrMapOvr>
     <a:masterClrMapping/>
   </p:clrMapOvr>
-  <p:timing>
-    <p:tnLst>
-      <p:par>
-        <p:cTn id="1" dur="indefinite" restart="never" nodeType="tmRoot"/>
-      </p:par>
-    </p:tnLst>
-  </p:timing>
 </p:sld>
 </file>
 
@@ -9571,59 +9504,84 @@
         </p:spPr>
         <p:txBody>
           <a:bodyPr/>
-          <a:p>
-            <a:r>
-              <a:rPr lang="zh-CN" altLang="en-US">
+          <a:lstStyle/>
+          <a:p>
+            <a:r>
+              <a:rPr lang="zh-CN" altLang="en-US" dirty="0">
                 <a:sym typeface="+mn-ea"/>
               </a:rPr>
               <a:t>界面设计主要是为了达到以下目的。</a:t>
             </a:r>
-            <a:endParaRPr lang="zh-CN" altLang="en-US"/>
-          </a:p>
-          <a:p>
-            <a:r>
-              <a:rPr lang="zh-CN" altLang="en-US">
+            <a:endParaRPr lang="zh-CN" altLang="en-US" dirty="0"/>
+          </a:p>
+          <a:p>
+            <a:r>
+              <a:rPr lang="zh-CN" altLang="en-US" dirty="0">
+                <a:solidFill>
+                  <a:srgbClr val="FF0000"/>
+                </a:solidFill>
                 <a:sym typeface="+mn-ea"/>
               </a:rPr>
-              <a:t>以用户为中心。设计由用户控制一致的界面，而不是界面控制用户。</a:t>
-            </a:r>
-            <a:endParaRPr lang="zh-CN" altLang="en-US"/>
-          </a:p>
-          <a:p>
-            <a:r>
-              <a:rPr lang="zh-CN" altLang="en-US">
+              <a:t>以用户为中心</a:t>
+            </a:r>
+            <a:r>
+              <a:rPr lang="zh-CN" altLang="en-US" dirty="0">
                 <a:sym typeface="+mn-ea"/>
               </a:rPr>
-              <a:t>清楚一致的设计。所有界面的风格保持一致，所有具有相同含义的术语保持一致，且易于理解和使用。</a:t>
-            </a:r>
-            <a:endParaRPr lang="zh-CN" altLang="en-US"/>
-          </a:p>
-          <a:p>
-            <a:r>
-              <a:rPr lang="zh-CN" altLang="en-US">
+              <a:t>。设计由用户控制一致的界面，而不是界面控制用户。</a:t>
+            </a:r>
+            <a:endParaRPr lang="zh-CN" altLang="en-US" dirty="0"/>
+          </a:p>
+          <a:p>
+            <a:r>
+              <a:rPr lang="zh-CN" altLang="en-US" dirty="0">
                 <a:sym typeface="+mn-ea"/>
               </a:rPr>
+              <a:t>清楚一致的设计。</a:t>
+            </a:r>
+            <a:r>
+              <a:rPr lang="zh-CN" altLang="en-US" dirty="0">
+                <a:solidFill>
+                  <a:srgbClr val="FF0000"/>
+                </a:solidFill>
+                <a:sym typeface="+mn-ea"/>
+              </a:rPr>
+              <a:t>所有界面的风格保持一致</a:t>
+            </a:r>
+            <a:r>
+              <a:rPr lang="zh-CN" altLang="en-US" dirty="0">
+                <a:sym typeface="+mn-ea"/>
+              </a:rPr>
+              <a:t>，所有具有相同含义的术语保持一致，且易于理解和使用。</a:t>
+            </a:r>
+            <a:endParaRPr lang="zh-CN" altLang="en-US" dirty="0"/>
+          </a:p>
+          <a:p>
+            <a:r>
+              <a:rPr lang="zh-CN" altLang="en-US" dirty="0">
+                <a:sym typeface="+mn-ea"/>
+              </a:rPr>
               <a:t>拥有良好的直觉特征。以用户所熟悉的现实世界事务的抽象来给用户暗示和隐喻，来帮助用户能迅速学会软件的使用。</a:t>
             </a:r>
-            <a:endParaRPr lang="zh-CN" altLang="en-US"/>
-          </a:p>
-          <a:p>
-            <a:r>
-              <a:rPr lang="zh-CN" altLang="en-US">
+            <a:endParaRPr lang="zh-CN" altLang="en-US" dirty="0"/>
+          </a:p>
+          <a:p>
+            <a:r>
+              <a:rPr lang="zh-CN" altLang="en-US" dirty="0">
                 <a:sym typeface="+mn-ea"/>
               </a:rPr>
               <a:t>较快的响应速度。</a:t>
             </a:r>
-            <a:endParaRPr lang="zh-CN" altLang="en-US"/>
-          </a:p>
-          <a:p>
-            <a:r>
-              <a:rPr lang="zh-CN" altLang="en-US">
+            <a:endParaRPr lang="zh-CN" altLang="en-US" dirty="0"/>
+          </a:p>
+          <a:p>
+            <a:r>
+              <a:rPr lang="zh-CN" altLang="en-US" dirty="0">
                 <a:sym typeface="+mn-ea"/>
               </a:rPr>
               <a:t>简洁、美观。</a:t>
             </a:r>
-            <a:endParaRPr lang="zh-CN" altLang="en-US">
+            <a:endParaRPr lang="zh-CN" altLang="en-US" dirty="0">
               <a:sym typeface="+mn-ea"/>
             </a:endParaRPr>
           </a:p>
@@ -9637,10 +9595,10 @@
               </a:rPr>
               <a:t>										     【7】</a:t>
             </a:r>
-            <a:endParaRPr lang="zh-CN" altLang="en-US"/>
-          </a:p>
-          <a:p>
-            <a:endParaRPr lang="zh-CN" altLang="en-US"/>
+            <a:endParaRPr lang="zh-CN" altLang="en-US" dirty="0"/>
+          </a:p>
+          <a:p>
+            <a:endParaRPr lang="zh-CN" altLang="en-US" dirty="0"/>
           </a:p>
         </p:txBody>
       </p:sp>
@@ -9745,13 +9703,6 @@
   <p:clrMapOvr>
     <a:masterClrMapping/>
   </p:clrMapOvr>
-  <p:timing>
-    <p:tnLst>
-      <p:par>
-        <p:cTn id="1" dur="indefinite" restart="never" nodeType="tmRoot"/>
-      </p:par>
-    </p:tnLst>
-  </p:timing>
 </p:sld>
 </file>
 
@@ -9793,6 +9744,7 @@
         <p:spPr/>
         <p:txBody>
           <a:bodyPr/>
+          <a:lstStyle/>
           <a:p>
             <a:r>
               <a:rPr lang="zh-CN" altLang="en-US"/>
@@ -9815,12 +9767,25 @@
         <p:spPr/>
         <p:txBody>
           <a:bodyPr/>
-          <a:p>
-            <a:r>
-              <a:rPr lang="zh-CN" altLang="en-US"/>
-              <a:t>用户体验是以用户为中心的设计中最重要的一个部分，强调的是过程，是软件对用户行为产生的反应与用户期待值要尽可能的一致。</a:t>
-            </a:r>
-            <a:endParaRPr lang="zh-CN" altLang="en-US"/>
+          <a:lstStyle/>
+          <a:p>
+            <a:r>
+              <a:rPr lang="zh-CN" altLang="en-US" dirty="0"/>
+              <a:t>用户体验是以用户为中心的设计中最重要的一个部分，强调的是过程，</a:t>
+            </a:r>
+            <a:r>
+              <a:rPr lang="zh-CN" altLang="en-US" dirty="0">
+                <a:solidFill>
+                  <a:srgbClr val="FF0000"/>
+                </a:solidFill>
+              </a:rPr>
+              <a:t>是软件对用户行为产生的反应与用户期待值要尽可能的一致。</a:t>
+            </a:r>
+            <a:endParaRPr lang="zh-CN" altLang="en-US" dirty="0">
+              <a:solidFill>
+                <a:srgbClr val="FF0000"/>
+              </a:solidFill>
+            </a:endParaRPr>
           </a:p>
           <a:p>
             <a:pPr marL="457200" lvl="1" indent="0">
@@ -9832,10 +9797,10 @@
               </a:rPr>
               <a:t>										     【8】</a:t>
             </a:r>
-            <a:endParaRPr lang="zh-CN" altLang="en-US"/>
-          </a:p>
-          <a:p>
-            <a:endParaRPr lang="zh-CN" altLang="en-US"/>
+            <a:endParaRPr lang="zh-CN" altLang="en-US" dirty="0"/>
+          </a:p>
+          <a:p>
+            <a:endParaRPr lang="zh-CN" altLang="en-US" dirty="0"/>
           </a:p>
         </p:txBody>
       </p:sp>
@@ -9940,13 +9905,6 @@
   <p:clrMapOvr>
     <a:masterClrMapping/>
   </p:clrMapOvr>
-  <p:timing>
-    <p:tnLst>
-      <p:par>
-        <p:cTn id="1" dur="indefinite" restart="never" nodeType="tmRoot"/>
-      </p:par>
-    </p:tnLst>
-  </p:timing>
 </p:sld>
 </file>
 
@@ -9988,6 +9946,7 @@
         <p:spPr/>
         <p:txBody>
           <a:bodyPr/>
+          <a:lstStyle/>
           <a:p>
             <a:r>
               <a:rPr lang="zh-CN" altLang="en-US"/>
@@ -10017,6 +9976,7 @@
           <a:bodyPr>
             <a:normAutofit/>
           </a:bodyPr>
+          <a:lstStyle/>
           <a:p>
             <a:r>
               <a:rPr lang="zh-CN" altLang="en-US"/>
@@ -10170,13 +10130,6 @@
   <p:clrMapOvr>
     <a:masterClrMapping/>
   </p:clrMapOvr>
-  <p:timing>
-    <p:tnLst>
-      <p:par>
-        <p:cTn id="1" dur="indefinite" restart="never" nodeType="tmRoot"/>
-      </p:par>
-    </p:tnLst>
-  </p:timing>
 </p:sld>
 </file>
 
@@ -10225,6 +10178,7 @@
           <a:bodyPr>
             <a:normAutofit/>
           </a:bodyPr>
+          <a:lstStyle/>
           <a:p>
             <a:r>
               <a:rPr lang="zh-CN" altLang="en-US"/>
@@ -10375,13 +10329,6 @@
   <p:clrMapOvr>
     <a:masterClrMapping/>
   </p:clrMapOvr>
-  <p:timing>
-    <p:tnLst>
-      <p:par>
-        <p:cTn id="1" dur="indefinite" restart="never" nodeType="tmRoot"/>
-      </p:par>
-    </p:tnLst>
-  </p:timing>
 </p:sld>
 </file>
 
@@ -10430,6 +10377,7 @@
           <a:bodyPr>
             <a:normAutofit/>
           </a:bodyPr>
+          <a:lstStyle/>
           <a:p>
             <a:r>
               <a:rPr lang="zh-CN" altLang="en-US"/>
@@ -10566,13 +10514,6 @@
   <p:clrMapOvr>
     <a:masterClrMapping/>
   </p:clrMapOvr>
-  <p:timing>
-    <p:tnLst>
-      <p:par>
-        <p:cTn id="1" dur="indefinite" restart="never" nodeType="tmRoot"/>
-      </p:par>
-    </p:tnLst>
-  </p:timing>
 </p:sld>
 </file>
 
@@ -10614,6 +10555,7 @@
         <p:spPr/>
         <p:txBody>
           <a:bodyPr/>
+          <a:lstStyle/>
           <a:p>
             <a:r>
               <a:rPr lang="zh-CN" altLang="en-US"/>
@@ -10723,7 +10665,7 @@
         <p:nvPicPr>
           <p:cNvPr id="3" name="内容占位符 2"/>
           <p:cNvPicPr>
-            <a:picLocks noChangeAspect="1"/>
+            <a:picLocks noGrp="1" noChangeAspect="1"/>
           </p:cNvPicPr>
           <p:nvPr>
             <p:ph idx="1"/>
@@ -10737,8 +10679,8 @@
         </p:blipFill>
         <p:spPr>
           <a:xfrm>
-            <a:off x="1886585" y="1539875"/>
-            <a:ext cx="8069580" cy="5144770"/>
+            <a:off x="1194435" y="1256665"/>
+            <a:ext cx="8761730" cy="5586095"/>
           </a:xfrm>
           <a:prstGeom prst="rect">
             <a:avLst/>
@@ -10765,6 +10707,7 @@
           <a:bodyPr wrap="none" rtlCol="0" anchor="t">
             <a:spAutoFit/>
           </a:bodyPr>
+          <a:lstStyle/>
           <a:p>
             <a:pPr marL="457200" lvl="1" indent="0">
               <a:buNone/>
@@ -10784,13 +10727,6 @@
   <p:clrMapOvr>
     <a:masterClrMapping/>
   </p:clrMapOvr>
-  <p:timing>
-    <p:tnLst>
-      <p:par>
-        <p:cTn id="1" dur="indefinite" restart="never" nodeType="tmRoot"/>
-      </p:par>
-    </p:tnLst>
-  </p:timing>
 </p:sld>
 </file>
 
@@ -10832,6 +10768,7 @@
         <p:spPr/>
         <p:txBody>
           <a:bodyPr/>
+          <a:lstStyle/>
           <a:p>
             <a:r>
               <a:rPr lang="zh-CN" altLang="en-US"/>
@@ -10856,75 +10793,92 @@
           <a:bodyPr>
             <a:normAutofit fontScale="90000" lnSpcReduction="20000"/>
           </a:bodyPr>
-          <a:p>
-            <a:r>
-              <a:rPr lang="zh-CN" altLang="en-US"/>
+          <a:lstStyle/>
+          <a:p>
+            <a:r>
+              <a:rPr lang="zh-CN" altLang="en-US" dirty="0"/>
               <a:t>显示信息一致性的原则</a:t>
             </a:r>
-            <a:endParaRPr lang="zh-CN" altLang="en-US"/>
-          </a:p>
-          <a:p>
-            <a:r>
-              <a:rPr lang="zh-CN" altLang="en-US"/>
+            <a:endParaRPr lang="zh-CN" altLang="en-US" dirty="0"/>
+          </a:p>
+          <a:p>
+            <a:r>
+              <a:rPr lang="zh-CN" altLang="en-US" dirty="0"/>
               <a:t>以用户为主导原则</a:t>
             </a:r>
-            <a:endParaRPr lang="zh-CN" altLang="en-US"/>
-          </a:p>
-          <a:p>
-            <a:r>
-              <a:rPr lang="zh-CN" altLang="en-US"/>
+            <a:endParaRPr lang="zh-CN" altLang="en-US" dirty="0"/>
+          </a:p>
+          <a:p>
+            <a:r>
+              <a:rPr lang="zh-CN" altLang="en-US" dirty="0">
+                <a:solidFill>
+                  <a:srgbClr val="FF0000"/>
+                </a:solidFill>
+              </a:rPr>
               <a:t>易用性原则</a:t>
             </a:r>
-            <a:endParaRPr lang="zh-CN" altLang="en-US"/>
-          </a:p>
-          <a:p>
-            <a:r>
-              <a:rPr lang="zh-CN" altLang="en-US"/>
+            <a:endParaRPr lang="zh-CN" altLang="en-US" dirty="0">
+              <a:solidFill>
+                <a:srgbClr val="FF0000"/>
+              </a:solidFill>
+            </a:endParaRPr>
+          </a:p>
+          <a:p>
+            <a:r>
+              <a:rPr lang="zh-CN" altLang="en-US" dirty="0"/>
               <a:t>鼠标与键盘一致性原则</a:t>
             </a:r>
-            <a:endParaRPr lang="zh-CN" altLang="en-US"/>
-          </a:p>
-          <a:p>
-            <a:r>
-              <a:rPr lang="zh-CN" altLang="en-US"/>
+            <a:endParaRPr lang="zh-CN" altLang="en-US" dirty="0"/>
+          </a:p>
+          <a:p>
+            <a:r>
+              <a:rPr lang="zh-CN" altLang="en-US" dirty="0"/>
               <a:t>系统响应时间原则</a:t>
             </a:r>
-            <a:endParaRPr lang="zh-CN" altLang="en-US"/>
-          </a:p>
-          <a:p>
-            <a:r>
-              <a:rPr lang="zh-CN" altLang="en-US"/>
+            <a:endParaRPr lang="zh-CN" altLang="en-US" dirty="0"/>
+          </a:p>
+          <a:p>
+            <a:r>
+              <a:rPr lang="zh-CN" altLang="en-US" dirty="0"/>
               <a:t>出错信息和警告原则</a:t>
             </a:r>
-            <a:endParaRPr lang="zh-CN" altLang="en-US"/>
-          </a:p>
-          <a:p>
-            <a:r>
-              <a:rPr lang="zh-CN" altLang="en-US"/>
+            <a:endParaRPr lang="zh-CN" altLang="en-US" dirty="0"/>
+          </a:p>
+          <a:p>
+            <a:r>
+              <a:rPr lang="zh-CN" altLang="en-US" dirty="0"/>
               <a:t>信息显示原则</a:t>
             </a:r>
-            <a:endParaRPr lang="zh-CN" altLang="en-US"/>
-          </a:p>
-          <a:p>
-            <a:r>
-              <a:rPr lang="zh-CN" altLang="en-US"/>
+            <a:endParaRPr lang="zh-CN" altLang="en-US" dirty="0"/>
+          </a:p>
+          <a:p>
+            <a:r>
+              <a:rPr lang="zh-CN" altLang="en-US" dirty="0"/>
               <a:t>数据输入原则</a:t>
             </a:r>
-            <a:endParaRPr lang="zh-CN" altLang="en-US"/>
-          </a:p>
-          <a:p>
-            <a:r>
-              <a:rPr lang="zh-CN" altLang="en-US"/>
+            <a:endParaRPr lang="zh-CN" altLang="en-US" dirty="0"/>
+          </a:p>
+          <a:p>
+            <a:r>
+              <a:rPr lang="zh-CN" altLang="en-US" dirty="0">
+                <a:solidFill>
+                  <a:srgbClr val="FF0000"/>
+                </a:solidFill>
+              </a:rPr>
               <a:t>合理性原则</a:t>
             </a:r>
-            <a:endParaRPr lang="zh-CN" altLang="en-US"/>
-          </a:p>
-          <a:p>
-            <a:r>
-              <a:rPr lang="zh-CN" altLang="en-US"/>
+            <a:endParaRPr lang="zh-CN" altLang="en-US" dirty="0">
+              <a:solidFill>
+                <a:srgbClr val="FF0000"/>
+              </a:solidFill>
+            </a:endParaRPr>
+          </a:p>
+          <a:p>
+            <a:r>
+              <a:rPr lang="zh-CN" altLang="en-US" dirty="0"/>
               <a:t>美观与协调性原则</a:t>
             </a:r>
-            <a:endParaRPr lang="zh-CN" altLang="en-US" sz="2800"/>
+            <a:endParaRPr lang="zh-CN" altLang="en-US" sz="2800" dirty="0"/>
           </a:p>
           <a:p>
             <a:pPr marL="457200" lvl="1" indent="0">
@@ -10936,7 +10890,7 @@
               </a:rPr>
               <a:t>										     【8】</a:t>
             </a:r>
-            <a:endParaRPr lang="zh-CN" altLang="en-US"/>
+            <a:endParaRPr lang="zh-CN" altLang="en-US" dirty="0"/>
           </a:p>
         </p:txBody>
       </p:sp>
@@ -11041,13 +10995,6 @@
   <p:clrMapOvr>
     <a:masterClrMapping/>
   </p:clrMapOvr>
-  <p:timing>
-    <p:tnLst>
-      <p:par>
-        <p:cTn id="1" dur="indefinite" restart="never" nodeType="tmRoot"/>
-      </p:par>
-    </p:tnLst>
-  </p:timing>
 </p:sld>
 </file>
 
@@ -11089,12 +11036,13 @@
         <p:spPr/>
         <p:txBody>
           <a:bodyPr/>
-          <a:p>
-            <a:r>
-              <a:rPr lang="zh-CN" altLang="en-US"/>
+          <a:lstStyle/>
+          <a:p>
+            <a:r>
+              <a:rPr lang="zh-CN" altLang="en-US" dirty="0"/>
               <a:t>字体规范</a:t>
             </a:r>
-            <a:endParaRPr lang="zh-CN" altLang="en-US"/>
+            <a:endParaRPr lang="zh-CN" altLang="en-US" dirty="0"/>
           </a:p>
         </p:txBody>
       </p:sp>
@@ -11198,7 +11146,7 @@
         <p:nvPicPr>
           <p:cNvPr id="3" name="内容占位符 2"/>
           <p:cNvPicPr>
-            <a:picLocks noChangeAspect="1"/>
+            <a:picLocks noGrp="1" noChangeAspect="1"/>
           </p:cNvPicPr>
           <p:nvPr>
             <p:ph idx="1"/>
@@ -11212,8 +11160,8 @@
         </p:blipFill>
         <p:spPr>
           <a:xfrm>
-            <a:off x="2193925" y="1691005"/>
-            <a:ext cx="7241540" cy="4730750"/>
+            <a:off x="1589102" y="365125"/>
+            <a:ext cx="9010835" cy="6056630"/>
           </a:xfrm>
           <a:prstGeom prst="rect">
             <a:avLst/>
@@ -11240,6 +11188,7 @@
           <a:bodyPr wrap="none" rtlCol="0" anchor="t">
             <a:spAutoFit/>
           </a:bodyPr>
+          <a:lstStyle/>
           <a:p>
             <a:pPr marL="457200" lvl="1" indent="0">
               <a:buNone/>
@@ -11262,9 +11211,217 @@
   <p:timing>
     <p:tnLst>
       <p:par>
-        <p:cTn id="1" dur="indefinite" restart="never" nodeType="tmRoot"/>
+        <p:cTn id="1" dur="indefinite" restart="never" nodeType="tmRoot">
+          <p:childTnLst>
+            <p:seq concurrent="1" nextAc="seek">
+              <p:cTn id="2" dur="indefinite" nodeType="mainSeq">
+                <p:childTnLst>
+                  <p:par>
+                    <p:cTn id="3" fill="hold">
+                      <p:stCondLst>
+                        <p:cond delay="indefinite"/>
+                      </p:stCondLst>
+                      <p:childTnLst>
+                        <p:par>
+                          <p:cTn id="4" fill="hold">
+                            <p:stCondLst>
+                              <p:cond delay="0"/>
+                            </p:stCondLst>
+                            <p:childTnLst>
+                              <p:par>
+                                <p:cTn id="5" presetID="2" presetClass="entr" presetSubtype="4" fill="hold" grpId="0" nodeType="clickEffect">
+                                  <p:stCondLst>
+                                    <p:cond delay="0"/>
+                                  </p:stCondLst>
+                                  <p:childTnLst>
+                                    <p:set>
+                                      <p:cBhvr>
+                                        <p:cTn id="6" dur="1" fill="hold">
+                                          <p:stCondLst>
+                                            <p:cond delay="0"/>
+                                          </p:stCondLst>
+                                        </p:cTn>
+                                        <p:tgtEl>
+                                          <p:spTgt spid="2"/>
+                                        </p:tgtEl>
+                                        <p:attrNameLst>
+                                          <p:attrName>style.visibility</p:attrName>
+                                        </p:attrNameLst>
+                                      </p:cBhvr>
+                                      <p:to>
+                                        <p:strVal val="visible"/>
+                                      </p:to>
+                                    </p:set>
+                                    <p:anim calcmode="lin" valueType="num">
+                                      <p:cBhvr additive="base">
+                                        <p:cTn id="7" dur="500" fill="hold"/>
+                                        <p:tgtEl>
+                                          <p:spTgt spid="2"/>
+                                        </p:tgtEl>
+                                        <p:attrNameLst>
+                                          <p:attrName>ppt_x</p:attrName>
+                                        </p:attrNameLst>
+                                      </p:cBhvr>
+                                      <p:tavLst>
+                                        <p:tav tm="0">
+                                          <p:val>
+                                            <p:strVal val="#ppt_x"/>
+                                          </p:val>
+                                        </p:tav>
+                                        <p:tav tm="100000">
+                                          <p:val>
+                                            <p:strVal val="#ppt_x"/>
+                                          </p:val>
+                                        </p:tav>
+                                      </p:tavLst>
+                                    </p:anim>
+                                    <p:anim calcmode="lin" valueType="num">
+                                      <p:cBhvr additive="base">
+                                        <p:cTn id="8" dur="500" fill="hold"/>
+                                        <p:tgtEl>
+                                          <p:spTgt spid="2"/>
+                                        </p:tgtEl>
+                                        <p:attrNameLst>
+                                          <p:attrName>ppt_y</p:attrName>
+                                        </p:attrNameLst>
+                                      </p:cBhvr>
+                                      <p:tavLst>
+                                        <p:tav tm="0">
+                                          <p:val>
+                                            <p:strVal val="1+#ppt_h/2"/>
+                                          </p:val>
+                                        </p:tav>
+                                        <p:tav tm="100000">
+                                          <p:val>
+                                            <p:strVal val="#ppt_y"/>
+                                          </p:val>
+                                        </p:tav>
+                                      </p:tavLst>
+                                    </p:anim>
+                                  </p:childTnLst>
+                                </p:cTn>
+                              </p:par>
+                            </p:childTnLst>
+                          </p:cTn>
+                        </p:par>
+                      </p:childTnLst>
+                    </p:cTn>
+                  </p:par>
+                  <p:par>
+                    <p:cTn id="9" fill="hold">
+                      <p:stCondLst>
+                        <p:cond delay="indefinite"/>
+                      </p:stCondLst>
+                      <p:childTnLst>
+                        <p:par>
+                          <p:cTn id="10" fill="hold">
+                            <p:stCondLst>
+                              <p:cond delay="0"/>
+                            </p:stCondLst>
+                            <p:childTnLst>
+                              <p:par>
+                                <p:cTn id="11" presetID="2" presetClass="entr" presetSubtype="4" fill="hold" nodeType="clickEffect">
+                                  <p:stCondLst>
+                                    <p:cond delay="0"/>
+                                  </p:stCondLst>
+                                  <p:childTnLst>
+                                    <p:set>
+                                      <p:cBhvr>
+                                        <p:cTn id="12" dur="1" fill="hold">
+                                          <p:stCondLst>
+                                            <p:cond delay="0"/>
+                                          </p:stCondLst>
+                                        </p:cTn>
+                                        <p:tgtEl>
+                                          <p:spTgt spid="3"/>
+                                        </p:tgtEl>
+                                        <p:attrNameLst>
+                                          <p:attrName>style.visibility</p:attrName>
+                                        </p:attrNameLst>
+                                      </p:cBhvr>
+                                      <p:to>
+                                        <p:strVal val="visible"/>
+                                      </p:to>
+                                    </p:set>
+                                    <p:anim calcmode="lin" valueType="num">
+                                      <p:cBhvr additive="base">
+                                        <p:cTn id="13" dur="500" fill="hold"/>
+                                        <p:tgtEl>
+                                          <p:spTgt spid="3"/>
+                                        </p:tgtEl>
+                                        <p:attrNameLst>
+                                          <p:attrName>ppt_x</p:attrName>
+                                        </p:attrNameLst>
+                                      </p:cBhvr>
+                                      <p:tavLst>
+                                        <p:tav tm="0">
+                                          <p:val>
+                                            <p:strVal val="#ppt_x"/>
+                                          </p:val>
+                                        </p:tav>
+                                        <p:tav tm="100000">
+                                          <p:val>
+                                            <p:strVal val="#ppt_x"/>
+                                          </p:val>
+                                        </p:tav>
+                                      </p:tavLst>
+                                    </p:anim>
+                                    <p:anim calcmode="lin" valueType="num">
+                                      <p:cBhvr additive="base">
+                                        <p:cTn id="14" dur="500" fill="hold"/>
+                                        <p:tgtEl>
+                                          <p:spTgt spid="3"/>
+                                        </p:tgtEl>
+                                        <p:attrNameLst>
+                                          <p:attrName>ppt_y</p:attrName>
+                                        </p:attrNameLst>
+                                      </p:cBhvr>
+                                      <p:tavLst>
+                                        <p:tav tm="0">
+                                          <p:val>
+                                            <p:strVal val="1+#ppt_h/2"/>
+                                          </p:val>
+                                        </p:tav>
+                                        <p:tav tm="100000">
+                                          <p:val>
+                                            <p:strVal val="#ppt_y"/>
+                                          </p:val>
+                                        </p:tav>
+                                      </p:tavLst>
+                                    </p:anim>
+                                  </p:childTnLst>
+                                </p:cTn>
+                              </p:par>
+                            </p:childTnLst>
+                          </p:cTn>
+                        </p:par>
+                      </p:childTnLst>
+                    </p:cTn>
+                  </p:par>
+                </p:childTnLst>
+              </p:cTn>
+              <p:prevCondLst>
+                <p:cond evt="onPrev" delay="0">
+                  <p:tgtEl>
+                    <p:sldTgt/>
+                  </p:tgtEl>
+                </p:cond>
+              </p:prevCondLst>
+              <p:nextCondLst>
+                <p:cond evt="onNext" delay="0">
+                  <p:tgtEl>
+                    <p:sldTgt/>
+                  </p:tgtEl>
+                </p:cond>
+              </p:nextCondLst>
+            </p:seq>
+          </p:childTnLst>
+        </p:cTn>
       </p:par>
     </p:tnLst>
+    <p:bldLst>
+      <p:bldP spid="2" grpId="0"/>
+    </p:bldLst>
   </p:timing>
 </p:sld>
 </file>
@@ -11720,12 +11877,13 @@
         <p:spPr/>
         <p:txBody>
           <a:bodyPr/>
-          <a:p>
-            <a:r>
-              <a:rPr lang="zh-CN" altLang="en-US"/>
+          <a:lstStyle/>
+          <a:p>
+            <a:r>
+              <a:rPr lang="zh-CN" altLang="en-US" dirty="0"/>
               <a:t>尺寸规范</a:t>
             </a:r>
-            <a:endParaRPr lang="zh-CN" altLang="en-US"/>
+            <a:endParaRPr lang="zh-CN" altLang="en-US" dirty="0"/>
           </a:p>
         </p:txBody>
       </p:sp>
@@ -11829,7 +11987,7 @@
         <p:nvPicPr>
           <p:cNvPr id="3" name="内容占位符 2"/>
           <p:cNvPicPr>
-            <a:picLocks noChangeAspect="1"/>
+            <a:picLocks noGrp="1" noChangeAspect="1"/>
           </p:cNvPicPr>
           <p:nvPr>
             <p:ph idx="1"/>
@@ -11843,8 +12001,8 @@
         </p:blipFill>
         <p:spPr>
           <a:xfrm>
-            <a:off x="2310130" y="2613660"/>
-            <a:ext cx="6566535" cy="2185670"/>
+            <a:off x="601630" y="1690688"/>
+            <a:ext cx="10988740" cy="3657600"/>
           </a:xfrm>
           <a:prstGeom prst="rect">
             <a:avLst/>
@@ -11871,6 +12029,7 @@
           <a:bodyPr wrap="none" rtlCol="0" anchor="t">
             <a:spAutoFit/>
           </a:bodyPr>
+          <a:lstStyle/>
           <a:p>
             <a:pPr marL="457200" lvl="1" indent="0">
               <a:buNone/>
@@ -11890,13 +12049,6 @@
   <p:clrMapOvr>
     <a:masterClrMapping/>
   </p:clrMapOvr>
-  <p:timing>
-    <p:tnLst>
-      <p:par>
-        <p:cTn id="1" dur="indefinite" restart="never" nodeType="tmRoot"/>
-      </p:par>
-    </p:tnLst>
-  </p:timing>
 </p:sld>
 </file>
 
@@ -11938,12 +12090,13 @@
         <p:spPr/>
         <p:txBody>
           <a:bodyPr/>
-          <a:p>
-            <a:r>
-              <a:rPr lang="zh-CN" altLang="en-US"/>
+          <a:lstStyle/>
+          <a:p>
+            <a:r>
+              <a:rPr lang="zh-CN" altLang="en-US" dirty="0"/>
               <a:t>颜色规范</a:t>
             </a:r>
-            <a:endParaRPr lang="zh-CN" altLang="en-US"/>
+            <a:endParaRPr lang="zh-CN" altLang="en-US" dirty="0"/>
           </a:p>
         </p:txBody>
       </p:sp>
@@ -12047,7 +12200,7 @@
         <p:nvPicPr>
           <p:cNvPr id="3" name="内容占位符 2"/>
           <p:cNvPicPr>
-            <a:picLocks noChangeAspect="1"/>
+            <a:picLocks noGrp="1" noChangeAspect="1"/>
           </p:cNvPicPr>
           <p:nvPr>
             <p:ph idx="1"/>
@@ -12061,8 +12214,8 @@
         </p:blipFill>
         <p:spPr>
           <a:xfrm>
-            <a:off x="1982470" y="1691005"/>
-            <a:ext cx="7212330" cy="4636770"/>
+            <a:off x="1127654" y="391561"/>
+            <a:ext cx="9490376" cy="6101314"/>
           </a:xfrm>
           <a:prstGeom prst="rect">
             <a:avLst/>
@@ -12089,6 +12242,7 @@
           <a:bodyPr wrap="none" rtlCol="0" anchor="t">
             <a:spAutoFit/>
           </a:bodyPr>
+          <a:lstStyle/>
           <a:p>
             <a:pPr marL="457200" lvl="1" indent="0">
               <a:buNone/>
@@ -12111,9 +12265,217 @@
   <p:timing>
     <p:tnLst>
       <p:par>
-        <p:cTn id="1" dur="indefinite" restart="never" nodeType="tmRoot"/>
+        <p:cTn id="1" dur="indefinite" restart="never" nodeType="tmRoot">
+          <p:childTnLst>
+            <p:seq concurrent="1" nextAc="seek">
+              <p:cTn id="2" dur="indefinite" nodeType="mainSeq">
+                <p:childTnLst>
+                  <p:par>
+                    <p:cTn id="3" fill="hold">
+                      <p:stCondLst>
+                        <p:cond delay="indefinite"/>
+                      </p:stCondLst>
+                      <p:childTnLst>
+                        <p:par>
+                          <p:cTn id="4" fill="hold">
+                            <p:stCondLst>
+                              <p:cond delay="0"/>
+                            </p:stCondLst>
+                            <p:childTnLst>
+                              <p:par>
+                                <p:cTn id="5" presetID="2" presetClass="entr" presetSubtype="4" fill="hold" grpId="0" nodeType="clickEffect">
+                                  <p:stCondLst>
+                                    <p:cond delay="0"/>
+                                  </p:stCondLst>
+                                  <p:childTnLst>
+                                    <p:set>
+                                      <p:cBhvr>
+                                        <p:cTn id="6" dur="1" fill="hold">
+                                          <p:stCondLst>
+                                            <p:cond delay="0"/>
+                                          </p:stCondLst>
+                                        </p:cTn>
+                                        <p:tgtEl>
+                                          <p:spTgt spid="2"/>
+                                        </p:tgtEl>
+                                        <p:attrNameLst>
+                                          <p:attrName>style.visibility</p:attrName>
+                                        </p:attrNameLst>
+                                      </p:cBhvr>
+                                      <p:to>
+                                        <p:strVal val="visible"/>
+                                      </p:to>
+                                    </p:set>
+                                    <p:anim calcmode="lin" valueType="num">
+                                      <p:cBhvr additive="base">
+                                        <p:cTn id="7" dur="500" fill="hold"/>
+                                        <p:tgtEl>
+                                          <p:spTgt spid="2"/>
+                                        </p:tgtEl>
+                                        <p:attrNameLst>
+                                          <p:attrName>ppt_x</p:attrName>
+                                        </p:attrNameLst>
+                                      </p:cBhvr>
+                                      <p:tavLst>
+                                        <p:tav tm="0">
+                                          <p:val>
+                                            <p:strVal val="#ppt_x"/>
+                                          </p:val>
+                                        </p:tav>
+                                        <p:tav tm="100000">
+                                          <p:val>
+                                            <p:strVal val="#ppt_x"/>
+                                          </p:val>
+                                        </p:tav>
+                                      </p:tavLst>
+                                    </p:anim>
+                                    <p:anim calcmode="lin" valueType="num">
+                                      <p:cBhvr additive="base">
+                                        <p:cTn id="8" dur="500" fill="hold"/>
+                                        <p:tgtEl>
+                                          <p:spTgt spid="2"/>
+                                        </p:tgtEl>
+                                        <p:attrNameLst>
+                                          <p:attrName>ppt_y</p:attrName>
+                                        </p:attrNameLst>
+                                      </p:cBhvr>
+                                      <p:tavLst>
+                                        <p:tav tm="0">
+                                          <p:val>
+                                            <p:strVal val="1+#ppt_h/2"/>
+                                          </p:val>
+                                        </p:tav>
+                                        <p:tav tm="100000">
+                                          <p:val>
+                                            <p:strVal val="#ppt_y"/>
+                                          </p:val>
+                                        </p:tav>
+                                      </p:tavLst>
+                                    </p:anim>
+                                  </p:childTnLst>
+                                </p:cTn>
+                              </p:par>
+                            </p:childTnLst>
+                          </p:cTn>
+                        </p:par>
+                      </p:childTnLst>
+                    </p:cTn>
+                  </p:par>
+                  <p:par>
+                    <p:cTn id="9" fill="hold">
+                      <p:stCondLst>
+                        <p:cond delay="indefinite"/>
+                      </p:stCondLst>
+                      <p:childTnLst>
+                        <p:par>
+                          <p:cTn id="10" fill="hold">
+                            <p:stCondLst>
+                              <p:cond delay="0"/>
+                            </p:stCondLst>
+                            <p:childTnLst>
+                              <p:par>
+                                <p:cTn id="11" presetID="2" presetClass="entr" presetSubtype="4" fill="hold" nodeType="clickEffect">
+                                  <p:stCondLst>
+                                    <p:cond delay="0"/>
+                                  </p:stCondLst>
+                                  <p:childTnLst>
+                                    <p:set>
+                                      <p:cBhvr>
+                                        <p:cTn id="12" dur="1" fill="hold">
+                                          <p:stCondLst>
+                                            <p:cond delay="0"/>
+                                          </p:stCondLst>
+                                        </p:cTn>
+                                        <p:tgtEl>
+                                          <p:spTgt spid="3"/>
+                                        </p:tgtEl>
+                                        <p:attrNameLst>
+                                          <p:attrName>style.visibility</p:attrName>
+                                        </p:attrNameLst>
+                                      </p:cBhvr>
+                                      <p:to>
+                                        <p:strVal val="visible"/>
+                                      </p:to>
+                                    </p:set>
+                                    <p:anim calcmode="lin" valueType="num">
+                                      <p:cBhvr additive="base">
+                                        <p:cTn id="13" dur="500" fill="hold"/>
+                                        <p:tgtEl>
+                                          <p:spTgt spid="3"/>
+                                        </p:tgtEl>
+                                        <p:attrNameLst>
+                                          <p:attrName>ppt_x</p:attrName>
+                                        </p:attrNameLst>
+                                      </p:cBhvr>
+                                      <p:tavLst>
+                                        <p:tav tm="0">
+                                          <p:val>
+                                            <p:strVal val="#ppt_x"/>
+                                          </p:val>
+                                        </p:tav>
+                                        <p:tav tm="100000">
+                                          <p:val>
+                                            <p:strVal val="#ppt_x"/>
+                                          </p:val>
+                                        </p:tav>
+                                      </p:tavLst>
+                                    </p:anim>
+                                    <p:anim calcmode="lin" valueType="num">
+                                      <p:cBhvr additive="base">
+                                        <p:cTn id="14" dur="500" fill="hold"/>
+                                        <p:tgtEl>
+                                          <p:spTgt spid="3"/>
+                                        </p:tgtEl>
+                                        <p:attrNameLst>
+                                          <p:attrName>ppt_y</p:attrName>
+                                        </p:attrNameLst>
+                                      </p:cBhvr>
+                                      <p:tavLst>
+                                        <p:tav tm="0">
+                                          <p:val>
+                                            <p:strVal val="1+#ppt_h/2"/>
+                                          </p:val>
+                                        </p:tav>
+                                        <p:tav tm="100000">
+                                          <p:val>
+                                            <p:strVal val="#ppt_y"/>
+                                          </p:val>
+                                        </p:tav>
+                                      </p:tavLst>
+                                    </p:anim>
+                                  </p:childTnLst>
+                                </p:cTn>
+                              </p:par>
+                            </p:childTnLst>
+                          </p:cTn>
+                        </p:par>
+                      </p:childTnLst>
+                    </p:cTn>
+                  </p:par>
+                </p:childTnLst>
+              </p:cTn>
+              <p:prevCondLst>
+                <p:cond evt="onPrev" delay="0">
+                  <p:tgtEl>
+                    <p:sldTgt/>
+                  </p:tgtEl>
+                </p:cond>
+              </p:prevCondLst>
+              <p:nextCondLst>
+                <p:cond evt="onNext" delay="0">
+                  <p:tgtEl>
+                    <p:sldTgt/>
+                  </p:tgtEl>
+                </p:cond>
+              </p:nextCondLst>
+            </p:seq>
+          </p:childTnLst>
+        </p:cTn>
       </p:par>
     </p:tnLst>
+    <p:bldLst>
+      <p:bldP spid="2" grpId="0"/>
+    </p:bldLst>
   </p:timing>
 </p:sld>
 </file>
@@ -12156,6 +12518,7 @@
         <p:spPr/>
         <p:txBody>
           <a:bodyPr/>
+          <a:lstStyle/>
           <a:p>
             <a:r>
               <a:rPr lang="zh-CN" altLang="en-US"/>
@@ -12265,7 +12628,7 @@
         <p:nvPicPr>
           <p:cNvPr id="3" name="内容占位符 2"/>
           <p:cNvPicPr>
-            <a:picLocks noChangeAspect="1"/>
+            <a:picLocks noGrp="1" noChangeAspect="1"/>
           </p:cNvPicPr>
           <p:nvPr>
             <p:ph idx="1"/>
@@ -12279,8 +12642,8 @@
         </p:blipFill>
         <p:spPr>
           <a:xfrm>
-            <a:off x="2304415" y="2051050"/>
-            <a:ext cx="6630670" cy="4109720"/>
+            <a:off x="3856356" y="365125"/>
+            <a:ext cx="8335644" cy="5166471"/>
           </a:xfrm>
           <a:prstGeom prst="rect">
             <a:avLst/>
@@ -12307,6 +12670,7 @@
           <a:bodyPr wrap="none" rtlCol="0" anchor="t">
             <a:spAutoFit/>
           </a:bodyPr>
+          <a:lstStyle/>
           <a:p>
             <a:pPr marL="457200" lvl="1" indent="0">
               <a:buNone/>
@@ -12326,13 +12690,6 @@
   <p:clrMapOvr>
     <a:masterClrMapping/>
   </p:clrMapOvr>
-  <p:timing>
-    <p:tnLst>
-      <p:par>
-        <p:cTn id="1" dur="indefinite" restart="never" nodeType="tmRoot"/>
-      </p:par>
-    </p:tnLst>
-  </p:timing>
 </p:sld>
 </file>
 
@@ -12374,12 +12731,13 @@
         <p:spPr/>
         <p:txBody>
           <a:bodyPr/>
-          <a:p>
-            <a:r>
-              <a:rPr lang="zh-CN" altLang="en-US"/>
+          <a:lstStyle/>
+          <a:p>
+            <a:r>
+              <a:rPr lang="zh-CN" altLang="en-US" dirty="0"/>
               <a:t>默认值规范</a:t>
             </a:r>
-            <a:endParaRPr lang="zh-CN" altLang="en-US"/>
+            <a:endParaRPr lang="zh-CN" altLang="en-US" dirty="0"/>
           </a:p>
         </p:txBody>
       </p:sp>
@@ -12483,7 +12841,7 @@
         <p:nvPicPr>
           <p:cNvPr id="3" name="内容占位符 2"/>
           <p:cNvPicPr>
-            <a:picLocks noChangeAspect="1"/>
+            <a:picLocks noGrp="1" noChangeAspect="1"/>
           </p:cNvPicPr>
           <p:nvPr>
             <p:ph idx="1"/>
@@ -12497,8 +12855,8 @@
         </p:blipFill>
         <p:spPr>
           <a:xfrm>
-            <a:off x="2279650" y="1868805"/>
-            <a:ext cx="6940550" cy="4195445"/>
+            <a:off x="1838869" y="477982"/>
+            <a:ext cx="8677470" cy="5245384"/>
           </a:xfrm>
           <a:prstGeom prst="rect">
             <a:avLst/>
@@ -12525,6 +12883,7 @@
           <a:bodyPr wrap="none" rtlCol="0" anchor="t">
             <a:spAutoFit/>
           </a:bodyPr>
+          <a:lstStyle/>
           <a:p>
             <a:pPr marL="457200" lvl="1" indent="0">
               <a:buNone/>
@@ -12547,9 +12906,233 @@
   <p:timing>
     <p:tnLst>
       <p:par>
-        <p:cTn id="1" dur="indefinite" restart="never" nodeType="tmRoot"/>
+        <p:cTn id="1" dur="indefinite" restart="never" nodeType="tmRoot">
+          <p:childTnLst>
+            <p:seq concurrent="1" nextAc="seek">
+              <p:cTn id="2" dur="indefinite" nodeType="mainSeq">
+                <p:childTnLst>
+                  <p:par>
+                    <p:cTn id="3" fill="hold">
+                      <p:stCondLst>
+                        <p:cond delay="indefinite"/>
+                      </p:stCondLst>
+                      <p:childTnLst>
+                        <p:par>
+                          <p:cTn id="4" fill="hold">
+                            <p:stCondLst>
+                              <p:cond delay="0"/>
+                            </p:stCondLst>
+                            <p:childTnLst>
+                              <p:par>
+                                <p:cTn id="5" presetID="42" presetClass="entr" presetSubtype="0" fill="hold" grpId="0" nodeType="clickEffect">
+                                  <p:stCondLst>
+                                    <p:cond delay="0"/>
+                                  </p:stCondLst>
+                                  <p:childTnLst>
+                                    <p:set>
+                                      <p:cBhvr>
+                                        <p:cTn id="6" dur="1" fill="hold">
+                                          <p:stCondLst>
+                                            <p:cond delay="0"/>
+                                          </p:stCondLst>
+                                        </p:cTn>
+                                        <p:tgtEl>
+                                          <p:spTgt spid="2"/>
+                                        </p:tgtEl>
+                                        <p:attrNameLst>
+                                          <p:attrName>style.visibility</p:attrName>
+                                        </p:attrNameLst>
+                                      </p:cBhvr>
+                                      <p:to>
+                                        <p:strVal val="visible"/>
+                                      </p:to>
+                                    </p:set>
+                                    <p:animEffect transition="in" filter="fade">
+                                      <p:cBhvr>
+                                        <p:cTn id="7" dur="1000"/>
+                                        <p:tgtEl>
+                                          <p:spTgt spid="2"/>
+                                        </p:tgtEl>
+                                      </p:cBhvr>
+                                    </p:animEffect>
+                                    <p:anim calcmode="lin" valueType="num">
+                                      <p:cBhvr>
+                                        <p:cTn id="8" dur="1000" fill="hold"/>
+                                        <p:tgtEl>
+                                          <p:spTgt spid="2"/>
+                                        </p:tgtEl>
+                                        <p:attrNameLst>
+                                          <p:attrName>ppt_x</p:attrName>
+                                        </p:attrNameLst>
+                                      </p:cBhvr>
+                                      <p:tavLst>
+                                        <p:tav tm="0">
+                                          <p:val>
+                                            <p:strVal val="#ppt_x"/>
+                                          </p:val>
+                                        </p:tav>
+                                        <p:tav tm="100000">
+                                          <p:val>
+                                            <p:strVal val="#ppt_x"/>
+                                          </p:val>
+                                        </p:tav>
+                                      </p:tavLst>
+                                    </p:anim>
+                                    <p:anim calcmode="lin" valueType="num">
+                                      <p:cBhvr>
+                                        <p:cTn id="9" dur="1000" fill="hold"/>
+                                        <p:tgtEl>
+                                          <p:spTgt spid="2"/>
+                                        </p:tgtEl>
+                                        <p:attrNameLst>
+                                          <p:attrName>ppt_y</p:attrName>
+                                        </p:attrNameLst>
+                                      </p:cBhvr>
+                                      <p:tavLst>
+                                        <p:tav tm="0">
+                                          <p:val>
+                                            <p:strVal val="#ppt_y+.1"/>
+                                          </p:val>
+                                        </p:tav>
+                                        <p:tav tm="100000">
+                                          <p:val>
+                                            <p:strVal val="#ppt_y"/>
+                                          </p:val>
+                                        </p:tav>
+                                      </p:tavLst>
+                                    </p:anim>
+                                  </p:childTnLst>
+                                </p:cTn>
+                              </p:par>
+                            </p:childTnLst>
+                          </p:cTn>
+                        </p:par>
+                      </p:childTnLst>
+                    </p:cTn>
+                  </p:par>
+                  <p:par>
+                    <p:cTn id="10" fill="hold">
+                      <p:stCondLst>
+                        <p:cond delay="indefinite"/>
+                      </p:stCondLst>
+                      <p:childTnLst>
+                        <p:par>
+                          <p:cTn id="11" fill="hold">
+                            <p:stCondLst>
+                              <p:cond delay="0"/>
+                            </p:stCondLst>
+                            <p:childTnLst>
+                              <p:par>
+                                <p:cTn id="12" presetID="42" presetClass="entr" presetSubtype="0" fill="hold" nodeType="clickEffect">
+                                  <p:stCondLst>
+                                    <p:cond delay="0"/>
+                                  </p:stCondLst>
+                                  <p:childTnLst>
+                                    <p:set>
+                                      <p:cBhvr>
+                                        <p:cTn id="13" dur="1" fill="hold">
+                                          <p:stCondLst>
+                                            <p:cond delay="0"/>
+                                          </p:stCondLst>
+                                        </p:cTn>
+                                        <p:tgtEl>
+                                          <p:spTgt spid="3"/>
+                                        </p:tgtEl>
+                                        <p:attrNameLst>
+                                          <p:attrName>style.visibility</p:attrName>
+                                        </p:attrNameLst>
+                                      </p:cBhvr>
+                                      <p:to>
+                                        <p:strVal val="visible"/>
+                                      </p:to>
+                                    </p:set>
+                                    <p:animEffect transition="in" filter="fade">
+                                      <p:cBhvr>
+                                        <p:cTn id="14" dur="1000"/>
+                                        <p:tgtEl>
+                                          <p:spTgt spid="3"/>
+                                        </p:tgtEl>
+                                      </p:cBhvr>
+                                    </p:animEffect>
+                                    <p:anim calcmode="lin" valueType="num">
+                                      <p:cBhvr>
+                                        <p:cTn id="15" dur="1000" fill="hold"/>
+                                        <p:tgtEl>
+                                          <p:spTgt spid="3"/>
+                                        </p:tgtEl>
+                                        <p:attrNameLst>
+                                          <p:attrName>ppt_x</p:attrName>
+                                        </p:attrNameLst>
+                                      </p:cBhvr>
+                                      <p:tavLst>
+                                        <p:tav tm="0">
+                                          <p:val>
+                                            <p:strVal val="#ppt_x"/>
+                                          </p:val>
+                                        </p:tav>
+                                        <p:tav tm="100000">
+                                          <p:val>
+                                            <p:strVal val="#ppt_x"/>
+                                          </p:val>
+                                        </p:tav>
+                                      </p:tavLst>
+                                    </p:anim>
+                                    <p:anim calcmode="lin" valueType="num">
+                                      <p:cBhvr>
+                                        <p:cTn id="16" dur="1000" fill="hold"/>
+                                        <p:tgtEl>
+                                          <p:spTgt spid="3"/>
+                                        </p:tgtEl>
+                                        <p:attrNameLst>
+                                          <p:attrName>ppt_y</p:attrName>
+                                        </p:attrNameLst>
+                                      </p:cBhvr>
+                                      <p:tavLst>
+                                        <p:tav tm="0">
+                                          <p:val>
+                                            <p:strVal val="#ppt_y+.1"/>
+                                          </p:val>
+                                        </p:tav>
+                                        <p:tav tm="100000">
+                                          <p:val>
+                                            <p:strVal val="#ppt_y"/>
+                                          </p:val>
+                                        </p:tav>
+                                      </p:tavLst>
+                                    </p:anim>
+                                  </p:childTnLst>
+                                </p:cTn>
+                              </p:par>
+                            </p:childTnLst>
+                          </p:cTn>
+                        </p:par>
+                      </p:childTnLst>
+                    </p:cTn>
+                  </p:par>
+                </p:childTnLst>
+              </p:cTn>
+              <p:prevCondLst>
+                <p:cond evt="onPrev" delay="0">
+                  <p:tgtEl>
+                    <p:sldTgt/>
+                  </p:tgtEl>
+                </p:cond>
+              </p:prevCondLst>
+              <p:nextCondLst>
+                <p:cond evt="onNext" delay="0">
+                  <p:tgtEl>
+                    <p:sldTgt/>
+                  </p:tgtEl>
+                </p:cond>
+              </p:nextCondLst>
+            </p:seq>
+          </p:childTnLst>
+        </p:cTn>
       </p:par>
     </p:tnLst>
+    <p:bldLst>
+      <p:bldP spid="2" grpId="0"/>
+    </p:bldLst>
   </p:timing>
 </p:sld>
 </file>
@@ -12592,12 +13175,13 @@
         <p:spPr/>
         <p:txBody>
           <a:bodyPr/>
-          <a:p>
-            <a:r>
-              <a:rPr lang="zh-CN" altLang="en-US"/>
+          <a:lstStyle/>
+          <a:p>
+            <a:r>
+              <a:rPr lang="zh-CN" altLang="en-US" dirty="0"/>
               <a:t>提示语规范</a:t>
             </a:r>
-            <a:endParaRPr lang="zh-CN" altLang="en-US"/>
+            <a:endParaRPr lang="zh-CN" altLang="en-US" dirty="0"/>
           </a:p>
         </p:txBody>
       </p:sp>
@@ -12701,7 +13285,7 @@
         <p:nvPicPr>
           <p:cNvPr id="3" name="内容占位符 2"/>
           <p:cNvPicPr>
-            <a:picLocks noChangeAspect="1"/>
+            <a:picLocks noGrp="1" noChangeAspect="1"/>
           </p:cNvPicPr>
           <p:nvPr>
             <p:ph idx="1"/>
@@ -12715,8 +13299,8 @@
         </p:blipFill>
         <p:spPr>
           <a:xfrm>
-            <a:off x="2004060" y="1803400"/>
-            <a:ext cx="7696835" cy="4141470"/>
+            <a:off x="911080" y="365125"/>
+            <a:ext cx="10369839" cy="5579745"/>
           </a:xfrm>
           <a:prstGeom prst="rect">
             <a:avLst/>
@@ -12743,6 +13327,7 @@
           <a:bodyPr wrap="none" rtlCol="0" anchor="t">
             <a:spAutoFit/>
           </a:bodyPr>
+          <a:lstStyle/>
           <a:p>
             <a:pPr marL="457200" lvl="1" indent="0">
               <a:buNone/>
@@ -12765,9 +13350,187 @@
   <p:timing>
     <p:tnLst>
       <p:par>
-        <p:cTn id="1" dur="indefinite" restart="never" nodeType="tmRoot"/>
+        <p:cTn id="1" dur="indefinite" restart="never" nodeType="tmRoot">
+          <p:childTnLst>
+            <p:seq concurrent="1" nextAc="seek">
+              <p:cTn id="2" dur="indefinite" nodeType="mainSeq">
+                <p:childTnLst>
+                  <p:par>
+                    <p:cTn id="3" fill="hold">
+                      <p:stCondLst>
+                        <p:cond delay="indefinite"/>
+                      </p:stCondLst>
+                      <p:childTnLst>
+                        <p:par>
+                          <p:cTn id="4" fill="hold">
+                            <p:stCondLst>
+                              <p:cond delay="0"/>
+                            </p:stCondLst>
+                            <p:childTnLst>
+                              <p:par>
+                                <p:cTn id="5" presetID="42" presetClass="entr" presetSubtype="0" fill="hold" grpId="0" nodeType="clickEffect">
+                                  <p:stCondLst>
+                                    <p:cond delay="0"/>
+                                  </p:stCondLst>
+                                  <p:childTnLst>
+                                    <p:set>
+                                      <p:cBhvr>
+                                        <p:cTn id="6" dur="1" fill="hold">
+                                          <p:stCondLst>
+                                            <p:cond delay="0"/>
+                                          </p:stCondLst>
+                                        </p:cTn>
+                                        <p:tgtEl>
+                                          <p:spTgt spid="2"/>
+                                        </p:tgtEl>
+                                        <p:attrNameLst>
+                                          <p:attrName>style.visibility</p:attrName>
+                                        </p:attrNameLst>
+                                      </p:cBhvr>
+                                      <p:to>
+                                        <p:strVal val="visible"/>
+                                      </p:to>
+                                    </p:set>
+                                    <p:animEffect transition="in" filter="fade">
+                                      <p:cBhvr>
+                                        <p:cTn id="7" dur="1000"/>
+                                        <p:tgtEl>
+                                          <p:spTgt spid="2"/>
+                                        </p:tgtEl>
+                                      </p:cBhvr>
+                                    </p:animEffect>
+                                    <p:anim calcmode="lin" valueType="num">
+                                      <p:cBhvr>
+                                        <p:cTn id="8" dur="1000" fill="hold"/>
+                                        <p:tgtEl>
+                                          <p:spTgt spid="2"/>
+                                        </p:tgtEl>
+                                        <p:attrNameLst>
+                                          <p:attrName>ppt_x</p:attrName>
+                                        </p:attrNameLst>
+                                      </p:cBhvr>
+                                      <p:tavLst>
+                                        <p:tav tm="0">
+                                          <p:val>
+                                            <p:strVal val="#ppt_x"/>
+                                          </p:val>
+                                        </p:tav>
+                                        <p:tav tm="100000">
+                                          <p:val>
+                                            <p:strVal val="#ppt_x"/>
+                                          </p:val>
+                                        </p:tav>
+                                      </p:tavLst>
+                                    </p:anim>
+                                    <p:anim calcmode="lin" valueType="num">
+                                      <p:cBhvr>
+                                        <p:cTn id="9" dur="1000" fill="hold"/>
+                                        <p:tgtEl>
+                                          <p:spTgt spid="2"/>
+                                        </p:tgtEl>
+                                        <p:attrNameLst>
+                                          <p:attrName>ppt_y</p:attrName>
+                                        </p:attrNameLst>
+                                      </p:cBhvr>
+                                      <p:tavLst>
+                                        <p:tav tm="0">
+                                          <p:val>
+                                            <p:strVal val="#ppt_y+.1"/>
+                                          </p:val>
+                                        </p:tav>
+                                        <p:tav tm="100000">
+                                          <p:val>
+                                            <p:strVal val="#ppt_y"/>
+                                          </p:val>
+                                        </p:tav>
+                                      </p:tavLst>
+                                    </p:anim>
+                                  </p:childTnLst>
+                                </p:cTn>
+                              </p:par>
+                            </p:childTnLst>
+                          </p:cTn>
+                        </p:par>
+                      </p:childTnLst>
+                    </p:cTn>
+                  </p:par>
+                  <p:par>
+                    <p:cTn id="10" fill="hold">
+                      <p:stCondLst>
+                        <p:cond delay="indefinite"/>
+                      </p:stCondLst>
+                      <p:childTnLst>
+                        <p:par>
+                          <p:cTn id="11" fill="hold">
+                            <p:stCondLst>
+                              <p:cond delay="0"/>
+                            </p:stCondLst>
+                            <p:childTnLst>
+                              <p:par>
+                                <p:cTn id="12" presetID="22" presetClass="entr" presetSubtype="4" fill="hold" nodeType="clickEffect">
+                                  <p:stCondLst>
+                                    <p:cond delay="0"/>
+                                  </p:stCondLst>
+                                  <p:childTnLst>
+                                    <p:set>
+                                      <p:cBhvr>
+                                        <p:cTn id="13" dur="1" fill="hold">
+                                          <p:stCondLst>
+                                            <p:cond delay="0"/>
+                                          </p:stCondLst>
+                                        </p:cTn>
+                                        <p:tgtEl>
+                                          <p:spTgt spid="3"/>
+                                        </p:tgtEl>
+                                        <p:attrNameLst>
+                                          <p:attrName>style.visibility</p:attrName>
+                                        </p:attrNameLst>
+                                      </p:cBhvr>
+                                      <p:to>
+                                        <p:strVal val="visible"/>
+                                      </p:to>
+                                    </p:set>
+                                    <p:animEffect transition="in" filter="wipe(down)">
+                                      <p:cBhvr>
+                                        <p:cTn id="14" dur="500"/>
+                                        <p:tgtEl>
+                                          <p:spTgt spid="3"/>
+                                        </p:tgtEl>
+                                      </p:cBhvr>
+                                    </p:animEffect>
+                                  </p:childTnLst>
+                                </p:cTn>
+                              </p:par>
+                            </p:childTnLst>
+                          </p:cTn>
+                        </p:par>
+                      </p:childTnLst>
+                    </p:cTn>
+                  </p:par>
+                </p:childTnLst>
+              </p:cTn>
+              <p:prevCondLst>
+                <p:cond evt="onPrev" delay="0">
+                  <p:tgtEl>
+                    <p:sldTgt/>
+                  </p:tgtEl>
+                </p:cond>
+              </p:prevCondLst>
+              <p:nextCondLst>
+                <p:cond evt="onNext" delay="0">
+                  <p:tgtEl>
+                    <p:sldTgt/>
+                  </p:tgtEl>
+                </p:cond>
+              </p:nextCondLst>
+            </p:seq>
+          </p:childTnLst>
+        </p:cTn>
       </p:par>
     </p:tnLst>
+    <p:bldLst>
+      <p:bldP spid="2" grpId="0"/>
+    </p:bldLst>
   </p:timing>
 </p:sld>
 </file>
@@ -12810,6 +13573,7 @@
         <p:spPr/>
         <p:txBody>
           <a:bodyPr/>
+          <a:lstStyle/>
           <a:p>
             <a:r>
               <a:rPr lang="zh-CN" altLang="en-US"/>
@@ -12919,7 +13683,7 @@
         <p:nvPicPr>
           <p:cNvPr id="3" name="内容占位符 2"/>
           <p:cNvPicPr>
-            <a:picLocks noChangeAspect="1"/>
+            <a:picLocks noGrp="1" noChangeAspect="1"/>
           </p:cNvPicPr>
           <p:nvPr>
             <p:ph idx="1"/>
@@ -12933,8 +13697,8 @@
         </p:blipFill>
         <p:spPr>
           <a:xfrm>
-            <a:off x="2018665" y="2510790"/>
-            <a:ext cx="7333615" cy="2702560"/>
+            <a:off x="579592" y="1443762"/>
+            <a:ext cx="10774208" cy="3970476"/>
           </a:xfrm>
           <a:prstGeom prst="rect">
             <a:avLst/>
@@ -12961,6 +13725,7 @@
           <a:bodyPr wrap="none" rtlCol="0" anchor="t">
             <a:spAutoFit/>
           </a:bodyPr>
+          <a:lstStyle/>
           <a:p>
             <a:pPr marL="457200" lvl="1" indent="0">
               <a:buNone/>
@@ -12980,13 +13745,6 @@
   <p:clrMapOvr>
     <a:masterClrMapping/>
   </p:clrMapOvr>
-  <p:timing>
-    <p:tnLst>
-      <p:par>
-        <p:cTn id="1" dur="indefinite" restart="never" nodeType="tmRoot"/>
-      </p:par>
-    </p:tnLst>
-  </p:timing>
 </p:sld>
 </file>
 
@@ -13028,12 +13786,13 @@
         <p:spPr/>
         <p:txBody>
           <a:bodyPr/>
-          <a:p>
-            <a:r>
-              <a:rPr lang="zh-CN" altLang="en-US"/>
+          <a:lstStyle/>
+          <a:p>
+            <a:r>
+              <a:rPr lang="zh-CN" altLang="en-US" dirty="0"/>
               <a:t>输入框限制规范</a:t>
             </a:r>
-            <a:endParaRPr lang="zh-CN" altLang="en-US"/>
+            <a:endParaRPr lang="zh-CN" altLang="en-US" dirty="0"/>
           </a:p>
         </p:txBody>
       </p:sp>
@@ -13137,7 +13896,7 @@
         <p:nvPicPr>
           <p:cNvPr id="3" name="内容占位符 2"/>
           <p:cNvPicPr>
-            <a:picLocks noChangeAspect="1"/>
+            <a:picLocks noGrp="1" noChangeAspect="1"/>
           </p:cNvPicPr>
           <p:nvPr>
             <p:ph idx="1"/>
@@ -13151,8 +13910,8 @@
         </p:blipFill>
         <p:spPr>
           <a:xfrm>
-            <a:off x="1892300" y="1802130"/>
-            <a:ext cx="7724775" cy="4241165"/>
+            <a:off x="487233" y="479395"/>
+            <a:ext cx="10505881" cy="5768087"/>
           </a:xfrm>
           <a:prstGeom prst="rect">
             <a:avLst/>
@@ -13179,6 +13938,7 @@
           <a:bodyPr wrap="none" rtlCol="0" anchor="t">
             <a:spAutoFit/>
           </a:bodyPr>
+          <a:lstStyle/>
           <a:p>
             <a:pPr marL="457200" lvl="1" indent="0">
               <a:buNone/>
@@ -13201,9 +13961,141 @@
   <p:timing>
     <p:tnLst>
       <p:par>
-        <p:cTn id="1" dur="indefinite" restart="never" nodeType="tmRoot"/>
+        <p:cTn id="1" dur="indefinite" restart="never" nodeType="tmRoot">
+          <p:childTnLst>
+            <p:seq concurrent="1" nextAc="seek">
+              <p:cTn id="2" dur="indefinite" nodeType="mainSeq">
+                <p:childTnLst>
+                  <p:par>
+                    <p:cTn id="3" fill="hold">
+                      <p:stCondLst>
+                        <p:cond delay="indefinite"/>
+                      </p:stCondLst>
+                      <p:childTnLst>
+                        <p:par>
+                          <p:cTn id="4" fill="hold">
+                            <p:stCondLst>
+                              <p:cond delay="0"/>
+                            </p:stCondLst>
+                            <p:childTnLst>
+                              <p:par>
+                                <p:cTn id="5" presetID="16" presetClass="entr" presetSubtype="21" fill="hold" grpId="0" nodeType="clickEffect">
+                                  <p:stCondLst>
+                                    <p:cond delay="0"/>
+                                  </p:stCondLst>
+                                  <p:childTnLst>
+                                    <p:set>
+                                      <p:cBhvr>
+                                        <p:cTn id="6" dur="1" fill="hold">
+                                          <p:stCondLst>
+                                            <p:cond delay="0"/>
+                                          </p:stCondLst>
+                                        </p:cTn>
+                                        <p:tgtEl>
+                                          <p:spTgt spid="2"/>
+                                        </p:tgtEl>
+                                        <p:attrNameLst>
+                                          <p:attrName>style.visibility</p:attrName>
+                                        </p:attrNameLst>
+                                      </p:cBhvr>
+                                      <p:to>
+                                        <p:strVal val="visible"/>
+                                      </p:to>
+                                    </p:set>
+                                    <p:animEffect transition="in" filter="barn(inVertical)">
+                                      <p:cBhvr>
+                                        <p:cTn id="7" dur="500"/>
+                                        <p:tgtEl>
+                                          <p:spTgt spid="2"/>
+                                        </p:tgtEl>
+                                      </p:cBhvr>
+                                    </p:animEffect>
+                                  </p:childTnLst>
+                                </p:cTn>
+                              </p:par>
+                            </p:childTnLst>
+                          </p:cTn>
+                        </p:par>
+                      </p:childTnLst>
+                    </p:cTn>
+                  </p:par>
+                  <p:par>
+                    <p:cTn id="8" fill="hold">
+                      <p:stCondLst>
+                        <p:cond delay="indefinite"/>
+                      </p:stCondLst>
+                      <p:childTnLst>
+                        <p:par>
+                          <p:cTn id="9" fill="hold">
+                            <p:stCondLst>
+                              <p:cond delay="0"/>
+                            </p:stCondLst>
+                            <p:childTnLst>
+                              <p:par>
+                                <p:cTn id="10" presetID="22" presetClass="entr" presetSubtype="4" fill="hold" nodeType="clickEffect">
+                                  <p:stCondLst>
+                                    <p:cond delay="0"/>
+                                  </p:stCondLst>
+                                  <p:childTnLst>
+                                    <p:set>
+                                      <p:cBhvr>
+                                        <p:cTn id="11" dur="1" fill="hold">
+                                          <p:stCondLst>
+                                            <p:cond delay="0"/>
+                                          </p:stCondLst>
+                                        </p:cTn>
+                                        <p:tgtEl>
+                                          <p:spTgt spid="3"/>
+                                        </p:tgtEl>
+                                        <p:attrNameLst>
+                                          <p:attrName>style.visibility</p:attrName>
+                                        </p:attrNameLst>
+                                      </p:cBhvr>
+                                      <p:to>
+                                        <p:strVal val="visible"/>
+                                      </p:to>
+                                    </p:set>
+                                    <p:animEffect transition="in" filter="wipe(down)">
+                                      <p:cBhvr>
+                                        <p:cTn id="12" dur="500"/>
+                                        <p:tgtEl>
+                                          <p:spTgt spid="3"/>
+                                        </p:tgtEl>
+                                      </p:cBhvr>
+                                    </p:animEffect>
+                                  </p:childTnLst>
+                                </p:cTn>
+                              </p:par>
+                            </p:childTnLst>
+                          </p:cTn>
+                        </p:par>
+                      </p:childTnLst>
+                    </p:cTn>
+                  </p:par>
+                </p:childTnLst>
+              </p:cTn>
+              <p:prevCondLst>
+                <p:cond evt="onPrev" delay="0">
+                  <p:tgtEl>
+                    <p:sldTgt/>
+                  </p:tgtEl>
+                </p:cond>
+              </p:prevCondLst>
+              <p:nextCondLst>
+                <p:cond evt="onNext" delay="0">
+                  <p:tgtEl>
+                    <p:sldTgt/>
+                  </p:tgtEl>
+                </p:cond>
+              </p:nextCondLst>
+            </p:seq>
+          </p:childTnLst>
+        </p:cTn>
       </p:par>
     </p:tnLst>
+    <p:bldLst>
+      <p:bldP spid="2" grpId="0"/>
+    </p:bldLst>
   </p:timing>
 </p:sld>
 </file>
@@ -13246,6 +14138,7 @@
         <p:spPr/>
         <p:txBody>
           <a:bodyPr/>
+          <a:lstStyle/>
           <a:p>
             <a:r>
               <a:rPr lang="zh-CN" altLang="en-US"/>
@@ -13355,7 +14248,7 @@
         <p:nvPicPr>
           <p:cNvPr id="3" name="内容占位符 2"/>
           <p:cNvPicPr>
-            <a:picLocks noChangeAspect="1"/>
+            <a:picLocks noGrp="1" noChangeAspect="1"/>
           </p:cNvPicPr>
           <p:nvPr>
             <p:ph idx="1"/>
@@ -13369,8 +14262,8 @@
         </p:blipFill>
         <p:spPr>
           <a:xfrm>
-            <a:off x="2125345" y="2228215"/>
-            <a:ext cx="7506335" cy="3130550"/>
+            <a:off x="676460" y="1362176"/>
+            <a:ext cx="9911530" cy="4133647"/>
           </a:xfrm>
           <a:prstGeom prst="rect">
             <a:avLst/>
@@ -13397,6 +14290,7 @@
           <a:bodyPr wrap="none" rtlCol="0" anchor="t">
             <a:spAutoFit/>
           </a:bodyPr>
+          <a:lstStyle/>
           <a:p>
             <a:pPr marL="457200" lvl="1" indent="0">
               <a:buNone/>
@@ -13416,13 +14310,6 @@
   <p:clrMapOvr>
     <a:masterClrMapping/>
   </p:clrMapOvr>
-  <p:timing>
-    <p:tnLst>
-      <p:par>
-        <p:cTn id="1" dur="indefinite" restart="never" nodeType="tmRoot"/>
-      </p:par>
-    </p:tnLst>
-  </p:timing>
 </p:sld>
 </file>
 
@@ -13464,12 +14351,13 @@
         <p:spPr/>
         <p:txBody>
           <a:bodyPr/>
-          <a:p>
-            <a:r>
-              <a:rPr lang="zh-CN" altLang="en-US"/>
+          <a:lstStyle/>
+          <a:p>
+            <a:r>
+              <a:rPr lang="zh-CN" altLang="en-US" dirty="0"/>
               <a:t>防错和出错处理规范</a:t>
             </a:r>
-            <a:endParaRPr lang="zh-CN" altLang="en-US"/>
+            <a:endParaRPr lang="zh-CN" altLang="en-US" dirty="0"/>
           </a:p>
         </p:txBody>
       </p:sp>
@@ -13573,7 +14461,7 @@
         <p:nvPicPr>
           <p:cNvPr id="8" name="内容占位符 7"/>
           <p:cNvPicPr>
-            <a:picLocks noChangeAspect="1"/>
+            <a:picLocks noGrp="1" noChangeAspect="1"/>
           </p:cNvPicPr>
           <p:nvPr>
             <p:ph idx="1"/>
@@ -13587,8 +14475,8 @@
         </p:blipFill>
         <p:spPr>
           <a:xfrm>
-            <a:off x="1559560" y="1691005"/>
-            <a:ext cx="7814310" cy="4605020"/>
+            <a:off x="524803" y="115410"/>
+            <a:ext cx="11015219" cy="6491335"/>
           </a:xfrm>
           <a:prstGeom prst="rect">
             <a:avLst/>
@@ -13615,6 +14503,7 @@
           <a:bodyPr wrap="none" rtlCol="0" anchor="t">
             <a:spAutoFit/>
           </a:bodyPr>
+          <a:lstStyle/>
           <a:p>
             <a:pPr marL="457200" lvl="1" indent="0">
               <a:buNone/>
@@ -13625,7 +14514,7 @@
               </a:rPr>
               <a:t>【8】</a:t>
             </a:r>
-            <a:endParaRPr lang="zh-CN" altLang="en-US" sz="2800"/>
+            <a:endParaRPr lang="zh-CN" altLang="en-US" sz="2800" dirty="0"/>
           </a:p>
         </p:txBody>
       </p:sp>
@@ -13637,9 +14526,141 @@
   <p:timing>
     <p:tnLst>
       <p:par>
-        <p:cTn id="1" dur="indefinite" restart="never" nodeType="tmRoot"/>
+        <p:cTn id="1" dur="indefinite" restart="never" nodeType="tmRoot">
+          <p:childTnLst>
+            <p:seq concurrent="1" nextAc="seek">
+              <p:cTn id="2" dur="indefinite" nodeType="mainSeq">
+                <p:childTnLst>
+                  <p:par>
+                    <p:cTn id="3" fill="hold">
+                      <p:stCondLst>
+                        <p:cond delay="indefinite"/>
+                      </p:stCondLst>
+                      <p:childTnLst>
+                        <p:par>
+                          <p:cTn id="4" fill="hold">
+                            <p:stCondLst>
+                              <p:cond delay="0"/>
+                            </p:stCondLst>
+                            <p:childTnLst>
+                              <p:par>
+                                <p:cTn id="5" presetID="16" presetClass="entr" presetSubtype="21" fill="hold" grpId="0" nodeType="clickEffect">
+                                  <p:stCondLst>
+                                    <p:cond delay="0"/>
+                                  </p:stCondLst>
+                                  <p:childTnLst>
+                                    <p:set>
+                                      <p:cBhvr>
+                                        <p:cTn id="6" dur="1" fill="hold">
+                                          <p:stCondLst>
+                                            <p:cond delay="0"/>
+                                          </p:stCondLst>
+                                        </p:cTn>
+                                        <p:tgtEl>
+                                          <p:spTgt spid="2"/>
+                                        </p:tgtEl>
+                                        <p:attrNameLst>
+                                          <p:attrName>style.visibility</p:attrName>
+                                        </p:attrNameLst>
+                                      </p:cBhvr>
+                                      <p:to>
+                                        <p:strVal val="visible"/>
+                                      </p:to>
+                                    </p:set>
+                                    <p:animEffect transition="in" filter="barn(inVertical)">
+                                      <p:cBhvr>
+                                        <p:cTn id="7" dur="500"/>
+                                        <p:tgtEl>
+                                          <p:spTgt spid="2"/>
+                                        </p:tgtEl>
+                                      </p:cBhvr>
+                                    </p:animEffect>
+                                  </p:childTnLst>
+                                </p:cTn>
+                              </p:par>
+                            </p:childTnLst>
+                          </p:cTn>
+                        </p:par>
+                      </p:childTnLst>
+                    </p:cTn>
+                  </p:par>
+                  <p:par>
+                    <p:cTn id="8" fill="hold">
+                      <p:stCondLst>
+                        <p:cond delay="indefinite"/>
+                      </p:stCondLst>
+                      <p:childTnLst>
+                        <p:par>
+                          <p:cTn id="9" fill="hold">
+                            <p:stCondLst>
+                              <p:cond delay="0"/>
+                            </p:stCondLst>
+                            <p:childTnLst>
+                              <p:par>
+                                <p:cTn id="10" presetID="22" presetClass="entr" presetSubtype="4" fill="hold" nodeType="clickEffect">
+                                  <p:stCondLst>
+                                    <p:cond delay="0"/>
+                                  </p:stCondLst>
+                                  <p:childTnLst>
+                                    <p:set>
+                                      <p:cBhvr>
+                                        <p:cTn id="11" dur="1" fill="hold">
+                                          <p:stCondLst>
+                                            <p:cond delay="0"/>
+                                          </p:stCondLst>
+                                        </p:cTn>
+                                        <p:tgtEl>
+                                          <p:spTgt spid="8"/>
+                                        </p:tgtEl>
+                                        <p:attrNameLst>
+                                          <p:attrName>style.visibility</p:attrName>
+                                        </p:attrNameLst>
+                                      </p:cBhvr>
+                                      <p:to>
+                                        <p:strVal val="visible"/>
+                                      </p:to>
+                                    </p:set>
+                                    <p:animEffect transition="in" filter="wipe(down)">
+                                      <p:cBhvr>
+                                        <p:cTn id="12" dur="500"/>
+                                        <p:tgtEl>
+                                          <p:spTgt spid="8"/>
+                                        </p:tgtEl>
+                                      </p:cBhvr>
+                                    </p:animEffect>
+                                  </p:childTnLst>
+                                </p:cTn>
+                              </p:par>
+                            </p:childTnLst>
+                          </p:cTn>
+                        </p:par>
+                      </p:childTnLst>
+                    </p:cTn>
+                  </p:par>
+                </p:childTnLst>
+              </p:cTn>
+              <p:prevCondLst>
+                <p:cond evt="onPrev" delay="0">
+                  <p:tgtEl>
+                    <p:sldTgt/>
+                  </p:tgtEl>
+                </p:cond>
+              </p:prevCondLst>
+              <p:nextCondLst>
+                <p:cond evt="onNext" delay="0">
+                  <p:tgtEl>
+                    <p:sldTgt/>
+                  </p:tgtEl>
+                </p:cond>
+              </p:nextCondLst>
+            </p:seq>
+          </p:childTnLst>
+        </p:cTn>
       </p:par>
     </p:tnLst>
+    <p:bldLst>
+      <p:bldP spid="2" grpId="0"/>
+    </p:bldLst>
   </p:timing>
 </p:sld>
 </file>
@@ -13682,6 +14703,7 @@
         <p:spPr/>
         <p:txBody>
           <a:bodyPr/>
+          <a:lstStyle/>
           <a:p>
             <a:r>
               <a:rPr lang="zh-CN" altLang="en-US"/>
@@ -13791,7 +14813,7 @@
         <p:nvPicPr>
           <p:cNvPr id="5" name="内容占位符 4"/>
           <p:cNvPicPr>
-            <a:picLocks noChangeAspect="1"/>
+            <a:picLocks noGrp="1" noChangeAspect="1"/>
           </p:cNvPicPr>
           <p:nvPr>
             <p:ph idx="1"/>
@@ -13805,8 +14827,8 @@
         </p:blipFill>
         <p:spPr>
           <a:xfrm>
-            <a:off x="1233805" y="1330325"/>
-            <a:ext cx="9136380" cy="5354320"/>
+            <a:off x="2158407" y="402792"/>
+            <a:ext cx="9195393" cy="5388904"/>
           </a:xfrm>
           <a:prstGeom prst="rect">
             <a:avLst/>
@@ -13833,6 +14855,7 @@
           <a:bodyPr wrap="none" rtlCol="0" anchor="t">
             <a:spAutoFit/>
           </a:bodyPr>
+          <a:lstStyle/>
           <a:p>
             <a:pPr marL="457200" lvl="1" indent="0">
               <a:buNone/>
@@ -13852,13 +14875,6 @@
   <p:clrMapOvr>
     <a:masterClrMapping/>
   </p:clrMapOvr>
-  <p:timing>
-    <p:tnLst>
-      <p:par>
-        <p:cTn id="1" dur="indefinite" restart="never" nodeType="tmRoot"/>
-      </p:par>
-    </p:tnLst>
-  </p:timing>
 </p:sld>
 </file>
 
@@ -13900,6 +14916,7 @@
         <p:spPr/>
         <p:txBody>
           <a:bodyPr/>
+          <a:lstStyle/>
           <a:p>
             <a:r>
               <a:rPr lang="zh-CN" altLang="en-US"/>
@@ -14079,13 +15096,6 @@
   <p:clrMapOvr>
     <a:masterClrMapping/>
   </p:clrMapOvr>
-  <p:timing>
-    <p:tnLst>
-      <p:par>
-        <p:cTn id="1" dur="indefinite" restart="never" nodeType="tmRoot"/>
-      </p:par>
-    </p:tnLst>
-  </p:timing>
 </p:sld>
 </file>
 
@@ -14540,12 +15550,13 @@
         <p:spPr/>
         <p:txBody>
           <a:bodyPr/>
-          <a:p>
-            <a:r>
-              <a:rPr lang="zh-CN" altLang="en-US"/>
-              <a:t>十大界面原型与布局工具</a:t>
-            </a:r>
-            <a:endParaRPr lang="zh-CN" altLang="en-US"/>
+          <a:lstStyle/>
+          <a:p>
+            <a:r>
+              <a:rPr lang="zh-CN" altLang="en-US" dirty="0"/>
+              <a:t>界面原型与布局工具</a:t>
+            </a:r>
+            <a:endParaRPr lang="zh-CN" altLang="en-US" dirty="0"/>
           </a:p>
         </p:txBody>
       </p:sp>
@@ -14566,29 +15577,49 @@
           <a:p>
             <a:r>
               <a:rPr lang="en-US" altLang="zh-CN" dirty="0"/>
-              <a:t>1.Solidify</a:t>
-            </a:r>
-            <a:endParaRPr lang="en-US" altLang="zh-CN" dirty="0"/>
-          </a:p>
-          <a:p>
+              <a:t>1.Easel</a:t>
+            </a:r>
+            <a:endParaRPr lang="zh-CN" altLang="en-US" dirty="0"/>
+          </a:p>
+          <a:p>
+            <a:r>
+              <a:rPr lang="zh-CN" altLang="en-US" dirty="0"/>
+              <a:t>Easel是一款基于浏览器的Web设计工具，允许用户记录模型和创意。其功能包括按钮、表和文本框。这款工具还集成了Twitter Bootstrap库贯穿其他额外的图标和颜色。此外，Easel 让用户在Web中设计保持最佳像素，用户可以使用先进的工具比如CSS3</a:t>
+            </a:r>
             <a:r>
               <a:rPr lang="en-US" altLang="zh-CN" dirty="0"/>
-              <a:t>Solidify允许用户在模型、线框或者草图中获取原型图。此外，你还可以快速地查看屏幕界面原型。如果在桌面、计算机或者手机上运行Solidify还能轻易地测试出项目原型。如果你没有太多的时间花在这上面，你也可以共享给其他测试人员，随时随地获取反馈意见</a:t>
+              <a:t>(Cascading Style Sheets Level 3</a:t>
             </a:r>
             <a:r>
               <a:rPr lang="zh-CN" altLang="en-US" dirty="0"/>
-              <a:t>。</a:t>
-            </a:r>
-            <a:endParaRPr lang="en-US" altLang="zh-CN" dirty="0"/>
+              <a:t>，</a:t>
+            </a:r>
+            <a:r>
+              <a:rPr lang="en-US" altLang="zh-CN" dirty="0"/>
+              <a:t>层叠样式表3级)</a:t>
+            </a:r>
+            <a:r>
+              <a:rPr lang="zh-CN" altLang="en-US" dirty="0"/>
+              <a:t>、Web字体，无需在浏览器和文本编辑器之间来回查看，告别繁琐的过程，轻松创建应用。</a:t>
+            </a:r>
+            <a:endParaRPr lang="zh-CN" altLang="en-US" dirty="0"/>
           </a:p>
           <a:p>
             <a:pPr marL="0" indent="0" algn="r">
               <a:buNone/>
             </a:pPr>
             <a:r>
-              <a:rPr lang="en-US" altLang="zh-CN" dirty="0"/>
+              <a:rPr lang="en-US" altLang="zh-CN" dirty="0">
+                <a:sym typeface="+mn-ea"/>
+              </a:rPr>
               <a:t>【9】</a:t>
             </a:r>
+            <a:endParaRPr lang="zh-CN" altLang="en-US" dirty="0"/>
+          </a:p>
+          <a:p>
+            <a:pPr marL="0" indent="0" algn="r">
+              <a:buNone/>
+            </a:pPr>
             <a:endParaRPr lang="zh-CN" altLang="en-US" dirty="0"/>
           </a:p>
         </p:txBody>
@@ -14742,33 +15773,89 @@
           <a:bodyPr/>
           <a:lstStyle/>
           <a:p>
-            <a:r>
-              <a:rPr lang="en-US" altLang="zh-CN"/>
-              <a:t>2.PowerMockup</a:t>
-            </a:r>
-            <a:endParaRPr lang="zh-CN" altLang="en-US"/>
-          </a:p>
-          <a:p>
-            <a:r>
-              <a:rPr lang="zh-CN" altLang="en-US"/>
-              <a:t>专为设计师准备的PowerMockup在创建PowerPoint时为线框提供模板。包含各式各样的模板，包括菜单、表格、文本框、按钮和标签。当你在创建PPT时你可以轻易的将这些模板拖入使用。另外，用户还能在库中添加自己的条目，只需选择PPT的外形，然后点击“添加模板”标签，一款自定义的模板即可轻松创建。</a:t>
-            </a:r>
             <a:endParaRPr lang="zh-CN" altLang="en-US" dirty="0"/>
           </a:p>
           <a:p>
             <a:pPr marL="0" indent="0" algn="r">
               <a:buNone/>
             </a:pPr>
+            <a:endParaRPr lang="en-US" altLang="zh-CN" dirty="0">
+              <a:sym typeface="+mn-ea"/>
+            </a:endParaRPr>
+          </a:p>
+          <a:p>
+            <a:pPr marL="0" indent="0" algn="r">
+              <a:buNone/>
+            </a:pPr>
+            <a:endParaRPr lang="en-US" altLang="zh-CN" dirty="0">
+              <a:sym typeface="+mn-ea"/>
+            </a:endParaRPr>
+          </a:p>
+          <a:p>
+            <a:pPr marL="0" indent="0" algn="r">
+              <a:buNone/>
+            </a:pPr>
+            <a:endParaRPr lang="en-US" altLang="zh-CN" dirty="0">
+              <a:sym typeface="+mn-ea"/>
+            </a:endParaRPr>
+          </a:p>
+          <a:p>
+            <a:pPr marL="0" indent="0" algn="r">
+              <a:buNone/>
+            </a:pPr>
+            <a:endParaRPr lang="en-US" altLang="zh-CN" dirty="0">
+              <a:sym typeface="+mn-ea"/>
+            </a:endParaRPr>
+          </a:p>
+          <a:p>
+            <a:pPr marL="0" indent="0" algn="r">
+              <a:buNone/>
+            </a:pPr>
+            <a:endParaRPr lang="en-US" altLang="zh-CN" dirty="0">
+              <a:sym typeface="+mn-ea"/>
+            </a:endParaRPr>
+          </a:p>
+          <a:p>
+            <a:pPr marL="0" indent="0" algn="r">
+              <a:buNone/>
+            </a:pPr>
+            <a:endParaRPr lang="en-US" altLang="zh-CN" dirty="0">
+              <a:sym typeface="+mn-ea"/>
+            </a:endParaRPr>
+          </a:p>
+          <a:p>
+            <a:pPr marL="0" indent="0" algn="r">
+              <a:buNone/>
+            </a:pPr>
+            <a:endParaRPr lang="en-US" altLang="zh-CN" dirty="0">
+              <a:sym typeface="+mn-ea"/>
+            </a:endParaRPr>
+          </a:p>
+          <a:p>
+            <a:pPr marL="0" indent="0" algn="r">
+              <a:buNone/>
+            </a:pPr>
+            <a:endParaRPr lang="en-US" altLang="zh-CN" dirty="0">
+              <a:sym typeface="+mn-ea"/>
+            </a:endParaRPr>
+          </a:p>
+          <a:p>
+            <a:pPr marL="0" indent="0" algn="r">
+              <a:buNone/>
+            </a:pPr>
             <a:r>
               <a:rPr lang="en-US" altLang="zh-CN" dirty="0">
                 <a:sym typeface="+mn-ea"/>
               </a:rPr>
-              <a:t>【9】</a:t>
+              <a:t>【16】</a:t>
             </a:r>
             <a:endParaRPr lang="zh-CN" altLang="en-US" dirty="0"/>
           </a:p>
           <a:p>
-            <a:endParaRPr lang="zh-CN" altLang="en-US"/>
+            <a:pPr marL="0" indent="0" algn="r">
+              <a:buNone/>
+            </a:pPr>
+            <a:endParaRPr lang="zh-CN" altLang="en-US" dirty="0"/>
           </a:p>
         </p:txBody>
       </p:sp>
@@ -14868,18 +15955,35 @@
           </a:p>
         </p:txBody>
       </p:sp>
+      <p:pic>
+        <p:nvPicPr>
+          <p:cNvPr id="6" name="图片 5"/>
+          <p:cNvPicPr>
+            <a:picLocks noChangeAspect="1"/>
+          </p:cNvPicPr>
+          <p:nvPr/>
+        </p:nvPicPr>
+        <p:blipFill>
+          <a:blip r:embed="rId1"/>
+          <a:stretch>
+            <a:fillRect/>
+          </a:stretch>
+        </p:blipFill>
+        <p:spPr>
+          <a:xfrm>
+            <a:off x="409575" y="819150"/>
+            <a:ext cx="9885680" cy="4613910"/>
+          </a:xfrm>
+          <a:prstGeom prst="rect">
+            <a:avLst/>
+          </a:prstGeom>
+        </p:spPr>
+      </p:pic>
     </p:spTree>
   </p:cSld>
   <p:clrMapOvr>
     <a:masterClrMapping/>
   </p:clrMapOvr>
-  <p:timing>
-    <p:tnLst>
-      <p:par>
-        <p:cTn id="1" dur="indefinite" restart="never" nodeType="tmRoot"/>
-      </p:par>
-    </p:tnLst>
-  </p:timing>
 </p:sld>
 </file>
 
@@ -14920,8 +16024,8 @@
         </p:nvSpPr>
         <p:spPr>
           <a:xfrm>
-            <a:off x="838200" y="819150"/>
-            <a:ext cx="10515600" cy="5358130"/>
+            <a:off x="838200" y="818515"/>
+            <a:ext cx="10515600" cy="5358765"/>
           </a:xfrm>
         </p:spPr>
         <p:txBody>
@@ -14929,40 +16033,45 @@
           <a:lstStyle/>
           <a:p>
             <a:r>
-              <a:rPr lang="en-US" altLang="zh-CN"/>
-              <a:t>3.Antetype</a:t>
-            </a:r>
-            <a:endParaRPr lang="zh-CN" altLang="en-US"/>
-          </a:p>
-          <a:p>
-            <a:r>
-              <a:rPr lang="zh-CN" altLang="en-US"/>
-              <a:t>当你创建大型的且连续性的项目时，Antetype是最佳选择，这是因为它允许开发者创建一整套的构件库。该构件库可收集各小部件，在原型中方便易用。此外，每个小部件都有一定数量的定制和默认状态可单独或者同时进行编辑。</a:t>
-            </a:r>
-            <a:endParaRPr lang="zh-CN" altLang="en-US"/>
-          </a:p>
-          <a:p>
-            <a:r>
-              <a:rPr lang="zh-CN" altLang="en-US"/>
-              <a:t>因此用户在编辑时无需使用不同的副本，Antetype可适应不同项目的需求。</a:t>
-            </a:r>
-            <a:endParaRPr lang="zh-CN" altLang="en-US"/>
-          </a:p>
-          <a:p>
-            <a:pPr marL="0" indent="0">
+              <a:rPr lang="en-US" altLang="zh-CN" dirty="0"/>
+              <a:t>2.</a:t>
+            </a:r>
+            <a:r>
+              <a:rPr lang="en-US" altLang="zh-CN" dirty="0">
+                <a:sym typeface="+mn-ea"/>
+              </a:rPr>
+              <a:t>Proto.io</a:t>
+            </a:r>
+            <a:endParaRPr lang="en-US" altLang="zh-CN" dirty="0"/>
+          </a:p>
+          <a:p>
+            <a:r>
+              <a:rPr lang="en-US" altLang="zh-CN" dirty="0"/>
+              <a:t>Proto.io是一个专用的手机原型开发平台——可以构建和部署全交互式的移动程序的原型，并且可以模拟出相似的成品。它可以运行在大多数的浏览器中，并提供了3个重要的接口：dashboard、编辑器以及播放器。</a:t>
+            </a:r>
+            <a:endParaRPr lang="en-US" altLang="zh-CN" dirty="0"/>
+          </a:p>
+          <a:p>
+            <a:r>
+              <a:rPr lang="en-US" altLang="zh-CN" dirty="0"/>
+              <a:t>dashboard 可以用来管理项目。编辑器是构建原型的环境，由一组设计和开发原型的工具组成，另外还可以构建交互。播放器用来观看原型，并与原型进行交互，并提供了相关 工具来标注和保留反馈信息。你可以直接在真实的移动设备上对原型进行测试。并且可以使用iOS或Android上的浏览器以全屏模式运行原型。</a:t>
+            </a:r>
+            <a:endParaRPr lang="en-US" altLang="zh-CN" dirty="0"/>
+          </a:p>
+          <a:p>
+            <a:pPr marL="0" indent="0" algn="r">
               <a:buNone/>
             </a:pPr>
             <a:r>
-              <a:rPr lang="en-US" altLang="zh-CN"/>
-              <a:t>										    </a:t>
-            </a:r>
-            <a:r>
               <a:rPr lang="en-US" altLang="zh-CN" dirty="0">
                 <a:sym typeface="+mn-ea"/>
               </a:rPr>
-              <a:t>【9】</a:t>
-            </a:r>
-            <a:endParaRPr lang="en-US" altLang="zh-CN"/>
+              <a:t>【10】</a:t>
+            </a:r>
+            <a:endParaRPr lang="zh-CN" altLang="en-US" dirty="0"/>
+          </a:p>
+          <a:p>
+            <a:endParaRPr lang="en-US" altLang="zh-CN" dirty="0"/>
           </a:p>
         </p:txBody>
       </p:sp>
@@ -15067,13 +16176,6 @@
   <p:clrMapOvr>
     <a:masterClrMapping/>
   </p:clrMapOvr>
-  <p:timing>
-    <p:tnLst>
-      <p:par>
-        <p:cTn id="1" dur="indefinite" restart="never" nodeType="tmRoot"/>
-      </p:par>
-    </p:tnLst>
-  </p:timing>
 </p:sld>
 </file>
 
@@ -15115,44 +16217,90 @@
         <p:spPr>
           <a:xfrm>
             <a:off x="838200" y="818515"/>
-            <a:ext cx="10515600" cy="5358765"/>
+            <a:ext cx="10515600" cy="5844540"/>
           </a:xfrm>
         </p:spPr>
         <p:txBody>
           <a:bodyPr>
-            <a:normAutofit lnSpcReduction="10000"/>
+            <a:normAutofit lnSpcReduction="20000"/>
           </a:bodyPr>
           <a:lstStyle/>
           <a:p>
-            <a:r>
-              <a:rPr lang="en-US" altLang="zh-CN" dirty="0"/>
-              <a:t>4.UXPin</a:t>
-            </a:r>
-            <a:endParaRPr lang="zh-CN" altLang="en-US" dirty="0"/>
-          </a:p>
-          <a:p>
-            <a:r>
-              <a:rPr lang="zh-CN" altLang="en-US" dirty="0"/>
-              <a:t>UXPin是DeSmart团队开发的一个简易快速的实体模型和在线可点击原型创作工具。它基于优秀的用户体验设计原则，在构建原型中，它提供了一个完整的工具包(该工具包具有良好的用户设计模式和元素)来从头构建一个出色的原型。</a:t>
-            </a:r>
-            <a:endParaRPr lang="zh-CN" altLang="en-US" dirty="0"/>
-          </a:p>
-          <a:p>
-            <a:r>
-              <a:rPr lang="zh-CN" altLang="en-US" dirty="0"/>
-              <a:t>UXPin 具有响应式的断点功能，创建的响应式原型和线框图可以运行在不同的设备和分辨率上。另外该软件还提供了版本控制和迭代功能，可以轻松的共享预览，直观的注 解和实时的协同编辑和聊天。该软件拥有大量具有吸引力的用户界面元素风格(包括web，iOS，Android等)，并且具有快速、灵敏的响应拖放接口。</a:t>
-            </a:r>
-            <a:endParaRPr lang="zh-CN" altLang="en-US" dirty="0"/>
+            <a:endParaRPr lang="en-US" altLang="zh-CN" dirty="0"/>
+          </a:p>
+          <a:p>
+            <a:endParaRPr lang="en-US" altLang="zh-CN" dirty="0"/>
+          </a:p>
+          <a:p>
+            <a:endParaRPr lang="en-US" altLang="zh-CN" dirty="0"/>
+          </a:p>
+          <a:p>
+            <a:endParaRPr lang="en-US" altLang="zh-CN" dirty="0"/>
+          </a:p>
+          <a:p>
+            <a:endParaRPr lang="en-US" altLang="zh-CN" dirty="0"/>
+          </a:p>
+          <a:p>
+            <a:endParaRPr lang="en-US" altLang="zh-CN" dirty="0"/>
+          </a:p>
+          <a:p>
+            <a:endParaRPr lang="en-US" altLang="zh-CN" dirty="0"/>
+          </a:p>
+          <a:p>
+            <a:endParaRPr lang="en-US" altLang="zh-CN" dirty="0"/>
           </a:p>
           <a:p>
             <a:pPr marL="0" indent="0" algn="r">
               <a:buNone/>
             </a:pPr>
             <a:r>
-              <a:rPr lang="en-US" altLang="zh-CN" dirty="0"/>
-              <a:t>【10】</a:t>
+              <a:rPr lang="en-US" altLang="zh-CN" dirty="0">
+                <a:sym typeface="+mn-ea"/>
+              </a:rPr>
+              <a:t>       </a:t>
+            </a:r>
+            <a:endParaRPr lang="en-US" altLang="zh-CN" dirty="0">
+              <a:sym typeface="+mn-ea"/>
+            </a:endParaRPr>
+          </a:p>
+          <a:p>
+            <a:pPr marL="0" indent="0" algn="r">
+              <a:buNone/>
+            </a:pPr>
+            <a:endParaRPr lang="en-US" altLang="zh-CN" dirty="0">
+              <a:sym typeface="+mn-ea"/>
+            </a:endParaRPr>
+          </a:p>
+          <a:p>
+            <a:pPr marL="0" indent="0" algn="r">
+              <a:buNone/>
+            </a:pPr>
+            <a:endParaRPr lang="en-US" altLang="zh-CN" dirty="0">
+              <a:sym typeface="+mn-ea"/>
+            </a:endParaRPr>
+          </a:p>
+          <a:p>
+            <a:pPr marL="0" indent="0" algn="r">
+              <a:buNone/>
+            </a:pPr>
+            <a:endParaRPr lang="en-US" altLang="zh-CN" dirty="0">
+              <a:sym typeface="+mn-ea"/>
+            </a:endParaRPr>
+          </a:p>
+          <a:p>
+            <a:pPr marL="0" indent="0" algn="r">
+              <a:buNone/>
+            </a:pPr>
+            <a:r>
+              <a:rPr lang="en-US" altLang="zh-CN" dirty="0">
+                <a:sym typeface="+mn-ea"/>
+              </a:rPr>
+              <a:t>【13】</a:t>
             </a:r>
             <a:endParaRPr lang="zh-CN" altLang="en-US" dirty="0"/>
+          </a:p>
+          <a:p>
+            <a:endParaRPr lang="en-US" altLang="zh-CN" dirty="0"/>
           </a:p>
         </p:txBody>
       </p:sp>
@@ -15252,18 +16400,35 @@
           </a:p>
         </p:txBody>
       </p:sp>
+      <p:pic>
+        <p:nvPicPr>
+          <p:cNvPr id="2" name="图片 1"/>
+          <p:cNvPicPr>
+            <a:picLocks noChangeAspect="1"/>
+          </p:cNvPicPr>
+          <p:nvPr/>
+        </p:nvPicPr>
+        <p:blipFill>
+          <a:blip r:embed="rId1"/>
+          <a:stretch>
+            <a:fillRect/>
+          </a:stretch>
+        </p:blipFill>
+        <p:spPr>
+          <a:xfrm>
+            <a:off x="409575" y="70485"/>
+            <a:ext cx="10198735" cy="5736590"/>
+          </a:xfrm>
+          <a:prstGeom prst="rect">
+            <a:avLst/>
+          </a:prstGeom>
+        </p:spPr>
+      </p:pic>
     </p:spTree>
   </p:cSld>
   <p:clrMapOvr>
     <a:masterClrMapping/>
   </p:clrMapOvr>
-  <p:timing>
-    <p:tnLst>
-      <p:par>
-        <p:cTn id="1" dur="indefinite" restart="never" nodeType="tmRoot"/>
-      </p:par>
-    </p:tnLst>
-  </p:timing>
 </p:sld>
 </file>
 
@@ -15305,7 +16470,7 @@
         <p:spPr>
           <a:xfrm>
             <a:off x="838200" y="818515"/>
-            <a:ext cx="10515600" cy="5358765"/>
+            <a:ext cx="10515600" cy="5920105"/>
           </a:xfrm>
         </p:spPr>
         <p:txBody>
@@ -15313,28 +16478,28 @@
           <a:lstStyle/>
           <a:p>
             <a:r>
-              <a:rPr lang="en-US" altLang="zh-CN"/>
-              <a:t>5.</a:t>
-            </a:r>
-            <a:r>
-              <a:rPr lang="en-US" altLang="zh-CN">
+              <a:rPr lang="en-US" altLang="zh-CN" dirty="0"/>
+              <a:t>3.</a:t>
+            </a:r>
+            <a:r>
+              <a:rPr lang="en-US" altLang="zh-CN" dirty="0">
                 <a:sym typeface="+mn-ea"/>
               </a:rPr>
-              <a:t>QuirkTools</a:t>
-            </a:r>
-            <a:endParaRPr lang="en-US" altLang="zh-CN"/>
-          </a:p>
-          <a:p>
-            <a:r>
-              <a:rPr lang="en-US" altLang="zh-CN"/>
-              <a:t>QuirkTools让网站创建更加简单和便捷。</a:t>
-            </a:r>
-            <a:endParaRPr lang="en-US" altLang="zh-CN"/>
-          </a:p>
-          <a:p>
-            <a:r>
-              <a:rPr lang="en-US" altLang="zh-CN"/>
-              <a:t>利用QuirkTools构建Web应用可帮助用户创建属于自己的一款应用。该应用帮助用户创建基于桌面、移动手机或平板电脑的线框模型。此外，QuirkTools还能让开发者与同事、客户共同协作打造最完美的设计。</a:t>
+              <a:t>POP(Prototyping on Paper)</a:t>
+            </a:r>
+            <a:endParaRPr lang="en-US" altLang="zh-CN" dirty="0"/>
+          </a:p>
+          <a:p>
+            <a:r>
+              <a:rPr lang="en-US" altLang="zh-CN" dirty="0"/>
+              <a:t>有了POP创建iPhone原型不再是难事，其提供了一个传统的高科技线框技术。没有复杂的软件，所有的用户需要在纸上或者笔记本上绘画或绘制出线框。</a:t>
+            </a:r>
+            <a:endParaRPr lang="en-US" altLang="zh-CN" dirty="0"/>
+          </a:p>
+          <a:p>
+            <a:r>
+              <a:rPr lang="en-US" altLang="zh-CN" dirty="0"/>
+              <a:t>该线框仅通过摄像头拍摄，利用POP确保草图能自动调节对比度和亮度，然后通过“链接点”连接到草图来设计模板。首先确保任何事情都在完美状态，用户只需点击“play”并模拟接口即可。</a:t>
             </a:r>
             <a:endParaRPr lang="zh-CN" altLang="en-US" dirty="0"/>
           </a:p>
@@ -15351,7 +16516,7 @@
             <a:endParaRPr lang="zh-CN" altLang="en-US" dirty="0"/>
           </a:p>
           <a:p>
-            <a:endParaRPr lang="en-US" altLang="zh-CN"/>
+            <a:endParaRPr lang="en-US" altLang="zh-CN" dirty="0"/>
           </a:p>
         </p:txBody>
       </p:sp>
@@ -15497,46 +16662,111 @@
         <p:spPr>
           <a:xfrm>
             <a:off x="838200" y="818515"/>
-            <a:ext cx="10515600" cy="5358765"/>
+            <a:ext cx="10515600" cy="5920105"/>
           </a:xfrm>
         </p:spPr>
         <p:txBody>
-          <a:bodyPr/>
-          <a:lstStyle/>
-          <a:p>
-            <a:r>
-              <a:rPr lang="en-US" altLang="zh-CN"/>
-              <a:t>6.</a:t>
-            </a:r>
-            <a:r>
-              <a:rPr lang="en-US" altLang="zh-CN">
-                <a:sym typeface="+mn-ea"/>
-              </a:rPr>
-              <a:t>Wireframe.cc</a:t>
-            </a:r>
-            <a:endParaRPr lang="en-US" altLang="zh-CN"/>
-          </a:p>
-          <a:p>
-            <a:r>
-              <a:rPr lang="en-US" altLang="zh-CN"/>
-              <a:t>利用Wireframe.cc即可轻易的创建线框。Wireframe.cc支持有限的调色板和模板，以简洁为主。有两个模板供选择：移动手机和浏览器窗口，前者包含景色和垂直风格；后者则是纵向和横向风格。有了Wireframes.cc用户可清晰的看到整个创建过程。</a:t>
-            </a:r>
+          <a:bodyPr>
+            <a:normAutofit lnSpcReduction="10000"/>
+          </a:bodyPr>
+          <a:lstStyle/>
+          <a:p>
             <a:endParaRPr lang="zh-CN" altLang="en-US" dirty="0"/>
           </a:p>
           <a:p>
             <a:pPr marL="0" indent="0" algn="r">
               <a:buNone/>
             </a:pPr>
+            <a:endParaRPr lang="en-US" altLang="zh-CN" dirty="0">
+              <a:sym typeface="+mn-ea"/>
+            </a:endParaRPr>
+          </a:p>
+          <a:p>
+            <a:pPr marL="0" indent="0" algn="r">
+              <a:buNone/>
+            </a:pPr>
+            <a:endParaRPr lang="en-US" altLang="zh-CN" dirty="0">
+              <a:sym typeface="+mn-ea"/>
+            </a:endParaRPr>
+          </a:p>
+          <a:p>
+            <a:pPr marL="0" indent="0" algn="r">
+              <a:buNone/>
+            </a:pPr>
+            <a:endParaRPr lang="en-US" altLang="zh-CN" dirty="0">
+              <a:sym typeface="+mn-ea"/>
+            </a:endParaRPr>
+          </a:p>
+          <a:p>
+            <a:pPr marL="0" indent="0" algn="r">
+              <a:buNone/>
+            </a:pPr>
+            <a:endParaRPr lang="en-US" altLang="zh-CN" dirty="0">
+              <a:sym typeface="+mn-ea"/>
+            </a:endParaRPr>
+          </a:p>
+          <a:p>
+            <a:pPr marL="0" indent="0" algn="r">
+              <a:buNone/>
+            </a:pPr>
+            <a:endParaRPr lang="en-US" altLang="zh-CN" dirty="0">
+              <a:sym typeface="+mn-ea"/>
+            </a:endParaRPr>
+          </a:p>
+          <a:p>
+            <a:pPr marL="0" indent="0" algn="r">
+              <a:buNone/>
+            </a:pPr>
+            <a:endParaRPr lang="en-US" altLang="zh-CN" dirty="0">
+              <a:sym typeface="+mn-ea"/>
+            </a:endParaRPr>
+          </a:p>
+          <a:p>
+            <a:pPr marL="0" indent="0" algn="r">
+              <a:buNone/>
+            </a:pPr>
+            <a:endParaRPr lang="en-US" altLang="zh-CN" dirty="0">
+              <a:sym typeface="+mn-ea"/>
+            </a:endParaRPr>
+          </a:p>
+          <a:p>
+            <a:pPr marL="0" indent="0" algn="r">
+              <a:buNone/>
+            </a:pPr>
+            <a:endParaRPr lang="en-US" altLang="zh-CN" dirty="0">
+              <a:sym typeface="+mn-ea"/>
+            </a:endParaRPr>
+          </a:p>
+          <a:p>
+            <a:pPr marL="0" indent="0" algn="r">
+              <a:buNone/>
+            </a:pPr>
+            <a:endParaRPr lang="en-US" altLang="zh-CN" dirty="0">
+              <a:sym typeface="+mn-ea"/>
+            </a:endParaRPr>
+          </a:p>
+          <a:p>
+            <a:pPr marL="0" indent="0" algn="r">
+              <a:buNone/>
+            </a:pPr>
+            <a:endParaRPr lang="en-US" altLang="zh-CN" dirty="0">
+              <a:sym typeface="+mn-ea"/>
+            </a:endParaRPr>
+          </a:p>
+          <a:p>
+            <a:pPr marL="0" indent="0" algn="r">
+              <a:buNone/>
+            </a:pPr>
             <a:r>
               <a:rPr lang="en-US" altLang="zh-CN" dirty="0">
                 <a:sym typeface="+mn-ea"/>
               </a:rPr>
-              <a:t>【9】</a:t>
+              <a:t>【14】</a:t>
             </a:r>
             <a:endParaRPr lang="zh-CN" altLang="en-US" dirty="0"/>
           </a:p>
           <a:p>
-            <a:endParaRPr lang="en-US" altLang="zh-CN"/>
+            <a:endParaRPr lang="en-US" altLang="zh-CN" dirty="0"/>
           </a:p>
         </p:txBody>
       </p:sp>
@@ -15636,6 +16866,30 @@
           </a:p>
         </p:txBody>
       </p:sp>
+      <p:pic>
+        <p:nvPicPr>
+          <p:cNvPr id="2" name="图片 1"/>
+          <p:cNvPicPr>
+            <a:picLocks noChangeAspect="1"/>
+          </p:cNvPicPr>
+          <p:nvPr/>
+        </p:nvPicPr>
+        <p:blipFill>
+          <a:blip r:embed="rId1"/>
+          <a:stretch>
+            <a:fillRect/>
+          </a:stretch>
+        </p:blipFill>
+        <p:spPr>
+          <a:xfrm>
+            <a:off x="2941320" y="184150"/>
+            <a:ext cx="3650615" cy="6489700"/>
+          </a:xfrm>
+          <a:prstGeom prst="rect">
+            <a:avLst/>
+          </a:prstGeom>
+        </p:spPr>
+      </p:pic>
     </p:spTree>
   </p:cSld>
   <p:clrMapOvr>
@@ -15647,14 +16901,6 @@
 <file path=ppt/slides/slide47.xml><?xml version="1.0" encoding="utf-8"?>
 <p:sld xmlns:a="http://schemas.openxmlformats.org/drawingml/2006/main" xmlns:r="http://schemas.openxmlformats.org/officeDocument/2006/relationships" xmlns:p="http://schemas.openxmlformats.org/presentationml/2006/main">
   <p:cSld>
-    <p:bg>
-      <p:bgPr>
-        <a:solidFill>
-          <a:srgbClr val="F1F1F1"/>
-        </a:solidFill>
-        <a:effectLst/>
-      </p:bgPr>
-    </p:bg>
     <p:spTree>
       <p:nvGrpSpPr>
         <p:cNvPr id="1" name=""/>
@@ -15682,7 +16928,7 @@
         <p:spPr>
           <a:xfrm>
             <a:off x="838200" y="818515"/>
-            <a:ext cx="10515600" cy="5358765"/>
+            <a:ext cx="10515600" cy="5920105"/>
           </a:xfrm>
         </p:spPr>
         <p:txBody>
@@ -15690,48 +16936,45 @@
           <a:lstStyle/>
           <a:p>
             <a:r>
-              <a:rPr lang="en-US" altLang="zh-CN"/>
-              <a:t>7.Easel</a:t>
-            </a:r>
-            <a:endParaRPr lang="zh-CN" altLang="en-US"/>
-          </a:p>
-          <a:p>
-            <a:r>
-              <a:rPr lang="zh-CN" altLang="en-US"/>
-              <a:t>Easel是一款基于浏览器的Web设计工具，允许用户记录模型和创意。其功能包括按钮、表和文本框。这款工具还集成了Twitter Bootstrap库贯穿其他额外的图标和颜色。此外，Easel 让用户在Web中设计保持最佳像素，用户可以使用先进的工具比如CSS3</a:t>
-            </a:r>
-            <a:r>
-              <a:rPr lang="en-US" altLang="zh-CN"/>
-              <a:t>(Cascading Style Sheets Level 3</a:t>
-            </a:r>
-            <a:r>
-              <a:rPr lang="zh-CN" altLang="en-US"/>
-              <a:t>，</a:t>
-            </a:r>
-            <a:r>
-              <a:rPr lang="en-US" altLang="zh-CN"/>
-              <a:t>层叠样式表3级)</a:t>
-            </a:r>
-            <a:r>
-              <a:rPr lang="zh-CN" altLang="en-US"/>
-              <a:t>、Web字体，无需在浏览器和文本编辑器之间来回查看，告别繁琐的过程，轻松创建应用。</a:t>
-            </a:r>
-            <a:endParaRPr lang="zh-CN" altLang="en-US" dirty="0"/>
-          </a:p>
-          <a:p>
-            <a:pPr marL="0" indent="0" algn="r">
-              <a:buNone/>
-            </a:pPr>
+              <a:rPr lang="en-US" altLang="zh-CN" dirty="0"/>
+              <a:t>4</a:t>
+            </a:r>
+            <a:r>
+              <a:rPr lang="zh-CN" altLang="en-US" dirty="0"/>
+              <a:t>、墨刀</a:t>
+            </a:r>
+            <a:endParaRPr lang="en-US" altLang="zh-CN" dirty="0"/>
+          </a:p>
+          <a:p>
+            <a:r>
+              <a:rPr lang="zh-CN" altLang="en-US" dirty="0"/>
+              <a:t>墨刀是一款在线原型设计工具。借助于墨刀，创业者、产品经理及</a:t>
+            </a:r>
+            <a:r>
+              <a:rPr lang="en-US" altLang="zh-CN" dirty="0"/>
+              <a:t>UI</a:t>
+            </a:r>
+            <a:r>
+              <a:rPr lang="zh-CN" altLang="en-US" dirty="0"/>
+              <a:t>设计师能够快速构建移动应用产品原型，并向他人演示</a:t>
+            </a:r>
+            <a:endParaRPr lang="en-US" altLang="zh-CN" dirty="0"/>
+          </a:p>
+          <a:p>
+            <a:r>
+              <a:rPr lang="zh-CN" altLang="en-US" dirty="0"/>
+              <a:t>作为一款专注移动应用的原型工具，墨刀把全部功能都进行了模块化，用户也能选择页面切换特效及主题，操作方式也相对简便，大部分操作都可通过拖拽来完成。现在，墨刀已实现了云端保存、手机实时预览、在线评论等功能。</a:t>
+            </a:r>
             <a:r>
               <a:rPr lang="en-US" altLang="zh-CN" dirty="0">
                 <a:sym typeface="+mn-ea"/>
               </a:rPr>
-              <a:t>【9】</a:t>
+              <a:t>【11】</a:t>
             </a:r>
             <a:endParaRPr lang="zh-CN" altLang="en-US" dirty="0"/>
           </a:p>
           <a:p>
-            <a:endParaRPr lang="zh-CN" altLang="en-US"/>
+            <a:endParaRPr lang="en-US" altLang="zh-CN" dirty="0"/>
           </a:p>
         </p:txBody>
       </p:sp>
@@ -15842,14 +17085,6 @@
 <file path=ppt/slides/slide48.xml><?xml version="1.0" encoding="utf-8"?>
 <p:sld xmlns:a="http://schemas.openxmlformats.org/drawingml/2006/main" xmlns:r="http://schemas.openxmlformats.org/officeDocument/2006/relationships" xmlns:p="http://schemas.openxmlformats.org/presentationml/2006/main">
   <p:cSld>
-    <p:bg>
-      <p:bgPr>
-        <a:solidFill>
-          <a:srgbClr val="F1F1F1"/>
-        </a:solidFill>
-        <a:effectLst/>
-      </p:bgPr>
-    </p:bg>
     <p:spTree>
       <p:nvGrpSpPr>
         <p:cNvPr id="1" name=""/>
@@ -15877,61 +17112,41 @@
         <p:spPr>
           <a:xfrm>
             <a:off x="838200" y="818515"/>
-            <a:ext cx="10515600" cy="5358765"/>
+            <a:ext cx="10515600" cy="5920105"/>
           </a:xfrm>
         </p:spPr>
         <p:txBody>
           <a:bodyPr/>
           <a:lstStyle/>
           <a:p>
-            <a:r>
-              <a:rPr lang="en-US" altLang="zh-CN"/>
-              <a:t>8.</a:t>
-            </a:r>
-            <a:r>
-              <a:rPr lang="en-US" altLang="zh-CN">
-                <a:sym typeface="+mn-ea"/>
-              </a:rPr>
-              <a:t>InVision</a:t>
-            </a:r>
-            <a:endParaRPr lang="en-US" altLang="zh-CN"/>
-          </a:p>
-          <a:p>
-            <a:r>
-              <a:rPr lang="en-US" altLang="zh-CN"/>
-              <a:t>InVision让你以高水准的级别快速创建令人印象深刻的原型。利用这款工具，用户可在很短的时间内链接到UX(user experience)草图、设计以及线框，还能与其他团队分享该项目。InVision使设计演示更加轻松方便，用户可以在项目中进行实际演示，在浏览器中加载或者以</a:t>
-            </a:r>
-            <a:r>
-              <a:rPr lang="zh-CN" altLang="en-US"/>
-              <a:t>发送和接受短信的</a:t>
-            </a:r>
-            <a:r>
-              <a:rPr lang="en-US" altLang="zh-CN"/>
-              <a:t>形式连接到移动设备上。</a:t>
-            </a:r>
-            <a:endParaRPr lang="en-US" altLang="zh-CN"/>
-          </a:p>
-          <a:p>
-            <a:r>
-              <a:rPr lang="en-US" altLang="zh-CN"/>
-              <a:t>该工具还支持追踪功能，让你轻松查看项目进度。</a:t>
-            </a:r>
-            <a:endParaRPr lang="zh-CN" altLang="en-US" dirty="0"/>
-          </a:p>
-          <a:p>
-            <a:pPr marL="0" indent="0" algn="r">
+            <a:endParaRPr lang="en-US" altLang="zh-CN" dirty="0">
+              <a:sym typeface="+mn-ea"/>
+            </a:endParaRPr>
+          </a:p>
+          <a:p>
+            <a:endParaRPr lang="en-US" altLang="zh-CN" dirty="0">
+              <a:sym typeface="+mn-ea"/>
+            </a:endParaRPr>
+          </a:p>
+          <a:p>
+            <a:endParaRPr lang="en-US" altLang="zh-CN" dirty="0">
+              <a:sym typeface="+mn-ea"/>
+            </a:endParaRPr>
+          </a:p>
+          <a:p>
+            <a:pPr marL="0" indent="0">
               <a:buNone/>
             </a:pPr>
             <a:r>
               <a:rPr lang="en-US" altLang="zh-CN" dirty="0">
                 <a:sym typeface="+mn-ea"/>
               </a:rPr>
-              <a:t>【9】</a:t>
+              <a:t>                                                                                                                    </a:t>
             </a:r>
             <a:endParaRPr lang="zh-CN" altLang="en-US" dirty="0"/>
           </a:p>
           <a:p>
-            <a:endParaRPr lang="en-US" altLang="zh-CN"/>
+            <a:endParaRPr lang="en-US" altLang="zh-CN" dirty="0"/>
           </a:p>
         </p:txBody>
       </p:sp>
@@ -16031,6 +17246,30 @@
           </a:p>
         </p:txBody>
       </p:sp>
+      <p:pic>
+        <p:nvPicPr>
+          <p:cNvPr id="6" name="图片 5" descr="搜狗截图20181110231859"/>
+          <p:cNvPicPr>
+            <a:picLocks noChangeAspect="1"/>
+          </p:cNvPicPr>
+          <p:nvPr/>
+        </p:nvPicPr>
+        <p:blipFill>
+          <a:blip r:embed="rId1"/>
+          <a:stretch>
+            <a:fillRect/>
+          </a:stretch>
+        </p:blipFill>
+        <p:spPr>
+          <a:xfrm>
+            <a:off x="409575" y="818515"/>
+            <a:ext cx="10019665" cy="5427980"/>
+          </a:xfrm>
+          <a:prstGeom prst="rect">
+            <a:avLst/>
+          </a:prstGeom>
+        </p:spPr>
+      </p:pic>
     </p:spTree>
   </p:cSld>
   <p:clrMapOvr>
@@ -16042,14 +17281,6 @@
 <file path=ppt/slides/slide49.xml><?xml version="1.0" encoding="utf-8"?>
 <p:sld xmlns:a="http://schemas.openxmlformats.org/drawingml/2006/main" xmlns:r="http://schemas.openxmlformats.org/officeDocument/2006/relationships" xmlns:p="http://schemas.openxmlformats.org/presentationml/2006/main">
   <p:cSld>
-    <p:bg>
-      <p:bgPr>
-        <a:solidFill>
-          <a:srgbClr val="F1F1F1"/>
-        </a:solidFill>
-        <a:effectLst/>
-      </p:bgPr>
-    </p:bg>
     <p:spTree>
       <p:nvGrpSpPr>
         <p:cNvPr id="1" name=""/>
@@ -16077,7 +17308,7 @@
         <p:spPr>
           <a:xfrm>
             <a:off x="838200" y="818515"/>
-            <a:ext cx="10515600" cy="5358765"/>
+            <a:ext cx="10515600" cy="5920105"/>
           </a:xfrm>
         </p:spPr>
         <p:txBody>
@@ -16085,45 +17316,105 @@
           <a:lstStyle/>
           <a:p>
             <a:r>
-              <a:rPr lang="en-US" altLang="zh-CN"/>
-              <a:t>9.</a:t>
-            </a:r>
-            <a:r>
-              <a:rPr lang="en-US" altLang="zh-CN">
-                <a:sym typeface="+mn-ea"/>
-              </a:rPr>
-              <a:t>Proto.io</a:t>
-            </a:r>
-            <a:endParaRPr lang="en-US" altLang="zh-CN"/>
-          </a:p>
-          <a:p>
-            <a:r>
-              <a:rPr lang="en-US" altLang="zh-CN"/>
-              <a:t>Proto.io是一个专用的手机原型开发平台——可以构建和部署全交互式的移动程序的原型，并且可以模拟出相似的成品。它可以运行在大多数的浏览器中，并提供了3个重要的接口：dashboard、编辑器以及播放器。</a:t>
-            </a:r>
-            <a:endParaRPr lang="en-US" altLang="zh-CN"/>
-          </a:p>
-          <a:p>
-            <a:r>
-              <a:rPr lang="en-US" altLang="zh-CN"/>
-              <a:t>dashboard 可以用来管理项目。编辑器是构建原型的环境，由一组设计和开发原型的工具组成，另外还可以构建交互。播放器用来观看原型，并与原型进行交互，并提供了相关 工具来标注和保留反馈信息。你可以直接在真实的移动设备上对原型进行测试。并且可以使用iOS或Android上的浏览器以全屏模式运行原型。</a:t>
-            </a:r>
-            <a:endParaRPr lang="en-US" altLang="zh-CN"/>
-          </a:p>
-          <a:p>
-            <a:pPr marL="0" indent="0" algn="r">
-              <a:buNone/>
-            </a:pPr>
+              <a:rPr lang="en-US" altLang="zh-CN" dirty="0"/>
+              <a:t>5</a:t>
+            </a:r>
+            <a:r>
+              <a:rPr lang="zh-CN" altLang="en-US" dirty="0"/>
+              <a:t>、</a:t>
+            </a:r>
+            <a:r>
+              <a:rPr lang="en-US" altLang="zh-CN" dirty="0"/>
+              <a:t>Axure </a:t>
+            </a:r>
+            <a:r>
+              <a:rPr lang="en-US" altLang="zh-CN" dirty="0" err="1"/>
+              <a:t>rp</a:t>
+            </a:r>
+            <a:endParaRPr lang="en-US" altLang="zh-CN" dirty="0"/>
+          </a:p>
+          <a:p>
+            <a:r>
+              <a:rPr lang="en-US" altLang="zh-CN" dirty="0"/>
+              <a:t>Axure RP</a:t>
+            </a:r>
+            <a:r>
+              <a:rPr lang="zh-CN" altLang="en-US" dirty="0"/>
+              <a:t>是一款专业的快速原型设计工具。</a:t>
+            </a:r>
+            <a:r>
+              <a:rPr lang="en-US" altLang="zh-CN" dirty="0"/>
+              <a:t>Axure</a:t>
+            </a:r>
+            <a:r>
+              <a:rPr lang="zh-CN" altLang="en-US" dirty="0"/>
+              <a:t>代表美国</a:t>
+            </a:r>
+            <a:r>
+              <a:rPr lang="en-US" altLang="zh-CN" dirty="0"/>
+              <a:t>Axure</a:t>
+            </a:r>
+            <a:r>
+              <a:rPr lang="zh-CN" altLang="en-US" dirty="0"/>
+              <a:t>公司；</a:t>
+            </a:r>
+            <a:r>
+              <a:rPr lang="en-US" altLang="zh-CN" dirty="0"/>
+              <a:t>RP</a:t>
+            </a:r>
+            <a:r>
+              <a:rPr lang="zh-CN" altLang="en-US" dirty="0"/>
+              <a:t>则是</a:t>
+            </a:r>
+            <a:r>
+              <a:rPr lang="en-US" altLang="zh-CN" dirty="0"/>
+              <a:t>Rapid Prototyping</a:t>
+            </a:r>
+            <a:r>
+              <a:rPr lang="zh-CN" altLang="en-US" dirty="0"/>
+              <a:t>（快速原型）的缩写。</a:t>
+            </a:r>
+            <a:endParaRPr lang="zh-CN" altLang="en-US" dirty="0"/>
+          </a:p>
+          <a:p>
+            <a:r>
+              <a:rPr lang="en-US" altLang="zh-CN" dirty="0"/>
+              <a:t>Axure RP</a:t>
+            </a:r>
+            <a:r>
+              <a:rPr lang="zh-CN" altLang="en-US" dirty="0"/>
+              <a:t>是美国</a:t>
+            </a:r>
+            <a:r>
+              <a:rPr lang="en-US" altLang="zh-CN" dirty="0"/>
+              <a:t>Axure Software Solution</a:t>
+            </a:r>
+            <a:r>
+              <a:rPr lang="zh-CN" altLang="en-US" dirty="0"/>
+              <a:t>公司旗舰产品，是一个专业的快速原型设计工具，让负责定义需求和规格、设计功能和界面的专家能够快速创建应用软件或</a:t>
+            </a:r>
+            <a:r>
+              <a:rPr lang="en-US" altLang="zh-CN" dirty="0"/>
+              <a:t>Web</a:t>
+            </a:r>
+            <a:r>
+              <a:rPr lang="zh-CN" altLang="en-US" dirty="0"/>
+              <a:t>网站的线框图、流程图、原型和规格说明文档。作为专业的原型设计工具，它能快速、高效的创建原型，同时支持多人协作设计和版本控制管理</a:t>
+            </a:r>
+            <a:endParaRPr lang="zh-CN" altLang="en-US" dirty="0"/>
+          </a:p>
+          <a:p>
+            <a:pPr algn="r"/>
             <a:r>
               <a:rPr lang="en-US" altLang="zh-CN" dirty="0">
                 <a:sym typeface="+mn-ea"/>
               </a:rPr>
-              <a:t>【10】</a:t>
+              <a:t>【12】</a:t>
             </a:r>
             <a:endParaRPr lang="zh-CN" altLang="en-US" dirty="0"/>
           </a:p>
           <a:p>
-            <a:endParaRPr lang="en-US" altLang="zh-CN"/>
+            <a:endParaRPr lang="en-US" altLang="zh-CN" dirty="0"/>
           </a:p>
         </p:txBody>
       </p:sp>
@@ -16269,6 +17560,7 @@
         <p:spPr/>
         <p:txBody>
           <a:bodyPr/>
+          <a:lstStyle/>
           <a:p>
             <a:r>
               <a:rPr lang="zh-CN" altLang="en-US"/>
@@ -16291,8 +17583,9 @@
         <p:spPr/>
         <p:txBody>
           <a:bodyPr>
-            <a:normAutofit lnSpcReduction="20000"/>
+            <a:normAutofit fontScale="92500"/>
           </a:bodyPr>
+          <a:lstStyle/>
           <a:p>
             <a:r>
               <a:rPr lang="zh-CN" altLang="en-US"/>
@@ -16476,27 +17769,12 @@
   <p:clrMapOvr>
     <a:masterClrMapping/>
   </p:clrMapOvr>
-  <p:timing>
-    <p:tnLst>
-      <p:par>
-        <p:cTn id="1" dur="indefinite" restart="never" nodeType="tmRoot"/>
-      </p:par>
-    </p:tnLst>
-  </p:timing>
 </p:sld>
 </file>
 
 <file path=ppt/slides/slide50.xml><?xml version="1.0" encoding="utf-8"?>
 <p:sld xmlns:a="http://schemas.openxmlformats.org/drawingml/2006/main" xmlns:r="http://schemas.openxmlformats.org/officeDocument/2006/relationships" xmlns:p="http://schemas.openxmlformats.org/presentationml/2006/main">
   <p:cSld>
-    <p:bg>
-      <p:bgPr>
-        <a:solidFill>
-          <a:srgbClr val="F1F1F1"/>
-        </a:solidFill>
-        <a:effectLst/>
-      </p:bgPr>
-    </p:bg>
     <p:spTree>
       <p:nvGrpSpPr>
         <p:cNvPr id="1" name=""/>
@@ -16531,46 +17809,94 @@
           <a:bodyPr/>
           <a:lstStyle/>
           <a:p>
-            <a:r>
-              <a:rPr lang="en-US" altLang="zh-CN"/>
-              <a:t>10.</a:t>
-            </a:r>
-            <a:r>
-              <a:rPr lang="en-US" altLang="zh-CN">
-                <a:sym typeface="+mn-ea"/>
-              </a:rPr>
-              <a:t>POP(Prototyping on Paper)</a:t>
-            </a:r>
-            <a:endParaRPr lang="en-US" altLang="zh-CN"/>
-          </a:p>
-          <a:p>
-            <a:r>
-              <a:rPr lang="en-US" altLang="zh-CN"/>
-              <a:t>有了POP创建iPhone原型不再是难事，其提供了一个传统的高科技线框技术。没有复杂的软件，所有的用户需要在纸上或者笔记本上绘画或绘制出线框。</a:t>
-            </a:r>
-            <a:endParaRPr lang="en-US" altLang="zh-CN"/>
-          </a:p>
-          <a:p>
-            <a:r>
-              <a:rPr lang="en-US" altLang="zh-CN"/>
-              <a:t>该线框仅通过摄像头拍摄，利用POP确保草图能自动调节对比度和亮度，然后通过“链接点”连接到草图来设计模板。首先确保任何事情都在完美状态，用户只需点击“play”并模拟接口即可。</a:t>
-            </a:r>
             <a:endParaRPr lang="zh-CN" altLang="en-US" dirty="0"/>
           </a:p>
           <a:p>
             <a:pPr marL="0" indent="0" algn="r">
               <a:buNone/>
             </a:pPr>
+            <a:endParaRPr lang="en-US" altLang="zh-CN" dirty="0">
+              <a:sym typeface="+mn-ea"/>
+            </a:endParaRPr>
+          </a:p>
+          <a:p>
+            <a:pPr marL="0" indent="0" algn="r">
+              <a:buNone/>
+            </a:pPr>
+            <a:endParaRPr lang="en-US" altLang="zh-CN" dirty="0">
+              <a:sym typeface="+mn-ea"/>
+            </a:endParaRPr>
+          </a:p>
+          <a:p>
+            <a:pPr marL="0" indent="0" algn="r">
+              <a:buNone/>
+            </a:pPr>
+            <a:endParaRPr lang="en-US" altLang="zh-CN" dirty="0">
+              <a:sym typeface="+mn-ea"/>
+            </a:endParaRPr>
+          </a:p>
+          <a:p>
+            <a:pPr marL="0" indent="0" algn="r">
+              <a:buNone/>
+            </a:pPr>
+            <a:endParaRPr lang="en-US" altLang="zh-CN" dirty="0">
+              <a:sym typeface="+mn-ea"/>
+            </a:endParaRPr>
+          </a:p>
+          <a:p>
+            <a:pPr marL="0" indent="0" algn="r">
+              <a:buNone/>
+            </a:pPr>
+            <a:endParaRPr lang="en-US" altLang="zh-CN" dirty="0">
+              <a:sym typeface="+mn-ea"/>
+            </a:endParaRPr>
+          </a:p>
+          <a:p>
+            <a:pPr marL="0" indent="0" algn="r">
+              <a:buNone/>
+            </a:pPr>
+            <a:endParaRPr lang="en-US" altLang="zh-CN" dirty="0">
+              <a:sym typeface="+mn-ea"/>
+            </a:endParaRPr>
+          </a:p>
+          <a:p>
+            <a:pPr marL="0" indent="0" algn="r">
+              <a:buNone/>
+            </a:pPr>
+            <a:endParaRPr lang="en-US" altLang="zh-CN" dirty="0">
+              <a:sym typeface="+mn-ea"/>
+            </a:endParaRPr>
+          </a:p>
+          <a:p>
+            <a:pPr marL="0" indent="0" algn="r">
+              <a:buNone/>
+            </a:pPr>
+            <a:endParaRPr lang="en-US" altLang="zh-CN" dirty="0">
+              <a:sym typeface="+mn-ea"/>
+            </a:endParaRPr>
+          </a:p>
+          <a:p>
+            <a:pPr marL="0" indent="0" algn="r">
+              <a:buNone/>
+            </a:pPr>
+            <a:endParaRPr lang="en-US" altLang="zh-CN" dirty="0">
+              <a:sym typeface="+mn-ea"/>
+            </a:endParaRPr>
+          </a:p>
+          <a:p>
+            <a:pPr marL="0" indent="0" algn="r">
+              <a:buNone/>
+            </a:pPr>
             <a:r>
               <a:rPr lang="en-US" altLang="zh-CN" dirty="0">
                 <a:sym typeface="+mn-ea"/>
               </a:rPr>
-              <a:t>【9】</a:t>
+              <a:t>【15】</a:t>
             </a:r>
             <a:endParaRPr lang="zh-CN" altLang="en-US" dirty="0"/>
           </a:p>
           <a:p>
-            <a:endParaRPr lang="en-US" altLang="zh-CN"/>
+            <a:endParaRPr lang="en-US" altLang="zh-CN" dirty="0"/>
           </a:p>
         </p:txBody>
       </p:sp>
@@ -16670,6 +17996,30 @@
           </a:p>
         </p:txBody>
       </p:sp>
+      <p:pic>
+        <p:nvPicPr>
+          <p:cNvPr id="2" name="图片 1"/>
+          <p:cNvPicPr>
+            <a:picLocks noChangeAspect="1"/>
+          </p:cNvPicPr>
+          <p:nvPr/>
+        </p:nvPicPr>
+        <p:blipFill>
+          <a:blip r:embed="rId1"/>
+          <a:stretch>
+            <a:fillRect/>
+          </a:stretch>
+        </p:blipFill>
+        <p:spPr>
+          <a:xfrm>
+            <a:off x="135890" y="818515"/>
+            <a:ext cx="9601200" cy="5647690"/>
+          </a:xfrm>
+          <a:prstGeom prst="rect">
+            <a:avLst/>
+          </a:prstGeom>
+        </p:spPr>
+      </p:pic>
     </p:spTree>
   </p:cSld>
   <p:clrMapOvr>
@@ -17134,7 +18484,7 @@
         </p:spPr>
         <p:txBody>
           <a:bodyPr>
-            <a:normAutofit lnSpcReduction="10000"/>
+            <a:normAutofit/>
           </a:bodyPr>
           <a:lstStyle/>
           <a:p>
@@ -17147,7 +18497,7 @@
               <a:t>什么情况下产出</a:t>
             </a:r>
             <a:r>
-              <a:rPr lang="zh-CN" altLang="en-US">
+              <a:rPr lang="zh-CN" altLang="en-US" dirty="0">
                 <a:sym typeface="+mn-ea"/>
               </a:rPr>
               <a:t>低保真产品原型？</a:t>
@@ -17156,7 +18506,7 @@
           </a:p>
           <a:p>
             <a:r>
-              <a:rPr lang="zh-CN" altLang="en-US">
+              <a:rPr lang="zh-CN" altLang="en-US" dirty="0">
                 <a:sym typeface="+mn-ea"/>
               </a:rPr>
               <a:t>一般只有时间比较紧迫，需求也比较简单的时候，我们才会去产出低保真产品原型。</a:t>
@@ -17198,7 +18548,7 @@
             </a:r>
             <a:r>
               <a:rPr lang="en-US" altLang="zh-CN" dirty="0"/>
-              <a:t>5</a:t>
+              <a:t>3</a:t>
             </a:r>
             <a:r>
               <a:rPr lang="zh-CN" altLang="en-US" dirty="0"/>
@@ -17211,7 +18561,7 @@
               <a:rPr lang="en-US" altLang="zh-CN" dirty="0">
                 <a:sym typeface="+mn-ea"/>
               </a:rPr>
-              <a:t>Solidify</a:t>
+              <a:t>Easel</a:t>
             </a:r>
             <a:r>
               <a:rPr lang="zh-CN" altLang="en-US" dirty="0">
@@ -17220,34 +18570,10 @@
               <a:t>、</a:t>
             </a:r>
             <a:r>
-              <a:rPr lang="en-US" altLang="zh-CN">
-                <a:sym typeface="+mn-ea"/>
-              </a:rPr>
-              <a:t>PowerMockup</a:t>
-            </a:r>
-            <a:r>
-              <a:rPr lang="zh-CN" altLang="en-US">
-                <a:sym typeface="+mn-ea"/>
-              </a:rPr>
-              <a:t>、</a:t>
-            </a:r>
-            <a:r>
-              <a:rPr lang="en-US" altLang="zh-CN">
-                <a:sym typeface="+mn-ea"/>
-              </a:rPr>
-              <a:t>Antetype</a:t>
-            </a:r>
-            <a:r>
-              <a:rPr lang="zh-CN" altLang="en-US">
-                <a:sym typeface="+mn-ea"/>
-              </a:rPr>
-              <a:t>、</a:t>
-            </a:r>
-            <a:r>
               <a:rPr lang="en-US" altLang="zh-CN" dirty="0">
                 <a:sym typeface="+mn-ea"/>
               </a:rPr>
-              <a:t>UXPin</a:t>
+              <a:t>Proto.io</a:t>
             </a:r>
             <a:r>
               <a:rPr lang="zh-CN" altLang="en-US" dirty="0">
@@ -17256,85 +18582,25 @@
               <a:t>、</a:t>
             </a:r>
             <a:r>
-              <a:rPr lang="en-US" altLang="zh-CN">
+              <a:rPr lang="en-US" altLang="zh-CN" dirty="0">
                 <a:sym typeface="+mn-ea"/>
               </a:rPr>
-              <a:t>QuirkTools</a:t>
-            </a:r>
-            <a:r>
-              <a:rPr lang="zh-CN" altLang="en-US">
+              <a:t>POP</a:t>
+            </a:r>
+            <a:r>
+              <a:rPr lang="zh-CN" altLang="en-US" dirty="0">
                 <a:sym typeface="+mn-ea"/>
               </a:rPr>
-              <a:t>、</a:t>
-            </a:r>
-            <a:r>
-              <a:rPr lang="en-US" altLang="zh-CN">
+              <a:t>、墨刀、</a:t>
+            </a:r>
+            <a:r>
+              <a:rPr lang="en-US" altLang="zh-CN" dirty="0">
                 <a:sym typeface="+mn-ea"/>
               </a:rPr>
-              <a:t>Wireframe.cc</a:t>
-            </a:r>
-            <a:r>
-              <a:rPr lang="zh-CN" altLang="en-US">
-                <a:sym typeface="+mn-ea"/>
-              </a:rPr>
-              <a:t>、</a:t>
-            </a:r>
-            <a:r>
-              <a:rPr lang="en-US" altLang="zh-CN">
-                <a:sym typeface="+mn-ea"/>
-              </a:rPr>
-              <a:t>Easel</a:t>
-            </a:r>
-            <a:r>
-              <a:rPr lang="zh-CN" altLang="en-US">
-                <a:sym typeface="+mn-ea"/>
-              </a:rPr>
-              <a:t>、</a:t>
-            </a:r>
-            <a:r>
-              <a:rPr lang="en-US" altLang="zh-CN">
-                <a:sym typeface="+mn-ea"/>
-              </a:rPr>
-              <a:t>InVision</a:t>
-            </a:r>
-            <a:r>
-              <a:rPr lang="zh-CN" altLang="en-US">
-                <a:sym typeface="+mn-ea"/>
-              </a:rPr>
-              <a:t>、</a:t>
-            </a:r>
-            <a:r>
-              <a:rPr lang="en-US" altLang="zh-CN">
-                <a:sym typeface="+mn-ea"/>
-              </a:rPr>
-              <a:t>Proto.io</a:t>
-            </a:r>
-            <a:r>
-              <a:rPr lang="zh-CN" altLang="en-US">
-                <a:sym typeface="+mn-ea"/>
-              </a:rPr>
-              <a:t>、</a:t>
-            </a:r>
-            <a:r>
-              <a:rPr lang="en-US" altLang="zh-CN">
-                <a:sym typeface="+mn-ea"/>
-              </a:rPr>
-              <a:t>POP</a:t>
-            </a:r>
-            <a:r>
-              <a:rPr lang="zh-CN" altLang="en-US">
-                <a:sym typeface="+mn-ea"/>
-              </a:rPr>
-              <a:t>、墨刀、</a:t>
-            </a:r>
-            <a:r>
-              <a:rPr lang="en-US" altLang="zh-CN">
-                <a:sym typeface="+mn-ea"/>
-              </a:rPr>
               <a:t>Axure RP</a:t>
             </a:r>
             <a:r>
-              <a:rPr lang="zh-CN" altLang="en-US">
+              <a:rPr lang="zh-CN" altLang="en-US" dirty="0">
                 <a:sym typeface="+mn-ea"/>
               </a:rPr>
               <a:t>等</a:t>
@@ -17776,160 +19042,6 @@
 <file path=ppt/slides/slide53.xml><?xml version="1.0" encoding="utf-8"?>
 <p:sld xmlns:a="http://schemas.openxmlformats.org/drawingml/2006/main" xmlns:r="http://schemas.openxmlformats.org/officeDocument/2006/relationships" xmlns:p="http://schemas.openxmlformats.org/presentationml/2006/main">
   <p:cSld>
-    <p:spTree>
-      <p:nvGrpSpPr>
-        <p:cNvPr id="1" name=""/>
-        <p:cNvGrpSpPr/>
-        <p:nvPr/>
-      </p:nvGrpSpPr>
-      <p:grpSpPr>
-        <a:xfrm>
-          <a:off x="0" y="0"/>
-          <a:ext cx="0" cy="0"/>
-          <a:chOff x="0" y="0"/>
-          <a:chExt cx="0" cy="0"/>
-        </a:xfrm>
-      </p:grpSpPr>
-      <p:sp>
-        <p:nvSpPr>
-          <p:cNvPr id="3" name="内容占位符 2"/>
-          <p:cNvSpPr>
-            <a:spLocks noGrp="1"/>
-          </p:cNvSpPr>
-          <p:nvPr>
-            <p:ph idx="1"/>
-          </p:nvPr>
-        </p:nvSpPr>
-        <p:spPr>
-          <a:xfrm>
-            <a:off x="838200" y="396875"/>
-            <a:ext cx="10515600" cy="5133913"/>
-          </a:xfrm>
-        </p:spPr>
-        <p:txBody>
-          <a:bodyPr>
-            <a:normAutofit lnSpcReduction="10000"/>
-          </a:bodyPr>
-          <a:lstStyle/>
-          <a:p>
-            <a:endParaRPr lang="zh-CN" altLang="en-US" dirty="0"/>
-          </a:p>
-        </p:txBody>
-      </p:sp>
-      <p:sp>
-        <p:nvSpPr>
-          <p:cNvPr id="4" name="Freeform 5"/>
-          <p:cNvSpPr/>
-          <p:nvPr/>
-        </p:nvSpPr>
-        <p:spPr bwMode="auto">
-          <a:xfrm flipH="1">
-            <a:off x="0" y="-13281"/>
-            <a:ext cx="409433" cy="832147"/>
-          </a:xfrm>
-          <a:custGeom>
-            <a:avLst/>
-            <a:gdLst>
-              <a:gd name="T0" fmla="*/ 1462 w 2332"/>
-              <a:gd name="T1" fmla="*/ 0 h 3907"/>
-              <a:gd name="T2" fmla="*/ 2332 w 2332"/>
-              <a:gd name="T3" fmla="*/ 0 h 3907"/>
-              <a:gd name="T4" fmla="*/ 2332 w 2332"/>
-              <a:gd name="T5" fmla="*/ 3907 h 3907"/>
-              <a:gd name="T6" fmla="*/ 0 w 2332"/>
-              <a:gd name="T7" fmla="*/ 2595 h 3907"/>
-              <a:gd name="T8" fmla="*/ 1462 w 2332"/>
-              <a:gd name="T9" fmla="*/ 0 h 3907"/>
-            </a:gdLst>
-            <a:ahLst/>
-            <a:cxnLst>
-              <a:cxn ang="0">
-                <a:pos x="T0" y="T1"/>
-              </a:cxn>
-              <a:cxn ang="0">
-                <a:pos x="T2" y="T3"/>
-              </a:cxn>
-              <a:cxn ang="0">
-                <a:pos x="T4" y="T5"/>
-              </a:cxn>
-              <a:cxn ang="0">
-                <a:pos x="T6" y="T7"/>
-              </a:cxn>
-              <a:cxn ang="0">
-                <a:pos x="T8" y="T9"/>
-              </a:cxn>
-            </a:cxnLst>
-            <a:rect l="0" t="0" r="r" b="b"/>
-            <a:pathLst>
-              <a:path w="2332" h="3907">
-                <a:moveTo>
-                  <a:pt x="1462" y="0"/>
-                </a:moveTo>
-                <a:lnTo>
-                  <a:pt x="2332" y="0"/>
-                </a:lnTo>
-                <a:lnTo>
-                  <a:pt x="2332" y="3907"/>
-                </a:lnTo>
-                <a:lnTo>
-                  <a:pt x="0" y="2595"/>
-                </a:lnTo>
-                <a:lnTo>
-                  <a:pt x="1462" y="0"/>
-                </a:lnTo>
-                <a:close/>
-              </a:path>
-            </a:pathLst>
-          </a:custGeom>
-          <a:solidFill>
-            <a:srgbClr val="002B41"/>
-          </a:solidFill>
-          <a:ln w="28575">
-            <a:noFill/>
-          </a:ln>
-          <a:effectLst>
-            <a:outerShdw blurRad="254000" dist="127000" dir="2700000" algn="tl" rotWithShape="0">
-              <a:prstClr val="black">
-                <a:alpha val="40000"/>
-              </a:prstClr>
-            </a:outerShdw>
-          </a:effectLst>
-        </p:spPr>
-        <p:txBody>
-          <a:bodyPr anchor="ctr"/>
-          <a:lstStyle/>
-          <a:p>
-            <a:pPr algn="ctr"/>
-            <a:endParaRPr lang="zh-CN" altLang="en-US" sz="2000">
-              <a:solidFill>
-                <a:schemeClr val="bg1">
-                  <a:lumMod val="95000"/>
-                </a:schemeClr>
-              </a:solidFill>
-              <a:latin typeface="Calibri" panose="020F0502020204030204" pitchFamily="34" charset="0"/>
-              <a:ea typeface="宋体" panose="02010600030101010101" pitchFamily="2" charset="-122"/>
-            </a:endParaRPr>
-          </a:p>
-        </p:txBody>
-      </p:sp>
-    </p:spTree>
-  </p:cSld>
-  <p:clrMapOvr>
-    <a:masterClrMapping/>
-  </p:clrMapOvr>
-  <p:timing>
-    <p:tnLst>
-      <p:par>
-        <p:cTn id="1" dur="indefinite" restart="never" nodeType="tmRoot"/>
-      </p:par>
-    </p:tnLst>
-  </p:timing>
-</p:sld>
-</file>
-
-<file path=ppt/slides/slide54.xml><?xml version="1.0" encoding="utf-8"?>
-<p:sld xmlns:a="http://schemas.openxmlformats.org/drawingml/2006/main" xmlns:r="http://schemas.openxmlformats.org/officeDocument/2006/relationships" xmlns:p="http://schemas.openxmlformats.org/presentationml/2006/main">
-  <p:cSld>
     <p:bg>
       <p:bgPr>
         <a:solidFill>
@@ -17988,7 +19100,7 @@
         <p:spPr/>
         <p:txBody>
           <a:bodyPr>
-            <a:normAutofit fontScale="70000"/>
+            <a:normAutofit fontScale="67500" lnSpcReduction="20000"/>
           </a:bodyPr>
           <a:lstStyle/>
           <a:p>
@@ -17998,7 +19110,31 @@
             </a:r>
             <a:r>
               <a:rPr dirty="0"/>
-              <a:t>https://blog.csdn.net/lidatgb/article/details/8250717</a:t>
+              <a:t>https://blog.csdn.net/lidatgb/article/details/8250717  </a:t>
+            </a:r>
+            <a:r>
+              <a:rPr lang="en-US" dirty="0"/>
+              <a:t>2018</a:t>
+            </a:r>
+            <a:r>
+              <a:rPr lang="zh-CN" altLang="en-US" dirty="0"/>
+              <a:t>年</a:t>
+            </a:r>
+            <a:r>
+              <a:rPr lang="en-US" altLang="zh-CN" dirty="0"/>
+              <a:t>11</a:t>
+            </a:r>
+            <a:r>
+              <a:rPr lang="zh-CN" altLang="en-US" dirty="0"/>
+              <a:t>月</a:t>
+            </a:r>
+            <a:r>
+              <a:rPr lang="en-US" altLang="zh-CN" dirty="0"/>
+              <a:t>3</a:t>
+            </a:r>
+            <a:r>
+              <a:rPr lang="zh-CN" altLang="en-US" dirty="0"/>
+              <a:t>日</a:t>
             </a:r>
             <a:endParaRPr dirty="0"/>
           </a:p>
@@ -18011,66 +19147,86 @@
               <a:rPr dirty="0">
                 <a:sym typeface="+mn-ea"/>
               </a:rPr>
-              <a:t>http://www.shui-mai.com/jiemianyuanxingshishenme/ </a:t>
-            </a:r>
-            <a:endParaRPr lang="en-US" altLang="zh-CN" dirty="0"/>
-          </a:p>
-          <a:p>
-            <a:r>
-              <a:rPr lang="en-US" altLang="zh-CN" dirty="0"/>
-              <a:t>【3】     https://baike.baidu.com/item/%E5%8E%9F%E5%9E%8B%E6%B3%95/10376518?fr=aladdin</a:t>
-            </a:r>
-            <a:endParaRPr lang="en-US" altLang="zh-CN" dirty="0"/>
-          </a:p>
-          <a:p>
+              <a:t>http://www.shui-mai.com/jiemianyuanxingshishenme/  </a:t>
+            </a:r>
+            <a:r>
+              <a:rPr lang="en-US" dirty="0">
+                <a:sym typeface="+mn-ea"/>
+              </a:rPr>
+              <a:t>2018</a:t>
+            </a:r>
+            <a:r>
+              <a:rPr lang="zh-CN" altLang="en-US" dirty="0">
+                <a:sym typeface="+mn-ea"/>
+              </a:rPr>
+              <a:t>年</a:t>
+            </a:r>
             <a:r>
               <a:rPr lang="en-US" altLang="zh-CN" dirty="0">
                 <a:sym typeface="+mn-ea"/>
               </a:rPr>
-              <a:t>【4】</a:t>
-            </a:r>
-            <a:r>
-              <a:rPr lang="en-US" altLang="zh-CN" dirty="0"/>
-              <a:t>http://www.woshipm.com/rp/435751.html</a:t>
-            </a:r>
-            <a:endParaRPr lang="en-US" altLang="zh-CN" dirty="0"/>
-          </a:p>
-          <a:p>
+              <a:t>11</a:t>
+            </a:r>
+            <a:r>
+              <a:rPr lang="zh-CN" altLang="en-US" dirty="0">
+                <a:sym typeface="+mn-ea"/>
+              </a:rPr>
+              <a:t>月</a:t>
+            </a:r>
             <a:r>
               <a:rPr lang="en-US" altLang="zh-CN" dirty="0">
                 <a:sym typeface="+mn-ea"/>
               </a:rPr>
-              <a:t>【5】</a:t>
-            </a:r>
+              <a:t>3</a:t>
+            </a:r>
+            <a:r>
+              <a:rPr lang="zh-CN" altLang="en-US" dirty="0">
+                <a:sym typeface="+mn-ea"/>
+              </a:rPr>
+              <a:t>日</a:t>
+            </a:r>
+            <a:endParaRPr lang="en-US" altLang="zh-CN" dirty="0"/>
+          </a:p>
+          <a:p>
             <a:r>
               <a:rPr lang="en-US" altLang="zh-CN" dirty="0"/>
-              <a:t>https://www.zhihu.com/question/31609683</a:t>
-            </a:r>
-            <a:endParaRPr lang="en-US" altLang="zh-CN" dirty="0"/>
-          </a:p>
-          <a:p>
+              <a:t>【3】https://baike.baidu.com/item/%E5%8E%9F%E5%9E%8B%E6%B3%95/10376518?fr=aladdin </a:t>
+            </a:r>
+            <a:r>
+              <a:rPr lang="en-US" dirty="0">
+                <a:sym typeface="+mn-ea"/>
+              </a:rPr>
+              <a:t>2018</a:t>
+            </a:r>
+            <a:r>
+              <a:rPr lang="zh-CN" altLang="en-US" dirty="0">
+                <a:sym typeface="+mn-ea"/>
+              </a:rPr>
+              <a:t>年</a:t>
+            </a:r>
             <a:r>
               <a:rPr lang="en-US" altLang="zh-CN" dirty="0">
                 <a:sym typeface="+mn-ea"/>
               </a:rPr>
-              <a:t>【6】</a:t>
-            </a:r>
-            <a:r>
-              <a:rPr lang="en-US" altLang="zh-CN" dirty="0"/>
-              <a:t>https://yiweifen.com/html/news/WaiYu/84541.html</a:t>
-            </a:r>
-            <a:endParaRPr lang="en-US" altLang="zh-CN" dirty="0"/>
-          </a:p>
-          <a:p>
+              <a:t>11</a:t>
+            </a:r>
+            <a:r>
+              <a:rPr lang="zh-CN" altLang="en-US" dirty="0">
+                <a:sym typeface="+mn-ea"/>
+              </a:rPr>
+              <a:t>月</a:t>
+            </a:r>
             <a:r>
               <a:rPr lang="en-US" altLang="zh-CN" dirty="0">
                 <a:sym typeface="+mn-ea"/>
               </a:rPr>
-              <a:t>【7】</a:t>
-            </a:r>
-            <a:r>
-              <a:rPr lang="en-US" altLang="zh-CN" dirty="0"/>
-              <a:t>https://wenku.baidu.com/view/331479ea68dc5022aaea998fcc22bcd127ff4219.html</a:t>
+              <a:t>3</a:t>
+            </a:r>
+            <a:r>
+              <a:rPr lang="zh-CN" altLang="en-US" dirty="0">
+                <a:sym typeface="+mn-ea"/>
+              </a:rPr>
+              <a:t>日</a:t>
             </a:r>
             <a:endParaRPr lang="en-US" altLang="zh-CN" dirty="0"/>
           </a:p>
@@ -18079,20 +19235,288 @@
               <a:rPr lang="en-US" altLang="zh-CN" dirty="0">
                 <a:sym typeface="+mn-ea"/>
               </a:rPr>
-              <a:t>【8】</a:t>
+              <a:t>【4】</a:t>
             </a:r>
             <a:r>
               <a:rPr lang="en-US" altLang="zh-CN" dirty="0"/>
-              <a:t>https://blog.csdn.net/CYXLZZS/article/details/8048817</a:t>
-            </a:r>
-            <a:endParaRPr lang="en-US" altLang="zh-CN" dirty="0"/>
-          </a:p>
-          <a:p>
+              <a:t>http://www.woshipm.com/rp/435751.html </a:t>
+            </a:r>
+            <a:r>
+              <a:rPr lang="en-US" dirty="0">
+                <a:sym typeface="+mn-ea"/>
+              </a:rPr>
+              <a:t>2018</a:t>
+            </a:r>
+            <a:r>
+              <a:rPr lang="zh-CN" altLang="en-US" dirty="0">
+                <a:sym typeface="+mn-ea"/>
+              </a:rPr>
+              <a:t>年</a:t>
+            </a:r>
             <a:r>
               <a:rPr lang="en-US" altLang="zh-CN" dirty="0">
                 <a:sym typeface="+mn-ea"/>
               </a:rPr>
-              <a:t>【9】https://blog.csdn.net/novelly/article/details/8866212</a:t>
+              <a:t>11</a:t>
+            </a:r>
+            <a:r>
+              <a:rPr lang="zh-CN" altLang="en-US" dirty="0">
+                <a:sym typeface="+mn-ea"/>
+              </a:rPr>
+              <a:t>月</a:t>
+            </a:r>
+            <a:r>
+              <a:rPr lang="en-US" altLang="zh-CN" dirty="0">
+                <a:sym typeface="+mn-ea"/>
+              </a:rPr>
+              <a:t>3</a:t>
+            </a:r>
+            <a:r>
+              <a:rPr lang="zh-CN" altLang="en-US" dirty="0">
+                <a:sym typeface="+mn-ea"/>
+              </a:rPr>
+              <a:t>日</a:t>
+            </a:r>
+            <a:endParaRPr lang="en-US" altLang="zh-CN" dirty="0"/>
+          </a:p>
+          <a:p>
+            <a:r>
+              <a:rPr lang="en-US" altLang="zh-CN" dirty="0">
+                <a:sym typeface="+mn-ea"/>
+              </a:rPr>
+              <a:t>【5】</a:t>
+            </a:r>
+            <a:r>
+              <a:rPr lang="en-US" altLang="zh-CN" dirty="0"/>
+              <a:t>https://www.zhihu.com/question/31609683 </a:t>
+            </a:r>
+            <a:r>
+              <a:rPr lang="en-US" dirty="0">
+                <a:sym typeface="+mn-ea"/>
+              </a:rPr>
+              <a:t>2018</a:t>
+            </a:r>
+            <a:r>
+              <a:rPr lang="zh-CN" altLang="en-US" dirty="0">
+                <a:sym typeface="+mn-ea"/>
+              </a:rPr>
+              <a:t>年</a:t>
+            </a:r>
+            <a:r>
+              <a:rPr lang="en-US" altLang="zh-CN" dirty="0">
+                <a:sym typeface="+mn-ea"/>
+              </a:rPr>
+              <a:t>11</a:t>
+            </a:r>
+            <a:r>
+              <a:rPr lang="zh-CN" altLang="en-US" dirty="0">
+                <a:sym typeface="+mn-ea"/>
+              </a:rPr>
+              <a:t>月</a:t>
+            </a:r>
+            <a:r>
+              <a:rPr lang="en-US" altLang="zh-CN" dirty="0">
+                <a:sym typeface="+mn-ea"/>
+              </a:rPr>
+              <a:t>3</a:t>
+            </a:r>
+            <a:r>
+              <a:rPr lang="zh-CN" altLang="en-US" dirty="0">
+                <a:sym typeface="+mn-ea"/>
+              </a:rPr>
+              <a:t>日</a:t>
+            </a:r>
+            <a:endParaRPr lang="en-US" altLang="zh-CN" dirty="0"/>
+          </a:p>
+          <a:p>
+            <a:r>
+              <a:rPr lang="en-US" altLang="zh-CN" dirty="0">
+                <a:sym typeface="+mn-ea"/>
+              </a:rPr>
+              <a:t>【6】</a:t>
+            </a:r>
+            <a:r>
+              <a:rPr lang="en-US" altLang="zh-CN" dirty="0"/>
+              <a:t>https://yiweifen.com/html/news/WaiYu/84541.html </a:t>
+            </a:r>
+            <a:r>
+              <a:rPr lang="en-US" dirty="0">
+                <a:sym typeface="+mn-ea"/>
+              </a:rPr>
+              <a:t>2018</a:t>
+            </a:r>
+            <a:r>
+              <a:rPr lang="zh-CN" altLang="en-US" dirty="0">
+                <a:sym typeface="+mn-ea"/>
+              </a:rPr>
+              <a:t>年</a:t>
+            </a:r>
+            <a:r>
+              <a:rPr lang="en-US" altLang="zh-CN" dirty="0">
+                <a:sym typeface="+mn-ea"/>
+              </a:rPr>
+              <a:t>11</a:t>
+            </a:r>
+            <a:r>
+              <a:rPr lang="zh-CN" altLang="en-US" dirty="0">
+                <a:sym typeface="+mn-ea"/>
+              </a:rPr>
+              <a:t>月</a:t>
+            </a:r>
+            <a:r>
+              <a:rPr lang="en-US" altLang="zh-CN" dirty="0">
+                <a:sym typeface="+mn-ea"/>
+              </a:rPr>
+              <a:t>3</a:t>
+            </a:r>
+            <a:r>
+              <a:rPr lang="zh-CN" altLang="en-US" dirty="0">
+                <a:sym typeface="+mn-ea"/>
+              </a:rPr>
+              <a:t>日</a:t>
+            </a:r>
+            <a:endParaRPr lang="en-US" altLang="zh-CN" dirty="0"/>
+          </a:p>
+          <a:p>
+            <a:r>
+              <a:rPr lang="en-US" altLang="zh-CN" dirty="0">
+                <a:sym typeface="+mn-ea"/>
+              </a:rPr>
+              <a:t>【7】</a:t>
+            </a:r>
+            <a:r>
+              <a:rPr lang="en-US" altLang="zh-CN" dirty="0"/>
+              <a:t>https://wenku.baidu.com/view/331479ea68dc5022aaea998fcc22bcd127ff4219.html </a:t>
+            </a:r>
+            <a:r>
+              <a:rPr lang="en-US" dirty="0">
+                <a:sym typeface="+mn-ea"/>
+              </a:rPr>
+              <a:t>2018</a:t>
+            </a:r>
+            <a:r>
+              <a:rPr lang="zh-CN" altLang="en-US" dirty="0">
+                <a:sym typeface="+mn-ea"/>
+              </a:rPr>
+              <a:t>年</a:t>
+            </a:r>
+            <a:r>
+              <a:rPr lang="en-US" altLang="zh-CN" dirty="0">
+                <a:sym typeface="+mn-ea"/>
+              </a:rPr>
+              <a:t>11</a:t>
+            </a:r>
+            <a:r>
+              <a:rPr lang="zh-CN" altLang="en-US" dirty="0">
+                <a:sym typeface="+mn-ea"/>
+              </a:rPr>
+              <a:t>月</a:t>
+            </a:r>
+            <a:r>
+              <a:rPr lang="en-US" altLang="zh-CN" dirty="0">
+                <a:sym typeface="+mn-ea"/>
+              </a:rPr>
+              <a:t>3</a:t>
+            </a:r>
+            <a:r>
+              <a:rPr lang="zh-CN" altLang="en-US" dirty="0">
+                <a:sym typeface="+mn-ea"/>
+              </a:rPr>
+              <a:t>日</a:t>
+            </a:r>
+            <a:endParaRPr lang="en-US" altLang="zh-CN" dirty="0"/>
+          </a:p>
+          <a:p>
+            <a:r>
+              <a:rPr lang="en-US" altLang="zh-CN" dirty="0">
+                <a:sym typeface="+mn-ea"/>
+              </a:rPr>
+              <a:t>【8】</a:t>
+            </a:r>
+            <a:r>
+              <a:rPr lang="en-US" altLang="zh-CN" dirty="0"/>
+              <a:t>https://blog.csdn.net/CYXLZZS/article/details/8048817 </a:t>
+            </a:r>
+            <a:r>
+              <a:rPr lang="en-US" dirty="0">
+                <a:sym typeface="+mn-ea"/>
+              </a:rPr>
+              <a:t>2018</a:t>
+            </a:r>
+            <a:r>
+              <a:rPr lang="zh-CN" altLang="en-US" dirty="0">
+                <a:sym typeface="+mn-ea"/>
+              </a:rPr>
+              <a:t>年</a:t>
+            </a:r>
+            <a:r>
+              <a:rPr lang="en-US" altLang="zh-CN" dirty="0">
+                <a:sym typeface="+mn-ea"/>
+              </a:rPr>
+              <a:t>11</a:t>
+            </a:r>
+            <a:r>
+              <a:rPr lang="zh-CN" altLang="en-US" dirty="0">
+                <a:sym typeface="+mn-ea"/>
+              </a:rPr>
+              <a:t>月</a:t>
+            </a:r>
+            <a:r>
+              <a:rPr lang="en-US" altLang="zh-CN" dirty="0">
+                <a:sym typeface="+mn-ea"/>
+              </a:rPr>
+              <a:t>3</a:t>
+            </a:r>
+            <a:r>
+              <a:rPr lang="zh-CN" altLang="en-US" dirty="0">
+                <a:sym typeface="+mn-ea"/>
+              </a:rPr>
+              <a:t>日</a:t>
+            </a:r>
+            <a:endParaRPr lang="en-US" altLang="zh-CN" dirty="0"/>
+          </a:p>
+          <a:p>
+            <a:r>
+              <a:rPr lang="en-US" altLang="zh-CN" dirty="0">
+                <a:sym typeface="+mn-ea"/>
+              </a:rPr>
+              <a:t>【9】https://blog.csdn.net/novelly/article/details/8866212 </a:t>
+            </a:r>
+            <a:r>
+              <a:rPr lang="en-US" dirty="0">
+                <a:sym typeface="+mn-ea"/>
+              </a:rPr>
+              <a:t>2018</a:t>
+            </a:r>
+            <a:r>
+              <a:rPr lang="zh-CN" altLang="en-US" dirty="0">
+                <a:sym typeface="+mn-ea"/>
+              </a:rPr>
+              <a:t>年</a:t>
+            </a:r>
+            <a:r>
+              <a:rPr lang="en-US" altLang="zh-CN" dirty="0">
+                <a:sym typeface="+mn-ea"/>
+              </a:rPr>
+              <a:t>11</a:t>
+            </a:r>
+            <a:r>
+              <a:rPr lang="zh-CN" altLang="en-US" dirty="0">
+                <a:sym typeface="+mn-ea"/>
+              </a:rPr>
+              <a:t>月</a:t>
+            </a:r>
+            <a:r>
+              <a:rPr lang="en-US" altLang="zh-CN" dirty="0">
+                <a:sym typeface="+mn-ea"/>
+              </a:rPr>
+              <a:t>3</a:t>
+            </a:r>
+            <a:r>
+              <a:rPr lang="zh-CN" altLang="en-US" dirty="0">
+                <a:sym typeface="+mn-ea"/>
+              </a:rPr>
+              <a:t>日</a:t>
             </a:r>
             <a:endParaRPr lang="en-US" altLang="zh-CN" dirty="0">
               <a:sym typeface="+mn-ea"/>
@@ -18103,7 +19527,43 @@
               <a:rPr lang="en-US" altLang="zh-CN" dirty="0">
                 <a:sym typeface="+mn-ea"/>
               </a:rPr>
-              <a:t>【10】https://blog.csdn.net/soft_zzti/article/details/80646178</a:t>
+              <a:t>【10】https://blog.csdn.net/soft_zzti/article/details/80646178 </a:t>
+            </a:r>
+            <a:r>
+              <a:rPr lang="en-US" dirty="0">
+                <a:sym typeface="+mn-ea"/>
+              </a:rPr>
+              <a:t>2018</a:t>
+            </a:r>
+            <a:r>
+              <a:rPr lang="zh-CN" altLang="en-US" dirty="0">
+                <a:sym typeface="+mn-ea"/>
+              </a:rPr>
+              <a:t>年</a:t>
+            </a:r>
+            <a:r>
+              <a:rPr lang="en-US" altLang="zh-CN" dirty="0">
+                <a:sym typeface="+mn-ea"/>
+              </a:rPr>
+              <a:t>11</a:t>
+            </a:r>
+            <a:r>
+              <a:rPr lang="zh-CN" altLang="en-US" dirty="0">
+                <a:sym typeface="+mn-ea"/>
+              </a:rPr>
+              <a:t>月</a:t>
+            </a:r>
+            <a:r>
+              <a:rPr lang="en-US" altLang="zh-CN" dirty="0">
+                <a:sym typeface="+mn-ea"/>
+              </a:rPr>
+              <a:t>3</a:t>
+            </a:r>
+            <a:r>
+              <a:rPr lang="zh-CN" altLang="en-US" dirty="0">
+                <a:sym typeface="+mn-ea"/>
+              </a:rPr>
+              <a:t>日</a:t>
             </a:r>
             <a:endParaRPr lang="en-US" altLang="zh-CN" dirty="0">
               <a:sym typeface="+mn-ea"/>
@@ -18208,6 +19668,9 @@
         </p:txBody>
       </p:sp>
     </p:spTree>
+    <p:custDataLst>
+      <p:tags r:id="rId1"/>
+    </p:custDataLst>
   </p:cSld>
   <p:clrMapOvr>
     <a:masterClrMapping/>
@@ -18215,17 +19678,9 @@
 </p:sld>
 </file>
 
-<file path=ppt/slides/slide55.xml><?xml version="1.0" encoding="utf-8"?>
+<file path=ppt/slides/slide54.xml><?xml version="1.0" encoding="utf-8"?>
 <p:sld xmlns:a="http://schemas.openxmlformats.org/drawingml/2006/main" xmlns:r="http://schemas.openxmlformats.org/officeDocument/2006/relationships" xmlns:p="http://schemas.openxmlformats.org/presentationml/2006/main">
   <p:cSld>
-    <p:bg>
-      <p:bgPr>
-        <a:solidFill>
-          <a:srgbClr val="F1F1F1"/>
-        </a:solidFill>
-        <a:effectLst/>
-      </p:bgPr>
-    </p:bg>
     <p:spTree>
       <p:nvGrpSpPr>
         <p:cNvPr id="1" name=""/>
@@ -18257,7 +19712,7 @@
           <a:p>
             <a:r>
               <a:rPr lang="zh-CN" altLang="en-US"/>
-              <a:t>小组分工及评价</a:t>
+              <a:t>参考文献</a:t>
             </a:r>
             <a:endParaRPr lang="zh-CN" altLang="en-US"/>
           </a:p>
@@ -18275,19 +19730,490 @@
         </p:nvSpPr>
         <p:spPr/>
         <p:txBody>
+          <a:bodyPr>
+            <a:normAutofit fontScale="80000"/>
+          </a:bodyPr>
+          <a:lstStyle/>
+          <a:p>
+            <a:r>
+              <a:rPr lang="en-US" altLang="zh-CN" dirty="0">
+                <a:sym typeface="+mn-ea"/>
+              </a:rPr>
+              <a:t>【11】https://baike.baidu.com/item/%E5%A2%A8%E5%88%80/20111640?fr=</a:t>
+            </a:r>
+            <a:r>
+              <a:rPr lang="en-US" altLang="zh-CN" dirty="0" err="1">
+                <a:sym typeface="+mn-ea"/>
+              </a:rPr>
+              <a:t>aladdin </a:t>
+            </a:r>
+            <a:r>
+              <a:rPr lang="en-US" dirty="0">
+                <a:sym typeface="+mn-ea"/>
+              </a:rPr>
+              <a:t>2018</a:t>
+            </a:r>
+            <a:r>
+              <a:rPr lang="zh-CN" altLang="en-US" dirty="0">
+                <a:sym typeface="+mn-ea"/>
+              </a:rPr>
+              <a:t>年</a:t>
+            </a:r>
+            <a:r>
+              <a:rPr lang="en-US" altLang="zh-CN" dirty="0">
+                <a:sym typeface="+mn-ea"/>
+              </a:rPr>
+              <a:t>11</a:t>
+            </a:r>
+            <a:r>
+              <a:rPr lang="zh-CN" altLang="en-US" dirty="0">
+                <a:sym typeface="+mn-ea"/>
+              </a:rPr>
+              <a:t>月</a:t>
+            </a:r>
+            <a:r>
+              <a:rPr lang="en-US" altLang="zh-CN" dirty="0">
+                <a:sym typeface="+mn-ea"/>
+              </a:rPr>
+              <a:t>3</a:t>
+            </a:r>
+            <a:r>
+              <a:rPr lang="zh-CN" altLang="en-US" dirty="0">
+                <a:sym typeface="+mn-ea"/>
+              </a:rPr>
+              <a:t>日</a:t>
+            </a:r>
+            <a:endParaRPr lang="en-US" altLang="zh-CN" dirty="0">
+              <a:sym typeface="+mn-ea"/>
+            </a:endParaRPr>
+          </a:p>
+          <a:p>
+            <a:r>
+              <a:rPr lang="en-US" altLang="zh-CN" dirty="0">
+                <a:sym typeface="+mn-ea"/>
+              </a:rPr>
+              <a:t>【12】</a:t>
+            </a:r>
+            <a:endParaRPr lang="en-US" altLang="zh-CN" dirty="0">
+              <a:sym typeface="+mn-ea"/>
+            </a:endParaRPr>
+          </a:p>
+          <a:p>
+            <a:r>
+              <a:rPr lang="en-US" altLang="zh-CN" dirty="0">
+                <a:sym typeface="+mn-ea"/>
+              </a:rPr>
+              <a:t>https://baike.baidu.com/item/axure%20rp/9653646?fr=aladdin </a:t>
+            </a:r>
+            <a:r>
+              <a:rPr lang="en-US" dirty="0">
+                <a:sym typeface="+mn-ea"/>
+              </a:rPr>
+              <a:t>2018</a:t>
+            </a:r>
+            <a:r>
+              <a:rPr lang="zh-CN" altLang="en-US" dirty="0">
+                <a:sym typeface="+mn-ea"/>
+              </a:rPr>
+              <a:t>年</a:t>
+            </a:r>
+            <a:r>
+              <a:rPr lang="en-US" altLang="zh-CN" dirty="0">
+                <a:sym typeface="+mn-ea"/>
+              </a:rPr>
+              <a:t>11</a:t>
+            </a:r>
+            <a:r>
+              <a:rPr lang="zh-CN" altLang="en-US" dirty="0">
+                <a:sym typeface="+mn-ea"/>
+              </a:rPr>
+              <a:t>月</a:t>
+            </a:r>
+            <a:r>
+              <a:rPr lang="en-US" altLang="zh-CN" dirty="0">
+                <a:sym typeface="+mn-ea"/>
+              </a:rPr>
+              <a:t>3</a:t>
+            </a:r>
+            <a:r>
+              <a:rPr lang="zh-CN" altLang="en-US" dirty="0">
+                <a:sym typeface="+mn-ea"/>
+              </a:rPr>
+              <a:t>日</a:t>
+            </a:r>
+            <a:endParaRPr lang="zh-CN" altLang="en-US" dirty="0">
+              <a:sym typeface="+mn-ea"/>
+            </a:endParaRPr>
+          </a:p>
+          <a:p>
+            <a:r>
+              <a:rPr lang="en-US" altLang="zh-CN" dirty="0">
+                <a:sym typeface="+mn-ea"/>
+              </a:rPr>
+              <a:t>【13】</a:t>
+            </a:r>
+            <a:r>
+              <a:rPr lang="en-US" altLang="zh-CN" dirty="0">
+                <a:sym typeface="+mn-ea"/>
+              </a:rPr>
+              <a:t>https://img.zcool.cn/community/0284a555cc30ef0000015200937380.jpeg@800w_1l 2018</a:t>
+            </a:r>
+            <a:r>
+              <a:rPr lang="zh-CN" altLang="en-US" dirty="0">
+                <a:sym typeface="+mn-ea"/>
+              </a:rPr>
+              <a:t>年</a:t>
+            </a:r>
+            <a:r>
+              <a:rPr lang="en-US" altLang="zh-CN" dirty="0">
+                <a:sym typeface="+mn-ea"/>
+              </a:rPr>
+              <a:t>11</a:t>
+            </a:r>
+            <a:r>
+              <a:rPr lang="zh-CN" altLang="en-US" dirty="0">
+                <a:sym typeface="+mn-ea"/>
+              </a:rPr>
+              <a:t>月</a:t>
+            </a:r>
+            <a:r>
+              <a:rPr lang="en-US" altLang="zh-CN" dirty="0">
+                <a:sym typeface="+mn-ea"/>
+              </a:rPr>
+              <a:t>10</a:t>
+            </a:r>
+            <a:r>
+              <a:rPr lang="zh-CN" altLang="en-US" dirty="0">
+                <a:sym typeface="+mn-ea"/>
+              </a:rPr>
+              <a:t>日</a:t>
+            </a:r>
+            <a:endParaRPr lang="zh-CN" altLang="en-US" dirty="0">
+              <a:sym typeface="+mn-ea"/>
+            </a:endParaRPr>
+          </a:p>
+          <a:p>
+            <a:r>
+              <a:rPr lang="en-US" altLang="zh-CN" dirty="0">
+                <a:sym typeface="+mn-ea"/>
+              </a:rPr>
+              <a:t>【14】</a:t>
+            </a:r>
+            <a:r>
+              <a:rPr lang="zh-CN" altLang="en-US" dirty="0">
+                <a:sym typeface="+mn-ea"/>
+              </a:rPr>
+              <a:t>http://aliyunzixunbucket.oss-cn-beijing.aliyuncs.com/jpg/60ab5acc02d2db4813095665ea8f3e3e.jpg?x-oss-process=image/resize,p_100/auto-orient,1/quality,q_90/format,jpg/watermark,image_eXVuY2VzaGk=,t_100,g_se,x_0,y_0 </a:t>
+            </a:r>
+            <a:r>
+              <a:rPr lang="en-US" altLang="zh-CN" dirty="0">
+                <a:sym typeface="+mn-ea"/>
+              </a:rPr>
+              <a:t>2018</a:t>
+            </a:r>
+            <a:r>
+              <a:rPr lang="zh-CN" altLang="en-US" dirty="0">
+                <a:sym typeface="+mn-ea"/>
+              </a:rPr>
+              <a:t>年</a:t>
+            </a:r>
+            <a:r>
+              <a:rPr lang="en-US" altLang="zh-CN" dirty="0">
+                <a:sym typeface="+mn-ea"/>
+              </a:rPr>
+              <a:t>11</a:t>
+            </a:r>
+            <a:r>
+              <a:rPr lang="zh-CN" altLang="en-US" dirty="0">
+                <a:sym typeface="+mn-ea"/>
+              </a:rPr>
+              <a:t>月</a:t>
+            </a:r>
+            <a:r>
+              <a:rPr lang="en-US" altLang="zh-CN" dirty="0">
+                <a:sym typeface="+mn-ea"/>
+              </a:rPr>
+              <a:t>10</a:t>
+            </a:r>
+            <a:r>
+              <a:rPr lang="zh-CN" altLang="en-US" dirty="0">
+                <a:sym typeface="+mn-ea"/>
+              </a:rPr>
+              <a:t>日</a:t>
+            </a:r>
+            <a:endParaRPr lang="zh-CN" altLang="en-US" dirty="0">
+              <a:sym typeface="+mn-ea"/>
+            </a:endParaRPr>
+          </a:p>
+        </p:txBody>
+      </p:sp>
+      <p:sp>
+        <p:nvSpPr>
+          <p:cNvPr id="4" name="Freeform 5"/>
+          <p:cNvSpPr/>
+          <p:nvPr/>
+        </p:nvSpPr>
+        <p:spPr bwMode="auto">
+          <a:xfrm flipH="1">
+            <a:off x="0" y="-13281"/>
+            <a:ext cx="409433" cy="832147"/>
+          </a:xfrm>
+          <a:custGeom>
+            <a:avLst/>
+            <a:gdLst>
+              <a:gd name="T0" fmla="*/ 1462 w 2332"/>
+              <a:gd name="T1" fmla="*/ 0 h 3907"/>
+              <a:gd name="T2" fmla="*/ 2332 w 2332"/>
+              <a:gd name="T3" fmla="*/ 0 h 3907"/>
+              <a:gd name="T4" fmla="*/ 2332 w 2332"/>
+              <a:gd name="T5" fmla="*/ 3907 h 3907"/>
+              <a:gd name="T6" fmla="*/ 0 w 2332"/>
+              <a:gd name="T7" fmla="*/ 2595 h 3907"/>
+              <a:gd name="T8" fmla="*/ 1462 w 2332"/>
+              <a:gd name="T9" fmla="*/ 0 h 3907"/>
+            </a:gdLst>
+            <a:ahLst/>
+            <a:cxnLst>
+              <a:cxn ang="0">
+                <a:pos x="T0" y="T1"/>
+              </a:cxn>
+              <a:cxn ang="0">
+                <a:pos x="T2" y="T3"/>
+              </a:cxn>
+              <a:cxn ang="0">
+                <a:pos x="T4" y="T5"/>
+              </a:cxn>
+              <a:cxn ang="0">
+                <a:pos x="T6" y="T7"/>
+              </a:cxn>
+              <a:cxn ang="0">
+                <a:pos x="T8" y="T9"/>
+              </a:cxn>
+            </a:cxnLst>
+            <a:rect l="0" t="0" r="r" b="b"/>
+            <a:pathLst>
+              <a:path w="2332" h="3907">
+                <a:moveTo>
+                  <a:pt x="1462" y="0"/>
+                </a:moveTo>
+                <a:lnTo>
+                  <a:pt x="2332" y="0"/>
+                </a:lnTo>
+                <a:lnTo>
+                  <a:pt x="2332" y="3907"/>
+                </a:lnTo>
+                <a:lnTo>
+                  <a:pt x="0" y="2595"/>
+                </a:lnTo>
+                <a:lnTo>
+                  <a:pt x="1462" y="0"/>
+                </a:lnTo>
+                <a:close/>
+              </a:path>
+            </a:pathLst>
+          </a:custGeom>
+          <a:solidFill>
+            <a:srgbClr val="002B41"/>
+          </a:solidFill>
+          <a:ln w="28575">
+            <a:noFill/>
+          </a:ln>
+          <a:effectLst>
+            <a:outerShdw blurRad="254000" dist="127000" dir="2700000" algn="tl" rotWithShape="0">
+              <a:prstClr val="black">
+                <a:alpha val="40000"/>
+              </a:prstClr>
+            </a:outerShdw>
+          </a:effectLst>
+        </p:spPr>
+        <p:txBody>
+          <a:bodyPr anchor="ctr"/>
+          <a:lstStyle/>
+          <a:p>
+            <a:pPr algn="ctr"/>
+            <a:endParaRPr lang="zh-CN" altLang="en-US" sz="2000">
+              <a:solidFill>
+                <a:schemeClr val="bg1">
+                  <a:lumMod val="95000"/>
+                </a:schemeClr>
+              </a:solidFill>
+              <a:latin typeface="Calibri" panose="020F0502020204030204" pitchFamily="34" charset="0"/>
+              <a:ea typeface="宋体" panose="02010600030101010101" pitchFamily="2" charset="-122"/>
+            </a:endParaRPr>
+          </a:p>
+        </p:txBody>
+      </p:sp>
+    </p:spTree>
+  </p:cSld>
+  <p:clrMapOvr>
+    <a:masterClrMapping/>
+  </p:clrMapOvr>
+</p:sld>
+</file>
+
+<file path=ppt/slides/slide55.xml><?xml version="1.0" encoding="utf-8"?>
+<p:sld xmlns:a="http://schemas.openxmlformats.org/drawingml/2006/main" xmlns:r="http://schemas.openxmlformats.org/officeDocument/2006/relationships" xmlns:p="http://schemas.openxmlformats.org/presentationml/2006/main">
+  <p:cSld>
+    <p:spTree>
+      <p:nvGrpSpPr>
+        <p:cNvPr id="1" name=""/>
+        <p:cNvGrpSpPr/>
+        <p:nvPr/>
+      </p:nvGrpSpPr>
+      <p:grpSpPr>
+        <a:xfrm>
+          <a:off x="0" y="0"/>
+          <a:ext cx="0" cy="0"/>
+          <a:chOff x="0" y="0"/>
+          <a:chExt cx="0" cy="0"/>
+        </a:xfrm>
+      </p:grpSpPr>
+      <p:sp>
+        <p:nvSpPr>
+          <p:cNvPr id="2" name="标题 1"/>
+          <p:cNvSpPr>
+            <a:spLocks noGrp="1"/>
+          </p:cNvSpPr>
+          <p:nvPr>
+            <p:ph type="title"/>
+          </p:nvPr>
+        </p:nvSpPr>
+        <p:spPr/>
+        <p:txBody>
           <a:bodyPr/>
           <a:lstStyle/>
+          <a:p>
+            <a:r>
+              <a:rPr lang="zh-CN" altLang="en-US"/>
+              <a:t>参考文献</a:t>
+            </a:r>
+            <a:endParaRPr lang="zh-CN" altLang="en-US"/>
+          </a:p>
+        </p:txBody>
+      </p:sp>
+      <p:sp>
+        <p:nvSpPr>
+          <p:cNvPr id="5" name="内容占位符 4"/>
+          <p:cNvSpPr>
+            <a:spLocks noGrp="1"/>
+          </p:cNvSpPr>
+          <p:nvPr>
+            <p:ph idx="1"/>
+          </p:nvPr>
+        </p:nvSpPr>
+        <p:spPr/>
+        <p:txBody>
+          <a:bodyPr>
+            <a:normAutofit/>
+          </a:bodyPr>
+          <a:lstStyle/>
+          <a:p>
+            <a:r>
+              <a:rPr lang="en-US" altLang="zh-CN" dirty="0">
+                <a:sym typeface="+mn-ea"/>
+              </a:rPr>
+              <a:t>【15】https://gss3.bdstatic.com/-Po3dSag_xI4khGkpoWK1HF6hhy/baike/c0%3Dbaike220%2C5%2C5%2C220%2C73/sign=20840a96fe1fbe090853cb460a096756/b3119313b07eca803e770c079d2397dda04483db.jpg</a:t>
+            </a:r>
+            <a:r>
+              <a:rPr lang="en-US" altLang="zh-CN" dirty="0" err="1">
+                <a:sym typeface="+mn-ea"/>
+              </a:rPr>
+              <a:t> </a:t>
+            </a:r>
+            <a:r>
+              <a:rPr lang="en-US" dirty="0">
+                <a:sym typeface="+mn-ea"/>
+              </a:rPr>
+              <a:t>2018</a:t>
+            </a:r>
+            <a:r>
+              <a:rPr lang="zh-CN" altLang="en-US" dirty="0">
+                <a:sym typeface="+mn-ea"/>
+              </a:rPr>
+              <a:t>年</a:t>
+            </a:r>
+            <a:r>
+              <a:rPr lang="en-US" altLang="zh-CN" dirty="0">
+                <a:sym typeface="+mn-ea"/>
+              </a:rPr>
+              <a:t>11</a:t>
+            </a:r>
+            <a:r>
+              <a:rPr lang="zh-CN" altLang="en-US" dirty="0">
+                <a:sym typeface="+mn-ea"/>
+              </a:rPr>
+              <a:t>月</a:t>
+            </a:r>
+            <a:r>
+              <a:rPr lang="en-US" altLang="zh-CN" dirty="0">
+                <a:sym typeface="+mn-ea"/>
+              </a:rPr>
+              <a:t>10</a:t>
+            </a:r>
+            <a:r>
+              <a:rPr lang="zh-CN" altLang="en-US" dirty="0">
+                <a:sym typeface="+mn-ea"/>
+              </a:rPr>
+              <a:t>日</a:t>
+            </a:r>
+            <a:endParaRPr lang="en-US" altLang="zh-CN" dirty="0">
+              <a:sym typeface="+mn-ea"/>
+            </a:endParaRPr>
+          </a:p>
+          <a:p>
+            <a:r>
+              <a:rPr lang="en-US" altLang="zh-CN" dirty="0">
+                <a:sym typeface="+mn-ea"/>
+              </a:rPr>
+              <a:t>【16】http://static.36kr.com/wp-content/uploads/2012/08/EASEL.jpg </a:t>
+            </a:r>
+            <a:r>
+              <a:rPr lang="en-US" dirty="0">
+                <a:sym typeface="+mn-ea"/>
+              </a:rPr>
+              <a:t>2018</a:t>
+            </a:r>
+            <a:r>
+              <a:rPr lang="zh-CN" altLang="en-US" dirty="0">
+                <a:sym typeface="+mn-ea"/>
+              </a:rPr>
+              <a:t>年</a:t>
+            </a:r>
+            <a:r>
+              <a:rPr lang="en-US" altLang="zh-CN" dirty="0">
+                <a:sym typeface="+mn-ea"/>
+              </a:rPr>
+              <a:t>11</a:t>
+            </a:r>
+            <a:r>
+              <a:rPr lang="zh-CN" altLang="en-US" dirty="0">
+                <a:sym typeface="+mn-ea"/>
+              </a:rPr>
+              <a:t>月</a:t>
+            </a:r>
+            <a:r>
+              <a:rPr lang="en-US" altLang="zh-CN" dirty="0">
+                <a:sym typeface="+mn-ea"/>
+              </a:rPr>
+              <a:t>10</a:t>
+            </a:r>
+            <a:r>
+              <a:rPr lang="zh-CN" altLang="en-US" dirty="0">
+                <a:sym typeface="+mn-ea"/>
+              </a:rPr>
+              <a:t>日</a:t>
+            </a:r>
+            <a:endParaRPr lang="zh-CN" altLang="en-US" dirty="0">
+              <a:sym typeface="+mn-ea"/>
+            </a:endParaRPr>
+          </a:p>
           <a:p>
             <a:pPr marL="0" indent="0">
               <a:buNone/>
             </a:pPr>
-            <a:endParaRPr lang="zh-CN" altLang="zh-CN" dirty="0">
-              <a:latin typeface="+mn-ea"/>
-              <a:cs typeface="+mn-ea"/>
+            <a:endParaRPr lang="zh-CN" altLang="en-US" dirty="0">
+              <a:sym typeface="+mn-ea"/>
             </a:endParaRPr>
-          </a:p>
-          <a:p>
-            <a:endParaRPr lang="zh-CN" altLang="en-US" dirty="0"/>
           </a:p>
         </p:txBody>
       </p:sp>
@@ -18422,6 +20348,308 @@
       </p:grpSpPr>
       <p:sp>
         <p:nvSpPr>
+          <p:cNvPr id="2" name="标题 1"/>
+          <p:cNvSpPr>
+            <a:spLocks noGrp="1"/>
+          </p:cNvSpPr>
+          <p:nvPr>
+            <p:ph type="title"/>
+          </p:nvPr>
+        </p:nvSpPr>
+        <p:spPr/>
+        <p:txBody>
+          <a:bodyPr/>
+          <a:lstStyle/>
+          <a:p>
+            <a:r>
+              <a:rPr lang="zh-CN" altLang="en-US"/>
+              <a:t>小组分工及评价</a:t>
+            </a:r>
+            <a:endParaRPr lang="zh-CN" altLang="en-US"/>
+          </a:p>
+        </p:txBody>
+      </p:sp>
+      <p:sp>
+        <p:nvSpPr>
+          <p:cNvPr id="5" name="内容占位符 4"/>
+          <p:cNvSpPr>
+            <a:spLocks noGrp="1"/>
+          </p:cNvSpPr>
+          <p:nvPr>
+            <p:ph idx="1"/>
+          </p:nvPr>
+        </p:nvSpPr>
+        <p:spPr/>
+        <p:txBody>
+          <a:bodyPr/>
+          <a:lstStyle/>
+          <a:p>
+            <a:pPr marL="0" indent="0">
+              <a:buNone/>
+            </a:pPr>
+            <a:endParaRPr lang="zh-CN" altLang="zh-CN" dirty="0">
+              <a:latin typeface="+mn-ea"/>
+              <a:cs typeface="+mn-ea"/>
+            </a:endParaRPr>
+          </a:p>
+          <a:p>
+            <a:endParaRPr lang="zh-CN" altLang="en-US" dirty="0"/>
+          </a:p>
+        </p:txBody>
+      </p:sp>
+      <p:sp>
+        <p:nvSpPr>
+          <p:cNvPr id="4" name="Freeform 5"/>
+          <p:cNvSpPr/>
+          <p:nvPr/>
+        </p:nvSpPr>
+        <p:spPr bwMode="auto">
+          <a:xfrm flipH="1">
+            <a:off x="0" y="-13281"/>
+            <a:ext cx="409433" cy="832147"/>
+          </a:xfrm>
+          <a:custGeom>
+            <a:avLst/>
+            <a:gdLst>
+              <a:gd name="T0" fmla="*/ 1462 w 2332"/>
+              <a:gd name="T1" fmla="*/ 0 h 3907"/>
+              <a:gd name="T2" fmla="*/ 2332 w 2332"/>
+              <a:gd name="T3" fmla="*/ 0 h 3907"/>
+              <a:gd name="T4" fmla="*/ 2332 w 2332"/>
+              <a:gd name="T5" fmla="*/ 3907 h 3907"/>
+              <a:gd name="T6" fmla="*/ 0 w 2332"/>
+              <a:gd name="T7" fmla="*/ 2595 h 3907"/>
+              <a:gd name="T8" fmla="*/ 1462 w 2332"/>
+              <a:gd name="T9" fmla="*/ 0 h 3907"/>
+            </a:gdLst>
+            <a:ahLst/>
+            <a:cxnLst>
+              <a:cxn ang="0">
+                <a:pos x="T0" y="T1"/>
+              </a:cxn>
+              <a:cxn ang="0">
+                <a:pos x="T2" y="T3"/>
+              </a:cxn>
+              <a:cxn ang="0">
+                <a:pos x="T4" y="T5"/>
+              </a:cxn>
+              <a:cxn ang="0">
+                <a:pos x="T6" y="T7"/>
+              </a:cxn>
+              <a:cxn ang="0">
+                <a:pos x="T8" y="T9"/>
+              </a:cxn>
+            </a:cxnLst>
+            <a:rect l="0" t="0" r="r" b="b"/>
+            <a:pathLst>
+              <a:path w="2332" h="3907">
+                <a:moveTo>
+                  <a:pt x="1462" y="0"/>
+                </a:moveTo>
+                <a:lnTo>
+                  <a:pt x="2332" y="0"/>
+                </a:lnTo>
+                <a:lnTo>
+                  <a:pt x="2332" y="3907"/>
+                </a:lnTo>
+                <a:lnTo>
+                  <a:pt x="0" y="2595"/>
+                </a:lnTo>
+                <a:lnTo>
+                  <a:pt x="1462" y="0"/>
+                </a:lnTo>
+                <a:close/>
+              </a:path>
+            </a:pathLst>
+          </a:custGeom>
+          <a:solidFill>
+            <a:srgbClr val="002B41"/>
+          </a:solidFill>
+          <a:ln w="28575">
+            <a:noFill/>
+          </a:ln>
+          <a:effectLst>
+            <a:outerShdw blurRad="254000" dist="127000" dir="2700000" algn="tl" rotWithShape="0">
+              <a:prstClr val="black">
+                <a:alpha val="40000"/>
+              </a:prstClr>
+            </a:outerShdw>
+          </a:effectLst>
+        </p:spPr>
+        <p:txBody>
+          <a:bodyPr anchor="ctr"/>
+          <a:lstStyle/>
+          <a:p>
+            <a:pPr algn="ctr"/>
+            <a:endParaRPr lang="zh-CN" altLang="en-US" sz="2000">
+              <a:solidFill>
+                <a:schemeClr val="bg1">
+                  <a:lumMod val="95000"/>
+                </a:schemeClr>
+              </a:solidFill>
+              <a:latin typeface="Calibri" panose="020F0502020204030204" pitchFamily="34" charset="0"/>
+              <a:ea typeface="宋体" panose="02010600030101010101" pitchFamily="2" charset="-122"/>
+            </a:endParaRPr>
+          </a:p>
+        </p:txBody>
+      </p:sp>
+      <p:sp>
+        <p:nvSpPr>
+          <p:cNvPr id="3" name="文本框 2"/>
+          <p:cNvSpPr txBox="1"/>
+          <p:nvPr/>
+        </p:nvSpPr>
+        <p:spPr>
+          <a:xfrm>
+            <a:off x="1038686" y="1690688"/>
+            <a:ext cx="10422385" cy="2554545"/>
+          </a:xfrm>
+          <a:prstGeom prst="rect">
+            <a:avLst/>
+          </a:prstGeom>
+          <a:noFill/>
+        </p:spPr>
+        <p:txBody>
+          <a:bodyPr wrap="square" rtlCol="0">
+            <a:spAutoFit/>
+          </a:bodyPr>
+          <a:lstStyle/>
+          <a:p>
+            <a:r>
+              <a:rPr lang="zh-CN" altLang="en-US" sz="3200" dirty="0"/>
+              <a:t>陈妍蓝：审核修改</a:t>
+            </a:r>
+            <a:r>
+              <a:rPr lang="en-US" altLang="zh-CN" sz="3200" dirty="0"/>
+              <a:t>PPT</a:t>
+            </a:r>
+            <a:r>
+              <a:rPr lang="zh-CN" altLang="en-US" sz="3200" dirty="0"/>
+              <a:t>：网页端界面原型的制作</a:t>
+            </a:r>
+            <a:r>
+              <a:rPr lang="en-US" altLang="zh-CN" sz="3200" dirty="0"/>
+              <a:t>;79</a:t>
+            </a:r>
+            <a:r>
+              <a:rPr lang="zh-CN" altLang="en-US" sz="3200" dirty="0"/>
+              <a:t>分</a:t>
+            </a:r>
+            <a:endParaRPr lang="en-US" altLang="zh-CN" sz="3200" dirty="0"/>
+          </a:p>
+          <a:p>
+            <a:r>
+              <a:rPr lang="zh-CN" altLang="en-US" sz="3200" dirty="0"/>
+              <a:t>宋翼虎：界面原型</a:t>
+            </a:r>
+            <a:r>
+              <a:rPr lang="en-US" altLang="zh-CN" sz="3200" dirty="0"/>
+              <a:t>PPT</a:t>
+            </a:r>
+            <a:r>
+              <a:rPr lang="zh-CN" altLang="en-US" sz="3200" dirty="0"/>
+              <a:t>的制作；</a:t>
+            </a:r>
+            <a:r>
+              <a:rPr lang="en-US" altLang="zh-CN" sz="3200" dirty="0"/>
+              <a:t>85</a:t>
+            </a:r>
+            <a:r>
+              <a:rPr lang="zh-CN" altLang="en-US" sz="3200" dirty="0"/>
+              <a:t>分</a:t>
+            </a:r>
+            <a:endParaRPr lang="en-US" altLang="zh-CN" sz="3200" dirty="0"/>
+          </a:p>
+          <a:p>
+            <a:r>
+              <a:rPr lang="zh-CN" altLang="en-US" sz="3200" dirty="0"/>
+              <a:t>陈遵义：手机端</a:t>
+            </a:r>
+            <a:r>
+              <a:rPr lang="en-US" altLang="zh-CN" sz="3200" dirty="0"/>
+              <a:t>APP</a:t>
+            </a:r>
+            <a:r>
+              <a:rPr lang="zh-CN" altLang="en-US" sz="3200" dirty="0"/>
+              <a:t>原型的制作；</a:t>
+            </a:r>
+            <a:r>
+              <a:rPr lang="en-US" altLang="zh-CN" sz="3200" dirty="0"/>
+              <a:t>78</a:t>
+            </a:r>
+            <a:r>
+              <a:rPr lang="zh-CN" altLang="en-US" sz="3200" dirty="0"/>
+              <a:t>分</a:t>
+            </a:r>
+            <a:endParaRPr lang="en-US" altLang="zh-CN" sz="3200" dirty="0"/>
+          </a:p>
+          <a:p>
+            <a:r>
+              <a:rPr lang="zh-CN" altLang="en-US" sz="3200" dirty="0"/>
+              <a:t>郑巧雁：搜集整理资料；</a:t>
+            </a:r>
+            <a:r>
+              <a:rPr lang="en-US" altLang="zh-CN" sz="3200" dirty="0"/>
+              <a:t>76</a:t>
+            </a:r>
+            <a:r>
+              <a:rPr lang="zh-CN" altLang="en-US" sz="3200" dirty="0"/>
+              <a:t>分</a:t>
+            </a:r>
+            <a:endParaRPr lang="en-US" altLang="zh-CN" sz="3200" dirty="0"/>
+          </a:p>
+          <a:p>
+            <a:r>
+              <a:rPr lang="zh-CN" altLang="en-US" sz="3200" dirty="0"/>
+              <a:t>张琪：搜集整理资料；</a:t>
+            </a:r>
+            <a:r>
+              <a:rPr lang="en-US" altLang="zh-CN" sz="3200" dirty="0"/>
+              <a:t>75</a:t>
+            </a:r>
+            <a:r>
+              <a:rPr lang="zh-CN" altLang="en-US" sz="3200" dirty="0"/>
+              <a:t>分</a:t>
+            </a:r>
+            <a:endParaRPr lang="zh-CN" altLang="en-US" sz="3200" dirty="0"/>
+          </a:p>
+        </p:txBody>
+      </p:sp>
+    </p:spTree>
+  </p:cSld>
+  <p:clrMapOvr>
+    <a:masterClrMapping/>
+  </p:clrMapOvr>
+</p:sld>
+</file>
+
+<file path=ppt/slides/slide57.xml><?xml version="1.0" encoding="utf-8"?>
+<p:sld xmlns:a="http://schemas.openxmlformats.org/drawingml/2006/main" xmlns:r="http://schemas.openxmlformats.org/officeDocument/2006/relationships" xmlns:p="http://schemas.openxmlformats.org/presentationml/2006/main">
+  <p:cSld>
+    <p:bg>
+      <p:bgPr>
+        <a:solidFill>
+          <a:srgbClr val="F1F1F1"/>
+        </a:solidFill>
+        <a:effectLst/>
+      </p:bgPr>
+    </p:bg>
+    <p:spTree>
+      <p:nvGrpSpPr>
+        <p:cNvPr id="1" name=""/>
+        <p:cNvGrpSpPr/>
+        <p:nvPr/>
+      </p:nvGrpSpPr>
+      <p:grpSpPr>
+        <a:xfrm>
+          <a:off x="0" y="0"/>
+          <a:ext cx="0" cy="0"/>
+          <a:chOff x="0" y="0"/>
+          <a:chExt cx="0" cy="0"/>
+        </a:xfrm>
+      </p:grpSpPr>
+      <p:sp>
+        <p:nvSpPr>
           <p:cNvPr id="8" name="PA_Line 15"/>
           <p:cNvSpPr>
             <a:spLocks noChangeShapeType="1"/>
@@ -18913,6 +21141,7 @@
         <p:spPr/>
         <p:txBody>
           <a:bodyPr/>
+          <a:lstStyle/>
           <a:p>
             <a:r>
               <a:rPr lang="zh-CN" altLang="en-US"/>
@@ -18942,6 +21171,7 @@
           <a:bodyPr>
             <a:normAutofit/>
           </a:bodyPr>
+          <a:lstStyle/>
           <a:p>
             <a:r>
               <a:rPr lang="zh-CN" altLang="en-US"/>
@@ -19072,13 +21302,6 @@
   <p:clrMapOvr>
     <a:masterClrMapping/>
   </p:clrMapOvr>
-  <p:timing>
-    <p:tnLst>
-      <p:par>
-        <p:cTn id="1" dur="indefinite" restart="never" nodeType="tmRoot"/>
-      </p:par>
-    </p:tnLst>
-  </p:timing>
 </p:sld>
 </file>
 
@@ -19125,6 +21348,7 @@
         </p:spPr>
         <p:txBody>
           <a:bodyPr/>
+          <a:lstStyle/>
           <a:p>
             <a:endParaRPr lang="zh-CN" altLang="en-US"/>
           </a:p>
@@ -19252,13 +21476,6 @@
   <p:clrMapOvr>
     <a:masterClrMapping/>
   </p:clrMapOvr>
-  <p:timing>
-    <p:tnLst>
-      <p:par>
-        <p:cTn id="1" dur="indefinite" restart="never" nodeType="tmRoot"/>
-      </p:par>
-    </p:tnLst>
-  </p:timing>
 </p:sld>
 </file>
 
@@ -19300,6 +21517,7 @@
         <p:spPr/>
         <p:txBody>
           <a:bodyPr/>
+          <a:lstStyle/>
           <a:p>
             <a:r>
               <a:rPr lang="zh-CN" altLang="en-US"/>
@@ -19322,71 +21540,72 @@
         <p:spPr>
           <a:xfrm>
             <a:off x="838200" y="1356995"/>
-            <a:ext cx="10515600" cy="5326380"/>
+            <a:ext cx="10515600" cy="5719445"/>
           </a:xfrm>
         </p:spPr>
         <p:txBody>
           <a:bodyPr>
-            <a:normAutofit fontScale="60000"/>
+            <a:normAutofit fontScale="75000" lnSpcReduction="20000"/>
           </a:bodyPr>
-          <a:p>
-            <a:endParaRPr lang="zh-CN" altLang="en-US"/>
-          </a:p>
-          <a:p>
-            <a:r>
-              <a:rPr lang="zh-CN" altLang="en-US"/>
+          <a:lstStyle/>
+          <a:p>
+            <a:endParaRPr lang="zh-CN" altLang="en-US" dirty="0"/>
+          </a:p>
+          <a:p>
+            <a:r>
+              <a:rPr lang="zh-CN" altLang="en-US" dirty="0"/>
               <a:t>1.确定用户的基本需求</a:t>
             </a:r>
-            <a:endParaRPr lang="zh-CN" altLang="en-US"/>
-          </a:p>
-          <a:p>
-            <a:r>
-              <a:rPr lang="zh-CN" altLang="en-US"/>
+            <a:endParaRPr lang="zh-CN" altLang="en-US" dirty="0"/>
+          </a:p>
+          <a:p>
+            <a:r>
+              <a:rPr lang="zh-CN" altLang="en-US" dirty="0"/>
               <a:t>由用户提出对新系统的基本要求，如功能、界面的基本形式、所需要的数据、应用范围、运行环境等，开发者根据这些信息估算开发该系统所需的费用，并建立简明的系统模型。</a:t>
             </a:r>
-            <a:endParaRPr lang="zh-CN" altLang="en-US"/>
-          </a:p>
-          <a:p>
-            <a:r>
-              <a:rPr lang="zh-CN" altLang="en-US"/>
+            <a:endParaRPr lang="zh-CN" altLang="en-US" dirty="0"/>
+          </a:p>
+          <a:p>
+            <a:r>
+              <a:rPr lang="zh-CN" altLang="en-US" dirty="0"/>
               <a:t>2.构造初始原型</a:t>
             </a:r>
-            <a:endParaRPr lang="zh-CN" altLang="en-US"/>
-          </a:p>
-          <a:p>
-            <a:r>
-              <a:rPr lang="zh-CN" altLang="en-US"/>
+            <a:endParaRPr lang="zh-CN" altLang="en-US" dirty="0"/>
+          </a:p>
+          <a:p>
+            <a:r>
+              <a:rPr lang="zh-CN" altLang="en-US" dirty="0"/>
               <a:t>系统开发人员在明确了对系统基本要求和功能的基础上，依据计算机模型，以尽可能快的速度和尽可能多的开发工具来建造一个结构仿真模型，即快速原型构架。</a:t>
             </a:r>
-            <a:endParaRPr lang="zh-CN" altLang="en-US"/>
-          </a:p>
-          <a:p>
-            <a:r>
-              <a:rPr lang="zh-CN" altLang="en-US"/>
+            <a:endParaRPr lang="zh-CN" altLang="en-US" dirty="0"/>
+          </a:p>
+          <a:p>
+            <a:r>
+              <a:rPr lang="zh-CN" altLang="en-US" dirty="0"/>
               <a:t>3.运行、评价、修改原型</a:t>
             </a:r>
-            <a:endParaRPr lang="zh-CN" altLang="en-US"/>
-          </a:p>
-          <a:p>
-            <a:r>
-              <a:rPr lang="zh-CN" altLang="en-US"/>
+            <a:endParaRPr lang="zh-CN" altLang="en-US" dirty="0"/>
+          </a:p>
+          <a:p>
+            <a:r>
+              <a:rPr lang="zh-CN" altLang="en-US" dirty="0"/>
               <a:t>快速原型框架建造成后，让用户进行试运行，各类人员对其进行试用、检查分析效果。由于构造原型中强调的是快速，省略了许多细节，所以，在试用中要充分进行开发人员和用户之间的沟通，尤其是要对用户提出的不满意的地方进行认真细致的反复修改、完善，直到用户满意为止。</a:t>
             </a:r>
-            <a:endParaRPr lang="zh-CN" altLang="en-US"/>
-          </a:p>
-          <a:p>
-            <a:r>
-              <a:rPr lang="zh-CN" altLang="en-US"/>
-              <a:t>4、形成最终的管理信息系统</a:t>
-            </a:r>
-            <a:endParaRPr lang="zh-CN" altLang="en-US"/>
-          </a:p>
-          <a:p>
-            <a:r>
-              <a:rPr lang="zh-CN" altLang="en-US"/>
-              <a:t>如果用户和开发者对原型比较满意，则将其作为正式原型。经过双方继续进行细致的工作，把开发原型过程中的许多细节问题逐个补充、完善、求精，最后形成一个适用的管理信息系统</a:t>
-            </a:r>
-            <a:endParaRPr lang="zh-CN" altLang="en-US"/>
+            <a:endParaRPr lang="zh-CN" altLang="en-US" dirty="0"/>
+          </a:p>
+          <a:p>
+            <a:r>
+              <a:rPr lang="zh-CN" altLang="en-US" dirty="0"/>
+              <a:t>4、形成最终的系统</a:t>
+            </a:r>
+            <a:endParaRPr lang="zh-CN" altLang="en-US" dirty="0"/>
+          </a:p>
+          <a:p>
+            <a:r>
+              <a:rPr lang="zh-CN" altLang="en-US" dirty="0"/>
+              <a:t>如果用户和开发者对原型比较满意，则将其作为正式原型。经过双方继续进行细致的工作，把开发原型过程中的许多细节问题逐个补充、完善、求精，最后形成一个适用的系统。</a:t>
+            </a:r>
+            <a:endParaRPr lang="zh-CN" altLang="en-US" dirty="0"/>
           </a:p>
           <a:p>
             <a:pPr marL="0" indent="0">
@@ -19398,7 +21617,7 @@
               </a:rPr>
               <a:t>										     【3】</a:t>
             </a:r>
-            <a:endParaRPr lang="zh-CN" altLang="en-US"/>
+            <a:endParaRPr lang="zh-CN" altLang="en-US" dirty="0"/>
           </a:p>
         </p:txBody>
       </p:sp>
@@ -19503,13 +21722,6 @@
   <p:clrMapOvr>
     <a:masterClrMapping/>
   </p:clrMapOvr>
-  <p:timing>
-    <p:tnLst>
-      <p:par>
-        <p:cTn id="1" dur="indefinite" restart="never" nodeType="tmRoot"/>
-      </p:par>
-    </p:tnLst>
-  </p:timing>
 </p:sld>
 </file>
 
@@ -19556,8 +21768,9 @@
         </p:spPr>
         <p:txBody>
           <a:bodyPr>
-            <a:normAutofit lnSpcReduction="20000"/>
+            <a:normAutofit fontScale="92500" lnSpcReduction="10000"/>
           </a:bodyPr>
+          <a:lstStyle/>
           <a:p>
             <a:endParaRPr lang="zh-CN" altLang="en-US"/>
           </a:p>
@@ -19781,13 +21994,6 @@
   <p:clrMapOvr>
     <a:masterClrMapping/>
   </p:clrMapOvr>
-  <p:timing>
-    <p:tnLst>
-      <p:par>
-        <p:cTn id="1" dur="indefinite" restart="never" nodeType="tmRoot"/>
-      </p:par>
-    </p:tnLst>
-  </p:timing>
 </p:sld>
 </file>
 
@@ -19839,6 +22045,12 @@
 </p:tagLst>
 </file>
 
+<file path=ppt/tags/tag17.xml><?xml version="1.0" encoding="utf-8"?>
+<p:tagLst xmlns:p="http://schemas.openxmlformats.org/presentationml/2006/main">
+  <p:tag name="PA" val="v3.0.1"/>
+</p:tagLst>
+</file>
+
 <file path=ppt/tags/tag2.xml><?xml version="1.0" encoding="utf-8"?>
 <p:tagLst xmlns:p="http://schemas.openxmlformats.org/presentationml/2006/main">
   <p:tag name="PA" val="v3.0.1"/>
@@ -19883,7 +22095,7 @@
 
 <file path=ppt/tags/tag9.xml><?xml version="1.0" encoding="utf-8"?>
 <p:tagLst xmlns:p="http://schemas.openxmlformats.org/presentationml/2006/main">
-  <p:tag name="PA" val="v3.0.1"/>
+  <p:tag name="KSO_WM_SLIDE_MODEL_TYPE" val="timeline"/>
 </p:tagLst>
 </file>
 
